--- a/Material/Presentación/presentacion.pptx
+++ b/Material/Presentación/presentacion.pptx
@@ -7,28 +7,29 @@
     <p:sldMasterId id="2147483674" r:id="rId4"/>
     <p:sldMasterId id="2147483687" r:id="rId5"/>
     <p:sldMasterId id="2147483700" r:id="rId6"/>
+    <p:sldMasterId id="2147483713" r:id="rId7"/>
   </p:sldMasterIdLst>
   <p:sldIdLst>
-    <p:sldId id="256" r:id="rId7"/>
-    <p:sldId id="257" r:id="rId8"/>
-    <p:sldId id="258" r:id="rId9"/>
-    <p:sldId id="259" r:id="rId10"/>
-    <p:sldId id="260" r:id="rId11"/>
-    <p:sldId id="261" r:id="rId12"/>
-    <p:sldId id="262" r:id="rId13"/>
-    <p:sldId id="263" r:id="rId14"/>
-    <p:sldId id="264" r:id="rId15"/>
-    <p:sldId id="265" r:id="rId16"/>
-    <p:sldId id="266" r:id="rId17"/>
-    <p:sldId id="267" r:id="rId18"/>
-    <p:sldId id="268" r:id="rId19"/>
-    <p:sldId id="269" r:id="rId20"/>
-    <p:sldId id="270" r:id="rId21"/>
-    <p:sldId id="271" r:id="rId22"/>
-    <p:sldId id="272" r:id="rId23"/>
-    <p:sldId id="273" r:id="rId24"/>
-    <p:sldId id="274" r:id="rId25"/>
-    <p:sldId id="275" r:id="rId26"/>
+    <p:sldId id="256" r:id="rId8"/>
+    <p:sldId id="257" r:id="rId9"/>
+    <p:sldId id="258" r:id="rId10"/>
+    <p:sldId id="259" r:id="rId11"/>
+    <p:sldId id="260" r:id="rId12"/>
+    <p:sldId id="261" r:id="rId13"/>
+    <p:sldId id="262" r:id="rId14"/>
+    <p:sldId id="263" r:id="rId15"/>
+    <p:sldId id="264" r:id="rId16"/>
+    <p:sldId id="265" r:id="rId17"/>
+    <p:sldId id="266" r:id="rId18"/>
+    <p:sldId id="267" r:id="rId19"/>
+    <p:sldId id="268" r:id="rId20"/>
+    <p:sldId id="269" r:id="rId21"/>
+    <p:sldId id="270" r:id="rId22"/>
+    <p:sldId id="271" r:id="rId23"/>
+    <p:sldId id="272" r:id="rId24"/>
+    <p:sldId id="273" r:id="rId25"/>
+    <p:sldId id="274" r:id="rId26"/>
+    <p:sldId id="275" r:id="rId27"/>
   </p:sldIdLst>
   <p:sldSz cx="10080625" cy="7559675"/>
   <p:notesSz cx="7559675" cy="10691812"/>
@@ -86,8 +87,8 @@
         </p:nvSpPr>
         <p:spPr>
           <a:xfrm>
-            <a:off x="360000" y="3330000"/>
-            <a:ext cx="9359640" cy="899640"/>
+            <a:off x="360000" y="3148560"/>
+            <a:ext cx="9359280" cy="1262160"/>
           </a:xfrm>
           <a:prstGeom prst="rect">
             <a:avLst/>
@@ -118,7 +119,7 @@
         <p:spPr>
           <a:xfrm>
             <a:off x="504000" y="1768680"/>
-            <a:ext cx="9072000" cy="2090880"/>
+            <a:ext cx="9071640" cy="2090880"/>
           </a:xfrm>
           <a:prstGeom prst="rect">
             <a:avLst/>
@@ -148,7 +149,7 @@
         <p:spPr>
           <a:xfrm>
             <a:off x="504000" y="4058640"/>
-            <a:ext cx="9072000" cy="2090880"/>
+            <a:ext cx="9071640" cy="2090880"/>
           </a:xfrm>
           <a:prstGeom prst="rect">
             <a:avLst/>
@@ -199,8 +200,8 @@
         </p:nvSpPr>
         <p:spPr>
           <a:xfrm>
-            <a:off x="360000" y="3330000"/>
-            <a:ext cx="9359640" cy="899640"/>
+            <a:off x="360000" y="3148560"/>
+            <a:ext cx="9359280" cy="1262160"/>
           </a:xfrm>
           <a:prstGeom prst="rect">
             <a:avLst/>
@@ -372,8 +373,8 @@
         </p:nvSpPr>
         <p:spPr>
           <a:xfrm>
-            <a:off x="360000" y="3330000"/>
-            <a:ext cx="9359640" cy="899640"/>
+            <a:off x="360000" y="3148560"/>
+            <a:ext cx="9359280" cy="1262160"/>
           </a:xfrm>
           <a:prstGeom prst="rect">
             <a:avLst/>
@@ -404,7 +405,7 @@
         <p:spPr>
           <a:xfrm>
             <a:off x="504000" y="1768680"/>
-            <a:ext cx="2921040" cy="2090880"/>
+            <a:ext cx="2920680" cy="2090880"/>
           </a:xfrm>
           <a:prstGeom prst="rect">
             <a:avLst/>
@@ -433,8 +434,8 @@
         </p:nvSpPr>
         <p:spPr>
           <a:xfrm>
-            <a:off x="3571560" y="1768680"/>
-            <a:ext cx="2921040" cy="2090880"/>
+            <a:off x="3571200" y="1768680"/>
+            <a:ext cx="2920680" cy="2090880"/>
           </a:xfrm>
           <a:prstGeom prst="rect">
             <a:avLst/>
@@ -463,8 +464,8 @@
         </p:nvSpPr>
         <p:spPr>
           <a:xfrm>
-            <a:off x="6639120" y="1768680"/>
-            <a:ext cx="2921040" cy="2090880"/>
+            <a:off x="6638040" y="1768680"/>
+            <a:ext cx="2920680" cy="2090880"/>
           </a:xfrm>
           <a:prstGeom prst="rect">
             <a:avLst/>
@@ -494,7 +495,7 @@
         <p:spPr>
           <a:xfrm>
             <a:off x="504000" y="4058640"/>
-            <a:ext cx="2921040" cy="2090880"/>
+            <a:ext cx="2920680" cy="2090880"/>
           </a:xfrm>
           <a:prstGeom prst="rect">
             <a:avLst/>
@@ -523,8 +524,8 @@
         </p:nvSpPr>
         <p:spPr>
           <a:xfrm>
-            <a:off x="3571560" y="4058640"/>
-            <a:ext cx="2921040" cy="2090880"/>
+            <a:off x="3571200" y="4058640"/>
+            <a:ext cx="2920680" cy="2090880"/>
           </a:xfrm>
           <a:prstGeom prst="rect">
             <a:avLst/>
@@ -553,8 +554,8 @@
         </p:nvSpPr>
         <p:spPr>
           <a:xfrm>
-            <a:off x="6639120" y="4058640"/>
-            <a:ext cx="2921040" cy="2090880"/>
+            <a:off x="6638040" y="4058640"/>
+            <a:ext cx="2920680" cy="2090880"/>
           </a:xfrm>
           <a:prstGeom prst="rect">
             <a:avLst/>
@@ -627,8 +628,8 @@
         </p:nvSpPr>
         <p:spPr>
           <a:xfrm>
-            <a:off x="360000" y="3330000"/>
-            <a:ext cx="9359640" cy="899640"/>
+            <a:off x="360000" y="3148560"/>
+            <a:ext cx="9359280" cy="1262160"/>
           </a:xfrm>
           <a:prstGeom prst="rect">
             <a:avLst/>
@@ -659,7 +660,7 @@
         <p:spPr>
           <a:xfrm>
             <a:off x="504000" y="1768680"/>
-            <a:ext cx="9072000" cy="4384080"/>
+            <a:ext cx="9071640" cy="4383720"/>
           </a:xfrm>
           <a:prstGeom prst="rect">
             <a:avLst/>
@@ -711,8 +712,8 @@
         </p:nvSpPr>
         <p:spPr>
           <a:xfrm>
-            <a:off x="360000" y="3330000"/>
-            <a:ext cx="9359640" cy="899640"/>
+            <a:off x="360000" y="3148560"/>
+            <a:ext cx="9359280" cy="1262160"/>
           </a:xfrm>
           <a:prstGeom prst="rect">
             <a:avLst/>
@@ -743,7 +744,7 @@
         <p:spPr>
           <a:xfrm>
             <a:off x="504000" y="1768680"/>
-            <a:ext cx="9072000" cy="4384080"/>
+            <a:ext cx="9071640" cy="4383720"/>
           </a:xfrm>
           <a:prstGeom prst="rect">
             <a:avLst/>
@@ -794,8 +795,8 @@
         </p:nvSpPr>
         <p:spPr>
           <a:xfrm>
-            <a:off x="360000" y="3330000"/>
-            <a:ext cx="9359640" cy="899640"/>
+            <a:off x="360000" y="3148560"/>
+            <a:ext cx="9359280" cy="1262160"/>
           </a:xfrm>
           <a:prstGeom prst="rect">
             <a:avLst/>
@@ -826,7 +827,7 @@
         <p:spPr>
           <a:xfrm>
             <a:off x="504000" y="1768680"/>
-            <a:ext cx="4426920" cy="4384080"/>
+            <a:ext cx="4426920" cy="4383720"/>
           </a:xfrm>
           <a:prstGeom prst="rect">
             <a:avLst/>
@@ -856,7 +857,7 @@
         <p:spPr>
           <a:xfrm>
             <a:off x="5152680" y="1768680"/>
-            <a:ext cx="4426920" cy="4384080"/>
+            <a:ext cx="4426920" cy="4383720"/>
           </a:xfrm>
           <a:prstGeom prst="rect">
             <a:avLst/>
@@ -907,8 +908,8 @@
         </p:nvSpPr>
         <p:spPr>
           <a:xfrm>
-            <a:off x="360000" y="3330000"/>
-            <a:ext cx="9359640" cy="899640"/>
+            <a:off x="360000" y="3148560"/>
+            <a:ext cx="9359280" cy="1262160"/>
           </a:xfrm>
           <a:prstGeom prst="rect">
             <a:avLst/>
@@ -960,8 +961,8 @@
         </p:nvSpPr>
         <p:spPr>
           <a:xfrm>
-            <a:off x="360000" y="3330000"/>
-            <a:ext cx="9359640" cy="4171680"/>
+            <a:off x="360000" y="3148560"/>
+            <a:ext cx="9359280" cy="5851800"/>
           </a:xfrm>
           <a:prstGeom prst="rect">
             <a:avLst/>
@@ -1013,8 +1014,8 @@
         </p:nvSpPr>
         <p:spPr>
           <a:xfrm>
-            <a:off x="360000" y="3330000"/>
-            <a:ext cx="9359640" cy="899640"/>
+            <a:off x="360000" y="3148560"/>
+            <a:ext cx="9359280" cy="1262160"/>
           </a:xfrm>
           <a:prstGeom prst="rect">
             <a:avLst/>
@@ -1075,7 +1076,7 @@
         <p:spPr>
           <a:xfrm>
             <a:off x="5152680" y="1768680"/>
-            <a:ext cx="4426920" cy="4384080"/>
+            <a:ext cx="4426920" cy="4383720"/>
           </a:xfrm>
           <a:prstGeom prst="rect">
             <a:avLst/>
@@ -1156,8 +1157,8 @@
         </p:nvSpPr>
         <p:spPr>
           <a:xfrm>
-            <a:off x="360000" y="3330000"/>
-            <a:ext cx="9359640" cy="899640"/>
+            <a:off x="360000" y="3148560"/>
+            <a:ext cx="9359280" cy="1262160"/>
           </a:xfrm>
           <a:prstGeom prst="rect">
             <a:avLst/>
@@ -1188,7 +1189,7 @@
         <p:spPr>
           <a:xfrm>
             <a:off x="504000" y="1768680"/>
-            <a:ext cx="9072000" cy="4384080"/>
+            <a:ext cx="9071640" cy="4383720"/>
           </a:xfrm>
           <a:prstGeom prst="rect">
             <a:avLst/>
@@ -1240,8 +1241,8 @@
         </p:nvSpPr>
         <p:spPr>
           <a:xfrm>
-            <a:off x="360000" y="3330000"/>
-            <a:ext cx="9359640" cy="899640"/>
+            <a:off x="360000" y="3148560"/>
+            <a:ext cx="9359280" cy="1262160"/>
           </a:xfrm>
           <a:prstGeom prst="rect">
             <a:avLst/>
@@ -1272,7 +1273,7 @@
         <p:spPr>
           <a:xfrm>
             <a:off x="504000" y="1768680"/>
-            <a:ext cx="4426920" cy="4384080"/>
+            <a:ext cx="4426920" cy="4383720"/>
           </a:xfrm>
           <a:prstGeom prst="rect">
             <a:avLst/>
@@ -1383,8 +1384,8 @@
         </p:nvSpPr>
         <p:spPr>
           <a:xfrm>
-            <a:off x="360000" y="3330000"/>
-            <a:ext cx="9359640" cy="899640"/>
+            <a:off x="360000" y="3148560"/>
+            <a:ext cx="9359280" cy="1262160"/>
           </a:xfrm>
           <a:prstGeom prst="rect">
             <a:avLst/>
@@ -1475,7 +1476,7 @@
         <p:spPr>
           <a:xfrm>
             <a:off x="504000" y="4058640"/>
-            <a:ext cx="9072000" cy="2090880"/>
+            <a:ext cx="9071640" cy="2090880"/>
           </a:xfrm>
           <a:prstGeom prst="rect">
             <a:avLst/>
@@ -1526,8 +1527,8 @@
         </p:nvSpPr>
         <p:spPr>
           <a:xfrm>
-            <a:off x="360000" y="3330000"/>
-            <a:ext cx="9359640" cy="899640"/>
+            <a:off x="360000" y="3148560"/>
+            <a:ext cx="9359280" cy="1262160"/>
           </a:xfrm>
           <a:prstGeom prst="rect">
             <a:avLst/>
@@ -1558,7 +1559,7 @@
         <p:spPr>
           <a:xfrm>
             <a:off x="504000" y="1768680"/>
-            <a:ext cx="9072000" cy="2090880"/>
+            <a:ext cx="9071640" cy="2090880"/>
           </a:xfrm>
           <a:prstGeom prst="rect">
             <a:avLst/>
@@ -1588,7 +1589,7 @@
         <p:spPr>
           <a:xfrm>
             <a:off x="504000" y="4058640"/>
-            <a:ext cx="9072000" cy="2090880"/>
+            <a:ext cx="9071640" cy="2090880"/>
           </a:xfrm>
           <a:prstGeom prst="rect">
             <a:avLst/>
@@ -1639,8 +1640,8 @@
         </p:nvSpPr>
         <p:spPr>
           <a:xfrm>
-            <a:off x="360000" y="3330000"/>
-            <a:ext cx="9359640" cy="899640"/>
+            <a:off x="360000" y="3148560"/>
+            <a:ext cx="9359280" cy="1262160"/>
           </a:xfrm>
           <a:prstGeom prst="rect">
             <a:avLst/>
@@ -1812,8 +1813,8 @@
         </p:nvSpPr>
         <p:spPr>
           <a:xfrm>
-            <a:off x="360000" y="3330000"/>
-            <a:ext cx="9359640" cy="899640"/>
+            <a:off x="360000" y="3148560"/>
+            <a:ext cx="9359280" cy="1262160"/>
           </a:xfrm>
           <a:prstGeom prst="rect">
             <a:avLst/>
@@ -1844,7 +1845,7 @@
         <p:spPr>
           <a:xfrm>
             <a:off x="504000" y="1768680"/>
-            <a:ext cx="2921040" cy="2090880"/>
+            <a:ext cx="2920680" cy="2090880"/>
           </a:xfrm>
           <a:prstGeom prst="rect">
             <a:avLst/>
@@ -1873,8 +1874,8 @@
         </p:nvSpPr>
         <p:spPr>
           <a:xfrm>
-            <a:off x="3571560" y="1768680"/>
-            <a:ext cx="2921040" cy="2090880"/>
+            <a:off x="3571200" y="1768680"/>
+            <a:ext cx="2920680" cy="2090880"/>
           </a:xfrm>
           <a:prstGeom prst="rect">
             <a:avLst/>
@@ -1903,8 +1904,8 @@
         </p:nvSpPr>
         <p:spPr>
           <a:xfrm>
-            <a:off x="6639120" y="1768680"/>
-            <a:ext cx="2921040" cy="2090880"/>
+            <a:off x="6638040" y="1768680"/>
+            <a:ext cx="2920680" cy="2090880"/>
           </a:xfrm>
           <a:prstGeom prst="rect">
             <a:avLst/>
@@ -1934,7 +1935,7 @@
         <p:spPr>
           <a:xfrm>
             <a:off x="504000" y="4058640"/>
-            <a:ext cx="2921040" cy="2090880"/>
+            <a:ext cx="2920680" cy="2090880"/>
           </a:xfrm>
           <a:prstGeom prst="rect">
             <a:avLst/>
@@ -1963,8 +1964,8 @@
         </p:nvSpPr>
         <p:spPr>
           <a:xfrm>
-            <a:off x="3571560" y="4058640"/>
-            <a:ext cx="2921040" cy="2090880"/>
+            <a:off x="3571200" y="4058640"/>
+            <a:ext cx="2920680" cy="2090880"/>
           </a:xfrm>
           <a:prstGeom prst="rect">
             <a:avLst/>
@@ -1993,8 +1994,8 @@
         </p:nvSpPr>
         <p:spPr>
           <a:xfrm>
-            <a:off x="6639120" y="4058640"/>
-            <a:ext cx="2921040" cy="2090880"/>
+            <a:off x="6638040" y="4058640"/>
+            <a:ext cx="2920680" cy="2090880"/>
           </a:xfrm>
           <a:prstGeom prst="rect">
             <a:avLst/>
@@ -2067,8 +2068,8 @@
         </p:nvSpPr>
         <p:spPr>
           <a:xfrm>
-            <a:off x="360000" y="3330000"/>
-            <a:ext cx="9359640" cy="899640"/>
+            <a:off x="360000" y="3148560"/>
+            <a:ext cx="9359280" cy="1262160"/>
           </a:xfrm>
           <a:prstGeom prst="rect">
             <a:avLst/>
@@ -2099,7 +2100,7 @@
         <p:spPr>
           <a:xfrm>
             <a:off x="504000" y="1768680"/>
-            <a:ext cx="9072000" cy="4384080"/>
+            <a:ext cx="9071640" cy="4383720"/>
           </a:xfrm>
           <a:prstGeom prst="rect">
             <a:avLst/>
@@ -2151,8 +2152,8 @@
         </p:nvSpPr>
         <p:spPr>
           <a:xfrm>
-            <a:off x="360000" y="3330000"/>
-            <a:ext cx="9359640" cy="899640"/>
+            <a:off x="360000" y="3148560"/>
+            <a:ext cx="9359280" cy="1262160"/>
           </a:xfrm>
           <a:prstGeom prst="rect">
             <a:avLst/>
@@ -2183,7 +2184,7 @@
         <p:spPr>
           <a:xfrm>
             <a:off x="504000" y="1768680"/>
-            <a:ext cx="9072000" cy="4384080"/>
+            <a:ext cx="9071640" cy="4383720"/>
           </a:xfrm>
           <a:prstGeom prst="rect">
             <a:avLst/>
@@ -2234,8 +2235,8 @@
         </p:nvSpPr>
         <p:spPr>
           <a:xfrm>
-            <a:off x="360000" y="3330000"/>
-            <a:ext cx="9359640" cy="899640"/>
+            <a:off x="360000" y="3148560"/>
+            <a:ext cx="9359280" cy="1262160"/>
           </a:xfrm>
           <a:prstGeom prst="rect">
             <a:avLst/>
@@ -2266,7 +2267,7 @@
         <p:spPr>
           <a:xfrm>
             <a:off x="504000" y="1768680"/>
-            <a:ext cx="4426920" cy="4384080"/>
+            <a:ext cx="4426920" cy="4383720"/>
           </a:xfrm>
           <a:prstGeom prst="rect">
             <a:avLst/>
@@ -2296,7 +2297,7 @@
         <p:spPr>
           <a:xfrm>
             <a:off x="5152680" y="1768680"/>
-            <a:ext cx="4426920" cy="4384080"/>
+            <a:ext cx="4426920" cy="4383720"/>
           </a:xfrm>
           <a:prstGeom prst="rect">
             <a:avLst/>
@@ -2347,8 +2348,8 @@
         </p:nvSpPr>
         <p:spPr>
           <a:xfrm>
-            <a:off x="360000" y="3330000"/>
-            <a:ext cx="9359640" cy="899640"/>
+            <a:off x="360000" y="3148560"/>
+            <a:ext cx="9359280" cy="1262160"/>
           </a:xfrm>
           <a:prstGeom prst="rect">
             <a:avLst/>
@@ -2400,8 +2401,8 @@
         </p:nvSpPr>
         <p:spPr>
           <a:xfrm>
-            <a:off x="360000" y="3330000"/>
-            <a:ext cx="9359640" cy="899640"/>
+            <a:off x="360000" y="3148560"/>
+            <a:ext cx="9359280" cy="1262160"/>
           </a:xfrm>
           <a:prstGeom prst="rect">
             <a:avLst/>
@@ -2432,7 +2433,7 @@
         <p:spPr>
           <a:xfrm>
             <a:off x="504000" y="1768680"/>
-            <a:ext cx="9072000" cy="4384080"/>
+            <a:ext cx="9071640" cy="4383720"/>
           </a:xfrm>
           <a:prstGeom prst="rect">
             <a:avLst/>
@@ -2483,8 +2484,8 @@
         </p:nvSpPr>
         <p:spPr>
           <a:xfrm>
-            <a:off x="360000" y="3330000"/>
-            <a:ext cx="9359640" cy="4171680"/>
+            <a:off x="360000" y="3148560"/>
+            <a:ext cx="9359280" cy="5851800"/>
           </a:xfrm>
           <a:prstGeom prst="rect">
             <a:avLst/>
@@ -2536,8 +2537,8 @@
         </p:nvSpPr>
         <p:spPr>
           <a:xfrm>
-            <a:off x="360000" y="3330000"/>
-            <a:ext cx="9359640" cy="899640"/>
+            <a:off x="360000" y="3148560"/>
+            <a:ext cx="9359280" cy="1262160"/>
           </a:xfrm>
           <a:prstGeom prst="rect">
             <a:avLst/>
@@ -2598,7 +2599,7 @@
         <p:spPr>
           <a:xfrm>
             <a:off x="5152680" y="1768680"/>
-            <a:ext cx="4426920" cy="4384080"/>
+            <a:ext cx="4426920" cy="4383720"/>
           </a:xfrm>
           <a:prstGeom prst="rect">
             <a:avLst/>
@@ -2679,8 +2680,8 @@
         </p:nvSpPr>
         <p:spPr>
           <a:xfrm>
-            <a:off x="360000" y="3330000"/>
-            <a:ext cx="9359640" cy="899640"/>
+            <a:off x="360000" y="3148560"/>
+            <a:ext cx="9359280" cy="1262160"/>
           </a:xfrm>
           <a:prstGeom prst="rect">
             <a:avLst/>
@@ -2711,7 +2712,7 @@
         <p:spPr>
           <a:xfrm>
             <a:off x="504000" y="1768680"/>
-            <a:ext cx="4426920" cy="4384080"/>
+            <a:ext cx="4426920" cy="4383720"/>
           </a:xfrm>
           <a:prstGeom prst="rect">
             <a:avLst/>
@@ -2822,8 +2823,8 @@
         </p:nvSpPr>
         <p:spPr>
           <a:xfrm>
-            <a:off x="360000" y="3330000"/>
-            <a:ext cx="9359640" cy="899640"/>
+            <a:off x="360000" y="3148560"/>
+            <a:ext cx="9359280" cy="1262160"/>
           </a:xfrm>
           <a:prstGeom prst="rect">
             <a:avLst/>
@@ -2914,7 +2915,7 @@
         <p:spPr>
           <a:xfrm>
             <a:off x="504000" y="4058640"/>
-            <a:ext cx="9072000" cy="2090880"/>
+            <a:ext cx="9071640" cy="2090880"/>
           </a:xfrm>
           <a:prstGeom prst="rect">
             <a:avLst/>
@@ -2965,8 +2966,8 @@
         </p:nvSpPr>
         <p:spPr>
           <a:xfrm>
-            <a:off x="360000" y="3330000"/>
-            <a:ext cx="9359640" cy="899640"/>
+            <a:off x="360000" y="3148560"/>
+            <a:ext cx="9359280" cy="1262160"/>
           </a:xfrm>
           <a:prstGeom prst="rect">
             <a:avLst/>
@@ -2997,7 +2998,7 @@
         <p:spPr>
           <a:xfrm>
             <a:off x="504000" y="1768680"/>
-            <a:ext cx="9072000" cy="2090880"/>
+            <a:ext cx="9071640" cy="2090880"/>
           </a:xfrm>
           <a:prstGeom prst="rect">
             <a:avLst/>
@@ -3027,7 +3028,7 @@
         <p:spPr>
           <a:xfrm>
             <a:off x="504000" y="4058640"/>
-            <a:ext cx="9072000" cy="2090880"/>
+            <a:ext cx="9071640" cy="2090880"/>
           </a:xfrm>
           <a:prstGeom prst="rect">
             <a:avLst/>
@@ -3078,8 +3079,8 @@
         </p:nvSpPr>
         <p:spPr>
           <a:xfrm>
-            <a:off x="360000" y="3330000"/>
-            <a:ext cx="9359640" cy="899640"/>
+            <a:off x="360000" y="3148560"/>
+            <a:ext cx="9359280" cy="1262160"/>
           </a:xfrm>
           <a:prstGeom prst="rect">
             <a:avLst/>
@@ -3251,8 +3252,8 @@
         </p:nvSpPr>
         <p:spPr>
           <a:xfrm>
-            <a:off x="360000" y="3330000"/>
-            <a:ext cx="9359640" cy="899640"/>
+            <a:off x="360000" y="3148560"/>
+            <a:ext cx="9359280" cy="1262160"/>
           </a:xfrm>
           <a:prstGeom prst="rect">
             <a:avLst/>
@@ -3283,7 +3284,7 @@
         <p:spPr>
           <a:xfrm>
             <a:off x="504000" y="1768680"/>
-            <a:ext cx="2921040" cy="2090880"/>
+            <a:ext cx="2920680" cy="2090880"/>
           </a:xfrm>
           <a:prstGeom prst="rect">
             <a:avLst/>
@@ -3312,8 +3313,8 @@
         </p:nvSpPr>
         <p:spPr>
           <a:xfrm>
-            <a:off x="3571560" y="1768680"/>
-            <a:ext cx="2921040" cy="2090880"/>
+            <a:off x="3571200" y="1768680"/>
+            <a:ext cx="2920680" cy="2090880"/>
           </a:xfrm>
           <a:prstGeom prst="rect">
             <a:avLst/>
@@ -3342,8 +3343,8 @@
         </p:nvSpPr>
         <p:spPr>
           <a:xfrm>
-            <a:off x="6639120" y="1768680"/>
-            <a:ext cx="2921040" cy="2090880"/>
+            <a:off x="6638040" y="1768680"/>
+            <a:ext cx="2920680" cy="2090880"/>
           </a:xfrm>
           <a:prstGeom prst="rect">
             <a:avLst/>
@@ -3373,7 +3374,7 @@
         <p:spPr>
           <a:xfrm>
             <a:off x="504000" y="4058640"/>
-            <a:ext cx="2921040" cy="2090880"/>
+            <a:ext cx="2920680" cy="2090880"/>
           </a:xfrm>
           <a:prstGeom prst="rect">
             <a:avLst/>
@@ -3402,8 +3403,8 @@
         </p:nvSpPr>
         <p:spPr>
           <a:xfrm>
-            <a:off x="3571560" y="4058640"/>
-            <a:ext cx="2921040" cy="2090880"/>
+            <a:off x="3571200" y="4058640"/>
+            <a:ext cx="2920680" cy="2090880"/>
           </a:xfrm>
           <a:prstGeom prst="rect">
             <a:avLst/>
@@ -3432,8 +3433,8 @@
         </p:nvSpPr>
         <p:spPr>
           <a:xfrm>
-            <a:off x="6639120" y="4058640"/>
-            <a:ext cx="2921040" cy="2090880"/>
+            <a:off x="6638040" y="4058640"/>
+            <a:ext cx="2920680" cy="2090880"/>
           </a:xfrm>
           <a:prstGeom prst="rect">
             <a:avLst/>
@@ -3496,7 +3497,7 @@
       </p:grpSpPr>
       <p:sp>
         <p:nvSpPr>
-          <p:cNvPr id="130" name="PlaceHolder 1"/>
+          <p:cNvPr id="131" name="PlaceHolder 1"/>
           <p:cNvSpPr>
             <a:spLocks noGrp="1"/>
           </p:cNvSpPr>
@@ -3506,8 +3507,8 @@
         </p:nvSpPr>
         <p:spPr>
           <a:xfrm>
-            <a:off x="360000" y="3330000"/>
-            <a:ext cx="9359640" cy="899640"/>
+            <a:off x="360000" y="3148560"/>
+            <a:ext cx="9359280" cy="1262160"/>
           </a:xfrm>
           <a:prstGeom prst="rect">
             <a:avLst/>
@@ -3527,7 +3528,7 @@
       </p:sp>
       <p:sp>
         <p:nvSpPr>
-          <p:cNvPr id="131" name="PlaceHolder 2"/>
+          <p:cNvPr id="132" name="PlaceHolder 2"/>
           <p:cNvSpPr>
             <a:spLocks noGrp="1"/>
           </p:cNvSpPr>
@@ -3538,7 +3539,7 @@
         <p:spPr>
           <a:xfrm>
             <a:off x="504000" y="1768680"/>
-            <a:ext cx="9072000" cy="4384080"/>
+            <a:ext cx="9071640" cy="4383720"/>
           </a:xfrm>
           <a:prstGeom prst="rect">
             <a:avLst/>
@@ -3580,7 +3581,7 @@
       </p:grpSpPr>
       <p:sp>
         <p:nvSpPr>
-          <p:cNvPr id="132" name="PlaceHolder 1"/>
+          <p:cNvPr id="133" name="PlaceHolder 1"/>
           <p:cNvSpPr>
             <a:spLocks noGrp="1"/>
           </p:cNvSpPr>
@@ -3590,8 +3591,8 @@
         </p:nvSpPr>
         <p:spPr>
           <a:xfrm>
-            <a:off x="360000" y="3330000"/>
-            <a:ext cx="9359640" cy="899640"/>
+            <a:off x="360000" y="3148560"/>
+            <a:ext cx="9359280" cy="1262160"/>
           </a:xfrm>
           <a:prstGeom prst="rect">
             <a:avLst/>
@@ -3611,7 +3612,7 @@
       </p:sp>
       <p:sp>
         <p:nvSpPr>
-          <p:cNvPr id="133" name="PlaceHolder 2"/>
+          <p:cNvPr id="134" name="PlaceHolder 2"/>
           <p:cNvSpPr>
             <a:spLocks noGrp="1"/>
           </p:cNvSpPr>
@@ -3622,7 +3623,7 @@
         <p:spPr>
           <a:xfrm>
             <a:off x="504000" y="1768680"/>
-            <a:ext cx="9072000" cy="4384080"/>
+            <a:ext cx="9071640" cy="4383720"/>
           </a:xfrm>
           <a:prstGeom prst="rect">
             <a:avLst/>
@@ -3673,8 +3674,8 @@
         </p:nvSpPr>
         <p:spPr>
           <a:xfrm>
-            <a:off x="360000" y="3330000"/>
-            <a:ext cx="9359640" cy="899640"/>
+            <a:off x="360000" y="3148560"/>
+            <a:ext cx="9359280" cy="1262160"/>
           </a:xfrm>
           <a:prstGeom prst="rect">
             <a:avLst/>
@@ -3705,7 +3706,7 @@
         <p:spPr>
           <a:xfrm>
             <a:off x="504000" y="1768680"/>
-            <a:ext cx="4426920" cy="4384080"/>
+            <a:ext cx="4426920" cy="4383720"/>
           </a:xfrm>
           <a:prstGeom prst="rect">
             <a:avLst/>
@@ -3735,7 +3736,7 @@
         <p:spPr>
           <a:xfrm>
             <a:off x="5152680" y="1768680"/>
-            <a:ext cx="4426920" cy="4384080"/>
+            <a:ext cx="4426920" cy="4383720"/>
           </a:xfrm>
           <a:prstGeom prst="rect">
             <a:avLst/>
@@ -3776,7 +3777,7 @@
       </p:grpSpPr>
       <p:sp>
         <p:nvSpPr>
-          <p:cNvPr id="134" name="PlaceHolder 1"/>
+          <p:cNvPr id="135" name="PlaceHolder 1"/>
           <p:cNvSpPr>
             <a:spLocks noGrp="1"/>
           </p:cNvSpPr>
@@ -3786,8 +3787,8 @@
         </p:nvSpPr>
         <p:spPr>
           <a:xfrm>
-            <a:off x="360000" y="3330000"/>
-            <a:ext cx="9359640" cy="899640"/>
+            <a:off x="360000" y="3148560"/>
+            <a:ext cx="9359280" cy="1262160"/>
           </a:xfrm>
           <a:prstGeom prst="rect">
             <a:avLst/>
@@ -3807,7 +3808,7 @@
       </p:sp>
       <p:sp>
         <p:nvSpPr>
-          <p:cNvPr id="135" name="PlaceHolder 2"/>
+          <p:cNvPr id="136" name="PlaceHolder 2"/>
           <p:cNvSpPr>
             <a:spLocks noGrp="1"/>
           </p:cNvSpPr>
@@ -3818,26 +3819,26 @@
         <p:spPr>
           <a:xfrm>
             <a:off x="504000" y="1768680"/>
-            <a:ext cx="4426920" cy="4384080"/>
-          </a:xfrm>
-          <a:prstGeom prst="rect">
-            <a:avLst/>
-          </a:prstGeom>
-        </p:spPr>
-        <p:txBody>
-          <a:bodyPr lIns="0" rIns="0" tIns="0" bIns="0">
-            <a:normAutofit/>
-          </a:bodyPr>
-          <a:p>
-            <a:endParaRPr b="0" lang="es-ES" sz="3200" spc="-1" strike="noStrike">
-              <a:latin typeface="Arial"/>
-            </a:endParaRPr>
-          </a:p>
-        </p:txBody>
-      </p:sp>
-      <p:sp>
-        <p:nvSpPr>
-          <p:cNvPr id="136" name="PlaceHolder 3"/>
+            <a:ext cx="4426920" cy="4383720"/>
+          </a:xfrm>
+          <a:prstGeom prst="rect">
+            <a:avLst/>
+          </a:prstGeom>
+        </p:spPr>
+        <p:txBody>
+          <a:bodyPr lIns="0" rIns="0" tIns="0" bIns="0">
+            <a:normAutofit/>
+          </a:bodyPr>
+          <a:p>
+            <a:endParaRPr b="0" lang="es-ES" sz="3200" spc="-1" strike="noStrike">
+              <a:latin typeface="Arial"/>
+            </a:endParaRPr>
+          </a:p>
+        </p:txBody>
+      </p:sp>
+      <p:sp>
+        <p:nvSpPr>
+          <p:cNvPr id="137" name="PlaceHolder 3"/>
           <p:cNvSpPr>
             <a:spLocks noGrp="1"/>
           </p:cNvSpPr>
@@ -3848,7 +3849,7 @@
         <p:spPr>
           <a:xfrm>
             <a:off x="5152680" y="1768680"/>
-            <a:ext cx="4426920" cy="4384080"/>
+            <a:ext cx="4426920" cy="4383720"/>
           </a:xfrm>
           <a:prstGeom prst="rect">
             <a:avLst/>
@@ -3889,7 +3890,7 @@
       </p:grpSpPr>
       <p:sp>
         <p:nvSpPr>
-          <p:cNvPr id="137" name="PlaceHolder 1"/>
+          <p:cNvPr id="138" name="PlaceHolder 1"/>
           <p:cNvSpPr>
             <a:spLocks noGrp="1"/>
           </p:cNvSpPr>
@@ -3899,8 +3900,8 @@
         </p:nvSpPr>
         <p:spPr>
           <a:xfrm>
-            <a:off x="360000" y="3330000"/>
-            <a:ext cx="9359640" cy="899640"/>
+            <a:off x="360000" y="3148560"/>
+            <a:ext cx="9359280" cy="1262160"/>
           </a:xfrm>
           <a:prstGeom prst="rect">
             <a:avLst/>
@@ -3942,7 +3943,7 @@
       </p:grpSpPr>
       <p:sp>
         <p:nvSpPr>
-          <p:cNvPr id="138" name="PlaceHolder 1"/>
+          <p:cNvPr id="139" name="PlaceHolder 1"/>
           <p:cNvSpPr>
             <a:spLocks noGrp="1"/>
           </p:cNvSpPr>
@@ -3952,8 +3953,8 @@
         </p:nvSpPr>
         <p:spPr>
           <a:xfrm>
-            <a:off x="360000" y="3330000"/>
-            <a:ext cx="9359640" cy="4171680"/>
+            <a:off x="360000" y="3148560"/>
+            <a:ext cx="9359280" cy="5851800"/>
           </a:xfrm>
           <a:prstGeom prst="rect">
             <a:avLst/>
@@ -3995,7 +3996,7 @@
       </p:grpSpPr>
       <p:sp>
         <p:nvSpPr>
-          <p:cNvPr id="139" name="PlaceHolder 1"/>
+          <p:cNvPr id="140" name="PlaceHolder 1"/>
           <p:cNvSpPr>
             <a:spLocks noGrp="1"/>
           </p:cNvSpPr>
@@ -4005,8 +4006,8 @@
         </p:nvSpPr>
         <p:spPr>
           <a:xfrm>
-            <a:off x="360000" y="3330000"/>
-            <a:ext cx="9359640" cy="899640"/>
+            <a:off x="360000" y="3148560"/>
+            <a:ext cx="9359280" cy="1262160"/>
           </a:xfrm>
           <a:prstGeom prst="rect">
             <a:avLst/>
@@ -4026,7 +4027,7 @@
       </p:sp>
       <p:sp>
         <p:nvSpPr>
-          <p:cNvPr id="140" name="PlaceHolder 2"/>
+          <p:cNvPr id="141" name="PlaceHolder 2"/>
           <p:cNvSpPr>
             <a:spLocks noGrp="1"/>
           </p:cNvSpPr>
@@ -4056,7 +4057,7 @@
       </p:sp>
       <p:sp>
         <p:nvSpPr>
-          <p:cNvPr id="141" name="PlaceHolder 3"/>
+          <p:cNvPr id="142" name="PlaceHolder 3"/>
           <p:cNvSpPr>
             <a:spLocks noGrp="1"/>
           </p:cNvSpPr>
@@ -4067,26 +4068,26 @@
         <p:spPr>
           <a:xfrm>
             <a:off x="5152680" y="1768680"/>
-            <a:ext cx="4426920" cy="4384080"/>
-          </a:xfrm>
-          <a:prstGeom prst="rect">
-            <a:avLst/>
-          </a:prstGeom>
-        </p:spPr>
-        <p:txBody>
-          <a:bodyPr lIns="0" rIns="0" tIns="0" bIns="0">
-            <a:normAutofit/>
-          </a:bodyPr>
-          <a:p>
-            <a:endParaRPr b="0" lang="es-ES" sz="3200" spc="-1" strike="noStrike">
-              <a:latin typeface="Arial"/>
-            </a:endParaRPr>
-          </a:p>
-        </p:txBody>
-      </p:sp>
-      <p:sp>
-        <p:nvSpPr>
-          <p:cNvPr id="142" name="PlaceHolder 4"/>
+            <a:ext cx="4426920" cy="4383720"/>
+          </a:xfrm>
+          <a:prstGeom prst="rect">
+            <a:avLst/>
+          </a:prstGeom>
+        </p:spPr>
+        <p:txBody>
+          <a:bodyPr lIns="0" rIns="0" tIns="0" bIns="0">
+            <a:normAutofit/>
+          </a:bodyPr>
+          <a:p>
+            <a:endParaRPr b="0" lang="es-ES" sz="3200" spc="-1" strike="noStrike">
+              <a:latin typeface="Arial"/>
+            </a:endParaRPr>
+          </a:p>
+        </p:txBody>
+      </p:sp>
+      <p:sp>
+        <p:nvSpPr>
+          <p:cNvPr id="143" name="PlaceHolder 4"/>
           <p:cNvSpPr>
             <a:spLocks noGrp="1"/>
           </p:cNvSpPr>
@@ -4138,7 +4139,7 @@
       </p:grpSpPr>
       <p:sp>
         <p:nvSpPr>
-          <p:cNvPr id="143" name="PlaceHolder 1"/>
+          <p:cNvPr id="144" name="PlaceHolder 1"/>
           <p:cNvSpPr>
             <a:spLocks noGrp="1"/>
           </p:cNvSpPr>
@@ -4148,8 +4149,8 @@
         </p:nvSpPr>
         <p:spPr>
           <a:xfrm>
-            <a:off x="360000" y="3330000"/>
-            <a:ext cx="9359640" cy="899640"/>
+            <a:off x="360000" y="3148560"/>
+            <a:ext cx="9359280" cy="1262160"/>
           </a:xfrm>
           <a:prstGeom prst="rect">
             <a:avLst/>
@@ -4169,7 +4170,7 @@
       </p:sp>
       <p:sp>
         <p:nvSpPr>
-          <p:cNvPr id="144" name="PlaceHolder 2"/>
+          <p:cNvPr id="145" name="PlaceHolder 2"/>
           <p:cNvSpPr>
             <a:spLocks noGrp="1"/>
           </p:cNvSpPr>
@@ -4180,26 +4181,26 @@
         <p:spPr>
           <a:xfrm>
             <a:off x="504000" y="1768680"/>
-            <a:ext cx="4426920" cy="4384080"/>
-          </a:xfrm>
-          <a:prstGeom prst="rect">
-            <a:avLst/>
-          </a:prstGeom>
-        </p:spPr>
-        <p:txBody>
-          <a:bodyPr lIns="0" rIns="0" tIns="0" bIns="0">
-            <a:normAutofit/>
-          </a:bodyPr>
-          <a:p>
-            <a:endParaRPr b="0" lang="es-ES" sz="3200" spc="-1" strike="noStrike">
-              <a:latin typeface="Arial"/>
-            </a:endParaRPr>
-          </a:p>
-        </p:txBody>
-      </p:sp>
-      <p:sp>
-        <p:nvSpPr>
-          <p:cNvPr id="145" name="PlaceHolder 3"/>
+            <a:ext cx="4426920" cy="4383720"/>
+          </a:xfrm>
+          <a:prstGeom prst="rect">
+            <a:avLst/>
+          </a:prstGeom>
+        </p:spPr>
+        <p:txBody>
+          <a:bodyPr lIns="0" rIns="0" tIns="0" bIns="0">
+            <a:normAutofit/>
+          </a:bodyPr>
+          <a:p>
+            <a:endParaRPr b="0" lang="es-ES" sz="3200" spc="-1" strike="noStrike">
+              <a:latin typeface="Arial"/>
+            </a:endParaRPr>
+          </a:p>
+        </p:txBody>
+      </p:sp>
+      <p:sp>
+        <p:nvSpPr>
+          <p:cNvPr id="146" name="PlaceHolder 3"/>
           <p:cNvSpPr>
             <a:spLocks noGrp="1"/>
           </p:cNvSpPr>
@@ -4229,7 +4230,7 @@
       </p:sp>
       <p:sp>
         <p:nvSpPr>
-          <p:cNvPr id="146" name="PlaceHolder 4"/>
+          <p:cNvPr id="147" name="PlaceHolder 4"/>
           <p:cNvSpPr>
             <a:spLocks noGrp="1"/>
           </p:cNvSpPr>
@@ -4281,7 +4282,7 @@
       </p:grpSpPr>
       <p:sp>
         <p:nvSpPr>
-          <p:cNvPr id="147" name="PlaceHolder 1"/>
+          <p:cNvPr id="148" name="PlaceHolder 1"/>
           <p:cNvSpPr>
             <a:spLocks noGrp="1"/>
           </p:cNvSpPr>
@@ -4291,8 +4292,8 @@
         </p:nvSpPr>
         <p:spPr>
           <a:xfrm>
-            <a:off x="360000" y="3330000"/>
-            <a:ext cx="9359640" cy="899640"/>
+            <a:off x="360000" y="3148560"/>
+            <a:ext cx="9359280" cy="1262160"/>
           </a:xfrm>
           <a:prstGeom prst="rect">
             <a:avLst/>
@@ -4312,7 +4313,7 @@
       </p:sp>
       <p:sp>
         <p:nvSpPr>
-          <p:cNvPr id="148" name="PlaceHolder 2"/>
+          <p:cNvPr id="149" name="PlaceHolder 2"/>
           <p:cNvSpPr>
             <a:spLocks noGrp="1"/>
           </p:cNvSpPr>
@@ -4342,7 +4343,7 @@
       </p:sp>
       <p:sp>
         <p:nvSpPr>
-          <p:cNvPr id="149" name="PlaceHolder 3"/>
+          <p:cNvPr id="150" name="PlaceHolder 3"/>
           <p:cNvSpPr>
             <a:spLocks noGrp="1"/>
           </p:cNvSpPr>
@@ -4372,7 +4373,7 @@
       </p:sp>
       <p:sp>
         <p:nvSpPr>
-          <p:cNvPr id="150" name="PlaceHolder 4"/>
+          <p:cNvPr id="151" name="PlaceHolder 4"/>
           <p:cNvSpPr>
             <a:spLocks noGrp="1"/>
           </p:cNvSpPr>
@@ -4383,7 +4384,7 @@
         <p:spPr>
           <a:xfrm>
             <a:off x="504000" y="4058640"/>
-            <a:ext cx="9072000" cy="2090880"/>
+            <a:ext cx="9071640" cy="2090880"/>
           </a:xfrm>
           <a:prstGeom prst="rect">
             <a:avLst/>
@@ -4424,7 +4425,7 @@
       </p:grpSpPr>
       <p:sp>
         <p:nvSpPr>
-          <p:cNvPr id="151" name="PlaceHolder 1"/>
+          <p:cNvPr id="152" name="PlaceHolder 1"/>
           <p:cNvSpPr>
             <a:spLocks noGrp="1"/>
           </p:cNvSpPr>
@@ -4434,8 +4435,8 @@
         </p:nvSpPr>
         <p:spPr>
           <a:xfrm>
-            <a:off x="360000" y="3330000"/>
-            <a:ext cx="9359640" cy="899640"/>
+            <a:off x="360000" y="3148560"/>
+            <a:ext cx="9359280" cy="1262160"/>
           </a:xfrm>
           <a:prstGeom prst="rect">
             <a:avLst/>
@@ -4455,7 +4456,7 @@
       </p:sp>
       <p:sp>
         <p:nvSpPr>
-          <p:cNvPr id="152" name="PlaceHolder 2"/>
+          <p:cNvPr id="153" name="PlaceHolder 2"/>
           <p:cNvSpPr>
             <a:spLocks noGrp="1"/>
           </p:cNvSpPr>
@@ -4466,26 +4467,26 @@
         <p:spPr>
           <a:xfrm>
             <a:off x="504000" y="1768680"/>
-            <a:ext cx="9072000" cy="2090880"/>
-          </a:xfrm>
-          <a:prstGeom prst="rect">
-            <a:avLst/>
-          </a:prstGeom>
-        </p:spPr>
-        <p:txBody>
-          <a:bodyPr lIns="0" rIns="0" tIns="0" bIns="0">
-            <a:normAutofit/>
-          </a:bodyPr>
-          <a:p>
-            <a:endParaRPr b="0" lang="es-ES" sz="3200" spc="-1" strike="noStrike">
-              <a:latin typeface="Arial"/>
-            </a:endParaRPr>
-          </a:p>
-        </p:txBody>
-      </p:sp>
-      <p:sp>
-        <p:nvSpPr>
-          <p:cNvPr id="153" name="PlaceHolder 3"/>
+            <a:ext cx="9071640" cy="2090880"/>
+          </a:xfrm>
+          <a:prstGeom prst="rect">
+            <a:avLst/>
+          </a:prstGeom>
+        </p:spPr>
+        <p:txBody>
+          <a:bodyPr lIns="0" rIns="0" tIns="0" bIns="0">
+            <a:normAutofit/>
+          </a:bodyPr>
+          <a:p>
+            <a:endParaRPr b="0" lang="es-ES" sz="3200" spc="-1" strike="noStrike">
+              <a:latin typeface="Arial"/>
+            </a:endParaRPr>
+          </a:p>
+        </p:txBody>
+      </p:sp>
+      <p:sp>
+        <p:nvSpPr>
+          <p:cNvPr id="154" name="PlaceHolder 3"/>
           <p:cNvSpPr>
             <a:spLocks noGrp="1"/>
           </p:cNvSpPr>
@@ -4496,7 +4497,7 @@
         <p:spPr>
           <a:xfrm>
             <a:off x="504000" y="4058640"/>
-            <a:ext cx="9072000" cy="2090880"/>
+            <a:ext cx="9071640" cy="2090880"/>
           </a:xfrm>
           <a:prstGeom prst="rect">
             <a:avLst/>
@@ -4537,7 +4538,7 @@
       </p:grpSpPr>
       <p:sp>
         <p:nvSpPr>
-          <p:cNvPr id="154" name="PlaceHolder 1"/>
+          <p:cNvPr id="155" name="PlaceHolder 1"/>
           <p:cNvSpPr>
             <a:spLocks noGrp="1"/>
           </p:cNvSpPr>
@@ -4547,8 +4548,8 @@
         </p:nvSpPr>
         <p:spPr>
           <a:xfrm>
-            <a:off x="360000" y="3330000"/>
-            <a:ext cx="9359640" cy="899640"/>
+            <a:off x="360000" y="3148560"/>
+            <a:ext cx="9359280" cy="1262160"/>
           </a:xfrm>
           <a:prstGeom prst="rect">
             <a:avLst/>
@@ -4568,7 +4569,7 @@
       </p:sp>
       <p:sp>
         <p:nvSpPr>
-          <p:cNvPr id="155" name="PlaceHolder 2"/>
+          <p:cNvPr id="156" name="PlaceHolder 2"/>
           <p:cNvSpPr>
             <a:spLocks noGrp="1"/>
           </p:cNvSpPr>
@@ -4598,7 +4599,7 @@
       </p:sp>
       <p:sp>
         <p:nvSpPr>
-          <p:cNvPr id="156" name="PlaceHolder 3"/>
+          <p:cNvPr id="157" name="PlaceHolder 3"/>
           <p:cNvSpPr>
             <a:spLocks noGrp="1"/>
           </p:cNvSpPr>
@@ -4628,7 +4629,7 @@
       </p:sp>
       <p:sp>
         <p:nvSpPr>
-          <p:cNvPr id="157" name="PlaceHolder 4"/>
+          <p:cNvPr id="158" name="PlaceHolder 4"/>
           <p:cNvSpPr>
             <a:spLocks noGrp="1"/>
           </p:cNvSpPr>
@@ -4658,7 +4659,7 @@
       </p:sp>
       <p:sp>
         <p:nvSpPr>
-          <p:cNvPr id="158" name="PlaceHolder 5"/>
+          <p:cNvPr id="159" name="PlaceHolder 5"/>
           <p:cNvSpPr>
             <a:spLocks noGrp="1"/>
           </p:cNvSpPr>
@@ -4710,7 +4711,7 @@
       </p:grpSpPr>
       <p:sp>
         <p:nvSpPr>
-          <p:cNvPr id="159" name="PlaceHolder 1"/>
+          <p:cNvPr id="160" name="PlaceHolder 1"/>
           <p:cNvSpPr>
             <a:spLocks noGrp="1"/>
           </p:cNvSpPr>
@@ -4720,8 +4721,8 @@
         </p:nvSpPr>
         <p:spPr>
           <a:xfrm>
-            <a:off x="360000" y="3330000"/>
-            <a:ext cx="9359640" cy="899640"/>
+            <a:off x="360000" y="3148560"/>
+            <a:ext cx="9359280" cy="1262160"/>
           </a:xfrm>
           <a:prstGeom prst="rect">
             <a:avLst/>
@@ -4741,7 +4742,7 @@
       </p:sp>
       <p:sp>
         <p:nvSpPr>
-          <p:cNvPr id="160" name="PlaceHolder 2"/>
+          <p:cNvPr id="161" name="PlaceHolder 2"/>
           <p:cNvSpPr>
             <a:spLocks noGrp="1"/>
           </p:cNvSpPr>
@@ -4752,26 +4753,26 @@
         <p:spPr>
           <a:xfrm>
             <a:off x="504000" y="1768680"/>
-            <a:ext cx="2921040" cy="2090880"/>
-          </a:xfrm>
-          <a:prstGeom prst="rect">
-            <a:avLst/>
-          </a:prstGeom>
-        </p:spPr>
-        <p:txBody>
-          <a:bodyPr lIns="0" rIns="0" tIns="0" bIns="0">
-            <a:normAutofit/>
-          </a:bodyPr>
-          <a:p>
-            <a:endParaRPr b="0" lang="es-ES" sz="3200" spc="-1" strike="noStrike">
-              <a:latin typeface="Arial"/>
-            </a:endParaRPr>
-          </a:p>
-        </p:txBody>
-      </p:sp>
-      <p:sp>
-        <p:nvSpPr>
-          <p:cNvPr id="161" name="PlaceHolder 3"/>
+            <a:ext cx="2920680" cy="2090880"/>
+          </a:xfrm>
+          <a:prstGeom prst="rect">
+            <a:avLst/>
+          </a:prstGeom>
+        </p:spPr>
+        <p:txBody>
+          <a:bodyPr lIns="0" rIns="0" tIns="0" bIns="0">
+            <a:normAutofit/>
+          </a:bodyPr>
+          <a:p>
+            <a:endParaRPr b="0" lang="es-ES" sz="3200" spc="-1" strike="noStrike">
+              <a:latin typeface="Arial"/>
+            </a:endParaRPr>
+          </a:p>
+        </p:txBody>
+      </p:sp>
+      <p:sp>
+        <p:nvSpPr>
+          <p:cNvPr id="162" name="PlaceHolder 3"/>
           <p:cNvSpPr>
             <a:spLocks noGrp="1"/>
           </p:cNvSpPr>
@@ -4781,27 +4782,27 @@
         </p:nvSpPr>
         <p:spPr>
           <a:xfrm>
-            <a:off x="3571560" y="1768680"/>
-            <a:ext cx="2921040" cy="2090880"/>
-          </a:xfrm>
-          <a:prstGeom prst="rect">
-            <a:avLst/>
-          </a:prstGeom>
-        </p:spPr>
-        <p:txBody>
-          <a:bodyPr lIns="0" rIns="0" tIns="0" bIns="0">
-            <a:normAutofit/>
-          </a:bodyPr>
-          <a:p>
-            <a:endParaRPr b="0" lang="es-ES" sz="3200" spc="-1" strike="noStrike">
-              <a:latin typeface="Arial"/>
-            </a:endParaRPr>
-          </a:p>
-        </p:txBody>
-      </p:sp>
-      <p:sp>
-        <p:nvSpPr>
-          <p:cNvPr id="162" name="PlaceHolder 4"/>
+            <a:off x="3571200" y="1768680"/>
+            <a:ext cx="2920680" cy="2090880"/>
+          </a:xfrm>
+          <a:prstGeom prst="rect">
+            <a:avLst/>
+          </a:prstGeom>
+        </p:spPr>
+        <p:txBody>
+          <a:bodyPr lIns="0" rIns="0" tIns="0" bIns="0">
+            <a:normAutofit/>
+          </a:bodyPr>
+          <a:p>
+            <a:endParaRPr b="0" lang="es-ES" sz="3200" spc="-1" strike="noStrike">
+              <a:latin typeface="Arial"/>
+            </a:endParaRPr>
+          </a:p>
+        </p:txBody>
+      </p:sp>
+      <p:sp>
+        <p:nvSpPr>
+          <p:cNvPr id="163" name="PlaceHolder 4"/>
           <p:cNvSpPr>
             <a:spLocks noGrp="1"/>
           </p:cNvSpPr>
@@ -4811,27 +4812,27 @@
         </p:nvSpPr>
         <p:spPr>
           <a:xfrm>
-            <a:off x="6639120" y="1768680"/>
-            <a:ext cx="2921040" cy="2090880"/>
-          </a:xfrm>
-          <a:prstGeom prst="rect">
-            <a:avLst/>
-          </a:prstGeom>
-        </p:spPr>
-        <p:txBody>
-          <a:bodyPr lIns="0" rIns="0" tIns="0" bIns="0">
-            <a:normAutofit/>
-          </a:bodyPr>
-          <a:p>
-            <a:endParaRPr b="0" lang="es-ES" sz="3200" spc="-1" strike="noStrike">
-              <a:latin typeface="Arial"/>
-            </a:endParaRPr>
-          </a:p>
-        </p:txBody>
-      </p:sp>
-      <p:sp>
-        <p:nvSpPr>
-          <p:cNvPr id="163" name="PlaceHolder 5"/>
+            <a:off x="6638040" y="1768680"/>
+            <a:ext cx="2920680" cy="2090880"/>
+          </a:xfrm>
+          <a:prstGeom prst="rect">
+            <a:avLst/>
+          </a:prstGeom>
+        </p:spPr>
+        <p:txBody>
+          <a:bodyPr lIns="0" rIns="0" tIns="0" bIns="0">
+            <a:normAutofit/>
+          </a:bodyPr>
+          <a:p>
+            <a:endParaRPr b="0" lang="es-ES" sz="3200" spc="-1" strike="noStrike">
+              <a:latin typeface="Arial"/>
+            </a:endParaRPr>
+          </a:p>
+        </p:txBody>
+      </p:sp>
+      <p:sp>
+        <p:nvSpPr>
+          <p:cNvPr id="164" name="PlaceHolder 5"/>
           <p:cNvSpPr>
             <a:spLocks noGrp="1"/>
           </p:cNvSpPr>
@@ -4842,26 +4843,26 @@
         <p:spPr>
           <a:xfrm>
             <a:off x="504000" y="4058640"/>
-            <a:ext cx="2921040" cy="2090880"/>
-          </a:xfrm>
-          <a:prstGeom prst="rect">
-            <a:avLst/>
-          </a:prstGeom>
-        </p:spPr>
-        <p:txBody>
-          <a:bodyPr lIns="0" rIns="0" tIns="0" bIns="0">
-            <a:normAutofit/>
-          </a:bodyPr>
-          <a:p>
-            <a:endParaRPr b="0" lang="es-ES" sz="3200" spc="-1" strike="noStrike">
-              <a:latin typeface="Arial"/>
-            </a:endParaRPr>
-          </a:p>
-        </p:txBody>
-      </p:sp>
-      <p:sp>
-        <p:nvSpPr>
-          <p:cNvPr id="164" name="PlaceHolder 6"/>
+            <a:ext cx="2920680" cy="2090880"/>
+          </a:xfrm>
+          <a:prstGeom prst="rect">
+            <a:avLst/>
+          </a:prstGeom>
+        </p:spPr>
+        <p:txBody>
+          <a:bodyPr lIns="0" rIns="0" tIns="0" bIns="0">
+            <a:normAutofit/>
+          </a:bodyPr>
+          <a:p>
+            <a:endParaRPr b="0" lang="es-ES" sz="3200" spc="-1" strike="noStrike">
+              <a:latin typeface="Arial"/>
+            </a:endParaRPr>
+          </a:p>
+        </p:txBody>
+      </p:sp>
+      <p:sp>
+        <p:nvSpPr>
+          <p:cNvPr id="165" name="PlaceHolder 6"/>
           <p:cNvSpPr>
             <a:spLocks noGrp="1"/>
           </p:cNvSpPr>
@@ -4871,27 +4872,27 @@
         </p:nvSpPr>
         <p:spPr>
           <a:xfrm>
-            <a:off x="3571560" y="4058640"/>
-            <a:ext cx="2921040" cy="2090880"/>
-          </a:xfrm>
-          <a:prstGeom prst="rect">
-            <a:avLst/>
-          </a:prstGeom>
-        </p:spPr>
-        <p:txBody>
-          <a:bodyPr lIns="0" rIns="0" tIns="0" bIns="0">
-            <a:normAutofit/>
-          </a:bodyPr>
-          <a:p>
-            <a:endParaRPr b="0" lang="es-ES" sz="3200" spc="-1" strike="noStrike">
-              <a:latin typeface="Arial"/>
-            </a:endParaRPr>
-          </a:p>
-        </p:txBody>
-      </p:sp>
-      <p:sp>
-        <p:nvSpPr>
-          <p:cNvPr id="165" name="PlaceHolder 7"/>
+            <a:off x="3571200" y="4058640"/>
+            <a:ext cx="2920680" cy="2090880"/>
+          </a:xfrm>
+          <a:prstGeom prst="rect">
+            <a:avLst/>
+          </a:prstGeom>
+        </p:spPr>
+        <p:txBody>
+          <a:bodyPr lIns="0" rIns="0" tIns="0" bIns="0">
+            <a:normAutofit/>
+          </a:bodyPr>
+          <a:p>
+            <a:endParaRPr b="0" lang="es-ES" sz="3200" spc="-1" strike="noStrike">
+              <a:latin typeface="Arial"/>
+            </a:endParaRPr>
+          </a:p>
+        </p:txBody>
+      </p:sp>
+      <p:sp>
+        <p:nvSpPr>
+          <p:cNvPr id="166" name="PlaceHolder 7"/>
           <p:cNvSpPr>
             <a:spLocks noGrp="1"/>
           </p:cNvSpPr>
@@ -4901,8 +4902,8 @@
         </p:nvSpPr>
         <p:spPr>
           <a:xfrm>
-            <a:off x="6639120" y="4058640"/>
-            <a:ext cx="2921040" cy="2090880"/>
+            <a:off x="6638040" y="4058640"/>
+            <a:ext cx="2920680" cy="2090880"/>
           </a:xfrm>
           <a:prstGeom prst="rect">
             <a:avLst/>
@@ -4975,8 +4976,8 @@
         </p:nvSpPr>
         <p:spPr>
           <a:xfrm>
-            <a:off x="360000" y="3330000"/>
-            <a:ext cx="9359640" cy="899640"/>
+            <a:off x="360000" y="3148560"/>
+            <a:ext cx="9359280" cy="1262160"/>
           </a:xfrm>
           <a:prstGeom prst="rect">
             <a:avLst/>
@@ -5018,7 +5019,7 @@
       </p:grpSpPr>
       <p:sp>
         <p:nvSpPr>
-          <p:cNvPr id="169" name="PlaceHolder 1"/>
+          <p:cNvPr id="173" name="PlaceHolder 1"/>
           <p:cNvSpPr>
             <a:spLocks noGrp="1"/>
           </p:cNvSpPr>
@@ -5028,8 +5029,8 @@
         </p:nvSpPr>
         <p:spPr>
           <a:xfrm>
-            <a:off x="360000" y="3330000"/>
-            <a:ext cx="9359640" cy="899640"/>
+            <a:off x="360000" y="3148560"/>
+            <a:ext cx="9359280" cy="1262160"/>
           </a:xfrm>
           <a:prstGeom prst="rect">
             <a:avLst/>
@@ -5049,7 +5050,7 @@
       </p:sp>
       <p:sp>
         <p:nvSpPr>
-          <p:cNvPr id="170" name="PlaceHolder 2"/>
+          <p:cNvPr id="174" name="PlaceHolder 2"/>
           <p:cNvSpPr>
             <a:spLocks noGrp="1"/>
           </p:cNvSpPr>
@@ -5060,7 +5061,7 @@
         <p:spPr>
           <a:xfrm>
             <a:off x="504000" y="1768680"/>
-            <a:ext cx="9072000" cy="4384080"/>
+            <a:ext cx="9071640" cy="4383720"/>
           </a:xfrm>
           <a:prstGeom prst="rect">
             <a:avLst/>
@@ -5102,7 +5103,7 @@
       </p:grpSpPr>
       <p:sp>
         <p:nvSpPr>
-          <p:cNvPr id="171" name="PlaceHolder 1"/>
+          <p:cNvPr id="175" name="PlaceHolder 1"/>
           <p:cNvSpPr>
             <a:spLocks noGrp="1"/>
           </p:cNvSpPr>
@@ -5112,8 +5113,8 @@
         </p:nvSpPr>
         <p:spPr>
           <a:xfrm>
-            <a:off x="360000" y="3330000"/>
-            <a:ext cx="9359640" cy="899640"/>
+            <a:off x="360000" y="3148560"/>
+            <a:ext cx="9359280" cy="1262160"/>
           </a:xfrm>
           <a:prstGeom prst="rect">
             <a:avLst/>
@@ -5133,7 +5134,7 @@
       </p:sp>
       <p:sp>
         <p:nvSpPr>
-          <p:cNvPr id="172" name="PlaceHolder 2"/>
+          <p:cNvPr id="176" name="PlaceHolder 2"/>
           <p:cNvSpPr>
             <a:spLocks noGrp="1"/>
           </p:cNvSpPr>
@@ -5144,7 +5145,7 @@
         <p:spPr>
           <a:xfrm>
             <a:off x="504000" y="1768680"/>
-            <a:ext cx="9072000" cy="4384080"/>
+            <a:ext cx="9071640" cy="4383720"/>
           </a:xfrm>
           <a:prstGeom prst="rect">
             <a:avLst/>
@@ -5185,7 +5186,7 @@
       </p:grpSpPr>
       <p:sp>
         <p:nvSpPr>
-          <p:cNvPr id="173" name="PlaceHolder 1"/>
+          <p:cNvPr id="177" name="PlaceHolder 1"/>
           <p:cNvSpPr>
             <a:spLocks noGrp="1"/>
           </p:cNvSpPr>
@@ -5195,8 +5196,8 @@
         </p:nvSpPr>
         <p:spPr>
           <a:xfrm>
-            <a:off x="360000" y="3330000"/>
-            <a:ext cx="9359640" cy="899640"/>
+            <a:off x="360000" y="3148560"/>
+            <a:ext cx="9359280" cy="1262160"/>
           </a:xfrm>
           <a:prstGeom prst="rect">
             <a:avLst/>
@@ -5216,7 +5217,7 @@
       </p:sp>
       <p:sp>
         <p:nvSpPr>
-          <p:cNvPr id="174" name="PlaceHolder 2"/>
+          <p:cNvPr id="178" name="PlaceHolder 2"/>
           <p:cNvSpPr>
             <a:spLocks noGrp="1"/>
           </p:cNvSpPr>
@@ -5227,26 +5228,26 @@
         <p:spPr>
           <a:xfrm>
             <a:off x="504000" y="1768680"/>
-            <a:ext cx="4426920" cy="4384080"/>
-          </a:xfrm>
-          <a:prstGeom prst="rect">
-            <a:avLst/>
-          </a:prstGeom>
-        </p:spPr>
-        <p:txBody>
-          <a:bodyPr lIns="0" rIns="0" tIns="0" bIns="0">
-            <a:normAutofit/>
-          </a:bodyPr>
-          <a:p>
-            <a:endParaRPr b="0" lang="es-ES" sz="3200" spc="-1" strike="noStrike">
-              <a:latin typeface="Arial"/>
-            </a:endParaRPr>
-          </a:p>
-        </p:txBody>
-      </p:sp>
-      <p:sp>
-        <p:nvSpPr>
-          <p:cNvPr id="175" name="PlaceHolder 3"/>
+            <a:ext cx="4426920" cy="4383720"/>
+          </a:xfrm>
+          <a:prstGeom prst="rect">
+            <a:avLst/>
+          </a:prstGeom>
+        </p:spPr>
+        <p:txBody>
+          <a:bodyPr lIns="0" rIns="0" tIns="0" bIns="0">
+            <a:normAutofit/>
+          </a:bodyPr>
+          <a:p>
+            <a:endParaRPr b="0" lang="es-ES" sz="3200" spc="-1" strike="noStrike">
+              <a:latin typeface="Arial"/>
+            </a:endParaRPr>
+          </a:p>
+        </p:txBody>
+      </p:sp>
+      <p:sp>
+        <p:nvSpPr>
+          <p:cNvPr id="179" name="PlaceHolder 3"/>
           <p:cNvSpPr>
             <a:spLocks noGrp="1"/>
           </p:cNvSpPr>
@@ -5257,7 +5258,7 @@
         <p:spPr>
           <a:xfrm>
             <a:off x="5152680" y="1768680"/>
-            <a:ext cx="4426920" cy="4384080"/>
+            <a:ext cx="4426920" cy="4383720"/>
           </a:xfrm>
           <a:prstGeom prst="rect">
             <a:avLst/>
@@ -5298,7 +5299,7 @@
       </p:grpSpPr>
       <p:sp>
         <p:nvSpPr>
-          <p:cNvPr id="176" name="PlaceHolder 1"/>
+          <p:cNvPr id="180" name="PlaceHolder 1"/>
           <p:cNvSpPr>
             <a:spLocks noGrp="1"/>
           </p:cNvSpPr>
@@ -5308,8 +5309,8 @@
         </p:nvSpPr>
         <p:spPr>
           <a:xfrm>
-            <a:off x="360000" y="3330000"/>
-            <a:ext cx="9359640" cy="899640"/>
+            <a:off x="360000" y="3148560"/>
+            <a:ext cx="9359280" cy="1262160"/>
           </a:xfrm>
           <a:prstGeom prst="rect">
             <a:avLst/>
@@ -5351,7 +5352,7 @@
       </p:grpSpPr>
       <p:sp>
         <p:nvSpPr>
-          <p:cNvPr id="177" name="PlaceHolder 1"/>
+          <p:cNvPr id="181" name="PlaceHolder 1"/>
           <p:cNvSpPr>
             <a:spLocks noGrp="1"/>
           </p:cNvSpPr>
@@ -5361,8 +5362,8 @@
         </p:nvSpPr>
         <p:spPr>
           <a:xfrm>
-            <a:off x="360000" y="3330000"/>
-            <a:ext cx="9359640" cy="4171680"/>
+            <a:off x="360000" y="3148560"/>
+            <a:ext cx="9359280" cy="5851800"/>
           </a:xfrm>
           <a:prstGeom prst="rect">
             <a:avLst/>
@@ -5404,7 +5405,7 @@
       </p:grpSpPr>
       <p:sp>
         <p:nvSpPr>
-          <p:cNvPr id="178" name="PlaceHolder 1"/>
+          <p:cNvPr id="182" name="PlaceHolder 1"/>
           <p:cNvSpPr>
             <a:spLocks noGrp="1"/>
           </p:cNvSpPr>
@@ -5414,8 +5415,8 @@
         </p:nvSpPr>
         <p:spPr>
           <a:xfrm>
-            <a:off x="360000" y="3330000"/>
-            <a:ext cx="9359640" cy="899640"/>
+            <a:off x="360000" y="3148560"/>
+            <a:ext cx="9359280" cy="1262160"/>
           </a:xfrm>
           <a:prstGeom prst="rect">
             <a:avLst/>
@@ -5435,7 +5436,7 @@
       </p:sp>
       <p:sp>
         <p:nvSpPr>
-          <p:cNvPr id="179" name="PlaceHolder 2"/>
+          <p:cNvPr id="183" name="PlaceHolder 2"/>
           <p:cNvSpPr>
             <a:spLocks noGrp="1"/>
           </p:cNvSpPr>
@@ -5465,7 +5466,7 @@
       </p:sp>
       <p:sp>
         <p:nvSpPr>
-          <p:cNvPr id="180" name="PlaceHolder 3"/>
+          <p:cNvPr id="184" name="PlaceHolder 3"/>
           <p:cNvSpPr>
             <a:spLocks noGrp="1"/>
           </p:cNvSpPr>
@@ -5476,26 +5477,26 @@
         <p:spPr>
           <a:xfrm>
             <a:off x="5152680" y="1768680"/>
-            <a:ext cx="4426920" cy="4384080"/>
-          </a:xfrm>
-          <a:prstGeom prst="rect">
-            <a:avLst/>
-          </a:prstGeom>
-        </p:spPr>
-        <p:txBody>
-          <a:bodyPr lIns="0" rIns="0" tIns="0" bIns="0">
-            <a:normAutofit/>
-          </a:bodyPr>
-          <a:p>
-            <a:endParaRPr b="0" lang="es-ES" sz="3200" spc="-1" strike="noStrike">
-              <a:latin typeface="Arial"/>
-            </a:endParaRPr>
-          </a:p>
-        </p:txBody>
-      </p:sp>
-      <p:sp>
-        <p:nvSpPr>
-          <p:cNvPr id="181" name="PlaceHolder 4"/>
+            <a:ext cx="4426920" cy="4383720"/>
+          </a:xfrm>
+          <a:prstGeom prst="rect">
+            <a:avLst/>
+          </a:prstGeom>
+        </p:spPr>
+        <p:txBody>
+          <a:bodyPr lIns="0" rIns="0" tIns="0" bIns="0">
+            <a:normAutofit/>
+          </a:bodyPr>
+          <a:p>
+            <a:endParaRPr b="0" lang="es-ES" sz="3200" spc="-1" strike="noStrike">
+              <a:latin typeface="Arial"/>
+            </a:endParaRPr>
+          </a:p>
+        </p:txBody>
+      </p:sp>
+      <p:sp>
+        <p:nvSpPr>
+          <p:cNvPr id="185" name="PlaceHolder 4"/>
           <p:cNvSpPr>
             <a:spLocks noGrp="1"/>
           </p:cNvSpPr>
@@ -5547,7 +5548,7 @@
       </p:grpSpPr>
       <p:sp>
         <p:nvSpPr>
-          <p:cNvPr id="182" name="PlaceHolder 1"/>
+          <p:cNvPr id="186" name="PlaceHolder 1"/>
           <p:cNvSpPr>
             <a:spLocks noGrp="1"/>
           </p:cNvSpPr>
@@ -5557,8 +5558,8 @@
         </p:nvSpPr>
         <p:spPr>
           <a:xfrm>
-            <a:off x="360000" y="3330000"/>
-            <a:ext cx="9359640" cy="899640"/>
+            <a:off x="360000" y="3148560"/>
+            <a:ext cx="9359280" cy="1262160"/>
           </a:xfrm>
           <a:prstGeom prst="rect">
             <a:avLst/>
@@ -5578,7 +5579,7 @@
       </p:sp>
       <p:sp>
         <p:nvSpPr>
-          <p:cNvPr id="183" name="PlaceHolder 2"/>
+          <p:cNvPr id="187" name="PlaceHolder 2"/>
           <p:cNvSpPr>
             <a:spLocks noGrp="1"/>
           </p:cNvSpPr>
@@ -5589,26 +5590,26 @@
         <p:spPr>
           <a:xfrm>
             <a:off x="504000" y="1768680"/>
-            <a:ext cx="4426920" cy="4384080"/>
-          </a:xfrm>
-          <a:prstGeom prst="rect">
-            <a:avLst/>
-          </a:prstGeom>
-        </p:spPr>
-        <p:txBody>
-          <a:bodyPr lIns="0" rIns="0" tIns="0" bIns="0">
-            <a:normAutofit/>
-          </a:bodyPr>
-          <a:p>
-            <a:endParaRPr b="0" lang="es-ES" sz="3200" spc="-1" strike="noStrike">
-              <a:latin typeface="Arial"/>
-            </a:endParaRPr>
-          </a:p>
-        </p:txBody>
-      </p:sp>
-      <p:sp>
-        <p:nvSpPr>
-          <p:cNvPr id="184" name="PlaceHolder 3"/>
+            <a:ext cx="4426920" cy="4383720"/>
+          </a:xfrm>
+          <a:prstGeom prst="rect">
+            <a:avLst/>
+          </a:prstGeom>
+        </p:spPr>
+        <p:txBody>
+          <a:bodyPr lIns="0" rIns="0" tIns="0" bIns="0">
+            <a:normAutofit/>
+          </a:bodyPr>
+          <a:p>
+            <a:endParaRPr b="0" lang="es-ES" sz="3200" spc="-1" strike="noStrike">
+              <a:latin typeface="Arial"/>
+            </a:endParaRPr>
+          </a:p>
+        </p:txBody>
+      </p:sp>
+      <p:sp>
+        <p:nvSpPr>
+          <p:cNvPr id="188" name="PlaceHolder 3"/>
           <p:cNvSpPr>
             <a:spLocks noGrp="1"/>
           </p:cNvSpPr>
@@ -5638,7 +5639,7 @@
       </p:sp>
       <p:sp>
         <p:nvSpPr>
-          <p:cNvPr id="185" name="PlaceHolder 4"/>
+          <p:cNvPr id="189" name="PlaceHolder 4"/>
           <p:cNvSpPr>
             <a:spLocks noGrp="1"/>
           </p:cNvSpPr>
@@ -5690,7 +5691,7 @@
       </p:grpSpPr>
       <p:sp>
         <p:nvSpPr>
-          <p:cNvPr id="186" name="PlaceHolder 1"/>
+          <p:cNvPr id="190" name="PlaceHolder 1"/>
           <p:cNvSpPr>
             <a:spLocks noGrp="1"/>
           </p:cNvSpPr>
@@ -5700,8 +5701,8 @@
         </p:nvSpPr>
         <p:spPr>
           <a:xfrm>
-            <a:off x="360000" y="3330000"/>
-            <a:ext cx="9359640" cy="899640"/>
+            <a:off x="360000" y="3148560"/>
+            <a:ext cx="9359280" cy="1262160"/>
           </a:xfrm>
           <a:prstGeom prst="rect">
             <a:avLst/>
@@ -5721,7 +5722,7 @@
       </p:sp>
       <p:sp>
         <p:nvSpPr>
-          <p:cNvPr id="187" name="PlaceHolder 2"/>
+          <p:cNvPr id="191" name="PlaceHolder 2"/>
           <p:cNvSpPr>
             <a:spLocks noGrp="1"/>
           </p:cNvSpPr>
@@ -5751,7 +5752,7 @@
       </p:sp>
       <p:sp>
         <p:nvSpPr>
-          <p:cNvPr id="188" name="PlaceHolder 3"/>
+          <p:cNvPr id="192" name="PlaceHolder 3"/>
           <p:cNvSpPr>
             <a:spLocks noGrp="1"/>
           </p:cNvSpPr>
@@ -5781,7 +5782,7 @@
       </p:sp>
       <p:sp>
         <p:nvSpPr>
-          <p:cNvPr id="189" name="PlaceHolder 4"/>
+          <p:cNvPr id="193" name="PlaceHolder 4"/>
           <p:cNvSpPr>
             <a:spLocks noGrp="1"/>
           </p:cNvSpPr>
@@ -5792,7 +5793,7 @@
         <p:spPr>
           <a:xfrm>
             <a:off x="504000" y="4058640"/>
-            <a:ext cx="9072000" cy="2090880"/>
+            <a:ext cx="9071640" cy="2090880"/>
           </a:xfrm>
           <a:prstGeom prst="rect">
             <a:avLst/>
@@ -5833,7 +5834,7 @@
       </p:grpSpPr>
       <p:sp>
         <p:nvSpPr>
-          <p:cNvPr id="190" name="PlaceHolder 1"/>
+          <p:cNvPr id="194" name="PlaceHolder 1"/>
           <p:cNvSpPr>
             <a:spLocks noGrp="1"/>
           </p:cNvSpPr>
@@ -5843,8 +5844,8 @@
         </p:nvSpPr>
         <p:spPr>
           <a:xfrm>
-            <a:off x="360000" y="3330000"/>
-            <a:ext cx="9359640" cy="899640"/>
+            <a:off x="360000" y="3148560"/>
+            <a:ext cx="9359280" cy="1262160"/>
           </a:xfrm>
           <a:prstGeom prst="rect">
             <a:avLst/>
@@ -5864,7 +5865,7 @@
       </p:sp>
       <p:sp>
         <p:nvSpPr>
-          <p:cNvPr id="191" name="PlaceHolder 2"/>
+          <p:cNvPr id="195" name="PlaceHolder 2"/>
           <p:cNvSpPr>
             <a:spLocks noGrp="1"/>
           </p:cNvSpPr>
@@ -5875,26 +5876,26 @@
         <p:spPr>
           <a:xfrm>
             <a:off x="504000" y="1768680"/>
-            <a:ext cx="9072000" cy="2090880"/>
-          </a:xfrm>
-          <a:prstGeom prst="rect">
-            <a:avLst/>
-          </a:prstGeom>
-        </p:spPr>
-        <p:txBody>
-          <a:bodyPr lIns="0" rIns="0" tIns="0" bIns="0">
-            <a:normAutofit/>
-          </a:bodyPr>
-          <a:p>
-            <a:endParaRPr b="0" lang="es-ES" sz="3200" spc="-1" strike="noStrike">
-              <a:latin typeface="Arial"/>
-            </a:endParaRPr>
-          </a:p>
-        </p:txBody>
-      </p:sp>
-      <p:sp>
-        <p:nvSpPr>
-          <p:cNvPr id="192" name="PlaceHolder 3"/>
+            <a:ext cx="9071640" cy="2090880"/>
+          </a:xfrm>
+          <a:prstGeom prst="rect">
+            <a:avLst/>
+          </a:prstGeom>
+        </p:spPr>
+        <p:txBody>
+          <a:bodyPr lIns="0" rIns="0" tIns="0" bIns="0">
+            <a:normAutofit/>
+          </a:bodyPr>
+          <a:p>
+            <a:endParaRPr b="0" lang="es-ES" sz="3200" spc="-1" strike="noStrike">
+              <a:latin typeface="Arial"/>
+            </a:endParaRPr>
+          </a:p>
+        </p:txBody>
+      </p:sp>
+      <p:sp>
+        <p:nvSpPr>
+          <p:cNvPr id="196" name="PlaceHolder 3"/>
           <p:cNvSpPr>
             <a:spLocks noGrp="1"/>
           </p:cNvSpPr>
@@ -5905,7 +5906,7 @@
         <p:spPr>
           <a:xfrm>
             <a:off x="504000" y="4058640"/>
-            <a:ext cx="9072000" cy="2090880"/>
+            <a:ext cx="9071640" cy="2090880"/>
           </a:xfrm>
           <a:prstGeom prst="rect">
             <a:avLst/>
@@ -5946,7 +5947,7 @@
       </p:grpSpPr>
       <p:sp>
         <p:nvSpPr>
-          <p:cNvPr id="193" name="PlaceHolder 1"/>
+          <p:cNvPr id="197" name="PlaceHolder 1"/>
           <p:cNvSpPr>
             <a:spLocks noGrp="1"/>
           </p:cNvSpPr>
@@ -5956,8 +5957,8 @@
         </p:nvSpPr>
         <p:spPr>
           <a:xfrm>
-            <a:off x="360000" y="3330000"/>
-            <a:ext cx="9359640" cy="899640"/>
+            <a:off x="360000" y="3148560"/>
+            <a:ext cx="9359280" cy="1262160"/>
           </a:xfrm>
           <a:prstGeom prst="rect">
             <a:avLst/>
@@ -5977,7 +5978,7 @@
       </p:sp>
       <p:sp>
         <p:nvSpPr>
-          <p:cNvPr id="194" name="PlaceHolder 2"/>
+          <p:cNvPr id="198" name="PlaceHolder 2"/>
           <p:cNvSpPr>
             <a:spLocks noGrp="1"/>
           </p:cNvSpPr>
@@ -6007,7 +6008,7 @@
       </p:sp>
       <p:sp>
         <p:nvSpPr>
-          <p:cNvPr id="195" name="PlaceHolder 3"/>
+          <p:cNvPr id="199" name="PlaceHolder 3"/>
           <p:cNvSpPr>
             <a:spLocks noGrp="1"/>
           </p:cNvSpPr>
@@ -6037,7 +6038,7 @@
       </p:sp>
       <p:sp>
         <p:nvSpPr>
-          <p:cNvPr id="196" name="PlaceHolder 4"/>
+          <p:cNvPr id="200" name="PlaceHolder 4"/>
           <p:cNvSpPr>
             <a:spLocks noGrp="1"/>
           </p:cNvSpPr>
@@ -6067,7 +6068,7 @@
       </p:sp>
       <p:sp>
         <p:nvSpPr>
-          <p:cNvPr id="197" name="PlaceHolder 5"/>
+          <p:cNvPr id="201" name="PlaceHolder 5"/>
           <p:cNvSpPr>
             <a:spLocks noGrp="1"/>
           </p:cNvSpPr>
@@ -6129,8 +6130,8 @@
         </p:nvSpPr>
         <p:spPr>
           <a:xfrm>
-            <a:off x="360000" y="3330000"/>
-            <a:ext cx="9359640" cy="4171680"/>
+            <a:off x="360000" y="3148560"/>
+            <a:ext cx="9359280" cy="5851800"/>
           </a:xfrm>
           <a:prstGeom prst="rect">
             <a:avLst/>
@@ -6172,7 +6173,7 @@
       </p:grpSpPr>
       <p:sp>
         <p:nvSpPr>
-          <p:cNvPr id="198" name="PlaceHolder 1"/>
+          <p:cNvPr id="202" name="PlaceHolder 1"/>
           <p:cNvSpPr>
             <a:spLocks noGrp="1"/>
           </p:cNvSpPr>
@@ -6182,8 +6183,8 @@
         </p:nvSpPr>
         <p:spPr>
           <a:xfrm>
-            <a:off x="360000" y="3330000"/>
-            <a:ext cx="9359640" cy="899640"/>
+            <a:off x="360000" y="3148560"/>
+            <a:ext cx="9359280" cy="1262160"/>
           </a:xfrm>
           <a:prstGeom prst="rect">
             <a:avLst/>
@@ -6203,7 +6204,7 @@
       </p:sp>
       <p:sp>
         <p:nvSpPr>
-          <p:cNvPr id="199" name="PlaceHolder 2"/>
+          <p:cNvPr id="203" name="PlaceHolder 2"/>
           <p:cNvSpPr>
             <a:spLocks noGrp="1"/>
           </p:cNvSpPr>
@@ -6214,26 +6215,26 @@
         <p:spPr>
           <a:xfrm>
             <a:off x="504000" y="1768680"/>
-            <a:ext cx="2921040" cy="2090880"/>
-          </a:xfrm>
-          <a:prstGeom prst="rect">
-            <a:avLst/>
-          </a:prstGeom>
-        </p:spPr>
-        <p:txBody>
-          <a:bodyPr lIns="0" rIns="0" tIns="0" bIns="0">
-            <a:normAutofit/>
-          </a:bodyPr>
-          <a:p>
-            <a:endParaRPr b="0" lang="es-ES" sz="3200" spc="-1" strike="noStrike">
-              <a:latin typeface="Arial"/>
-            </a:endParaRPr>
-          </a:p>
-        </p:txBody>
-      </p:sp>
-      <p:sp>
-        <p:nvSpPr>
-          <p:cNvPr id="200" name="PlaceHolder 3"/>
+            <a:ext cx="2920680" cy="2090880"/>
+          </a:xfrm>
+          <a:prstGeom prst="rect">
+            <a:avLst/>
+          </a:prstGeom>
+        </p:spPr>
+        <p:txBody>
+          <a:bodyPr lIns="0" rIns="0" tIns="0" bIns="0">
+            <a:normAutofit/>
+          </a:bodyPr>
+          <a:p>
+            <a:endParaRPr b="0" lang="es-ES" sz="3200" spc="-1" strike="noStrike">
+              <a:latin typeface="Arial"/>
+            </a:endParaRPr>
+          </a:p>
+        </p:txBody>
+      </p:sp>
+      <p:sp>
+        <p:nvSpPr>
+          <p:cNvPr id="204" name="PlaceHolder 3"/>
           <p:cNvSpPr>
             <a:spLocks noGrp="1"/>
           </p:cNvSpPr>
@@ -6243,27 +6244,27 @@
         </p:nvSpPr>
         <p:spPr>
           <a:xfrm>
-            <a:off x="3571560" y="1768680"/>
-            <a:ext cx="2921040" cy="2090880"/>
-          </a:xfrm>
-          <a:prstGeom prst="rect">
-            <a:avLst/>
-          </a:prstGeom>
-        </p:spPr>
-        <p:txBody>
-          <a:bodyPr lIns="0" rIns="0" tIns="0" bIns="0">
-            <a:normAutofit/>
-          </a:bodyPr>
-          <a:p>
-            <a:endParaRPr b="0" lang="es-ES" sz="3200" spc="-1" strike="noStrike">
-              <a:latin typeface="Arial"/>
-            </a:endParaRPr>
-          </a:p>
-        </p:txBody>
-      </p:sp>
-      <p:sp>
-        <p:nvSpPr>
-          <p:cNvPr id="201" name="PlaceHolder 4"/>
+            <a:off x="3571200" y="1768680"/>
+            <a:ext cx="2920680" cy="2090880"/>
+          </a:xfrm>
+          <a:prstGeom prst="rect">
+            <a:avLst/>
+          </a:prstGeom>
+        </p:spPr>
+        <p:txBody>
+          <a:bodyPr lIns="0" rIns="0" tIns="0" bIns="0">
+            <a:normAutofit/>
+          </a:bodyPr>
+          <a:p>
+            <a:endParaRPr b="0" lang="es-ES" sz="3200" spc="-1" strike="noStrike">
+              <a:latin typeface="Arial"/>
+            </a:endParaRPr>
+          </a:p>
+        </p:txBody>
+      </p:sp>
+      <p:sp>
+        <p:nvSpPr>
+          <p:cNvPr id="205" name="PlaceHolder 4"/>
           <p:cNvSpPr>
             <a:spLocks noGrp="1"/>
           </p:cNvSpPr>
@@ -6273,27 +6274,27 @@
         </p:nvSpPr>
         <p:spPr>
           <a:xfrm>
-            <a:off x="6639120" y="1768680"/>
-            <a:ext cx="2921040" cy="2090880"/>
-          </a:xfrm>
-          <a:prstGeom prst="rect">
-            <a:avLst/>
-          </a:prstGeom>
-        </p:spPr>
-        <p:txBody>
-          <a:bodyPr lIns="0" rIns="0" tIns="0" bIns="0">
-            <a:normAutofit/>
-          </a:bodyPr>
-          <a:p>
-            <a:endParaRPr b="0" lang="es-ES" sz="3200" spc="-1" strike="noStrike">
-              <a:latin typeface="Arial"/>
-            </a:endParaRPr>
-          </a:p>
-        </p:txBody>
-      </p:sp>
-      <p:sp>
-        <p:nvSpPr>
-          <p:cNvPr id="202" name="PlaceHolder 5"/>
+            <a:off x="6638040" y="1768680"/>
+            <a:ext cx="2920680" cy="2090880"/>
+          </a:xfrm>
+          <a:prstGeom prst="rect">
+            <a:avLst/>
+          </a:prstGeom>
+        </p:spPr>
+        <p:txBody>
+          <a:bodyPr lIns="0" rIns="0" tIns="0" bIns="0">
+            <a:normAutofit/>
+          </a:bodyPr>
+          <a:p>
+            <a:endParaRPr b="0" lang="es-ES" sz="3200" spc="-1" strike="noStrike">
+              <a:latin typeface="Arial"/>
+            </a:endParaRPr>
+          </a:p>
+        </p:txBody>
+      </p:sp>
+      <p:sp>
+        <p:nvSpPr>
+          <p:cNvPr id="206" name="PlaceHolder 5"/>
           <p:cNvSpPr>
             <a:spLocks noGrp="1"/>
           </p:cNvSpPr>
@@ -6304,26 +6305,26 @@
         <p:spPr>
           <a:xfrm>
             <a:off x="504000" y="4058640"/>
-            <a:ext cx="2921040" cy="2090880"/>
-          </a:xfrm>
-          <a:prstGeom prst="rect">
-            <a:avLst/>
-          </a:prstGeom>
-        </p:spPr>
-        <p:txBody>
-          <a:bodyPr lIns="0" rIns="0" tIns="0" bIns="0">
-            <a:normAutofit/>
-          </a:bodyPr>
-          <a:p>
-            <a:endParaRPr b="0" lang="es-ES" sz="3200" spc="-1" strike="noStrike">
-              <a:latin typeface="Arial"/>
-            </a:endParaRPr>
-          </a:p>
-        </p:txBody>
-      </p:sp>
-      <p:sp>
-        <p:nvSpPr>
-          <p:cNvPr id="203" name="PlaceHolder 6"/>
+            <a:ext cx="2920680" cy="2090880"/>
+          </a:xfrm>
+          <a:prstGeom prst="rect">
+            <a:avLst/>
+          </a:prstGeom>
+        </p:spPr>
+        <p:txBody>
+          <a:bodyPr lIns="0" rIns="0" tIns="0" bIns="0">
+            <a:normAutofit/>
+          </a:bodyPr>
+          <a:p>
+            <a:endParaRPr b="0" lang="es-ES" sz="3200" spc="-1" strike="noStrike">
+              <a:latin typeface="Arial"/>
+            </a:endParaRPr>
+          </a:p>
+        </p:txBody>
+      </p:sp>
+      <p:sp>
+        <p:nvSpPr>
+          <p:cNvPr id="207" name="PlaceHolder 6"/>
           <p:cNvSpPr>
             <a:spLocks noGrp="1"/>
           </p:cNvSpPr>
@@ -6333,27 +6334,27 @@
         </p:nvSpPr>
         <p:spPr>
           <a:xfrm>
-            <a:off x="3571560" y="4058640"/>
-            <a:ext cx="2921040" cy="2090880"/>
-          </a:xfrm>
-          <a:prstGeom prst="rect">
-            <a:avLst/>
-          </a:prstGeom>
-        </p:spPr>
-        <p:txBody>
-          <a:bodyPr lIns="0" rIns="0" tIns="0" bIns="0">
-            <a:normAutofit/>
-          </a:bodyPr>
-          <a:p>
-            <a:endParaRPr b="0" lang="es-ES" sz="3200" spc="-1" strike="noStrike">
-              <a:latin typeface="Arial"/>
-            </a:endParaRPr>
-          </a:p>
-        </p:txBody>
-      </p:sp>
-      <p:sp>
-        <p:nvSpPr>
-          <p:cNvPr id="204" name="PlaceHolder 7"/>
+            <a:off x="3571200" y="4058640"/>
+            <a:ext cx="2920680" cy="2090880"/>
+          </a:xfrm>
+          <a:prstGeom prst="rect">
+            <a:avLst/>
+          </a:prstGeom>
+        </p:spPr>
+        <p:txBody>
+          <a:bodyPr lIns="0" rIns="0" tIns="0" bIns="0">
+            <a:normAutofit/>
+          </a:bodyPr>
+          <a:p>
+            <a:endParaRPr b="0" lang="es-ES" sz="3200" spc="-1" strike="noStrike">
+              <a:latin typeface="Arial"/>
+            </a:endParaRPr>
+          </a:p>
+        </p:txBody>
+      </p:sp>
+      <p:sp>
+        <p:nvSpPr>
+          <p:cNvPr id="208" name="PlaceHolder 7"/>
           <p:cNvSpPr>
             <a:spLocks noGrp="1"/>
           </p:cNvSpPr>
@@ -6363,8 +6364,845 @@
         </p:nvSpPr>
         <p:spPr>
           <a:xfrm>
-            <a:off x="6639120" y="4058640"/>
-            <a:ext cx="2921040" cy="2090880"/>
+            <a:off x="6638040" y="4058640"/>
+            <a:ext cx="2920680" cy="2090880"/>
+          </a:xfrm>
+          <a:prstGeom prst="rect">
+            <a:avLst/>
+          </a:prstGeom>
+        </p:spPr>
+        <p:txBody>
+          <a:bodyPr lIns="0" rIns="0" tIns="0" bIns="0">
+            <a:normAutofit/>
+          </a:bodyPr>
+          <a:p>
+            <a:endParaRPr b="0" lang="es-ES" sz="3200" spc="-1" strike="noStrike">
+              <a:latin typeface="Arial"/>
+            </a:endParaRPr>
+          </a:p>
+        </p:txBody>
+      </p:sp>
+    </p:spTree>
+  </p:cSld>
+</p:sldLayout>
+</file>
+
+<file path=ppt/slideLayouts/slideLayout61.xml><?xml version="1.0" encoding="utf-8"?>
+<p:sldLayout xmlns:a="http://schemas.openxmlformats.org/drawingml/2006/main" xmlns:p="http://schemas.openxmlformats.org/presentationml/2006/main" xmlns:r="http://schemas.openxmlformats.org/officeDocument/2006/relationships" xmlns:p14="http://schemas.microsoft.com/office/powerpoint/2010/main" xmlns:p15="http://schemas.microsoft.com/office/powerpoint/2012/main" xmlns:mc="http://schemas.openxmlformats.org/markup-compatibility/2006" type="blank" preserve="1">
+  <p:cSld name="Blank Slide">
+    <p:spTree>
+      <p:nvGrpSpPr>
+        <p:cNvPr id="1" name=""/>
+        <p:cNvGrpSpPr/>
+        <p:nvPr/>
+      </p:nvGrpSpPr>
+      <p:grpSpPr>
+        <a:xfrm>
+          <a:off x="0" y="0"/>
+          <a:ext cx="0" cy="0"/>
+          <a:chOff x="0" y="0"/>
+          <a:chExt cx="0" cy="0"/>
+        </a:xfrm>
+      </p:grpSpPr>
+    </p:spTree>
+  </p:cSld>
+</p:sldLayout>
+</file>
+
+<file path=ppt/slideLayouts/slideLayout62.xml><?xml version="1.0" encoding="utf-8"?>
+<p:sldLayout xmlns:a="http://schemas.openxmlformats.org/drawingml/2006/main" xmlns:p="http://schemas.openxmlformats.org/presentationml/2006/main" xmlns:r="http://schemas.openxmlformats.org/officeDocument/2006/relationships" xmlns:p14="http://schemas.microsoft.com/office/powerpoint/2010/main" xmlns:p15="http://schemas.microsoft.com/office/powerpoint/2012/main" xmlns:mc="http://schemas.openxmlformats.org/markup-compatibility/2006" type="tx" preserve="1">
+  <p:cSld name="Title Slide">
+    <p:spTree>
+      <p:nvGrpSpPr>
+        <p:cNvPr id="1" name=""/>
+        <p:cNvGrpSpPr/>
+        <p:nvPr/>
+      </p:nvGrpSpPr>
+      <p:grpSpPr>
+        <a:xfrm>
+          <a:off x="0" y="0"/>
+          <a:ext cx="0" cy="0"/>
+          <a:chOff x="0" y="0"/>
+          <a:chExt cx="0" cy="0"/>
+        </a:xfrm>
+      </p:grpSpPr>
+      <p:sp>
+        <p:nvSpPr>
+          <p:cNvPr id="212" name="PlaceHolder 1"/>
+          <p:cNvSpPr>
+            <a:spLocks noGrp="1"/>
+          </p:cNvSpPr>
+          <p:nvPr>
+            <p:ph type="title"/>
+          </p:nvPr>
+        </p:nvSpPr>
+        <p:spPr>
+          <a:xfrm>
+            <a:off x="360000" y="3148560"/>
+            <a:ext cx="9359280" cy="1262160"/>
+          </a:xfrm>
+          <a:prstGeom prst="rect">
+            <a:avLst/>
+          </a:prstGeom>
+        </p:spPr>
+        <p:txBody>
+          <a:bodyPr lIns="0" rIns="0" tIns="0" bIns="0" anchor="ctr">
+            <a:spAutoFit/>
+          </a:bodyPr>
+          <a:p>
+            <a:pPr algn="ctr"/>
+            <a:endParaRPr b="0" lang="es-ES" sz="4400" spc="-1" strike="noStrike">
+              <a:latin typeface="Arial"/>
+            </a:endParaRPr>
+          </a:p>
+        </p:txBody>
+      </p:sp>
+      <p:sp>
+        <p:nvSpPr>
+          <p:cNvPr id="213" name="PlaceHolder 2"/>
+          <p:cNvSpPr>
+            <a:spLocks noGrp="1"/>
+          </p:cNvSpPr>
+          <p:nvPr>
+            <p:ph type="subTitle"/>
+          </p:nvPr>
+        </p:nvSpPr>
+        <p:spPr>
+          <a:xfrm>
+            <a:off x="504000" y="1768680"/>
+            <a:ext cx="9071640" cy="4383720"/>
+          </a:xfrm>
+          <a:prstGeom prst="rect">
+            <a:avLst/>
+          </a:prstGeom>
+        </p:spPr>
+        <p:txBody>
+          <a:bodyPr lIns="0" rIns="0" tIns="0" bIns="0" anchor="ctr">
+            <a:spAutoFit/>
+          </a:bodyPr>
+          <a:p>
+            <a:pPr algn="ctr"/>
+            <a:endParaRPr b="0" lang="es-ES" sz="3200" spc="-1" strike="noStrike">
+              <a:latin typeface="Arial"/>
+            </a:endParaRPr>
+          </a:p>
+        </p:txBody>
+      </p:sp>
+    </p:spTree>
+  </p:cSld>
+</p:sldLayout>
+</file>
+
+<file path=ppt/slideLayouts/slideLayout63.xml><?xml version="1.0" encoding="utf-8"?>
+<p:sldLayout xmlns:a="http://schemas.openxmlformats.org/drawingml/2006/main" xmlns:p="http://schemas.openxmlformats.org/presentationml/2006/main" xmlns:r="http://schemas.openxmlformats.org/officeDocument/2006/relationships" xmlns:p14="http://schemas.microsoft.com/office/powerpoint/2010/main" xmlns:p15="http://schemas.microsoft.com/office/powerpoint/2012/main" xmlns:mc="http://schemas.openxmlformats.org/markup-compatibility/2006" type="obj" preserve="1">
+  <p:cSld name="Title, Content">
+    <p:spTree>
+      <p:nvGrpSpPr>
+        <p:cNvPr id="1" name=""/>
+        <p:cNvGrpSpPr/>
+        <p:nvPr/>
+      </p:nvGrpSpPr>
+      <p:grpSpPr>
+        <a:xfrm>
+          <a:off x="0" y="0"/>
+          <a:ext cx="0" cy="0"/>
+          <a:chOff x="0" y="0"/>
+          <a:chExt cx="0" cy="0"/>
+        </a:xfrm>
+      </p:grpSpPr>
+      <p:sp>
+        <p:nvSpPr>
+          <p:cNvPr id="214" name="PlaceHolder 1"/>
+          <p:cNvSpPr>
+            <a:spLocks noGrp="1"/>
+          </p:cNvSpPr>
+          <p:nvPr>
+            <p:ph type="title"/>
+          </p:nvPr>
+        </p:nvSpPr>
+        <p:spPr>
+          <a:xfrm>
+            <a:off x="360000" y="3148560"/>
+            <a:ext cx="9359280" cy="1262160"/>
+          </a:xfrm>
+          <a:prstGeom prst="rect">
+            <a:avLst/>
+          </a:prstGeom>
+        </p:spPr>
+        <p:txBody>
+          <a:bodyPr lIns="0" rIns="0" tIns="0" bIns="0" anchor="ctr">
+            <a:spAutoFit/>
+          </a:bodyPr>
+          <a:p>
+            <a:pPr algn="ctr"/>
+            <a:endParaRPr b="0" lang="es-ES" sz="4400" spc="-1" strike="noStrike">
+              <a:latin typeface="Arial"/>
+            </a:endParaRPr>
+          </a:p>
+        </p:txBody>
+      </p:sp>
+      <p:sp>
+        <p:nvSpPr>
+          <p:cNvPr id="215" name="PlaceHolder 2"/>
+          <p:cNvSpPr>
+            <a:spLocks noGrp="1"/>
+          </p:cNvSpPr>
+          <p:nvPr>
+            <p:ph type="body"/>
+          </p:nvPr>
+        </p:nvSpPr>
+        <p:spPr>
+          <a:xfrm>
+            <a:off x="504000" y="1768680"/>
+            <a:ext cx="9071640" cy="4383720"/>
+          </a:xfrm>
+          <a:prstGeom prst="rect">
+            <a:avLst/>
+          </a:prstGeom>
+        </p:spPr>
+        <p:txBody>
+          <a:bodyPr lIns="0" rIns="0" tIns="0" bIns="0">
+            <a:normAutofit/>
+          </a:bodyPr>
+          <a:p>
+            <a:endParaRPr b="0" lang="es-ES" sz="3200" spc="-1" strike="noStrike">
+              <a:latin typeface="Arial"/>
+            </a:endParaRPr>
+          </a:p>
+        </p:txBody>
+      </p:sp>
+    </p:spTree>
+  </p:cSld>
+</p:sldLayout>
+</file>
+
+<file path=ppt/slideLayouts/slideLayout64.xml><?xml version="1.0" encoding="utf-8"?>
+<p:sldLayout xmlns:a="http://schemas.openxmlformats.org/drawingml/2006/main" xmlns:p="http://schemas.openxmlformats.org/presentationml/2006/main" xmlns:r="http://schemas.openxmlformats.org/officeDocument/2006/relationships" xmlns:p14="http://schemas.microsoft.com/office/powerpoint/2010/main" xmlns:p15="http://schemas.microsoft.com/office/powerpoint/2012/main" xmlns:mc="http://schemas.openxmlformats.org/markup-compatibility/2006" type="twoObj" preserve="1">
+  <p:cSld name="Title, 2 Content">
+    <p:spTree>
+      <p:nvGrpSpPr>
+        <p:cNvPr id="1" name=""/>
+        <p:cNvGrpSpPr/>
+        <p:nvPr/>
+      </p:nvGrpSpPr>
+      <p:grpSpPr>
+        <a:xfrm>
+          <a:off x="0" y="0"/>
+          <a:ext cx="0" cy="0"/>
+          <a:chOff x="0" y="0"/>
+          <a:chExt cx="0" cy="0"/>
+        </a:xfrm>
+      </p:grpSpPr>
+      <p:sp>
+        <p:nvSpPr>
+          <p:cNvPr id="216" name="PlaceHolder 1"/>
+          <p:cNvSpPr>
+            <a:spLocks noGrp="1"/>
+          </p:cNvSpPr>
+          <p:nvPr>
+            <p:ph type="title"/>
+          </p:nvPr>
+        </p:nvSpPr>
+        <p:spPr>
+          <a:xfrm>
+            <a:off x="360000" y="3148560"/>
+            <a:ext cx="9359280" cy="1262160"/>
+          </a:xfrm>
+          <a:prstGeom prst="rect">
+            <a:avLst/>
+          </a:prstGeom>
+        </p:spPr>
+        <p:txBody>
+          <a:bodyPr lIns="0" rIns="0" tIns="0" bIns="0" anchor="ctr">
+            <a:spAutoFit/>
+          </a:bodyPr>
+          <a:p>
+            <a:pPr algn="ctr"/>
+            <a:endParaRPr b="0" lang="es-ES" sz="4400" spc="-1" strike="noStrike">
+              <a:latin typeface="Arial"/>
+            </a:endParaRPr>
+          </a:p>
+        </p:txBody>
+      </p:sp>
+      <p:sp>
+        <p:nvSpPr>
+          <p:cNvPr id="217" name="PlaceHolder 2"/>
+          <p:cNvSpPr>
+            <a:spLocks noGrp="1"/>
+          </p:cNvSpPr>
+          <p:nvPr>
+            <p:ph type="body"/>
+          </p:nvPr>
+        </p:nvSpPr>
+        <p:spPr>
+          <a:xfrm>
+            <a:off x="504000" y="1768680"/>
+            <a:ext cx="4426920" cy="4383720"/>
+          </a:xfrm>
+          <a:prstGeom prst="rect">
+            <a:avLst/>
+          </a:prstGeom>
+        </p:spPr>
+        <p:txBody>
+          <a:bodyPr lIns="0" rIns="0" tIns="0" bIns="0">
+            <a:normAutofit/>
+          </a:bodyPr>
+          <a:p>
+            <a:endParaRPr b="0" lang="es-ES" sz="3200" spc="-1" strike="noStrike">
+              <a:latin typeface="Arial"/>
+            </a:endParaRPr>
+          </a:p>
+        </p:txBody>
+      </p:sp>
+      <p:sp>
+        <p:nvSpPr>
+          <p:cNvPr id="218" name="PlaceHolder 3"/>
+          <p:cNvSpPr>
+            <a:spLocks noGrp="1"/>
+          </p:cNvSpPr>
+          <p:nvPr>
+            <p:ph type="body"/>
+          </p:nvPr>
+        </p:nvSpPr>
+        <p:spPr>
+          <a:xfrm>
+            <a:off x="5152680" y="1768680"/>
+            <a:ext cx="4426920" cy="4383720"/>
+          </a:xfrm>
+          <a:prstGeom prst="rect">
+            <a:avLst/>
+          </a:prstGeom>
+        </p:spPr>
+        <p:txBody>
+          <a:bodyPr lIns="0" rIns="0" tIns="0" bIns="0">
+            <a:normAutofit/>
+          </a:bodyPr>
+          <a:p>
+            <a:endParaRPr b="0" lang="es-ES" sz="3200" spc="-1" strike="noStrike">
+              <a:latin typeface="Arial"/>
+            </a:endParaRPr>
+          </a:p>
+        </p:txBody>
+      </p:sp>
+    </p:spTree>
+  </p:cSld>
+</p:sldLayout>
+</file>
+
+<file path=ppt/slideLayouts/slideLayout65.xml><?xml version="1.0" encoding="utf-8"?>
+<p:sldLayout xmlns:a="http://schemas.openxmlformats.org/drawingml/2006/main" xmlns:p="http://schemas.openxmlformats.org/presentationml/2006/main" xmlns:r="http://schemas.openxmlformats.org/officeDocument/2006/relationships" xmlns:p14="http://schemas.microsoft.com/office/powerpoint/2010/main" xmlns:p15="http://schemas.microsoft.com/office/powerpoint/2012/main" xmlns:mc="http://schemas.openxmlformats.org/markup-compatibility/2006" type="titleOnly" preserve="1">
+  <p:cSld name="Title Only">
+    <p:spTree>
+      <p:nvGrpSpPr>
+        <p:cNvPr id="1" name=""/>
+        <p:cNvGrpSpPr/>
+        <p:nvPr/>
+      </p:nvGrpSpPr>
+      <p:grpSpPr>
+        <a:xfrm>
+          <a:off x="0" y="0"/>
+          <a:ext cx="0" cy="0"/>
+          <a:chOff x="0" y="0"/>
+          <a:chExt cx="0" cy="0"/>
+        </a:xfrm>
+      </p:grpSpPr>
+      <p:sp>
+        <p:nvSpPr>
+          <p:cNvPr id="219" name="PlaceHolder 1"/>
+          <p:cNvSpPr>
+            <a:spLocks noGrp="1"/>
+          </p:cNvSpPr>
+          <p:nvPr>
+            <p:ph type="title"/>
+          </p:nvPr>
+        </p:nvSpPr>
+        <p:spPr>
+          <a:xfrm>
+            <a:off x="360000" y="3148560"/>
+            <a:ext cx="9359280" cy="1262160"/>
+          </a:xfrm>
+          <a:prstGeom prst="rect">
+            <a:avLst/>
+          </a:prstGeom>
+        </p:spPr>
+        <p:txBody>
+          <a:bodyPr lIns="0" rIns="0" tIns="0" bIns="0" anchor="ctr">
+            <a:spAutoFit/>
+          </a:bodyPr>
+          <a:p>
+            <a:pPr algn="ctr"/>
+            <a:endParaRPr b="0" lang="es-ES" sz="4400" spc="-1" strike="noStrike">
+              <a:latin typeface="Arial"/>
+            </a:endParaRPr>
+          </a:p>
+        </p:txBody>
+      </p:sp>
+    </p:spTree>
+  </p:cSld>
+</p:sldLayout>
+</file>
+
+<file path=ppt/slideLayouts/slideLayout66.xml><?xml version="1.0" encoding="utf-8"?>
+<p:sldLayout xmlns:a="http://schemas.openxmlformats.org/drawingml/2006/main" xmlns:p="http://schemas.openxmlformats.org/presentationml/2006/main" xmlns:r="http://schemas.openxmlformats.org/officeDocument/2006/relationships" xmlns:p14="http://schemas.microsoft.com/office/powerpoint/2010/main" xmlns:p15="http://schemas.microsoft.com/office/powerpoint/2012/main" xmlns:mc="http://schemas.openxmlformats.org/markup-compatibility/2006" type="objOnly" preserve="1">
+  <p:cSld name="Centered Text">
+    <p:spTree>
+      <p:nvGrpSpPr>
+        <p:cNvPr id="1" name=""/>
+        <p:cNvGrpSpPr/>
+        <p:nvPr/>
+      </p:nvGrpSpPr>
+      <p:grpSpPr>
+        <a:xfrm>
+          <a:off x="0" y="0"/>
+          <a:ext cx="0" cy="0"/>
+          <a:chOff x="0" y="0"/>
+          <a:chExt cx="0" cy="0"/>
+        </a:xfrm>
+      </p:grpSpPr>
+      <p:sp>
+        <p:nvSpPr>
+          <p:cNvPr id="220" name="PlaceHolder 1"/>
+          <p:cNvSpPr>
+            <a:spLocks noGrp="1"/>
+          </p:cNvSpPr>
+          <p:nvPr>
+            <p:ph type="subTitle"/>
+          </p:nvPr>
+        </p:nvSpPr>
+        <p:spPr>
+          <a:xfrm>
+            <a:off x="360000" y="3148560"/>
+            <a:ext cx="9359280" cy="5851800"/>
+          </a:xfrm>
+          <a:prstGeom prst="rect">
+            <a:avLst/>
+          </a:prstGeom>
+        </p:spPr>
+        <p:txBody>
+          <a:bodyPr lIns="0" rIns="0" tIns="0" bIns="0" anchor="ctr">
+            <a:spAutoFit/>
+          </a:bodyPr>
+          <a:p>
+            <a:pPr algn="ctr"/>
+            <a:endParaRPr b="0" lang="es-ES" sz="3200" spc="-1" strike="noStrike">
+              <a:latin typeface="Arial"/>
+            </a:endParaRPr>
+          </a:p>
+        </p:txBody>
+      </p:sp>
+    </p:spTree>
+  </p:cSld>
+</p:sldLayout>
+</file>
+
+<file path=ppt/slideLayouts/slideLayout67.xml><?xml version="1.0" encoding="utf-8"?>
+<p:sldLayout xmlns:a="http://schemas.openxmlformats.org/drawingml/2006/main" xmlns:p="http://schemas.openxmlformats.org/presentationml/2006/main" xmlns:r="http://schemas.openxmlformats.org/officeDocument/2006/relationships" xmlns:p14="http://schemas.microsoft.com/office/powerpoint/2010/main" xmlns:p15="http://schemas.microsoft.com/office/powerpoint/2012/main" xmlns:mc="http://schemas.openxmlformats.org/markup-compatibility/2006" type="twoObjAndObj" preserve="1">
+  <p:cSld name="Title, 2 Content and Content">
+    <p:spTree>
+      <p:nvGrpSpPr>
+        <p:cNvPr id="1" name=""/>
+        <p:cNvGrpSpPr/>
+        <p:nvPr/>
+      </p:nvGrpSpPr>
+      <p:grpSpPr>
+        <a:xfrm>
+          <a:off x="0" y="0"/>
+          <a:ext cx="0" cy="0"/>
+          <a:chOff x="0" y="0"/>
+          <a:chExt cx="0" cy="0"/>
+        </a:xfrm>
+      </p:grpSpPr>
+      <p:sp>
+        <p:nvSpPr>
+          <p:cNvPr id="221" name="PlaceHolder 1"/>
+          <p:cNvSpPr>
+            <a:spLocks noGrp="1"/>
+          </p:cNvSpPr>
+          <p:nvPr>
+            <p:ph type="title"/>
+          </p:nvPr>
+        </p:nvSpPr>
+        <p:spPr>
+          <a:xfrm>
+            <a:off x="360000" y="3148560"/>
+            <a:ext cx="9359280" cy="1262160"/>
+          </a:xfrm>
+          <a:prstGeom prst="rect">
+            <a:avLst/>
+          </a:prstGeom>
+        </p:spPr>
+        <p:txBody>
+          <a:bodyPr lIns="0" rIns="0" tIns="0" bIns="0" anchor="ctr">
+            <a:spAutoFit/>
+          </a:bodyPr>
+          <a:p>
+            <a:pPr algn="ctr"/>
+            <a:endParaRPr b="0" lang="es-ES" sz="4400" spc="-1" strike="noStrike">
+              <a:latin typeface="Arial"/>
+            </a:endParaRPr>
+          </a:p>
+        </p:txBody>
+      </p:sp>
+      <p:sp>
+        <p:nvSpPr>
+          <p:cNvPr id="222" name="PlaceHolder 2"/>
+          <p:cNvSpPr>
+            <a:spLocks noGrp="1"/>
+          </p:cNvSpPr>
+          <p:nvPr>
+            <p:ph type="body"/>
+          </p:nvPr>
+        </p:nvSpPr>
+        <p:spPr>
+          <a:xfrm>
+            <a:off x="504000" y="1768680"/>
+            <a:ext cx="4426920" cy="2090880"/>
+          </a:xfrm>
+          <a:prstGeom prst="rect">
+            <a:avLst/>
+          </a:prstGeom>
+        </p:spPr>
+        <p:txBody>
+          <a:bodyPr lIns="0" rIns="0" tIns="0" bIns="0">
+            <a:normAutofit/>
+          </a:bodyPr>
+          <a:p>
+            <a:endParaRPr b="0" lang="es-ES" sz="3200" spc="-1" strike="noStrike">
+              <a:latin typeface="Arial"/>
+            </a:endParaRPr>
+          </a:p>
+        </p:txBody>
+      </p:sp>
+      <p:sp>
+        <p:nvSpPr>
+          <p:cNvPr id="223" name="PlaceHolder 3"/>
+          <p:cNvSpPr>
+            <a:spLocks noGrp="1"/>
+          </p:cNvSpPr>
+          <p:nvPr>
+            <p:ph type="body"/>
+          </p:nvPr>
+        </p:nvSpPr>
+        <p:spPr>
+          <a:xfrm>
+            <a:off x="5152680" y="1768680"/>
+            <a:ext cx="4426920" cy="4383720"/>
+          </a:xfrm>
+          <a:prstGeom prst="rect">
+            <a:avLst/>
+          </a:prstGeom>
+        </p:spPr>
+        <p:txBody>
+          <a:bodyPr lIns="0" rIns="0" tIns="0" bIns="0">
+            <a:normAutofit/>
+          </a:bodyPr>
+          <a:p>
+            <a:endParaRPr b="0" lang="es-ES" sz="3200" spc="-1" strike="noStrike">
+              <a:latin typeface="Arial"/>
+            </a:endParaRPr>
+          </a:p>
+        </p:txBody>
+      </p:sp>
+      <p:sp>
+        <p:nvSpPr>
+          <p:cNvPr id="224" name="PlaceHolder 4"/>
+          <p:cNvSpPr>
+            <a:spLocks noGrp="1"/>
+          </p:cNvSpPr>
+          <p:nvPr>
+            <p:ph type="body"/>
+          </p:nvPr>
+        </p:nvSpPr>
+        <p:spPr>
+          <a:xfrm>
+            <a:off x="504000" y="4058640"/>
+            <a:ext cx="4426920" cy="2090880"/>
+          </a:xfrm>
+          <a:prstGeom prst="rect">
+            <a:avLst/>
+          </a:prstGeom>
+        </p:spPr>
+        <p:txBody>
+          <a:bodyPr lIns="0" rIns="0" tIns="0" bIns="0">
+            <a:normAutofit/>
+          </a:bodyPr>
+          <a:p>
+            <a:endParaRPr b="0" lang="es-ES" sz="3200" spc="-1" strike="noStrike">
+              <a:latin typeface="Arial"/>
+            </a:endParaRPr>
+          </a:p>
+        </p:txBody>
+      </p:sp>
+    </p:spTree>
+  </p:cSld>
+</p:sldLayout>
+</file>
+
+<file path=ppt/slideLayouts/slideLayout68.xml><?xml version="1.0" encoding="utf-8"?>
+<p:sldLayout xmlns:a="http://schemas.openxmlformats.org/drawingml/2006/main" xmlns:p="http://schemas.openxmlformats.org/presentationml/2006/main" xmlns:r="http://schemas.openxmlformats.org/officeDocument/2006/relationships" xmlns:p14="http://schemas.microsoft.com/office/powerpoint/2010/main" xmlns:p15="http://schemas.microsoft.com/office/powerpoint/2012/main" xmlns:mc="http://schemas.openxmlformats.org/markup-compatibility/2006" type="objAndTwoObj" preserve="1">
+  <p:cSld name="Title Content and 2 Content">
+    <p:spTree>
+      <p:nvGrpSpPr>
+        <p:cNvPr id="1" name=""/>
+        <p:cNvGrpSpPr/>
+        <p:nvPr/>
+      </p:nvGrpSpPr>
+      <p:grpSpPr>
+        <a:xfrm>
+          <a:off x="0" y="0"/>
+          <a:ext cx="0" cy="0"/>
+          <a:chOff x="0" y="0"/>
+          <a:chExt cx="0" cy="0"/>
+        </a:xfrm>
+      </p:grpSpPr>
+      <p:sp>
+        <p:nvSpPr>
+          <p:cNvPr id="225" name="PlaceHolder 1"/>
+          <p:cNvSpPr>
+            <a:spLocks noGrp="1"/>
+          </p:cNvSpPr>
+          <p:nvPr>
+            <p:ph type="title"/>
+          </p:nvPr>
+        </p:nvSpPr>
+        <p:spPr>
+          <a:xfrm>
+            <a:off x="360000" y="3148560"/>
+            <a:ext cx="9359280" cy="1262160"/>
+          </a:xfrm>
+          <a:prstGeom prst="rect">
+            <a:avLst/>
+          </a:prstGeom>
+        </p:spPr>
+        <p:txBody>
+          <a:bodyPr lIns="0" rIns="0" tIns="0" bIns="0" anchor="ctr">
+            <a:spAutoFit/>
+          </a:bodyPr>
+          <a:p>
+            <a:pPr algn="ctr"/>
+            <a:endParaRPr b="0" lang="es-ES" sz="4400" spc="-1" strike="noStrike">
+              <a:latin typeface="Arial"/>
+            </a:endParaRPr>
+          </a:p>
+        </p:txBody>
+      </p:sp>
+      <p:sp>
+        <p:nvSpPr>
+          <p:cNvPr id="226" name="PlaceHolder 2"/>
+          <p:cNvSpPr>
+            <a:spLocks noGrp="1"/>
+          </p:cNvSpPr>
+          <p:nvPr>
+            <p:ph type="body"/>
+          </p:nvPr>
+        </p:nvSpPr>
+        <p:spPr>
+          <a:xfrm>
+            <a:off x="504000" y="1768680"/>
+            <a:ext cx="4426920" cy="4383720"/>
+          </a:xfrm>
+          <a:prstGeom prst="rect">
+            <a:avLst/>
+          </a:prstGeom>
+        </p:spPr>
+        <p:txBody>
+          <a:bodyPr lIns="0" rIns="0" tIns="0" bIns="0">
+            <a:normAutofit/>
+          </a:bodyPr>
+          <a:p>
+            <a:endParaRPr b="0" lang="es-ES" sz="3200" spc="-1" strike="noStrike">
+              <a:latin typeface="Arial"/>
+            </a:endParaRPr>
+          </a:p>
+        </p:txBody>
+      </p:sp>
+      <p:sp>
+        <p:nvSpPr>
+          <p:cNvPr id="227" name="PlaceHolder 3"/>
+          <p:cNvSpPr>
+            <a:spLocks noGrp="1"/>
+          </p:cNvSpPr>
+          <p:nvPr>
+            <p:ph type="body"/>
+          </p:nvPr>
+        </p:nvSpPr>
+        <p:spPr>
+          <a:xfrm>
+            <a:off x="5152680" y="1768680"/>
+            <a:ext cx="4426920" cy="2090880"/>
+          </a:xfrm>
+          <a:prstGeom prst="rect">
+            <a:avLst/>
+          </a:prstGeom>
+        </p:spPr>
+        <p:txBody>
+          <a:bodyPr lIns="0" rIns="0" tIns="0" bIns="0">
+            <a:normAutofit/>
+          </a:bodyPr>
+          <a:p>
+            <a:endParaRPr b="0" lang="es-ES" sz="3200" spc="-1" strike="noStrike">
+              <a:latin typeface="Arial"/>
+            </a:endParaRPr>
+          </a:p>
+        </p:txBody>
+      </p:sp>
+      <p:sp>
+        <p:nvSpPr>
+          <p:cNvPr id="228" name="PlaceHolder 4"/>
+          <p:cNvSpPr>
+            <a:spLocks noGrp="1"/>
+          </p:cNvSpPr>
+          <p:nvPr>
+            <p:ph type="body"/>
+          </p:nvPr>
+        </p:nvSpPr>
+        <p:spPr>
+          <a:xfrm>
+            <a:off x="5152680" y="4058640"/>
+            <a:ext cx="4426920" cy="2090880"/>
+          </a:xfrm>
+          <a:prstGeom prst="rect">
+            <a:avLst/>
+          </a:prstGeom>
+        </p:spPr>
+        <p:txBody>
+          <a:bodyPr lIns="0" rIns="0" tIns="0" bIns="0">
+            <a:normAutofit/>
+          </a:bodyPr>
+          <a:p>
+            <a:endParaRPr b="0" lang="es-ES" sz="3200" spc="-1" strike="noStrike">
+              <a:latin typeface="Arial"/>
+            </a:endParaRPr>
+          </a:p>
+        </p:txBody>
+      </p:sp>
+    </p:spTree>
+  </p:cSld>
+</p:sldLayout>
+</file>
+
+<file path=ppt/slideLayouts/slideLayout69.xml><?xml version="1.0" encoding="utf-8"?>
+<p:sldLayout xmlns:a="http://schemas.openxmlformats.org/drawingml/2006/main" xmlns:p="http://schemas.openxmlformats.org/presentationml/2006/main" xmlns:r="http://schemas.openxmlformats.org/officeDocument/2006/relationships" xmlns:p14="http://schemas.microsoft.com/office/powerpoint/2010/main" xmlns:p15="http://schemas.microsoft.com/office/powerpoint/2012/main" xmlns:mc="http://schemas.openxmlformats.org/markup-compatibility/2006" type="twoObjOverTx" preserve="1">
+  <p:cSld name="Title, 2 Content over Content">
+    <p:spTree>
+      <p:nvGrpSpPr>
+        <p:cNvPr id="1" name=""/>
+        <p:cNvGrpSpPr/>
+        <p:nvPr/>
+      </p:nvGrpSpPr>
+      <p:grpSpPr>
+        <a:xfrm>
+          <a:off x="0" y="0"/>
+          <a:ext cx="0" cy="0"/>
+          <a:chOff x="0" y="0"/>
+          <a:chExt cx="0" cy="0"/>
+        </a:xfrm>
+      </p:grpSpPr>
+      <p:sp>
+        <p:nvSpPr>
+          <p:cNvPr id="229" name="PlaceHolder 1"/>
+          <p:cNvSpPr>
+            <a:spLocks noGrp="1"/>
+          </p:cNvSpPr>
+          <p:nvPr>
+            <p:ph type="title"/>
+          </p:nvPr>
+        </p:nvSpPr>
+        <p:spPr>
+          <a:xfrm>
+            <a:off x="360000" y="3148560"/>
+            <a:ext cx="9359280" cy="1262160"/>
+          </a:xfrm>
+          <a:prstGeom prst="rect">
+            <a:avLst/>
+          </a:prstGeom>
+        </p:spPr>
+        <p:txBody>
+          <a:bodyPr lIns="0" rIns="0" tIns="0" bIns="0" anchor="ctr">
+            <a:spAutoFit/>
+          </a:bodyPr>
+          <a:p>
+            <a:pPr algn="ctr"/>
+            <a:endParaRPr b="0" lang="es-ES" sz="4400" spc="-1" strike="noStrike">
+              <a:latin typeface="Arial"/>
+            </a:endParaRPr>
+          </a:p>
+        </p:txBody>
+      </p:sp>
+      <p:sp>
+        <p:nvSpPr>
+          <p:cNvPr id="230" name="PlaceHolder 2"/>
+          <p:cNvSpPr>
+            <a:spLocks noGrp="1"/>
+          </p:cNvSpPr>
+          <p:nvPr>
+            <p:ph type="body"/>
+          </p:nvPr>
+        </p:nvSpPr>
+        <p:spPr>
+          <a:xfrm>
+            <a:off x="504000" y="1768680"/>
+            <a:ext cx="4426920" cy="2090880"/>
+          </a:xfrm>
+          <a:prstGeom prst="rect">
+            <a:avLst/>
+          </a:prstGeom>
+        </p:spPr>
+        <p:txBody>
+          <a:bodyPr lIns="0" rIns="0" tIns="0" bIns="0">
+            <a:normAutofit/>
+          </a:bodyPr>
+          <a:p>
+            <a:endParaRPr b="0" lang="es-ES" sz="3200" spc="-1" strike="noStrike">
+              <a:latin typeface="Arial"/>
+            </a:endParaRPr>
+          </a:p>
+        </p:txBody>
+      </p:sp>
+      <p:sp>
+        <p:nvSpPr>
+          <p:cNvPr id="231" name="PlaceHolder 3"/>
+          <p:cNvSpPr>
+            <a:spLocks noGrp="1"/>
+          </p:cNvSpPr>
+          <p:nvPr>
+            <p:ph type="body"/>
+          </p:nvPr>
+        </p:nvSpPr>
+        <p:spPr>
+          <a:xfrm>
+            <a:off x="5152680" y="1768680"/>
+            <a:ext cx="4426920" cy="2090880"/>
+          </a:xfrm>
+          <a:prstGeom prst="rect">
+            <a:avLst/>
+          </a:prstGeom>
+        </p:spPr>
+        <p:txBody>
+          <a:bodyPr lIns="0" rIns="0" tIns="0" bIns="0">
+            <a:normAutofit/>
+          </a:bodyPr>
+          <a:p>
+            <a:endParaRPr b="0" lang="es-ES" sz="3200" spc="-1" strike="noStrike">
+              <a:latin typeface="Arial"/>
+            </a:endParaRPr>
+          </a:p>
+        </p:txBody>
+      </p:sp>
+      <p:sp>
+        <p:nvSpPr>
+          <p:cNvPr id="232" name="PlaceHolder 4"/>
+          <p:cNvSpPr>
+            <a:spLocks noGrp="1"/>
+          </p:cNvSpPr>
+          <p:nvPr>
+            <p:ph type="body"/>
+          </p:nvPr>
+        </p:nvSpPr>
+        <p:spPr>
+          <a:xfrm>
+            <a:off x="504000" y="4058640"/>
+            <a:ext cx="9071640" cy="2090880"/>
           </a:xfrm>
           <a:prstGeom prst="rect">
             <a:avLst/>
@@ -6415,8 +7253,8 @@
         </p:nvSpPr>
         <p:spPr>
           <a:xfrm>
-            <a:off x="360000" y="3330000"/>
-            <a:ext cx="9359640" cy="899640"/>
+            <a:off x="360000" y="3148560"/>
+            <a:ext cx="9359280" cy="1262160"/>
           </a:xfrm>
           <a:prstGeom prst="rect">
             <a:avLst/>
@@ -6477,7 +7315,7 @@
         <p:spPr>
           <a:xfrm>
             <a:off x="5152680" y="1768680"/>
-            <a:ext cx="4426920" cy="4384080"/>
+            <a:ext cx="4426920" cy="4383720"/>
           </a:xfrm>
           <a:prstGeom prst="rect">
             <a:avLst/>
@@ -6508,6 +7346,525 @@
           <a:xfrm>
             <a:off x="504000" y="4058640"/>
             <a:ext cx="4426920" cy="2090880"/>
+          </a:xfrm>
+          <a:prstGeom prst="rect">
+            <a:avLst/>
+          </a:prstGeom>
+        </p:spPr>
+        <p:txBody>
+          <a:bodyPr lIns="0" rIns="0" tIns="0" bIns="0">
+            <a:normAutofit/>
+          </a:bodyPr>
+          <a:p>
+            <a:endParaRPr b="0" lang="es-ES" sz="3200" spc="-1" strike="noStrike">
+              <a:latin typeface="Arial"/>
+            </a:endParaRPr>
+          </a:p>
+        </p:txBody>
+      </p:sp>
+    </p:spTree>
+  </p:cSld>
+</p:sldLayout>
+</file>
+
+<file path=ppt/slideLayouts/slideLayout70.xml><?xml version="1.0" encoding="utf-8"?>
+<p:sldLayout xmlns:a="http://schemas.openxmlformats.org/drawingml/2006/main" xmlns:p="http://schemas.openxmlformats.org/presentationml/2006/main" xmlns:r="http://schemas.openxmlformats.org/officeDocument/2006/relationships" xmlns:p14="http://schemas.microsoft.com/office/powerpoint/2010/main" xmlns:p15="http://schemas.microsoft.com/office/powerpoint/2012/main" xmlns:mc="http://schemas.openxmlformats.org/markup-compatibility/2006" type="objOverTx" preserve="1">
+  <p:cSld name="Title, Content over Content">
+    <p:spTree>
+      <p:nvGrpSpPr>
+        <p:cNvPr id="1" name=""/>
+        <p:cNvGrpSpPr/>
+        <p:nvPr/>
+      </p:nvGrpSpPr>
+      <p:grpSpPr>
+        <a:xfrm>
+          <a:off x="0" y="0"/>
+          <a:ext cx="0" cy="0"/>
+          <a:chOff x="0" y="0"/>
+          <a:chExt cx="0" cy="0"/>
+        </a:xfrm>
+      </p:grpSpPr>
+      <p:sp>
+        <p:nvSpPr>
+          <p:cNvPr id="233" name="PlaceHolder 1"/>
+          <p:cNvSpPr>
+            <a:spLocks noGrp="1"/>
+          </p:cNvSpPr>
+          <p:nvPr>
+            <p:ph type="title"/>
+          </p:nvPr>
+        </p:nvSpPr>
+        <p:spPr>
+          <a:xfrm>
+            <a:off x="360000" y="3148560"/>
+            <a:ext cx="9359280" cy="1262160"/>
+          </a:xfrm>
+          <a:prstGeom prst="rect">
+            <a:avLst/>
+          </a:prstGeom>
+        </p:spPr>
+        <p:txBody>
+          <a:bodyPr lIns="0" rIns="0" tIns="0" bIns="0" anchor="ctr">
+            <a:spAutoFit/>
+          </a:bodyPr>
+          <a:p>
+            <a:pPr algn="ctr"/>
+            <a:endParaRPr b="0" lang="es-ES" sz="4400" spc="-1" strike="noStrike">
+              <a:latin typeface="Arial"/>
+            </a:endParaRPr>
+          </a:p>
+        </p:txBody>
+      </p:sp>
+      <p:sp>
+        <p:nvSpPr>
+          <p:cNvPr id="234" name="PlaceHolder 2"/>
+          <p:cNvSpPr>
+            <a:spLocks noGrp="1"/>
+          </p:cNvSpPr>
+          <p:nvPr>
+            <p:ph type="body"/>
+          </p:nvPr>
+        </p:nvSpPr>
+        <p:spPr>
+          <a:xfrm>
+            <a:off x="504000" y="1768680"/>
+            <a:ext cx="9071640" cy="2090880"/>
+          </a:xfrm>
+          <a:prstGeom prst="rect">
+            <a:avLst/>
+          </a:prstGeom>
+        </p:spPr>
+        <p:txBody>
+          <a:bodyPr lIns="0" rIns="0" tIns="0" bIns="0">
+            <a:normAutofit/>
+          </a:bodyPr>
+          <a:p>
+            <a:endParaRPr b="0" lang="es-ES" sz="3200" spc="-1" strike="noStrike">
+              <a:latin typeface="Arial"/>
+            </a:endParaRPr>
+          </a:p>
+        </p:txBody>
+      </p:sp>
+      <p:sp>
+        <p:nvSpPr>
+          <p:cNvPr id="235" name="PlaceHolder 3"/>
+          <p:cNvSpPr>
+            <a:spLocks noGrp="1"/>
+          </p:cNvSpPr>
+          <p:nvPr>
+            <p:ph type="body"/>
+          </p:nvPr>
+        </p:nvSpPr>
+        <p:spPr>
+          <a:xfrm>
+            <a:off x="504000" y="4058640"/>
+            <a:ext cx="9071640" cy="2090880"/>
+          </a:xfrm>
+          <a:prstGeom prst="rect">
+            <a:avLst/>
+          </a:prstGeom>
+        </p:spPr>
+        <p:txBody>
+          <a:bodyPr lIns="0" rIns="0" tIns="0" bIns="0">
+            <a:normAutofit/>
+          </a:bodyPr>
+          <a:p>
+            <a:endParaRPr b="0" lang="es-ES" sz="3200" spc="-1" strike="noStrike">
+              <a:latin typeface="Arial"/>
+            </a:endParaRPr>
+          </a:p>
+        </p:txBody>
+      </p:sp>
+    </p:spTree>
+  </p:cSld>
+</p:sldLayout>
+</file>
+
+<file path=ppt/slideLayouts/slideLayout71.xml><?xml version="1.0" encoding="utf-8"?>
+<p:sldLayout xmlns:a="http://schemas.openxmlformats.org/drawingml/2006/main" xmlns:p="http://schemas.openxmlformats.org/presentationml/2006/main" xmlns:r="http://schemas.openxmlformats.org/officeDocument/2006/relationships" xmlns:p14="http://schemas.microsoft.com/office/powerpoint/2010/main" xmlns:p15="http://schemas.microsoft.com/office/powerpoint/2012/main" xmlns:mc="http://schemas.openxmlformats.org/markup-compatibility/2006" type="fourObj" preserve="1">
+  <p:cSld name="Title, 4 Content">
+    <p:spTree>
+      <p:nvGrpSpPr>
+        <p:cNvPr id="1" name=""/>
+        <p:cNvGrpSpPr/>
+        <p:nvPr/>
+      </p:nvGrpSpPr>
+      <p:grpSpPr>
+        <a:xfrm>
+          <a:off x="0" y="0"/>
+          <a:ext cx="0" cy="0"/>
+          <a:chOff x="0" y="0"/>
+          <a:chExt cx="0" cy="0"/>
+        </a:xfrm>
+      </p:grpSpPr>
+      <p:sp>
+        <p:nvSpPr>
+          <p:cNvPr id="236" name="PlaceHolder 1"/>
+          <p:cNvSpPr>
+            <a:spLocks noGrp="1"/>
+          </p:cNvSpPr>
+          <p:nvPr>
+            <p:ph type="title"/>
+          </p:nvPr>
+        </p:nvSpPr>
+        <p:spPr>
+          <a:xfrm>
+            <a:off x="360000" y="3148560"/>
+            <a:ext cx="9359280" cy="1262160"/>
+          </a:xfrm>
+          <a:prstGeom prst="rect">
+            <a:avLst/>
+          </a:prstGeom>
+        </p:spPr>
+        <p:txBody>
+          <a:bodyPr lIns="0" rIns="0" tIns="0" bIns="0" anchor="ctr">
+            <a:spAutoFit/>
+          </a:bodyPr>
+          <a:p>
+            <a:pPr algn="ctr"/>
+            <a:endParaRPr b="0" lang="es-ES" sz="4400" spc="-1" strike="noStrike">
+              <a:latin typeface="Arial"/>
+            </a:endParaRPr>
+          </a:p>
+        </p:txBody>
+      </p:sp>
+      <p:sp>
+        <p:nvSpPr>
+          <p:cNvPr id="237" name="PlaceHolder 2"/>
+          <p:cNvSpPr>
+            <a:spLocks noGrp="1"/>
+          </p:cNvSpPr>
+          <p:nvPr>
+            <p:ph type="body"/>
+          </p:nvPr>
+        </p:nvSpPr>
+        <p:spPr>
+          <a:xfrm>
+            <a:off x="504000" y="1768680"/>
+            <a:ext cx="4426920" cy="2090880"/>
+          </a:xfrm>
+          <a:prstGeom prst="rect">
+            <a:avLst/>
+          </a:prstGeom>
+        </p:spPr>
+        <p:txBody>
+          <a:bodyPr lIns="0" rIns="0" tIns="0" bIns="0">
+            <a:normAutofit/>
+          </a:bodyPr>
+          <a:p>
+            <a:endParaRPr b="0" lang="es-ES" sz="3200" spc="-1" strike="noStrike">
+              <a:latin typeface="Arial"/>
+            </a:endParaRPr>
+          </a:p>
+        </p:txBody>
+      </p:sp>
+      <p:sp>
+        <p:nvSpPr>
+          <p:cNvPr id="238" name="PlaceHolder 3"/>
+          <p:cNvSpPr>
+            <a:spLocks noGrp="1"/>
+          </p:cNvSpPr>
+          <p:nvPr>
+            <p:ph type="body"/>
+          </p:nvPr>
+        </p:nvSpPr>
+        <p:spPr>
+          <a:xfrm>
+            <a:off x="5152680" y="1768680"/>
+            <a:ext cx="4426920" cy="2090880"/>
+          </a:xfrm>
+          <a:prstGeom prst="rect">
+            <a:avLst/>
+          </a:prstGeom>
+        </p:spPr>
+        <p:txBody>
+          <a:bodyPr lIns="0" rIns="0" tIns="0" bIns="0">
+            <a:normAutofit/>
+          </a:bodyPr>
+          <a:p>
+            <a:endParaRPr b="0" lang="es-ES" sz="3200" spc="-1" strike="noStrike">
+              <a:latin typeface="Arial"/>
+            </a:endParaRPr>
+          </a:p>
+        </p:txBody>
+      </p:sp>
+      <p:sp>
+        <p:nvSpPr>
+          <p:cNvPr id="239" name="PlaceHolder 4"/>
+          <p:cNvSpPr>
+            <a:spLocks noGrp="1"/>
+          </p:cNvSpPr>
+          <p:nvPr>
+            <p:ph type="body"/>
+          </p:nvPr>
+        </p:nvSpPr>
+        <p:spPr>
+          <a:xfrm>
+            <a:off x="504000" y="4058640"/>
+            <a:ext cx="4426920" cy="2090880"/>
+          </a:xfrm>
+          <a:prstGeom prst="rect">
+            <a:avLst/>
+          </a:prstGeom>
+        </p:spPr>
+        <p:txBody>
+          <a:bodyPr lIns="0" rIns="0" tIns="0" bIns="0">
+            <a:normAutofit/>
+          </a:bodyPr>
+          <a:p>
+            <a:endParaRPr b="0" lang="es-ES" sz="3200" spc="-1" strike="noStrike">
+              <a:latin typeface="Arial"/>
+            </a:endParaRPr>
+          </a:p>
+        </p:txBody>
+      </p:sp>
+      <p:sp>
+        <p:nvSpPr>
+          <p:cNvPr id="240" name="PlaceHolder 5"/>
+          <p:cNvSpPr>
+            <a:spLocks noGrp="1"/>
+          </p:cNvSpPr>
+          <p:nvPr>
+            <p:ph type="body"/>
+          </p:nvPr>
+        </p:nvSpPr>
+        <p:spPr>
+          <a:xfrm>
+            <a:off x="5152680" y="4058640"/>
+            <a:ext cx="4426920" cy="2090880"/>
+          </a:xfrm>
+          <a:prstGeom prst="rect">
+            <a:avLst/>
+          </a:prstGeom>
+        </p:spPr>
+        <p:txBody>
+          <a:bodyPr lIns="0" rIns="0" tIns="0" bIns="0">
+            <a:normAutofit/>
+          </a:bodyPr>
+          <a:p>
+            <a:endParaRPr b="0" lang="es-ES" sz="3200" spc="-1" strike="noStrike">
+              <a:latin typeface="Arial"/>
+            </a:endParaRPr>
+          </a:p>
+        </p:txBody>
+      </p:sp>
+    </p:spTree>
+  </p:cSld>
+</p:sldLayout>
+</file>
+
+<file path=ppt/slideLayouts/slideLayout72.xml><?xml version="1.0" encoding="utf-8"?>
+<p:sldLayout xmlns:a="http://schemas.openxmlformats.org/drawingml/2006/main" xmlns:p="http://schemas.openxmlformats.org/presentationml/2006/main" xmlns:r="http://schemas.openxmlformats.org/officeDocument/2006/relationships" xmlns:p14="http://schemas.microsoft.com/office/powerpoint/2010/main" xmlns:p15="http://schemas.microsoft.com/office/powerpoint/2012/main" xmlns:mc="http://schemas.openxmlformats.org/markup-compatibility/2006" type="blank" preserve="1">
+  <p:cSld name="Title, 6 Content">
+    <p:spTree>
+      <p:nvGrpSpPr>
+        <p:cNvPr id="1" name=""/>
+        <p:cNvGrpSpPr/>
+        <p:nvPr/>
+      </p:nvGrpSpPr>
+      <p:grpSpPr>
+        <a:xfrm>
+          <a:off x="0" y="0"/>
+          <a:ext cx="0" cy="0"/>
+          <a:chOff x="0" y="0"/>
+          <a:chExt cx="0" cy="0"/>
+        </a:xfrm>
+      </p:grpSpPr>
+      <p:sp>
+        <p:nvSpPr>
+          <p:cNvPr id="241" name="PlaceHolder 1"/>
+          <p:cNvSpPr>
+            <a:spLocks noGrp="1"/>
+          </p:cNvSpPr>
+          <p:nvPr>
+            <p:ph type="title"/>
+          </p:nvPr>
+        </p:nvSpPr>
+        <p:spPr>
+          <a:xfrm>
+            <a:off x="360000" y="3148560"/>
+            <a:ext cx="9359280" cy="1262160"/>
+          </a:xfrm>
+          <a:prstGeom prst="rect">
+            <a:avLst/>
+          </a:prstGeom>
+        </p:spPr>
+        <p:txBody>
+          <a:bodyPr lIns="0" rIns="0" tIns="0" bIns="0" anchor="ctr">
+            <a:spAutoFit/>
+          </a:bodyPr>
+          <a:p>
+            <a:pPr algn="ctr"/>
+            <a:endParaRPr b="0" lang="es-ES" sz="4400" spc="-1" strike="noStrike">
+              <a:latin typeface="Arial"/>
+            </a:endParaRPr>
+          </a:p>
+        </p:txBody>
+      </p:sp>
+      <p:sp>
+        <p:nvSpPr>
+          <p:cNvPr id="242" name="PlaceHolder 2"/>
+          <p:cNvSpPr>
+            <a:spLocks noGrp="1"/>
+          </p:cNvSpPr>
+          <p:nvPr>
+            <p:ph type="body"/>
+          </p:nvPr>
+        </p:nvSpPr>
+        <p:spPr>
+          <a:xfrm>
+            <a:off x="504000" y="1768680"/>
+            <a:ext cx="2920680" cy="2090880"/>
+          </a:xfrm>
+          <a:prstGeom prst="rect">
+            <a:avLst/>
+          </a:prstGeom>
+        </p:spPr>
+        <p:txBody>
+          <a:bodyPr lIns="0" rIns="0" tIns="0" bIns="0">
+            <a:normAutofit/>
+          </a:bodyPr>
+          <a:p>
+            <a:endParaRPr b="0" lang="es-ES" sz="3200" spc="-1" strike="noStrike">
+              <a:latin typeface="Arial"/>
+            </a:endParaRPr>
+          </a:p>
+        </p:txBody>
+      </p:sp>
+      <p:sp>
+        <p:nvSpPr>
+          <p:cNvPr id="243" name="PlaceHolder 3"/>
+          <p:cNvSpPr>
+            <a:spLocks noGrp="1"/>
+          </p:cNvSpPr>
+          <p:nvPr>
+            <p:ph type="body"/>
+          </p:nvPr>
+        </p:nvSpPr>
+        <p:spPr>
+          <a:xfrm>
+            <a:off x="3571200" y="1768680"/>
+            <a:ext cx="2920680" cy="2090880"/>
+          </a:xfrm>
+          <a:prstGeom prst="rect">
+            <a:avLst/>
+          </a:prstGeom>
+        </p:spPr>
+        <p:txBody>
+          <a:bodyPr lIns="0" rIns="0" tIns="0" bIns="0">
+            <a:normAutofit/>
+          </a:bodyPr>
+          <a:p>
+            <a:endParaRPr b="0" lang="es-ES" sz="3200" spc="-1" strike="noStrike">
+              <a:latin typeface="Arial"/>
+            </a:endParaRPr>
+          </a:p>
+        </p:txBody>
+      </p:sp>
+      <p:sp>
+        <p:nvSpPr>
+          <p:cNvPr id="244" name="PlaceHolder 4"/>
+          <p:cNvSpPr>
+            <a:spLocks noGrp="1"/>
+          </p:cNvSpPr>
+          <p:nvPr>
+            <p:ph type="body"/>
+          </p:nvPr>
+        </p:nvSpPr>
+        <p:spPr>
+          <a:xfrm>
+            <a:off x="6638040" y="1768680"/>
+            <a:ext cx="2920680" cy="2090880"/>
+          </a:xfrm>
+          <a:prstGeom prst="rect">
+            <a:avLst/>
+          </a:prstGeom>
+        </p:spPr>
+        <p:txBody>
+          <a:bodyPr lIns="0" rIns="0" tIns="0" bIns="0">
+            <a:normAutofit/>
+          </a:bodyPr>
+          <a:p>
+            <a:endParaRPr b="0" lang="es-ES" sz="3200" spc="-1" strike="noStrike">
+              <a:latin typeface="Arial"/>
+            </a:endParaRPr>
+          </a:p>
+        </p:txBody>
+      </p:sp>
+      <p:sp>
+        <p:nvSpPr>
+          <p:cNvPr id="245" name="PlaceHolder 5"/>
+          <p:cNvSpPr>
+            <a:spLocks noGrp="1"/>
+          </p:cNvSpPr>
+          <p:nvPr>
+            <p:ph type="body"/>
+          </p:nvPr>
+        </p:nvSpPr>
+        <p:spPr>
+          <a:xfrm>
+            <a:off x="504000" y="4058640"/>
+            <a:ext cx="2920680" cy="2090880"/>
+          </a:xfrm>
+          <a:prstGeom prst="rect">
+            <a:avLst/>
+          </a:prstGeom>
+        </p:spPr>
+        <p:txBody>
+          <a:bodyPr lIns="0" rIns="0" tIns="0" bIns="0">
+            <a:normAutofit/>
+          </a:bodyPr>
+          <a:p>
+            <a:endParaRPr b="0" lang="es-ES" sz="3200" spc="-1" strike="noStrike">
+              <a:latin typeface="Arial"/>
+            </a:endParaRPr>
+          </a:p>
+        </p:txBody>
+      </p:sp>
+      <p:sp>
+        <p:nvSpPr>
+          <p:cNvPr id="246" name="PlaceHolder 6"/>
+          <p:cNvSpPr>
+            <a:spLocks noGrp="1"/>
+          </p:cNvSpPr>
+          <p:nvPr>
+            <p:ph type="body"/>
+          </p:nvPr>
+        </p:nvSpPr>
+        <p:spPr>
+          <a:xfrm>
+            <a:off x="3571200" y="4058640"/>
+            <a:ext cx="2920680" cy="2090880"/>
+          </a:xfrm>
+          <a:prstGeom prst="rect">
+            <a:avLst/>
+          </a:prstGeom>
+        </p:spPr>
+        <p:txBody>
+          <a:bodyPr lIns="0" rIns="0" tIns="0" bIns="0">
+            <a:normAutofit/>
+          </a:bodyPr>
+          <a:p>
+            <a:endParaRPr b="0" lang="es-ES" sz="3200" spc="-1" strike="noStrike">
+              <a:latin typeface="Arial"/>
+            </a:endParaRPr>
+          </a:p>
+        </p:txBody>
+      </p:sp>
+      <p:sp>
+        <p:nvSpPr>
+          <p:cNvPr id="247" name="PlaceHolder 7"/>
+          <p:cNvSpPr>
+            <a:spLocks noGrp="1"/>
+          </p:cNvSpPr>
+          <p:nvPr>
+            <p:ph type="body"/>
+          </p:nvPr>
+        </p:nvSpPr>
+        <p:spPr>
+          <a:xfrm>
+            <a:off x="6638040" y="4058640"/>
+            <a:ext cx="2920680" cy="2090880"/>
           </a:xfrm>
           <a:prstGeom prst="rect">
             <a:avLst/>
@@ -6558,8 +7915,8 @@
         </p:nvSpPr>
         <p:spPr>
           <a:xfrm>
-            <a:off x="360000" y="3330000"/>
-            <a:ext cx="9359640" cy="899640"/>
+            <a:off x="360000" y="3148560"/>
+            <a:ext cx="9359280" cy="1262160"/>
           </a:xfrm>
           <a:prstGeom prst="rect">
             <a:avLst/>
@@ -6590,7 +7947,7 @@
         <p:spPr>
           <a:xfrm>
             <a:off x="504000" y="1768680"/>
-            <a:ext cx="4426920" cy="4384080"/>
+            <a:ext cx="4426920" cy="4383720"/>
           </a:xfrm>
           <a:prstGeom prst="rect">
             <a:avLst/>
@@ -6701,8 +8058,8 @@
         </p:nvSpPr>
         <p:spPr>
           <a:xfrm>
-            <a:off x="360000" y="3330000"/>
-            <a:ext cx="9359640" cy="899640"/>
+            <a:off x="360000" y="3148560"/>
+            <a:ext cx="9359280" cy="1262160"/>
           </a:xfrm>
           <a:prstGeom prst="rect">
             <a:avLst/>
@@ -6793,7 +8150,7 @@
         <p:spPr>
           <a:xfrm>
             <a:off x="504000" y="4058640"/>
-            <a:ext cx="9072000" cy="2090880"/>
+            <a:ext cx="9071640" cy="2090880"/>
           </a:xfrm>
           <a:prstGeom prst="rect">
             <a:avLst/>
@@ -6841,7 +8198,7 @@
         <p:spPr>
           <a:xfrm>
             <a:off x="0" y="3150000"/>
-            <a:ext cx="9719640" cy="1259640"/>
+            <a:ext cx="9719280" cy="1259280"/>
           </a:xfrm>
           <a:prstGeom prst="rect">
             <a:avLst/>
@@ -6872,16 +8229,16 @@
         </p:nvSpPr>
         <p:spPr>
           <a:xfrm>
-            <a:off x="360000" y="3330000"/>
-            <a:ext cx="9359640" cy="899640"/>
-          </a:xfrm>
-          <a:prstGeom prst="rect">
-            <a:avLst/>
-          </a:prstGeom>
-        </p:spPr>
-        <p:txBody>
-          <a:bodyPr lIns="0" rIns="0" tIns="0" bIns="0" anchor="b">
-            <a:noAutofit/>
+            <a:off x="360000" y="3148560"/>
+            <a:ext cx="9359280" cy="1262160"/>
+          </a:xfrm>
+          <a:prstGeom prst="rect">
+            <a:avLst/>
+          </a:prstGeom>
+        </p:spPr>
+        <p:txBody>
+          <a:bodyPr lIns="0" rIns="0" tIns="0" bIns="0" anchor="ctr">
+            <a:spAutoFit/>
           </a:bodyPr>
           <a:p>
             <a:r>
@@ -6909,7 +8266,7 @@
         <p:spPr>
           <a:xfrm>
             <a:off x="504000" y="1768680"/>
-            <a:ext cx="9072000" cy="4384080"/>
+            <a:ext cx="9071640" cy="4383720"/>
           </a:xfrm>
           <a:prstGeom prst="rect">
             <a:avLst/>
@@ -6932,12 +8289,12 @@
               <a:buChar char=""/>
             </a:pPr>
             <a:r>
-              <a:rPr b="0" lang="es-ES" sz="3200" spc="-1" strike="noStrike">
+              <a:rPr b="0" lang="es-ES" sz="1800" spc="-1" strike="noStrike">
                 <a:latin typeface="Arial"/>
               </a:rPr>
               <a:t>Pulse para editar el formato de esquema del texto</a:t>
             </a:r>
-            <a:endParaRPr b="0" lang="es-ES" sz="3200" spc="-1" strike="noStrike">
+            <a:endParaRPr b="0" lang="es-ES" sz="1800" spc="-1" strike="noStrike">
               <a:latin typeface="Arial"/>
             </a:endParaRPr>
           </a:p>
@@ -6954,12 +8311,12 @@
               <a:buChar char=""/>
             </a:pPr>
             <a:r>
-              <a:rPr b="0" lang="es-ES" sz="2800" spc="-1" strike="noStrike">
+              <a:rPr b="0" lang="es-ES" sz="1800" spc="-1" strike="noStrike">
                 <a:latin typeface="Arial"/>
               </a:rPr>
               <a:t>Segundo nivel del esquema</a:t>
             </a:r>
-            <a:endParaRPr b="0" lang="es-ES" sz="2800" spc="-1" strike="noStrike">
+            <a:endParaRPr b="0" lang="es-ES" sz="1800" spc="-1" strike="noStrike">
               <a:latin typeface="Arial"/>
             </a:endParaRPr>
           </a:p>
@@ -6976,12 +8333,12 @@
               <a:buChar char=""/>
             </a:pPr>
             <a:r>
-              <a:rPr b="0" lang="es-ES" sz="2400" spc="-1" strike="noStrike">
+              <a:rPr b="0" lang="es-ES" sz="1800" spc="-1" strike="noStrike">
                 <a:latin typeface="Arial"/>
               </a:rPr>
               <a:t>Tercer nivel del esquema</a:t>
             </a:r>
-            <a:endParaRPr b="0" lang="es-ES" sz="2400" spc="-1" strike="noStrike">
+            <a:endParaRPr b="0" lang="es-ES" sz="1800" spc="-1" strike="noStrike">
               <a:latin typeface="Arial"/>
             </a:endParaRPr>
           </a:p>
@@ -6998,12 +8355,12 @@
               <a:buChar char=""/>
             </a:pPr>
             <a:r>
-              <a:rPr b="0" lang="es-ES" sz="2000" spc="-1" strike="noStrike">
+              <a:rPr b="0" lang="es-ES" sz="1800" spc="-1" strike="noStrike">
                 <a:latin typeface="Arial"/>
               </a:rPr>
               <a:t>Cuarto nivel del esquema</a:t>
             </a:r>
-            <a:endParaRPr b="0" lang="es-ES" sz="2000" spc="-1" strike="noStrike">
+            <a:endParaRPr b="0" lang="es-ES" sz="1800" spc="-1" strike="noStrike">
               <a:latin typeface="Arial"/>
             </a:endParaRPr>
           </a:p>
@@ -7020,12 +8377,12 @@
               <a:buChar char=""/>
             </a:pPr>
             <a:r>
-              <a:rPr b="0" lang="es-ES" sz="2000" spc="-1" strike="noStrike">
+              <a:rPr b="0" lang="es-ES" sz="1800" spc="-1" strike="noStrike">
                 <a:latin typeface="Arial"/>
               </a:rPr>
               <a:t>Quinto nivel del esquema</a:t>
             </a:r>
-            <a:endParaRPr b="0" lang="es-ES" sz="2000" spc="-1" strike="noStrike">
+            <a:endParaRPr b="0" lang="es-ES" sz="1800" spc="-1" strike="noStrike">
               <a:latin typeface="Arial"/>
             </a:endParaRPr>
           </a:p>
@@ -7042,12 +8399,12 @@
               <a:buChar char=""/>
             </a:pPr>
             <a:r>
-              <a:rPr b="0" lang="es-ES" sz="2000" spc="-1" strike="noStrike">
+              <a:rPr b="0" lang="es-ES" sz="1800" spc="-1" strike="noStrike">
                 <a:latin typeface="Arial"/>
               </a:rPr>
               <a:t>Sexto nivel del esquema</a:t>
             </a:r>
-            <a:endParaRPr b="0" lang="es-ES" sz="2000" spc="-1" strike="noStrike">
+            <a:endParaRPr b="0" lang="es-ES" sz="1800" spc="-1" strike="noStrike">
               <a:latin typeface="Arial"/>
             </a:endParaRPr>
           </a:p>
@@ -7064,12 +8421,12 @@
               <a:buChar char=""/>
             </a:pPr>
             <a:r>
-              <a:rPr b="0" lang="es-ES" sz="2000" spc="-1" strike="noStrike">
+              <a:rPr b="0" lang="es-ES" sz="1800" spc="-1" strike="noStrike">
                 <a:latin typeface="Arial"/>
               </a:rPr>
               <a:t>Séptimo nivel del esquema</a:t>
             </a:r>
-            <a:endParaRPr b="0" lang="es-ES" sz="2000" spc="-1" strike="noStrike">
+            <a:endParaRPr b="0" lang="es-ES" sz="1800" spc="-1" strike="noStrike">
               <a:latin typeface="Arial"/>
             </a:endParaRPr>
           </a:p>
@@ -7121,7 +8478,7 @@
         <p:spPr>
           <a:xfrm>
             <a:off x="0" y="180000"/>
-            <a:ext cx="9719640" cy="1259640"/>
+            <a:ext cx="9719280" cy="1259280"/>
           </a:xfrm>
           <a:prstGeom prst="rect">
             <a:avLst/>
@@ -7149,7 +8506,7 @@
         <p:spPr>
           <a:xfrm>
             <a:off x="7560000" y="6840000"/>
-            <a:ext cx="2519640" cy="539640"/>
+            <a:ext cx="2519280" cy="539280"/>
           </a:xfrm>
           <a:prstGeom prst="rect">
             <a:avLst/>
@@ -7177,7 +8534,7 @@
         <p:spPr>
           <a:xfrm>
             <a:off x="900000" y="6840000"/>
-            <a:ext cx="6479640" cy="539640"/>
+            <a:ext cx="6479280" cy="539280"/>
           </a:xfrm>
           <a:prstGeom prst="rect">
             <a:avLst/>
@@ -7205,7 +8562,7 @@
         <p:spPr>
           <a:xfrm>
             <a:off x="180000" y="6840000"/>
-            <a:ext cx="539640" cy="539640"/>
+            <a:ext cx="539280" cy="539280"/>
           </a:xfrm>
           <a:prstGeom prst="rect">
             <a:avLst/>
@@ -7234,25 +8591,26 @@
         </p:nvSpPr>
         <p:spPr>
           <a:xfrm>
-            <a:off x="360000" y="3330000"/>
-            <a:ext cx="9359640" cy="899640"/>
-          </a:xfrm>
-          <a:prstGeom prst="rect">
-            <a:avLst/>
-          </a:prstGeom>
-        </p:spPr>
-        <p:txBody>
-          <a:bodyPr lIns="0" rIns="0" tIns="0" bIns="0" anchor="b">
+            <a:off x="504000" y="301320"/>
+            <a:ext cx="9072000" cy="1261800"/>
+          </a:xfrm>
+          <a:prstGeom prst="rect">
+            <a:avLst/>
+          </a:prstGeom>
+        </p:spPr>
+        <p:txBody>
+          <a:bodyPr lIns="0" rIns="0" tIns="0" bIns="0" anchor="ctr">
             <a:noAutofit/>
           </a:bodyPr>
           <a:p>
+            <a:pPr algn="ctr"/>
             <a:r>
-              <a:rPr b="0" lang="es-ES" sz="1800" spc="-1" strike="noStrike">
+              <a:rPr b="0" lang="es-ES" sz="4400" spc="-1" strike="noStrike">
                 <a:latin typeface="Arial"/>
               </a:rPr>
               <a:t>Pulse para editar el formato del texto de título</a:t>
             </a:r>
-            <a:endParaRPr b="0" lang="es-ES" sz="1800" spc="-1" strike="noStrike">
+            <a:endParaRPr b="0" lang="es-ES" sz="4400" spc="-1" strike="noStrike">
               <a:latin typeface="Arial"/>
             </a:endParaRPr>
           </a:p>
@@ -7270,8 +8628,8 @@
         </p:nvSpPr>
         <p:spPr>
           <a:xfrm>
-            <a:off x="540000" y="4680000"/>
-            <a:ext cx="9179640" cy="2519640"/>
+            <a:off x="504000" y="1768680"/>
+            <a:ext cx="9072000" cy="4384080"/>
           </a:xfrm>
           <a:prstGeom prst="rect">
             <a:avLst/>
@@ -7294,12 +8652,12 @@
               <a:buChar char=""/>
             </a:pPr>
             <a:r>
-              <a:rPr b="0" lang="es-ES" sz="1800" spc="-1" strike="noStrike">
+              <a:rPr b="0" lang="es-ES" sz="3200" spc="-1" strike="noStrike">
                 <a:latin typeface="Arial"/>
               </a:rPr>
               <a:t>Pulse para editar el formato de esquema del texto</a:t>
             </a:r>
-            <a:endParaRPr b="0" lang="es-ES" sz="1800" spc="-1" strike="noStrike">
+            <a:endParaRPr b="0" lang="es-ES" sz="3200" spc="-1" strike="noStrike">
               <a:latin typeface="Arial"/>
             </a:endParaRPr>
           </a:p>
@@ -7316,12 +8674,12 @@
               <a:buChar char=""/>
             </a:pPr>
             <a:r>
-              <a:rPr b="0" lang="es-ES" sz="1800" spc="-1" strike="noStrike">
+              <a:rPr b="0" lang="es-ES" sz="2800" spc="-1" strike="noStrike">
                 <a:latin typeface="Arial"/>
               </a:rPr>
               <a:t>Segundo nivel del esquema</a:t>
             </a:r>
-            <a:endParaRPr b="0" lang="es-ES" sz="1800" spc="-1" strike="noStrike">
+            <a:endParaRPr b="0" lang="es-ES" sz="2800" spc="-1" strike="noStrike">
               <a:latin typeface="Arial"/>
             </a:endParaRPr>
           </a:p>
@@ -7338,12 +8696,12 @@
               <a:buChar char=""/>
             </a:pPr>
             <a:r>
-              <a:rPr b="0" lang="es-ES" sz="1800" spc="-1" strike="noStrike">
+              <a:rPr b="0" lang="es-ES" sz="2400" spc="-1" strike="noStrike">
                 <a:latin typeface="Arial"/>
               </a:rPr>
               <a:t>Tercer nivel del esquema</a:t>
             </a:r>
-            <a:endParaRPr b="0" lang="es-ES" sz="1800" spc="-1" strike="noStrike">
+            <a:endParaRPr b="0" lang="es-ES" sz="2400" spc="-1" strike="noStrike">
               <a:latin typeface="Arial"/>
             </a:endParaRPr>
           </a:p>
@@ -7360,12 +8718,12 @@
               <a:buChar char=""/>
             </a:pPr>
             <a:r>
-              <a:rPr b="0" lang="es-ES" sz="1800" spc="-1" strike="noStrike">
+              <a:rPr b="0" lang="es-ES" sz="2000" spc="-1" strike="noStrike">
                 <a:latin typeface="Arial"/>
               </a:rPr>
               <a:t>Cuarto nivel del esquema</a:t>
             </a:r>
-            <a:endParaRPr b="0" lang="es-ES" sz="1800" spc="-1" strike="noStrike">
+            <a:endParaRPr b="0" lang="es-ES" sz="2000" spc="-1" strike="noStrike">
               <a:latin typeface="Arial"/>
             </a:endParaRPr>
           </a:p>
@@ -7382,12 +8740,12 @@
               <a:buChar char=""/>
             </a:pPr>
             <a:r>
-              <a:rPr b="0" lang="es-ES" sz="1800" spc="-1" strike="noStrike">
+              <a:rPr b="0" lang="es-ES" sz="2000" spc="-1" strike="noStrike">
                 <a:latin typeface="Arial"/>
               </a:rPr>
               <a:t>Quinto nivel del esquema</a:t>
             </a:r>
-            <a:endParaRPr b="0" lang="es-ES" sz="1800" spc="-1" strike="noStrike">
+            <a:endParaRPr b="0" lang="es-ES" sz="2000" spc="-1" strike="noStrike">
               <a:latin typeface="Arial"/>
             </a:endParaRPr>
           </a:p>
@@ -7404,12 +8762,12 @@
               <a:buChar char=""/>
             </a:pPr>
             <a:r>
-              <a:rPr b="0" lang="es-ES" sz="1800" spc="-1" strike="noStrike">
+              <a:rPr b="0" lang="es-ES" sz="2000" spc="-1" strike="noStrike">
                 <a:latin typeface="Arial"/>
               </a:rPr>
               <a:t>Sexto nivel del esquema</a:t>
             </a:r>
-            <a:endParaRPr b="0" lang="es-ES" sz="1800" spc="-1" strike="noStrike">
+            <a:endParaRPr b="0" lang="es-ES" sz="2000" spc="-1" strike="noStrike">
               <a:latin typeface="Arial"/>
             </a:endParaRPr>
           </a:p>
@@ -7426,12 +8784,12 @@
               <a:buChar char=""/>
             </a:pPr>
             <a:r>
-              <a:rPr b="0" lang="es-ES" sz="1800" spc="-1" strike="noStrike">
+              <a:rPr b="0" lang="es-ES" sz="2000" spc="-1" strike="noStrike">
                 <a:latin typeface="Arial"/>
               </a:rPr>
               <a:t>Séptimo nivel del esquema</a:t>
             </a:r>
-            <a:endParaRPr b="0" lang="es-ES" sz="1800" spc="-1" strike="noStrike">
+            <a:endParaRPr b="0" lang="es-ES" sz="2000" spc="-1" strike="noStrike">
               <a:latin typeface="Arial"/>
             </a:endParaRPr>
           </a:p>
@@ -7483,7 +8841,7 @@
         <p:spPr>
           <a:xfrm>
             <a:off x="0" y="180000"/>
-            <a:ext cx="9719640" cy="1259640"/>
+            <a:ext cx="9719280" cy="1259280"/>
           </a:xfrm>
           <a:prstGeom prst="rect">
             <a:avLst/>
@@ -7511,7 +8869,7 @@
         <p:spPr>
           <a:xfrm>
             <a:off x="7560000" y="6840000"/>
-            <a:ext cx="2519640" cy="539640"/>
+            <a:ext cx="2519280" cy="539280"/>
           </a:xfrm>
           <a:prstGeom prst="rect">
             <a:avLst/>
@@ -7539,7 +8897,7 @@
         <p:spPr>
           <a:xfrm>
             <a:off x="900000" y="6840000"/>
-            <a:ext cx="6479640" cy="539640"/>
+            <a:ext cx="6479280" cy="539280"/>
           </a:xfrm>
           <a:prstGeom prst="rect">
             <a:avLst/>
@@ -7567,7 +8925,7 @@
         <p:spPr>
           <a:xfrm>
             <a:off x="180000" y="6840000"/>
-            <a:ext cx="539640" cy="539640"/>
+            <a:ext cx="539280" cy="539280"/>
           </a:xfrm>
           <a:prstGeom prst="rect">
             <a:avLst/>
@@ -7596,16 +8954,16 @@
         </p:nvSpPr>
         <p:spPr>
           <a:xfrm>
-            <a:off x="360000" y="3330000"/>
-            <a:ext cx="9359640" cy="899640"/>
-          </a:xfrm>
-          <a:prstGeom prst="rect">
-            <a:avLst/>
-          </a:prstGeom>
-        </p:spPr>
-        <p:txBody>
-          <a:bodyPr lIns="0" rIns="0" tIns="0" bIns="0" anchor="b">
-            <a:noAutofit/>
+            <a:off x="360000" y="3148560"/>
+            <a:ext cx="9359280" cy="1262160"/>
+          </a:xfrm>
+          <a:prstGeom prst="rect">
+            <a:avLst/>
+          </a:prstGeom>
+        </p:spPr>
+        <p:txBody>
+          <a:bodyPr lIns="0" rIns="0" tIns="0" bIns="0" anchor="ctr">
+            <a:spAutoFit/>
           </a:bodyPr>
           <a:p>
             <a:r>
@@ -7632,16 +8990,16 @@
         </p:nvSpPr>
         <p:spPr>
           <a:xfrm>
-            <a:off x="540000" y="4680000"/>
-            <a:ext cx="9179640" cy="1201320"/>
-          </a:xfrm>
-          <a:prstGeom prst="rect">
-            <a:avLst/>
-          </a:prstGeom>
-        </p:spPr>
-        <p:txBody>
-          <a:bodyPr lIns="0" rIns="0" tIns="0" bIns="0">
-            <a:normAutofit fontScale="38000"/>
+            <a:off x="504000" y="1768680"/>
+            <a:ext cx="9071640" cy="2090520"/>
+          </a:xfrm>
+          <a:prstGeom prst="rect">
+            <a:avLst/>
+          </a:prstGeom>
+        </p:spPr>
+        <p:txBody>
+          <a:bodyPr lIns="0" rIns="0" tIns="0" bIns="0">
+            <a:normAutofit fontScale="90000"/>
           </a:bodyPr>
           <a:p>
             <a:pPr marL="432000" indent="-324000">
@@ -7811,16 +9169,16 @@
         </p:nvSpPr>
         <p:spPr>
           <a:xfrm>
-            <a:off x="540000" y="5996160"/>
-            <a:ext cx="9179640" cy="1201320"/>
-          </a:xfrm>
-          <a:prstGeom prst="rect">
-            <a:avLst/>
-          </a:prstGeom>
-        </p:spPr>
-        <p:txBody>
-          <a:bodyPr lIns="0" rIns="0" tIns="0" bIns="0">
-            <a:normAutofit fontScale="38000"/>
+            <a:off x="504000" y="4058640"/>
+            <a:ext cx="9071640" cy="2090520"/>
+          </a:xfrm>
+          <a:prstGeom prst="rect">
+            <a:avLst/>
+          </a:prstGeom>
+        </p:spPr>
+        <p:txBody>
+          <a:bodyPr lIns="0" rIns="0" tIns="0" bIns="0">
+            <a:normAutofit fontScale="90000"/>
           </a:bodyPr>
           <a:p>
             <a:pPr marL="432000" indent="-324000">
@@ -8024,7 +9382,7 @@
         <p:spPr>
           <a:xfrm>
             <a:off x="0" y="180000"/>
-            <a:ext cx="9719640" cy="1259640"/>
+            <a:ext cx="9719280" cy="1259280"/>
           </a:xfrm>
           <a:prstGeom prst="rect">
             <a:avLst/>
@@ -8052,7 +9410,7 @@
         <p:spPr>
           <a:xfrm>
             <a:off x="7560000" y="6840000"/>
-            <a:ext cx="2519640" cy="539640"/>
+            <a:ext cx="2519280" cy="539280"/>
           </a:xfrm>
           <a:prstGeom prst="rect">
             <a:avLst/>
@@ -8080,7 +9438,7 @@
         <p:spPr>
           <a:xfrm>
             <a:off x="900000" y="6840000"/>
-            <a:ext cx="6479640" cy="539640"/>
+            <a:ext cx="6479280" cy="539280"/>
           </a:xfrm>
           <a:prstGeom prst="rect">
             <a:avLst/>
@@ -8108,7 +9466,7 @@
         <p:spPr>
           <a:xfrm>
             <a:off x="180000" y="6840000"/>
-            <a:ext cx="539640" cy="539640"/>
+            <a:ext cx="539280" cy="539280"/>
           </a:xfrm>
           <a:prstGeom prst="rect">
             <a:avLst/>
@@ -8137,8 +9495,8 @@
         </p:nvSpPr>
         <p:spPr>
           <a:xfrm>
-            <a:off x="504000" y="301320"/>
-            <a:ext cx="9072000" cy="1261800"/>
+            <a:off x="360000" y="3148560"/>
+            <a:ext cx="9359280" cy="1262160"/>
           </a:xfrm>
           <a:prstGeom prst="rect">
             <a:avLst/>
@@ -8146,17 +9504,16 @@
         </p:spPr>
         <p:txBody>
           <a:bodyPr lIns="0" rIns="0" tIns="0" bIns="0" anchor="ctr">
-            <a:noAutofit/>
-          </a:bodyPr>
-          <a:p>
-            <a:pPr algn="ctr"/>
+            <a:spAutoFit/>
+          </a:bodyPr>
+          <a:p>
             <a:r>
-              <a:rPr b="0" lang="es-ES" sz="4400" spc="-1" strike="noStrike">
+              <a:rPr b="0" lang="es-ES" sz="1800" spc="-1" strike="noStrike">
                 <a:latin typeface="Arial"/>
               </a:rPr>
               <a:t>Pulse para editar el formato del texto de título</a:t>
             </a:r>
-            <a:endParaRPr b="0" lang="es-ES" sz="4400" spc="-1" strike="noStrike">
+            <a:endParaRPr b="0" lang="es-ES" sz="1800" spc="-1" strike="noStrike">
               <a:latin typeface="Arial"/>
             </a:endParaRPr>
           </a:p>
@@ -8175,7 +9532,7 @@
         <p:spPr>
           <a:xfrm>
             <a:off x="504000" y="1768680"/>
-            <a:ext cx="9072000" cy="4384080"/>
+            <a:ext cx="4426560" cy="4383720"/>
           </a:xfrm>
           <a:prstGeom prst="rect">
             <a:avLst/>
@@ -8198,12 +9555,12 @@
               <a:buChar char=""/>
             </a:pPr>
             <a:r>
-              <a:rPr b="0" lang="es-ES" sz="3200" spc="-1" strike="noStrike">
+              <a:rPr b="0" lang="es-ES" sz="1800" spc="-1" strike="noStrike">
                 <a:latin typeface="Arial"/>
               </a:rPr>
               <a:t>Pulse para editar el formato de esquema del texto</a:t>
             </a:r>
-            <a:endParaRPr b="0" lang="es-ES" sz="3200" spc="-1" strike="noStrike">
+            <a:endParaRPr b="0" lang="es-ES" sz="1800" spc="-1" strike="noStrike">
               <a:latin typeface="Arial"/>
             </a:endParaRPr>
           </a:p>
@@ -8220,12 +9577,12 @@
               <a:buChar char=""/>
             </a:pPr>
             <a:r>
-              <a:rPr b="0" lang="es-ES" sz="2800" spc="-1" strike="noStrike">
+              <a:rPr b="0" lang="es-ES" sz="1800" spc="-1" strike="noStrike">
                 <a:latin typeface="Arial"/>
               </a:rPr>
               <a:t>Segundo nivel del esquema</a:t>
             </a:r>
-            <a:endParaRPr b="0" lang="es-ES" sz="2800" spc="-1" strike="noStrike">
+            <a:endParaRPr b="0" lang="es-ES" sz="1800" spc="-1" strike="noStrike">
               <a:latin typeface="Arial"/>
             </a:endParaRPr>
           </a:p>
@@ -8242,12 +9599,12 @@
               <a:buChar char=""/>
             </a:pPr>
             <a:r>
-              <a:rPr b="0" lang="es-ES" sz="2400" spc="-1" strike="noStrike">
+              <a:rPr b="0" lang="es-ES" sz="1800" spc="-1" strike="noStrike">
                 <a:latin typeface="Arial"/>
               </a:rPr>
               <a:t>Tercer nivel del esquema</a:t>
             </a:r>
-            <a:endParaRPr b="0" lang="es-ES" sz="2400" spc="-1" strike="noStrike">
+            <a:endParaRPr b="0" lang="es-ES" sz="1800" spc="-1" strike="noStrike">
               <a:latin typeface="Arial"/>
             </a:endParaRPr>
           </a:p>
@@ -8264,12 +9621,12 @@
               <a:buChar char=""/>
             </a:pPr>
             <a:r>
-              <a:rPr b="0" lang="es-ES" sz="2000" spc="-1" strike="noStrike">
+              <a:rPr b="0" lang="es-ES" sz="1800" spc="-1" strike="noStrike">
                 <a:latin typeface="Arial"/>
               </a:rPr>
               <a:t>Cuarto nivel del esquema</a:t>
             </a:r>
-            <a:endParaRPr b="0" lang="es-ES" sz="2000" spc="-1" strike="noStrike">
+            <a:endParaRPr b="0" lang="es-ES" sz="1800" spc="-1" strike="noStrike">
               <a:latin typeface="Arial"/>
             </a:endParaRPr>
           </a:p>
@@ -8286,12 +9643,12 @@
               <a:buChar char=""/>
             </a:pPr>
             <a:r>
-              <a:rPr b="0" lang="es-ES" sz="2000" spc="-1" strike="noStrike">
+              <a:rPr b="0" lang="es-ES" sz="1800" spc="-1" strike="noStrike">
                 <a:latin typeface="Arial"/>
               </a:rPr>
               <a:t>Quinto nivel del esquema</a:t>
             </a:r>
-            <a:endParaRPr b="0" lang="es-ES" sz="2000" spc="-1" strike="noStrike">
+            <a:endParaRPr b="0" lang="es-ES" sz="1800" spc="-1" strike="noStrike">
               <a:latin typeface="Arial"/>
             </a:endParaRPr>
           </a:p>
@@ -8308,12 +9665,12 @@
               <a:buChar char=""/>
             </a:pPr>
             <a:r>
-              <a:rPr b="0" lang="es-ES" sz="2000" spc="-1" strike="noStrike">
+              <a:rPr b="0" lang="es-ES" sz="1800" spc="-1" strike="noStrike">
                 <a:latin typeface="Arial"/>
               </a:rPr>
               <a:t>Sexto nivel del esquema</a:t>
             </a:r>
-            <a:endParaRPr b="0" lang="es-ES" sz="2000" spc="-1" strike="noStrike">
+            <a:endParaRPr b="0" lang="es-ES" sz="1800" spc="-1" strike="noStrike">
               <a:latin typeface="Arial"/>
             </a:endParaRPr>
           </a:p>
@@ -8330,12 +9687,191 @@
               <a:buChar char=""/>
             </a:pPr>
             <a:r>
-              <a:rPr b="0" lang="es-ES" sz="2000" spc="-1" strike="noStrike">
+              <a:rPr b="0" lang="es-ES" sz="1800" spc="-1" strike="noStrike">
                 <a:latin typeface="Arial"/>
               </a:rPr>
               <a:t>Séptimo nivel del esquema</a:t>
             </a:r>
-            <a:endParaRPr b="0" lang="es-ES" sz="2000" spc="-1" strike="noStrike">
+            <a:endParaRPr b="0" lang="es-ES" sz="1800" spc="-1" strike="noStrike">
+              <a:latin typeface="Arial"/>
+            </a:endParaRPr>
+          </a:p>
+        </p:txBody>
+      </p:sp>
+      <p:sp>
+        <p:nvSpPr>
+          <p:cNvPr id="130" name="PlaceHolder 7"/>
+          <p:cNvSpPr>
+            <a:spLocks noGrp="1"/>
+          </p:cNvSpPr>
+          <p:nvPr>
+            <p:ph type="body"/>
+          </p:nvPr>
+        </p:nvSpPr>
+        <p:spPr>
+          <a:xfrm>
+            <a:off x="5152680" y="1768680"/>
+            <a:ext cx="4426560" cy="4383720"/>
+          </a:xfrm>
+          <a:prstGeom prst="rect">
+            <a:avLst/>
+          </a:prstGeom>
+        </p:spPr>
+        <p:txBody>
+          <a:bodyPr lIns="0" rIns="0" tIns="0" bIns="0">
+            <a:normAutofit/>
+          </a:bodyPr>
+          <a:p>
+            <a:pPr marL="432000" indent="-324000">
+              <a:spcBef>
+                <a:spcPts val="1417"/>
+              </a:spcBef>
+              <a:buClr>
+                <a:srgbClr val="000000"/>
+              </a:buClr>
+              <a:buSzPct val="45000"/>
+              <a:buFont typeface="Wingdings" charset="2"/>
+              <a:buChar char=""/>
+            </a:pPr>
+            <a:r>
+              <a:rPr b="0" lang="es-ES" sz="1800" spc="-1" strike="noStrike">
+                <a:latin typeface="Arial"/>
+              </a:rPr>
+              <a:t>Pulse para editar el formato de esquema del texto</a:t>
+            </a:r>
+            <a:endParaRPr b="0" lang="es-ES" sz="1800" spc="-1" strike="noStrike">
+              <a:latin typeface="Arial"/>
+            </a:endParaRPr>
+          </a:p>
+          <a:p>
+            <a:pPr lvl="1" marL="864000" indent="-324000">
+              <a:spcBef>
+                <a:spcPts val="1134"/>
+              </a:spcBef>
+              <a:buClr>
+                <a:srgbClr val="000000"/>
+              </a:buClr>
+              <a:buSzPct val="75000"/>
+              <a:buFont typeface="Symbol" charset="2"/>
+              <a:buChar char=""/>
+            </a:pPr>
+            <a:r>
+              <a:rPr b="0" lang="es-ES" sz="1800" spc="-1" strike="noStrike">
+                <a:latin typeface="Arial"/>
+              </a:rPr>
+              <a:t>Segundo nivel del esquema</a:t>
+            </a:r>
+            <a:endParaRPr b="0" lang="es-ES" sz="1800" spc="-1" strike="noStrike">
+              <a:latin typeface="Arial"/>
+            </a:endParaRPr>
+          </a:p>
+          <a:p>
+            <a:pPr lvl="2" marL="1296000" indent="-288000">
+              <a:spcBef>
+                <a:spcPts val="850"/>
+              </a:spcBef>
+              <a:buClr>
+                <a:srgbClr val="000000"/>
+              </a:buClr>
+              <a:buSzPct val="45000"/>
+              <a:buFont typeface="Wingdings" charset="2"/>
+              <a:buChar char=""/>
+            </a:pPr>
+            <a:r>
+              <a:rPr b="0" lang="es-ES" sz="1800" spc="-1" strike="noStrike">
+                <a:latin typeface="Arial"/>
+              </a:rPr>
+              <a:t>Tercer nivel del esquema</a:t>
+            </a:r>
+            <a:endParaRPr b="0" lang="es-ES" sz="1800" spc="-1" strike="noStrike">
+              <a:latin typeface="Arial"/>
+            </a:endParaRPr>
+          </a:p>
+          <a:p>
+            <a:pPr lvl="3" marL="1728000" indent="-216000">
+              <a:spcBef>
+                <a:spcPts val="567"/>
+              </a:spcBef>
+              <a:buClr>
+                <a:srgbClr val="000000"/>
+              </a:buClr>
+              <a:buSzPct val="75000"/>
+              <a:buFont typeface="Symbol" charset="2"/>
+              <a:buChar char=""/>
+            </a:pPr>
+            <a:r>
+              <a:rPr b="0" lang="es-ES" sz="1800" spc="-1" strike="noStrike">
+                <a:latin typeface="Arial"/>
+              </a:rPr>
+              <a:t>Cuarto nivel del esquema</a:t>
+            </a:r>
+            <a:endParaRPr b="0" lang="es-ES" sz="1800" spc="-1" strike="noStrike">
+              <a:latin typeface="Arial"/>
+            </a:endParaRPr>
+          </a:p>
+          <a:p>
+            <a:pPr lvl="4" marL="2160000" indent="-216000">
+              <a:spcBef>
+                <a:spcPts val="283"/>
+              </a:spcBef>
+              <a:buClr>
+                <a:srgbClr val="000000"/>
+              </a:buClr>
+              <a:buSzPct val="45000"/>
+              <a:buFont typeface="Wingdings" charset="2"/>
+              <a:buChar char=""/>
+            </a:pPr>
+            <a:r>
+              <a:rPr b="0" lang="es-ES" sz="1800" spc="-1" strike="noStrike">
+                <a:latin typeface="Arial"/>
+              </a:rPr>
+              <a:t>Quinto nivel del esquema</a:t>
+            </a:r>
+            <a:endParaRPr b="0" lang="es-ES" sz="1800" spc="-1" strike="noStrike">
+              <a:latin typeface="Arial"/>
+            </a:endParaRPr>
+          </a:p>
+          <a:p>
+            <a:pPr lvl="5" marL="2592000" indent="-216000">
+              <a:spcBef>
+                <a:spcPts val="283"/>
+              </a:spcBef>
+              <a:buClr>
+                <a:srgbClr val="000000"/>
+              </a:buClr>
+              <a:buSzPct val="45000"/>
+              <a:buFont typeface="Wingdings" charset="2"/>
+              <a:buChar char=""/>
+            </a:pPr>
+            <a:r>
+              <a:rPr b="0" lang="es-ES" sz="1800" spc="-1" strike="noStrike">
+                <a:latin typeface="Arial"/>
+              </a:rPr>
+              <a:t>Sexto nivel del esquema</a:t>
+            </a:r>
+            <a:endParaRPr b="0" lang="es-ES" sz="1800" spc="-1" strike="noStrike">
+              <a:latin typeface="Arial"/>
+            </a:endParaRPr>
+          </a:p>
+          <a:p>
+            <a:pPr lvl="6" marL="3024000" indent="-216000">
+              <a:spcBef>
+                <a:spcPts val="283"/>
+              </a:spcBef>
+              <a:buClr>
+                <a:srgbClr val="000000"/>
+              </a:buClr>
+              <a:buSzPct val="45000"/>
+              <a:buFont typeface="Wingdings" charset="2"/>
+              <a:buChar char=""/>
+            </a:pPr>
+            <a:r>
+              <a:rPr b="0" lang="es-ES" sz="1800" spc="-1" strike="noStrike">
+                <a:latin typeface="Arial"/>
+              </a:rPr>
+              <a:t>Séptimo nivel del esquema</a:t>
+            </a:r>
+            <a:endParaRPr b="0" lang="es-ES" sz="1800" spc="-1" strike="noStrike">
               <a:latin typeface="Arial"/>
             </a:endParaRPr>
           </a:p>
@@ -8380,14 +9916,14 @@
       </p:grpSpPr>
       <p:sp>
         <p:nvSpPr>
-          <p:cNvPr id="166" name="CustomShape 1"/>
+          <p:cNvPr id="167" name="CustomShape 1"/>
           <p:cNvSpPr/>
           <p:nvPr/>
         </p:nvSpPr>
         <p:spPr>
           <a:xfrm>
-            <a:off x="0" y="3150000"/>
-            <a:ext cx="9719640" cy="1259640"/>
+            <a:off x="0" y="180000"/>
+            <a:ext cx="9719280" cy="1259280"/>
           </a:xfrm>
           <a:prstGeom prst="rect">
             <a:avLst/>
@@ -8395,7 +9931,7 @@
           <a:solidFill>
             <a:srgbClr val="e74c3c"/>
           </a:solidFill>
-          <a:ln>
+          <a:ln w="72000">
             <a:noFill/>
           </a:ln>
         </p:spPr>
@@ -8408,7 +9944,89 @@
       </p:sp>
       <p:sp>
         <p:nvSpPr>
-          <p:cNvPr id="167" name="PlaceHolder 2"/>
+          <p:cNvPr id="168" name="CustomShape 2"/>
+          <p:cNvSpPr/>
+          <p:nvPr/>
+        </p:nvSpPr>
+        <p:spPr>
+          <a:xfrm>
+            <a:off x="7560000" y="6840000"/>
+            <a:ext cx="2519280" cy="539280"/>
+          </a:xfrm>
+          <a:prstGeom prst="rect">
+            <a:avLst/>
+          </a:prstGeom>
+          <a:solidFill>
+            <a:srgbClr val="e74c3c"/>
+          </a:solidFill>
+          <a:ln w="72000">
+            <a:noFill/>
+          </a:ln>
+        </p:spPr>
+        <p:style>
+          <a:lnRef idx="0"/>
+          <a:fillRef idx="0"/>
+          <a:effectRef idx="0"/>
+          <a:fontRef idx="minor"/>
+        </p:style>
+      </p:sp>
+      <p:sp>
+        <p:nvSpPr>
+          <p:cNvPr id="169" name="CustomShape 3"/>
+          <p:cNvSpPr/>
+          <p:nvPr/>
+        </p:nvSpPr>
+        <p:spPr>
+          <a:xfrm>
+            <a:off x="900000" y="6840000"/>
+            <a:ext cx="6479280" cy="539280"/>
+          </a:xfrm>
+          <a:prstGeom prst="rect">
+            <a:avLst/>
+          </a:prstGeom>
+          <a:solidFill>
+            <a:srgbClr val="bdc3c7"/>
+          </a:solidFill>
+          <a:ln w="72000">
+            <a:noFill/>
+          </a:ln>
+        </p:spPr>
+        <p:style>
+          <a:lnRef idx="0"/>
+          <a:fillRef idx="0"/>
+          <a:effectRef idx="0"/>
+          <a:fontRef idx="minor"/>
+        </p:style>
+      </p:sp>
+      <p:sp>
+        <p:nvSpPr>
+          <p:cNvPr id="170" name="CustomShape 4"/>
+          <p:cNvSpPr/>
+          <p:nvPr/>
+        </p:nvSpPr>
+        <p:spPr>
+          <a:xfrm>
+            <a:off x="180000" y="6840000"/>
+            <a:ext cx="539280" cy="539280"/>
+          </a:xfrm>
+          <a:prstGeom prst="rect">
+            <a:avLst/>
+          </a:prstGeom>
+          <a:noFill/>
+          <a:ln w="72000">
+            <a:noFill/>
+          </a:ln>
+        </p:spPr>
+        <p:style>
+          <a:lnRef idx="0"/>
+          <a:fillRef idx="0"/>
+          <a:effectRef idx="0"/>
+          <a:fontRef idx="minor"/>
+        </p:style>
+      </p:sp>
+      <p:sp>
+        <p:nvSpPr>
+          <p:cNvPr id="171" name="PlaceHolder 5"/>
           <p:cNvSpPr>
             <a:spLocks noGrp="1"/>
           </p:cNvSpPr>
@@ -8418,33 +10036,34 @@
         </p:nvSpPr>
         <p:spPr>
           <a:xfrm>
-            <a:off x="360000" y="3330000"/>
-            <a:ext cx="9359640" cy="899640"/>
-          </a:xfrm>
-          <a:prstGeom prst="rect">
-            <a:avLst/>
-          </a:prstGeom>
-        </p:spPr>
-        <p:txBody>
-          <a:bodyPr lIns="0" rIns="0" tIns="0" bIns="0" anchor="b">
+            <a:off x="504000" y="301320"/>
+            <a:ext cx="9072000" cy="1261800"/>
+          </a:xfrm>
+          <a:prstGeom prst="rect">
+            <a:avLst/>
+          </a:prstGeom>
+        </p:spPr>
+        <p:txBody>
+          <a:bodyPr lIns="0" rIns="0" tIns="0" bIns="0" anchor="ctr">
             <a:noAutofit/>
           </a:bodyPr>
           <a:p>
+            <a:pPr algn="ctr"/>
             <a:r>
-              <a:rPr b="0" lang="es-ES" sz="1800" spc="-1" strike="noStrike">
+              <a:rPr b="0" lang="es-ES" sz="4400" spc="-1" strike="noStrike">
                 <a:latin typeface="Arial"/>
               </a:rPr>
               <a:t>Pulse para editar el formato del texto de título</a:t>
             </a:r>
-            <a:endParaRPr b="0" lang="es-ES" sz="1800" spc="-1" strike="noStrike">
-              <a:latin typeface="Arial"/>
-            </a:endParaRPr>
-          </a:p>
-        </p:txBody>
-      </p:sp>
-      <p:sp>
-        <p:nvSpPr>
-          <p:cNvPr id="168" name="PlaceHolder 3"/>
+            <a:endParaRPr b="0" lang="es-ES" sz="4400" spc="-1" strike="noStrike">
+              <a:latin typeface="Arial"/>
+            </a:endParaRPr>
+          </a:p>
+        </p:txBody>
+      </p:sp>
+      <p:sp>
+        <p:nvSpPr>
+          <p:cNvPr id="172" name="PlaceHolder 6"/>
           <p:cNvSpPr>
             <a:spLocks noGrp="1"/>
           </p:cNvSpPr>
@@ -8637,6 +10256,286 @@
     <p:sldLayoutId id="2147483710" r:id="rId11"/>
     <p:sldLayoutId id="2147483711" r:id="rId12"/>
     <p:sldLayoutId id="2147483712" r:id="rId13"/>
+  </p:sldLayoutIdLst>
+</p:sldMaster>
+</file>
+
+<file path=ppt/slideMasters/slideMaster6.xml><?xml version="1.0" encoding="utf-8"?>
+<p:sldMaster xmlns:a="http://schemas.openxmlformats.org/drawingml/2006/main" xmlns:p="http://schemas.openxmlformats.org/presentationml/2006/main" xmlns:r="http://schemas.openxmlformats.org/officeDocument/2006/relationships" xmlns:p14="http://schemas.microsoft.com/office/powerpoint/2010/main" xmlns:p15="http://schemas.microsoft.com/office/powerpoint/2012/main" xmlns:mc="http://schemas.openxmlformats.org/markup-compatibility/2006">
+  <p:cSld>
+    <p:spTree>
+      <p:nvGrpSpPr>
+        <p:cNvPr id="1" name=""/>
+        <p:cNvGrpSpPr/>
+        <p:nvPr/>
+      </p:nvGrpSpPr>
+      <p:grpSpPr>
+        <a:xfrm>
+          <a:off x="0" y="0"/>
+          <a:ext cx="0" cy="0"/>
+          <a:chOff x="0" y="0"/>
+          <a:chExt cx="0" cy="0"/>
+        </a:xfrm>
+      </p:grpSpPr>
+      <p:sp>
+        <p:nvSpPr>
+          <p:cNvPr id="209" name="CustomShape 1"/>
+          <p:cNvSpPr/>
+          <p:nvPr/>
+        </p:nvSpPr>
+        <p:spPr>
+          <a:xfrm>
+            <a:off x="0" y="3150000"/>
+            <a:ext cx="9719280" cy="1259280"/>
+          </a:xfrm>
+          <a:prstGeom prst="rect">
+            <a:avLst/>
+          </a:prstGeom>
+          <a:solidFill>
+            <a:srgbClr val="e74c3c"/>
+          </a:solidFill>
+          <a:ln>
+            <a:noFill/>
+          </a:ln>
+        </p:spPr>
+        <p:style>
+          <a:lnRef idx="0"/>
+          <a:fillRef idx="0"/>
+          <a:effectRef idx="0"/>
+          <a:fontRef idx="minor"/>
+        </p:style>
+      </p:sp>
+      <p:sp>
+        <p:nvSpPr>
+          <p:cNvPr id="210" name="PlaceHolder 2"/>
+          <p:cNvSpPr>
+            <a:spLocks noGrp="1"/>
+          </p:cNvSpPr>
+          <p:nvPr>
+            <p:ph type="title"/>
+          </p:nvPr>
+        </p:nvSpPr>
+        <p:spPr>
+          <a:xfrm>
+            <a:off x="360000" y="3148560"/>
+            <a:ext cx="9359280" cy="1262160"/>
+          </a:xfrm>
+          <a:prstGeom prst="rect">
+            <a:avLst/>
+          </a:prstGeom>
+        </p:spPr>
+        <p:txBody>
+          <a:bodyPr lIns="0" rIns="0" tIns="0" bIns="0" anchor="ctr">
+            <a:spAutoFit/>
+          </a:bodyPr>
+          <a:p>
+            <a:r>
+              <a:rPr b="0" lang="es-ES" sz="1800" spc="-1" strike="noStrike">
+                <a:latin typeface="Arial"/>
+              </a:rPr>
+              <a:t>Pulse para editar el formato del texto de título</a:t>
+            </a:r>
+            <a:endParaRPr b="0" lang="es-ES" sz="1800" spc="-1" strike="noStrike">
+              <a:latin typeface="Arial"/>
+            </a:endParaRPr>
+          </a:p>
+        </p:txBody>
+      </p:sp>
+      <p:sp>
+        <p:nvSpPr>
+          <p:cNvPr id="211" name="PlaceHolder 3"/>
+          <p:cNvSpPr>
+            <a:spLocks noGrp="1"/>
+          </p:cNvSpPr>
+          <p:nvPr>
+            <p:ph type="body"/>
+          </p:nvPr>
+        </p:nvSpPr>
+        <p:spPr>
+          <a:xfrm>
+            <a:off x="504000" y="1768680"/>
+            <a:ext cx="9071640" cy="4383720"/>
+          </a:xfrm>
+          <a:prstGeom prst="rect">
+            <a:avLst/>
+          </a:prstGeom>
+        </p:spPr>
+        <p:txBody>
+          <a:bodyPr lIns="0" rIns="0" tIns="0" bIns="0">
+            <a:normAutofit/>
+          </a:bodyPr>
+          <a:p>
+            <a:pPr marL="432000" indent="-324000">
+              <a:spcBef>
+                <a:spcPts val="1417"/>
+              </a:spcBef>
+              <a:buClr>
+                <a:srgbClr val="000000"/>
+              </a:buClr>
+              <a:buSzPct val="45000"/>
+              <a:buFont typeface="Wingdings" charset="2"/>
+              <a:buChar char=""/>
+            </a:pPr>
+            <a:r>
+              <a:rPr b="0" lang="es-ES" sz="1800" spc="-1" strike="noStrike">
+                <a:latin typeface="Arial"/>
+              </a:rPr>
+              <a:t>Pulse para editar el formato de esquema del texto</a:t>
+            </a:r>
+            <a:endParaRPr b="0" lang="es-ES" sz="1800" spc="-1" strike="noStrike">
+              <a:latin typeface="Arial"/>
+            </a:endParaRPr>
+          </a:p>
+          <a:p>
+            <a:pPr lvl="1" marL="864000" indent="-324000">
+              <a:spcBef>
+                <a:spcPts val="1134"/>
+              </a:spcBef>
+              <a:buClr>
+                <a:srgbClr val="000000"/>
+              </a:buClr>
+              <a:buSzPct val="75000"/>
+              <a:buFont typeface="Symbol" charset="2"/>
+              <a:buChar char=""/>
+            </a:pPr>
+            <a:r>
+              <a:rPr b="0" lang="es-ES" sz="1800" spc="-1" strike="noStrike">
+                <a:latin typeface="Arial"/>
+              </a:rPr>
+              <a:t>Segundo nivel del esquema</a:t>
+            </a:r>
+            <a:endParaRPr b="0" lang="es-ES" sz="1800" spc="-1" strike="noStrike">
+              <a:latin typeface="Arial"/>
+            </a:endParaRPr>
+          </a:p>
+          <a:p>
+            <a:pPr lvl="2" marL="1296000" indent="-288000">
+              <a:spcBef>
+                <a:spcPts val="850"/>
+              </a:spcBef>
+              <a:buClr>
+                <a:srgbClr val="000000"/>
+              </a:buClr>
+              <a:buSzPct val="45000"/>
+              <a:buFont typeface="Wingdings" charset="2"/>
+              <a:buChar char=""/>
+            </a:pPr>
+            <a:r>
+              <a:rPr b="0" lang="es-ES" sz="1800" spc="-1" strike="noStrike">
+                <a:latin typeface="Arial"/>
+              </a:rPr>
+              <a:t>Tercer nivel del esquema</a:t>
+            </a:r>
+            <a:endParaRPr b="0" lang="es-ES" sz="1800" spc="-1" strike="noStrike">
+              <a:latin typeface="Arial"/>
+            </a:endParaRPr>
+          </a:p>
+          <a:p>
+            <a:pPr lvl="3" marL="1728000" indent="-216000">
+              <a:spcBef>
+                <a:spcPts val="567"/>
+              </a:spcBef>
+              <a:buClr>
+                <a:srgbClr val="000000"/>
+              </a:buClr>
+              <a:buSzPct val="75000"/>
+              <a:buFont typeface="Symbol" charset="2"/>
+              <a:buChar char=""/>
+            </a:pPr>
+            <a:r>
+              <a:rPr b="0" lang="es-ES" sz="1800" spc="-1" strike="noStrike">
+                <a:latin typeface="Arial"/>
+              </a:rPr>
+              <a:t>Cuarto nivel del esquema</a:t>
+            </a:r>
+            <a:endParaRPr b="0" lang="es-ES" sz="1800" spc="-1" strike="noStrike">
+              <a:latin typeface="Arial"/>
+            </a:endParaRPr>
+          </a:p>
+          <a:p>
+            <a:pPr lvl="4" marL="2160000" indent="-216000">
+              <a:spcBef>
+                <a:spcPts val="283"/>
+              </a:spcBef>
+              <a:buClr>
+                <a:srgbClr val="000000"/>
+              </a:buClr>
+              <a:buSzPct val="45000"/>
+              <a:buFont typeface="Wingdings" charset="2"/>
+              <a:buChar char=""/>
+            </a:pPr>
+            <a:r>
+              <a:rPr b="0" lang="es-ES" sz="1800" spc="-1" strike="noStrike">
+                <a:latin typeface="Arial"/>
+              </a:rPr>
+              <a:t>Quinto nivel del esquema</a:t>
+            </a:r>
+            <a:endParaRPr b="0" lang="es-ES" sz="1800" spc="-1" strike="noStrike">
+              <a:latin typeface="Arial"/>
+            </a:endParaRPr>
+          </a:p>
+          <a:p>
+            <a:pPr lvl="5" marL="2592000" indent="-216000">
+              <a:spcBef>
+                <a:spcPts val="283"/>
+              </a:spcBef>
+              <a:buClr>
+                <a:srgbClr val="000000"/>
+              </a:buClr>
+              <a:buSzPct val="45000"/>
+              <a:buFont typeface="Wingdings" charset="2"/>
+              <a:buChar char=""/>
+            </a:pPr>
+            <a:r>
+              <a:rPr b="0" lang="es-ES" sz="1800" spc="-1" strike="noStrike">
+                <a:latin typeface="Arial"/>
+              </a:rPr>
+              <a:t>Sexto nivel del esquema</a:t>
+            </a:r>
+            <a:endParaRPr b="0" lang="es-ES" sz="1800" spc="-1" strike="noStrike">
+              <a:latin typeface="Arial"/>
+            </a:endParaRPr>
+          </a:p>
+          <a:p>
+            <a:pPr lvl="6" marL="3024000" indent="-216000">
+              <a:spcBef>
+                <a:spcPts val="283"/>
+              </a:spcBef>
+              <a:buClr>
+                <a:srgbClr val="000000"/>
+              </a:buClr>
+              <a:buSzPct val="45000"/>
+              <a:buFont typeface="Wingdings" charset="2"/>
+              <a:buChar char=""/>
+            </a:pPr>
+            <a:r>
+              <a:rPr b="0" lang="es-ES" sz="1800" spc="-1" strike="noStrike">
+                <a:latin typeface="Arial"/>
+              </a:rPr>
+              <a:t>Séptimo nivel del esquema</a:t>
+            </a:r>
+            <a:endParaRPr b="0" lang="es-ES" sz="1800" spc="-1" strike="noStrike">
+              <a:latin typeface="Arial"/>
+            </a:endParaRPr>
+          </a:p>
+        </p:txBody>
+      </p:sp>
+    </p:spTree>
+  </p:cSld>
+  <p:clrMap bg1="lt1" bg2="lt2" tx1="dk1" tx2="dk2" accent1="accent1" accent2="accent2" accent3="accent3" accent4="accent4" accent5="accent5" accent6="accent6" hlink="hlink" folHlink="folHlink"/>
+  <p:sldLayoutIdLst>
+    <p:sldLayoutId id="2147483714" r:id="rId2"/>
+    <p:sldLayoutId id="2147483715" r:id="rId3"/>
+    <p:sldLayoutId id="2147483716" r:id="rId4"/>
+    <p:sldLayoutId id="2147483717" r:id="rId5"/>
+    <p:sldLayoutId id="2147483718" r:id="rId6"/>
+    <p:sldLayoutId id="2147483719" r:id="rId7"/>
+    <p:sldLayoutId id="2147483720" r:id="rId8"/>
+    <p:sldLayoutId id="2147483721" r:id="rId9"/>
+    <p:sldLayoutId id="2147483722" r:id="rId10"/>
+    <p:sldLayoutId id="2147483723" r:id="rId11"/>
+    <p:sldLayoutId id="2147483724" r:id="rId12"/>
+    <p:sldLayoutId id="2147483725" r:id="rId13"/>
   </p:sldLayoutIdLst>
 </p:sldMaster>
 </file>
@@ -8660,14 +10559,14 @@
       </p:grpSpPr>
       <p:sp>
         <p:nvSpPr>
-          <p:cNvPr id="205" name="CustomShape 1"/>
+          <p:cNvPr id="248" name="CustomShape 1"/>
           <p:cNvSpPr/>
           <p:nvPr/>
         </p:nvSpPr>
         <p:spPr>
           <a:xfrm>
             <a:off x="360000" y="3330000"/>
-            <a:ext cx="9359640" cy="899640"/>
+            <a:ext cx="9359280" cy="899280"/>
           </a:xfrm>
           <a:prstGeom prst="rect">
             <a:avLst/>
@@ -8699,6 +10598,7 @@
                   <a:srgbClr val="ffffff"/>
                 </a:solidFill>
                 <a:latin typeface="Source Sans Pro Black"/>
+                <a:ea typeface="DejaVu Sans"/>
               </a:rPr>
               <a:t>GRUPO DE DESARROLLO ADD</a:t>
             </a:r>
@@ -8710,14 +10610,14 @@
       </p:sp>
       <p:sp>
         <p:nvSpPr>
-          <p:cNvPr id="206" name="CustomShape 2"/>
+          <p:cNvPr id="249" name="CustomShape 2"/>
           <p:cNvSpPr/>
           <p:nvPr/>
         </p:nvSpPr>
         <p:spPr>
           <a:xfrm>
             <a:off x="540000" y="4680000"/>
-            <a:ext cx="9179640" cy="2519640"/>
+            <a:ext cx="9179280" cy="2519280"/>
           </a:xfrm>
           <a:prstGeom prst="rect">
             <a:avLst/>
@@ -8766,14 +10666,14 @@
       </p:grpSpPr>
       <p:sp>
         <p:nvSpPr>
-          <p:cNvPr id="226" name="CustomShape 1"/>
+          <p:cNvPr id="269" name="CustomShape 1"/>
           <p:cNvSpPr/>
           <p:nvPr/>
         </p:nvSpPr>
         <p:spPr>
           <a:xfrm>
             <a:off x="360000" y="360000"/>
-            <a:ext cx="9359640" cy="899640"/>
+            <a:ext cx="9359280" cy="899280"/>
           </a:xfrm>
           <a:prstGeom prst="rect">
             <a:avLst/>
@@ -8805,6 +10705,7 @@
                   <a:srgbClr val="ffffff"/>
                 </a:solidFill>
                 <a:latin typeface="Source Sans Pro Black"/>
+                <a:ea typeface="DejaVu Sans"/>
               </a:rPr>
               <a:t>Caso de uso personal</a:t>
             </a:r>
@@ -8816,7 +10717,7 @@
       </p:sp>
       <p:pic>
         <p:nvPicPr>
-          <p:cNvPr id="227" name="" descr=""/>
+          <p:cNvPr id="270" name="" descr=""/>
           <p:cNvPicPr/>
           <p:nvPr/>
         </p:nvPicPr>
@@ -8827,7 +10728,7 @@
         <p:spPr>
           <a:xfrm>
             <a:off x="360000" y="2102040"/>
-            <a:ext cx="9179640" cy="4435200"/>
+            <a:ext cx="9179280" cy="4434840"/>
           </a:xfrm>
           <a:prstGeom prst="rect">
             <a:avLst/>
@@ -8869,14 +10770,14 @@
       </p:grpSpPr>
       <p:sp>
         <p:nvSpPr>
-          <p:cNvPr id="228" name="CustomShape 1"/>
+          <p:cNvPr id="271" name="CustomShape 1"/>
           <p:cNvSpPr/>
           <p:nvPr/>
         </p:nvSpPr>
         <p:spPr>
           <a:xfrm>
             <a:off x="360000" y="360000"/>
-            <a:ext cx="9359640" cy="899640"/>
+            <a:ext cx="9359280" cy="899280"/>
           </a:xfrm>
           <a:prstGeom prst="rect">
             <a:avLst/>
@@ -8908,6 +10809,7 @@
                   <a:srgbClr val="ffffff"/>
                 </a:solidFill>
                 <a:latin typeface="Source Sans Pro Black"/>
+                <a:ea typeface="DejaVu Sans"/>
               </a:rPr>
               <a:t>Prototipo interfaz personal</a:t>
             </a:r>
@@ -8919,14 +10821,14 @@
       </p:sp>
       <p:sp>
         <p:nvSpPr>
-          <p:cNvPr id="229" name="CustomShape 2"/>
+          <p:cNvPr id="272" name="CustomShape 2"/>
           <p:cNvSpPr/>
           <p:nvPr/>
         </p:nvSpPr>
         <p:spPr>
           <a:xfrm>
             <a:off x="360000" y="1980000"/>
-            <a:ext cx="9179640" cy="2231640"/>
+            <a:ext cx="9179280" cy="2231280"/>
           </a:xfrm>
           <a:prstGeom prst="rect">
             <a:avLst/>
@@ -8961,6 +10863,7 @@
                   <a:srgbClr val="1c1c1c"/>
                 </a:solidFill>
                 <a:latin typeface="Source Sans Pro Semibold"/>
+                <a:ea typeface="DejaVu Sans"/>
               </a:rPr>
               <a:t>Interfaz del personal:</a:t>
             </a:r>
@@ -8972,7 +10875,7 @@
       </p:sp>
       <p:pic>
         <p:nvPicPr>
-          <p:cNvPr id="230" name="" descr=""/>
+          <p:cNvPr id="273" name="" descr=""/>
           <p:cNvPicPr/>
           <p:nvPr/>
         </p:nvPicPr>
@@ -8983,7 +10886,7 @@
         <p:spPr>
           <a:xfrm>
             <a:off x="1728000" y="2432160"/>
-            <a:ext cx="6335640" cy="3975480"/>
+            <a:ext cx="6335280" cy="3975120"/>
           </a:xfrm>
           <a:prstGeom prst="rect">
             <a:avLst/>
@@ -9025,14 +10928,14 @@
       </p:grpSpPr>
       <p:sp>
         <p:nvSpPr>
-          <p:cNvPr id="231" name="CustomShape 1"/>
+          <p:cNvPr id="274" name="CustomShape 1"/>
           <p:cNvSpPr/>
           <p:nvPr/>
         </p:nvSpPr>
         <p:spPr>
           <a:xfrm>
             <a:off x="360000" y="360000"/>
-            <a:ext cx="9359640" cy="899640"/>
+            <a:ext cx="9359280" cy="899280"/>
           </a:xfrm>
           <a:prstGeom prst="rect">
             <a:avLst/>
@@ -9064,6 +10967,7 @@
                   <a:srgbClr val="ffffff"/>
                 </a:solidFill>
                 <a:latin typeface="Source Sans Pro Black"/>
+                <a:ea typeface="DejaVu Sans"/>
               </a:rPr>
               <a:t>Caso de uso gerente</a:t>
             </a:r>
@@ -9075,7 +10979,7 @@
       </p:sp>
       <p:pic>
         <p:nvPicPr>
-          <p:cNvPr id="232" name="" descr=""/>
+          <p:cNvPr id="275" name="" descr=""/>
           <p:cNvPicPr/>
           <p:nvPr/>
         </p:nvPicPr>
@@ -9086,7 +10990,7 @@
         <p:spPr>
           <a:xfrm>
             <a:off x="1872000" y="1512000"/>
-            <a:ext cx="6378480" cy="5183640"/>
+            <a:ext cx="6378120" cy="5183280"/>
           </a:xfrm>
           <a:prstGeom prst="rect">
             <a:avLst/>
@@ -9128,14 +11032,14 @@
       </p:grpSpPr>
       <p:sp>
         <p:nvSpPr>
-          <p:cNvPr id="233" name="CustomShape 1"/>
+          <p:cNvPr id="276" name="CustomShape 1"/>
           <p:cNvSpPr/>
           <p:nvPr/>
         </p:nvSpPr>
         <p:spPr>
           <a:xfrm>
             <a:off x="360000" y="360000"/>
-            <a:ext cx="9359640" cy="899640"/>
+            <a:ext cx="9359280" cy="899280"/>
           </a:xfrm>
           <a:prstGeom prst="rect">
             <a:avLst/>
@@ -9167,6 +11071,7 @@
                   <a:srgbClr val="ffffff"/>
                 </a:solidFill>
                 <a:latin typeface="Source Sans Pro Black"/>
+                <a:ea typeface="DejaVu Sans"/>
               </a:rPr>
               <a:t>Prototipo interfaz gestión</a:t>
             </a:r>
@@ -9178,14 +11083,14 @@
       </p:sp>
       <p:sp>
         <p:nvSpPr>
-          <p:cNvPr id="234" name="CustomShape 2"/>
+          <p:cNvPr id="277" name="CustomShape 2"/>
           <p:cNvSpPr/>
           <p:nvPr/>
         </p:nvSpPr>
         <p:spPr>
           <a:xfrm>
             <a:off x="360000" y="1980000"/>
-            <a:ext cx="9179640" cy="2231640"/>
+            <a:ext cx="9179280" cy="2231280"/>
           </a:xfrm>
           <a:prstGeom prst="rect">
             <a:avLst/>
@@ -9220,6 +11125,7 @@
                   <a:srgbClr val="1c1c1c"/>
                 </a:solidFill>
                 <a:latin typeface="Source Sans Pro Semibold"/>
+                <a:ea typeface="DejaVu Sans"/>
               </a:rPr>
               <a:t>Inicio:</a:t>
             </a:r>
@@ -9231,7 +11137,7 @@
       </p:sp>
       <p:pic>
         <p:nvPicPr>
-          <p:cNvPr id="235" name="" descr=""/>
+          <p:cNvPr id="278" name="" descr=""/>
           <p:cNvPicPr/>
           <p:nvPr/>
         </p:nvPicPr>
@@ -9242,7 +11148,7 @@
         <p:spPr>
           <a:xfrm>
             <a:off x="1872000" y="2174040"/>
-            <a:ext cx="6551640" cy="4089600"/>
+            <a:ext cx="6551280" cy="4089240"/>
           </a:xfrm>
           <a:prstGeom prst="rect">
             <a:avLst/>
@@ -9284,14 +11190,14 @@
       </p:grpSpPr>
       <p:sp>
         <p:nvSpPr>
-          <p:cNvPr id="236" name="CustomShape 1"/>
+          <p:cNvPr id="279" name="CustomShape 1"/>
           <p:cNvSpPr/>
           <p:nvPr/>
         </p:nvSpPr>
         <p:spPr>
           <a:xfrm>
             <a:off x="360000" y="360000"/>
-            <a:ext cx="9359640" cy="899640"/>
+            <a:ext cx="9359280" cy="899280"/>
           </a:xfrm>
           <a:prstGeom prst="rect">
             <a:avLst/>
@@ -9323,6 +11229,7 @@
                   <a:srgbClr val="ffffff"/>
                 </a:solidFill>
                 <a:latin typeface="Source Sans Pro Black"/>
+                <a:ea typeface="DejaVu Sans"/>
               </a:rPr>
               <a:t>Prototipo interfaz gestión</a:t>
             </a:r>
@@ -9334,14 +11241,14 @@
       </p:sp>
       <p:sp>
         <p:nvSpPr>
-          <p:cNvPr id="237" name="CustomShape 2"/>
+          <p:cNvPr id="280" name="CustomShape 2"/>
           <p:cNvSpPr/>
           <p:nvPr/>
         </p:nvSpPr>
         <p:spPr>
           <a:xfrm>
             <a:off x="360000" y="1980000"/>
-            <a:ext cx="9179640" cy="2231640"/>
+            <a:ext cx="9179280" cy="2231280"/>
           </a:xfrm>
           <a:prstGeom prst="rect">
             <a:avLst/>
@@ -9376,6 +11283,7 @@
                   <a:srgbClr val="1c1c1c"/>
                 </a:solidFill>
                 <a:latin typeface="Source Sans Pro Semibold"/>
+                <a:ea typeface="DejaVu Sans"/>
               </a:rPr>
               <a:t>Principal:</a:t>
             </a:r>
@@ -9387,14 +11295,14 @@
       </p:sp>
       <p:sp>
         <p:nvSpPr>
-          <p:cNvPr id="238" name="TextShape 3"/>
-          <p:cNvSpPr txBox="1"/>
+          <p:cNvPr id="281" name="CustomShape 3"/>
+          <p:cNvSpPr/>
           <p:nvPr/>
         </p:nvSpPr>
         <p:spPr>
           <a:xfrm>
             <a:off x="360000" y="3330000"/>
-            <a:ext cx="9359640" cy="899640"/>
+            <a:ext cx="9359280" cy="899280"/>
           </a:xfrm>
           <a:prstGeom prst="rect">
             <a:avLst/>
@@ -9404,21 +11312,16 @@
             <a:noFill/>
           </a:ln>
         </p:spPr>
-        <p:txBody>
-          <a:bodyPr lIns="0" rIns="0" tIns="0" bIns="0" anchor="ctr">
-            <a:spAutoFit/>
-          </a:bodyPr>
-          <a:p>
-            <a:pPr algn="ctr"/>
-            <a:endParaRPr b="0" lang="es-ES" sz="4400" spc="-1" strike="noStrike">
-              <a:latin typeface="Arial"/>
-            </a:endParaRPr>
-          </a:p>
-        </p:txBody>
+        <p:style>
+          <a:lnRef idx="0"/>
+          <a:fillRef idx="0"/>
+          <a:effectRef idx="0"/>
+          <a:fontRef idx="minor"/>
+        </p:style>
       </p:sp>
       <p:pic>
         <p:nvPicPr>
-          <p:cNvPr id="239" name="" descr=""/>
+          <p:cNvPr id="282" name="" descr=""/>
           <p:cNvPicPr/>
           <p:nvPr/>
         </p:nvPicPr>
@@ -9429,7 +11332,7 @@
         <p:spPr>
           <a:xfrm>
             <a:off x="1800000" y="2312640"/>
-            <a:ext cx="7128000" cy="4455360"/>
+            <a:ext cx="7127640" cy="4455000"/>
           </a:xfrm>
           <a:prstGeom prst="rect">
             <a:avLst/>
@@ -9441,14 +11344,14 @@
       </p:pic>
       <p:sp>
         <p:nvSpPr>
-          <p:cNvPr id="240" name="TextShape 4"/>
-          <p:cNvSpPr txBox="1"/>
+          <p:cNvPr id="283" name="CustomShape 4"/>
+          <p:cNvSpPr/>
           <p:nvPr/>
         </p:nvSpPr>
         <p:spPr>
           <a:xfrm>
             <a:off x="5240520" y="4630680"/>
-            <a:ext cx="4479480" cy="1201320"/>
+            <a:ext cx="4479120" cy="1200960"/>
           </a:xfrm>
           <a:prstGeom prst="rect">
             <a:avLst/>
@@ -9458,16 +11361,12 @@
             <a:noFill/>
           </a:ln>
         </p:spPr>
-        <p:txBody>
-          <a:bodyPr lIns="0" rIns="0" tIns="0" bIns="0">
-            <a:normAutofit/>
-          </a:bodyPr>
-          <a:p>
-            <a:endParaRPr b="0" lang="es-ES" sz="3200" spc="-1" strike="noStrike">
-              <a:latin typeface="Arial"/>
-            </a:endParaRPr>
-          </a:p>
-        </p:txBody>
+        <p:style>
+          <a:lnRef idx="0"/>
+          <a:fillRef idx="0"/>
+          <a:effectRef idx="0"/>
+          <a:fontRef idx="minor"/>
+        </p:style>
       </p:sp>
     </p:spTree>
   </p:cSld>
@@ -9501,14 +11400,14 @@
       </p:grpSpPr>
       <p:sp>
         <p:nvSpPr>
-          <p:cNvPr id="241" name="CustomShape 1"/>
+          <p:cNvPr id="284" name="CustomShape 1"/>
           <p:cNvSpPr/>
           <p:nvPr/>
         </p:nvSpPr>
         <p:spPr>
           <a:xfrm>
             <a:off x="360000" y="360000"/>
-            <a:ext cx="9359640" cy="899640"/>
+            <a:ext cx="9359280" cy="899280"/>
           </a:xfrm>
           <a:prstGeom prst="rect">
             <a:avLst/>
@@ -9540,6 +11439,7 @@
                   <a:srgbClr val="ffffff"/>
                 </a:solidFill>
                 <a:latin typeface="Source Sans Pro Black"/>
+                <a:ea typeface="DejaVu Sans"/>
               </a:rPr>
               <a:t>Prototipo interfaz gestion</a:t>
             </a:r>
@@ -9551,14 +11451,14 @@
       </p:sp>
       <p:sp>
         <p:nvSpPr>
-          <p:cNvPr id="242" name="CustomShape 2"/>
+          <p:cNvPr id="285" name="CustomShape 2"/>
           <p:cNvSpPr/>
           <p:nvPr/>
         </p:nvSpPr>
         <p:spPr>
           <a:xfrm>
             <a:off x="360000" y="1980000"/>
-            <a:ext cx="9179640" cy="2231640"/>
+            <a:ext cx="9179280" cy="2231280"/>
           </a:xfrm>
           <a:prstGeom prst="rect">
             <a:avLst/>
@@ -9593,6 +11493,7 @@
                   <a:srgbClr val="1c1c1c"/>
                 </a:solidFill>
                 <a:latin typeface="Source Sans Pro Semibold"/>
+                <a:ea typeface="DejaVu Sans"/>
               </a:rPr>
               <a:t>Gestión del local</a:t>
             </a:r>
@@ -9604,7 +11505,7 @@
       </p:sp>
       <p:pic>
         <p:nvPicPr>
-          <p:cNvPr id="243" name="" descr=""/>
+          <p:cNvPr id="286" name="" descr=""/>
           <p:cNvPicPr/>
           <p:nvPr/>
         </p:nvPicPr>
@@ -9615,7 +11516,7 @@
         <p:spPr>
           <a:xfrm>
             <a:off x="1800000" y="2448000"/>
-            <a:ext cx="7035120" cy="4391640"/>
+            <a:ext cx="7034760" cy="4391280"/>
           </a:xfrm>
           <a:prstGeom prst="rect">
             <a:avLst/>
@@ -9657,14 +11558,14 @@
       </p:grpSpPr>
       <p:sp>
         <p:nvSpPr>
-          <p:cNvPr id="244" name="CustomShape 1"/>
+          <p:cNvPr id="287" name="CustomShape 1"/>
           <p:cNvSpPr/>
           <p:nvPr/>
         </p:nvSpPr>
         <p:spPr>
           <a:xfrm>
             <a:off x="360000" y="360000"/>
-            <a:ext cx="9359640" cy="899640"/>
+            <a:ext cx="9359280" cy="899280"/>
           </a:xfrm>
           <a:prstGeom prst="rect">
             <a:avLst/>
@@ -9696,6 +11597,7 @@
                   <a:srgbClr val="ffffff"/>
                 </a:solidFill>
                 <a:latin typeface="Source Sans Pro Black"/>
+                <a:ea typeface="DejaVu Sans"/>
               </a:rPr>
               <a:t>Caso de uso superusuario</a:t>
             </a:r>
@@ -9707,7 +11609,7 @@
       </p:sp>
       <p:pic>
         <p:nvPicPr>
-          <p:cNvPr id="245" name="" descr=""/>
+          <p:cNvPr id="288" name="" descr=""/>
           <p:cNvPicPr/>
           <p:nvPr/>
         </p:nvPicPr>
@@ -9718,7 +11620,7 @@
         <p:spPr>
           <a:xfrm>
             <a:off x="518040" y="1980000"/>
-            <a:ext cx="8863560" cy="4679640"/>
+            <a:ext cx="8863200" cy="4679280"/>
           </a:xfrm>
           <a:prstGeom prst="rect">
             <a:avLst/>
@@ -9760,14 +11662,14 @@
       </p:grpSpPr>
       <p:sp>
         <p:nvSpPr>
-          <p:cNvPr id="246" name="CustomShape 1"/>
+          <p:cNvPr id="289" name="CustomShape 1"/>
           <p:cNvSpPr/>
           <p:nvPr/>
         </p:nvSpPr>
         <p:spPr>
           <a:xfrm>
             <a:off x="360000" y="360000"/>
-            <a:ext cx="9359640" cy="899640"/>
+            <a:ext cx="9359280" cy="899280"/>
           </a:xfrm>
           <a:prstGeom prst="rect">
             <a:avLst/>
@@ -9799,6 +11701,7 @@
                   <a:srgbClr val="ffffff"/>
                 </a:solidFill>
                 <a:latin typeface="Source Sans Pro Black"/>
+                <a:ea typeface="DejaVu Sans"/>
               </a:rPr>
               <a:t>Interfaz superusuario</a:t>
             </a:r>
@@ -9810,7 +11713,7 @@
       </p:sp>
       <p:pic>
         <p:nvPicPr>
-          <p:cNvPr id="247" name="" descr=""/>
+          <p:cNvPr id="290" name="" descr=""/>
           <p:cNvPicPr/>
           <p:nvPr/>
         </p:nvPicPr>
@@ -9820,8 +11723,8 @@
         </p:blipFill>
         <p:spPr>
           <a:xfrm rot="21596400">
-            <a:off x="1574280" y="1872000"/>
-            <a:ext cx="7497000" cy="4679640"/>
+            <a:off x="1573920" y="1872000"/>
+            <a:ext cx="7496640" cy="4679280"/>
           </a:xfrm>
           <a:prstGeom prst="rect">
             <a:avLst/>
@@ -9863,14 +11766,14 @@
       </p:grpSpPr>
       <p:sp>
         <p:nvSpPr>
-          <p:cNvPr id="248" name="CustomShape 1"/>
+          <p:cNvPr id="291" name="CustomShape 1"/>
           <p:cNvSpPr/>
           <p:nvPr/>
         </p:nvSpPr>
         <p:spPr>
           <a:xfrm>
             <a:off x="360000" y="360000"/>
-            <a:ext cx="9359640" cy="899640"/>
+            <a:ext cx="9359280" cy="899280"/>
           </a:xfrm>
           <a:prstGeom prst="rect">
             <a:avLst/>
@@ -9902,6 +11805,7 @@
                   <a:srgbClr val="ffffff"/>
                 </a:solidFill>
                 <a:latin typeface="Source Sans Pro Black"/>
+                <a:ea typeface="DejaVu Sans"/>
               </a:rPr>
               <a:t>Ejemplo de Diagrama de secuencia</a:t>
             </a:r>
@@ -9913,7 +11817,7 @@
       </p:sp>
       <p:pic>
         <p:nvPicPr>
-          <p:cNvPr id="249" name="" descr=""/>
+          <p:cNvPr id="292" name="" descr=""/>
           <p:cNvPicPr/>
           <p:nvPr/>
         </p:nvPicPr>
@@ -9924,7 +11828,7 @@
         <p:spPr>
           <a:xfrm>
             <a:off x="1368000" y="1512000"/>
-            <a:ext cx="7343640" cy="5241960"/>
+            <a:ext cx="7343280" cy="5241600"/>
           </a:xfrm>
           <a:prstGeom prst="rect">
             <a:avLst/>
@@ -9966,7 +11870,7 @@
       </p:grpSpPr>
       <p:pic>
         <p:nvPicPr>
-          <p:cNvPr id="250" name="" descr=""/>
+          <p:cNvPr id="293" name="" descr=""/>
           <p:cNvPicPr/>
           <p:nvPr/>
         </p:nvPicPr>
@@ -9977,7 +11881,7 @@
         <p:spPr>
           <a:xfrm>
             <a:off x="72000" y="504000"/>
-            <a:ext cx="9935640" cy="6479640"/>
+            <a:ext cx="9935280" cy="6479280"/>
           </a:xfrm>
           <a:prstGeom prst="rect">
             <a:avLst/>
@@ -10019,14 +11923,14 @@
       </p:grpSpPr>
       <p:sp>
         <p:nvSpPr>
-          <p:cNvPr id="207" name="CustomShape 1"/>
+          <p:cNvPr id="250" name="CustomShape 1"/>
           <p:cNvSpPr/>
           <p:nvPr/>
         </p:nvSpPr>
         <p:spPr>
           <a:xfrm>
             <a:off x="360000" y="360000"/>
-            <a:ext cx="9359640" cy="899640"/>
+            <a:ext cx="9359280" cy="899280"/>
           </a:xfrm>
           <a:prstGeom prst="rect">
             <a:avLst/>
@@ -10058,6 +11962,7 @@
                   <a:srgbClr val="ffffff"/>
                 </a:solidFill>
                 <a:latin typeface="Source Sans Pro Black"/>
+                <a:ea typeface="DejaVu Sans"/>
               </a:rPr>
               <a:t>Presentación del proyecto</a:t>
             </a:r>
@@ -10069,14 +11974,14 @@
       </p:sp>
       <p:sp>
         <p:nvSpPr>
-          <p:cNvPr id="208" name="CustomShape 2"/>
+          <p:cNvPr id="251" name="CustomShape 2"/>
           <p:cNvSpPr/>
           <p:nvPr/>
         </p:nvSpPr>
         <p:spPr>
           <a:xfrm>
             <a:off x="360000" y="1728000"/>
-            <a:ext cx="9179640" cy="4679640"/>
+            <a:ext cx="9179280" cy="4679280"/>
           </a:xfrm>
           <a:prstGeom prst="rect">
             <a:avLst/>
@@ -10111,6 +12016,7 @@
                   <a:srgbClr val="1c1c1c"/>
                 </a:solidFill>
                 <a:latin typeface="Source Sans Pro Semibold"/>
+                <a:ea typeface="DejaVu Sans"/>
               </a:rPr>
               <a:t> </a:t>
             </a:r>
@@ -10119,7 +12025,7 @@
             </a:endParaRPr>
           </a:p>
           <a:p>
-            <a:pPr marL="216000" indent="-216000">
+            <a:pPr marL="216000" indent="-215640">
               <a:lnSpc>
                 <a:spcPct val="100000"/>
               </a:lnSpc>
@@ -10139,6 +12045,7 @@
                   <a:srgbClr val="1c1c1c"/>
                 </a:solidFill>
                 <a:latin typeface="Source Sans Pro Semibold"/>
+                <a:ea typeface="DejaVu Sans"/>
               </a:rPr>
               <a:t> </a:t>
             </a:r>
@@ -10148,6 +12055,7 @@
                   <a:srgbClr val="1c1c1c"/>
                 </a:solidFill>
                 <a:latin typeface="Source Sans Pro Semibold"/>
+                <a:ea typeface="DejaVu Sans"/>
               </a:rPr>
               <a:t>Sistema dirigido a restaurantes, agilizando y modernizando el servicio prestado por los mismos</a:t>
             </a:r>
@@ -10169,7 +12077,7 @@
             </a:endParaRPr>
           </a:p>
           <a:p>
-            <a:pPr marL="216000" indent="-216000">
+            <a:pPr marL="216000" indent="-215640">
               <a:lnSpc>
                 <a:spcPct val="100000"/>
               </a:lnSpc>
@@ -10189,6 +12097,7 @@
                   <a:srgbClr val="1c1c1c"/>
                 </a:solidFill>
                 <a:latin typeface="Source Sans Pro Semibold"/>
+                <a:ea typeface="DejaVu Sans"/>
               </a:rPr>
               <a:t> </a:t>
             </a:r>
@@ -10198,6 +12107,7 @@
                   <a:srgbClr val="1c1c1c"/>
                 </a:solidFill>
                 <a:latin typeface="Source Sans Pro Semibold"/>
+                <a:ea typeface="DejaVu Sans"/>
               </a:rPr>
               <a:t>Comandas digitales</a:t>
             </a:r>
@@ -10219,7 +12129,7 @@
             </a:endParaRPr>
           </a:p>
           <a:p>
-            <a:pPr marL="216000" indent="-216000">
+            <a:pPr marL="216000" indent="-215640">
               <a:lnSpc>
                 <a:spcPct val="100000"/>
               </a:lnSpc>
@@ -10239,6 +12149,7 @@
                   <a:srgbClr val="1c1c1c"/>
                 </a:solidFill>
                 <a:latin typeface="Source Sans Pro Semibold"/>
+                <a:ea typeface="DejaVu Sans"/>
               </a:rPr>
               <a:t> </a:t>
             </a:r>
@@ -10248,6 +12159,7 @@
                   <a:srgbClr val="1c1c1c"/>
                 </a:solidFill>
                 <a:latin typeface="Source Sans Pro Semibold"/>
+                <a:ea typeface="DejaVu Sans"/>
               </a:rPr>
               <a:t>Servicio de gestión para el restaurante</a:t>
             </a:r>
@@ -10302,14 +12214,14 @@
       </p:grpSpPr>
       <p:sp>
         <p:nvSpPr>
-          <p:cNvPr id="251" name="CustomShape 1"/>
+          <p:cNvPr id="294" name="CustomShape 1"/>
           <p:cNvSpPr/>
           <p:nvPr/>
         </p:nvSpPr>
         <p:spPr>
           <a:xfrm>
             <a:off x="360000" y="3330000"/>
-            <a:ext cx="9359640" cy="899640"/>
+            <a:ext cx="9359280" cy="899280"/>
           </a:xfrm>
           <a:prstGeom prst="rect">
             <a:avLst/>
@@ -10341,6 +12253,7 @@
                   <a:srgbClr val="ffffff"/>
                 </a:solidFill>
                 <a:latin typeface="Source Sans Pro Black"/>
+                <a:ea typeface="DejaVu Sans"/>
               </a:rPr>
               <a:t>GRUPO DE DESARROLLO ADD</a:t>
             </a:r>
@@ -10352,14 +12265,14 @@
       </p:sp>
       <p:sp>
         <p:nvSpPr>
-          <p:cNvPr id="252" name="CustomShape 2"/>
+          <p:cNvPr id="295" name="CustomShape 2"/>
           <p:cNvSpPr/>
           <p:nvPr/>
         </p:nvSpPr>
         <p:spPr>
           <a:xfrm>
             <a:off x="540000" y="4680000"/>
-            <a:ext cx="9179640" cy="2519640"/>
+            <a:ext cx="9179280" cy="2519280"/>
           </a:xfrm>
           <a:prstGeom prst="rect">
             <a:avLst/>
@@ -10391,6 +12304,7 @@
                   <a:srgbClr val="1c1c1c"/>
                 </a:solidFill>
                 <a:latin typeface="Source Sans Pro Light"/>
+                <a:ea typeface="DejaVu Sans"/>
               </a:rPr>
               <a:t>Gracias por asistir a nuestra presentación.</a:t>
             </a:r>
@@ -10432,14 +12346,14 @@
       </p:grpSpPr>
       <p:sp>
         <p:nvSpPr>
-          <p:cNvPr id="209" name="CustomShape 1"/>
+          <p:cNvPr id="252" name="CustomShape 1"/>
           <p:cNvSpPr/>
           <p:nvPr/>
         </p:nvSpPr>
         <p:spPr>
           <a:xfrm>
             <a:off x="360000" y="360000"/>
-            <a:ext cx="9359640" cy="899640"/>
+            <a:ext cx="9359280" cy="899280"/>
           </a:xfrm>
           <a:prstGeom prst="rect">
             <a:avLst/>
@@ -10471,6 +12385,7 @@
                   <a:srgbClr val="ffffff"/>
                 </a:solidFill>
                 <a:latin typeface="Source Sans Pro Black"/>
+                <a:ea typeface="DejaVu Sans"/>
               </a:rPr>
               <a:t>Requisitos cliente</a:t>
             </a:r>
@@ -10482,14 +12397,14 @@
       </p:sp>
       <p:sp>
         <p:nvSpPr>
-          <p:cNvPr id="210" name="CustomShape 2"/>
+          <p:cNvPr id="253" name="CustomShape 2"/>
           <p:cNvSpPr/>
           <p:nvPr/>
         </p:nvSpPr>
         <p:spPr>
           <a:xfrm>
             <a:off x="360000" y="1980000"/>
-            <a:ext cx="9179640" cy="4679640"/>
+            <a:ext cx="9179280" cy="4679280"/>
           </a:xfrm>
           <a:prstGeom prst="rect">
             <a:avLst/>
@@ -10510,7 +12425,7 @@
             <a:normAutofit fontScale="97000"/>
           </a:bodyPr>
           <a:p>
-            <a:pPr marL="216000" indent="-216000">
+            <a:pPr marL="216000" indent="-215640">
               <a:lnSpc>
                 <a:spcPct val="100000"/>
               </a:lnSpc>
@@ -10530,6 +12445,7 @@
                   <a:srgbClr val="1c1c1c"/>
                 </a:solidFill>
                 <a:latin typeface="Source Sans Pro Semibold"/>
+                <a:ea typeface="DejaVu Sans"/>
               </a:rPr>
               <a:t>Elección de pagar en cualquier momento</a:t>
             </a:r>
@@ -10538,7 +12454,7 @@
             </a:endParaRPr>
           </a:p>
           <a:p>
-            <a:pPr marL="216000" indent="-216000">
+            <a:pPr marL="216000" indent="-215640">
               <a:lnSpc>
                 <a:spcPct val="100000"/>
               </a:lnSpc>
@@ -10558,6 +12474,7 @@
                   <a:srgbClr val="1c1c1c"/>
                 </a:solidFill>
                 <a:latin typeface="Source Sans Pro Semibold"/>
+                <a:ea typeface="DejaVu Sans"/>
               </a:rPr>
               <a:t>Varios idiomas</a:t>
             </a:r>
@@ -10566,7 +12483,7 @@
             </a:endParaRPr>
           </a:p>
           <a:p>
-            <a:pPr marL="216000" indent="-216000">
+            <a:pPr marL="216000" indent="-215640">
               <a:lnSpc>
                 <a:spcPct val="100000"/>
               </a:lnSpc>
@@ -10586,6 +12503,7 @@
                   <a:srgbClr val="1c1c1c"/>
                 </a:solidFill>
                 <a:latin typeface="Source Sans Pro Semibold"/>
+                <a:ea typeface="DejaVu Sans"/>
               </a:rPr>
               <a:t>Diferentes alternativas prefijadas en cada plato</a:t>
             </a:r>
@@ -10594,7 +12512,7 @@
             </a:endParaRPr>
           </a:p>
           <a:p>
-            <a:pPr marL="216000" indent="-216000">
+            <a:pPr marL="216000" indent="-215640">
               <a:lnSpc>
                 <a:spcPct val="100000"/>
               </a:lnSpc>
@@ -10614,6 +12532,7 @@
                   <a:srgbClr val="1c1c1c"/>
                 </a:solidFill>
                 <a:latin typeface="Source Sans Pro Semibold"/>
+                <a:ea typeface="DejaVu Sans"/>
               </a:rPr>
               <a:t>Pago en efectivo o en tarjeta de crédito</a:t>
             </a:r>
@@ -10622,7 +12541,7 @@
             </a:endParaRPr>
           </a:p>
           <a:p>
-            <a:pPr marL="216000" indent="-216000">
+            <a:pPr marL="216000" indent="-215640">
               <a:lnSpc>
                 <a:spcPct val="100000"/>
               </a:lnSpc>
@@ -10642,6 +12561,7 @@
                   <a:srgbClr val="1c1c1c"/>
                 </a:solidFill>
                 <a:latin typeface="Source Sans Pro Semibold"/>
+                <a:ea typeface="DejaVu Sans"/>
               </a:rPr>
               <a:t>Llamar a metre</a:t>
             </a:r>
@@ -10650,7 +12570,7 @@
             </a:endParaRPr>
           </a:p>
           <a:p>
-            <a:pPr marL="216000" indent="-216000">
+            <a:pPr marL="216000" indent="-215640">
               <a:lnSpc>
                 <a:spcPct val="100000"/>
               </a:lnSpc>
@@ -10670,6 +12590,7 @@
                   <a:srgbClr val="1c1c1c"/>
                 </a:solidFill>
                 <a:latin typeface="Source Sans Pro Semibold"/>
+                <a:ea typeface="DejaVu Sans"/>
               </a:rPr>
               <a:t>Ver el estado de los platos (en espera, preparándose, entregado)</a:t>
             </a:r>
@@ -10678,7 +12599,7 @@
             </a:endParaRPr>
           </a:p>
           <a:p>
-            <a:pPr marL="216000" indent="-216000">
+            <a:pPr marL="216000" indent="-215640">
               <a:lnSpc>
                 <a:spcPct val="100000"/>
               </a:lnSpc>
@@ -10698,6 +12619,7 @@
                   <a:srgbClr val="1c1c1c"/>
                 </a:solidFill>
                 <a:latin typeface="Source Sans Pro Semibold"/>
+                <a:ea typeface="DejaVu Sans"/>
               </a:rPr>
               <a:t>Puede eliminar pedidos siempre y cuando estén en espera</a:t>
             </a:r>
@@ -10706,7 +12628,7 @@
             </a:endParaRPr>
           </a:p>
           <a:p>
-            <a:pPr marL="216000" indent="-216000">
+            <a:pPr marL="216000" indent="-215640">
               <a:lnSpc>
                 <a:spcPct val="100000"/>
               </a:lnSpc>
@@ -10726,6 +12648,7 @@
                   <a:srgbClr val="1c1c1c"/>
                 </a:solidFill>
                 <a:latin typeface="Source Sans Pro Semibold"/>
+                <a:ea typeface="DejaVu Sans"/>
               </a:rPr>
               <a:t>Se podrá imprimir factura</a:t>
             </a:r>
@@ -10767,14 +12690,14 @@
       </p:grpSpPr>
       <p:sp>
         <p:nvSpPr>
-          <p:cNvPr id="211" name="CustomShape 1"/>
+          <p:cNvPr id="254" name="CustomShape 1"/>
           <p:cNvSpPr/>
           <p:nvPr/>
         </p:nvSpPr>
         <p:spPr>
           <a:xfrm>
             <a:off x="360000" y="360000"/>
-            <a:ext cx="9359640" cy="899640"/>
+            <a:ext cx="9359280" cy="899280"/>
           </a:xfrm>
           <a:prstGeom prst="rect">
             <a:avLst/>
@@ -10806,6 +12729,7 @@
                   <a:srgbClr val="ffffff"/>
                 </a:solidFill>
                 <a:latin typeface="Source Sans Pro Black"/>
+                <a:ea typeface="DejaVu Sans"/>
               </a:rPr>
               <a:t>Requisitos personal</a:t>
             </a:r>
@@ -10817,14 +12741,14 @@
       </p:sp>
       <p:sp>
         <p:nvSpPr>
-          <p:cNvPr id="212" name="CustomShape 2"/>
+          <p:cNvPr id="255" name="CustomShape 2"/>
           <p:cNvSpPr/>
           <p:nvPr/>
         </p:nvSpPr>
         <p:spPr>
           <a:xfrm>
             <a:off x="360000" y="1980000"/>
-            <a:ext cx="9179640" cy="4679640"/>
+            <a:ext cx="9179280" cy="4679280"/>
           </a:xfrm>
           <a:prstGeom prst="rect">
             <a:avLst/>
@@ -10845,7 +12769,7 @@
             <a:normAutofit/>
           </a:bodyPr>
           <a:p>
-            <a:pPr marL="216000" indent="-216000">
+            <a:pPr marL="216000" indent="-215640">
               <a:lnSpc>
                 <a:spcPct val="100000"/>
               </a:lnSpc>
@@ -10865,6 +12789,7 @@
                   <a:srgbClr val="1c1c1c"/>
                 </a:solidFill>
                 <a:latin typeface="Source Sans Pro Semibold"/>
+                <a:ea typeface="DejaVu Sans"/>
               </a:rPr>
               <a:t>Información completa de cada plato</a:t>
             </a:r>
@@ -10873,7 +12798,7 @@
             </a:endParaRPr>
           </a:p>
           <a:p>
-            <a:pPr marL="216000" indent="-216000">
+            <a:pPr marL="216000" indent="-215640">
               <a:lnSpc>
                 <a:spcPct val="100000"/>
               </a:lnSpc>
@@ -10893,6 +12818,7 @@
                   <a:srgbClr val="1c1c1c"/>
                 </a:solidFill>
                 <a:latin typeface="Source Sans Pro Semibold"/>
+                <a:ea typeface="DejaVu Sans"/>
               </a:rPr>
               <a:t>Comandas agrupadas por mesa</a:t>
             </a:r>
@@ -10901,7 +12827,7 @@
             </a:endParaRPr>
           </a:p>
           <a:p>
-            <a:pPr marL="216000" indent="-216000">
+            <a:pPr marL="216000" indent="-215640">
               <a:lnSpc>
                 <a:spcPct val="100000"/>
               </a:lnSpc>
@@ -10921,6 +12847,7 @@
                   <a:srgbClr val="1c1c1c"/>
                 </a:solidFill>
                 <a:latin typeface="Source Sans Pro Semibold"/>
+                <a:ea typeface="DejaVu Sans"/>
               </a:rPr>
               <a:t>Debe ordenarse cada plato según cuando se pidió</a:t>
             </a:r>
@@ -10929,7 +12856,7 @@
             </a:endParaRPr>
           </a:p>
           <a:p>
-            <a:pPr marL="216000" indent="-216000">
+            <a:pPr marL="216000" indent="-215640">
               <a:lnSpc>
                 <a:spcPct val="100000"/>
               </a:lnSpc>
@@ -10949,6 +12876,7 @@
                   <a:srgbClr val="1c1c1c"/>
                 </a:solidFill>
                 <a:latin typeface="Source Sans Pro Semibold"/>
+                <a:ea typeface="DejaVu Sans"/>
               </a:rPr>
               <a:t>Los platos de una misma mesa deben llegar a la vez</a:t>
             </a:r>
@@ -10957,7 +12885,7 @@
             </a:endParaRPr>
           </a:p>
           <a:p>
-            <a:pPr marL="216000" indent="-216000">
+            <a:pPr marL="216000" indent="-215640">
               <a:lnSpc>
                 <a:spcPct val="100000"/>
               </a:lnSpc>
@@ -10977,6 +12905,7 @@
                   <a:srgbClr val="1c1c1c"/>
                 </a:solidFill>
                 <a:latin typeface="Source Sans Pro Semibold"/>
+                <a:ea typeface="DejaVu Sans"/>
               </a:rPr>
               <a:t>Los metres pueden modificar o eliminar comandas</a:t>
             </a:r>
@@ -11018,14 +12947,14 @@
       </p:grpSpPr>
       <p:sp>
         <p:nvSpPr>
-          <p:cNvPr id="213" name="CustomShape 1"/>
+          <p:cNvPr id="256" name="CustomShape 1"/>
           <p:cNvSpPr/>
           <p:nvPr/>
         </p:nvSpPr>
         <p:spPr>
           <a:xfrm>
             <a:off x="360000" y="360000"/>
-            <a:ext cx="9359640" cy="899640"/>
+            <a:ext cx="9359280" cy="899280"/>
           </a:xfrm>
           <a:prstGeom prst="rect">
             <a:avLst/>
@@ -11057,6 +12986,7 @@
                   <a:srgbClr val="ffffff"/>
                 </a:solidFill>
                 <a:latin typeface="Source Sans Pro Black"/>
+                <a:ea typeface="DejaVu Sans"/>
               </a:rPr>
               <a:t>Requisitos gestión</a:t>
             </a:r>
@@ -11068,14 +12998,14 @@
       </p:sp>
       <p:sp>
         <p:nvSpPr>
-          <p:cNvPr id="214" name="CustomShape 2"/>
+          <p:cNvPr id="257" name="CustomShape 2"/>
           <p:cNvSpPr/>
           <p:nvPr/>
         </p:nvSpPr>
         <p:spPr>
           <a:xfrm>
             <a:off x="360000" y="1980000"/>
-            <a:ext cx="9179640" cy="4679640"/>
+            <a:ext cx="9179280" cy="4679280"/>
           </a:xfrm>
           <a:prstGeom prst="rect">
             <a:avLst/>
@@ -11096,7 +13026,7 @@
             <a:normAutofit/>
           </a:bodyPr>
           <a:p>
-            <a:pPr marL="216000" indent="-216000">
+            <a:pPr marL="216000" indent="-215640">
               <a:lnSpc>
                 <a:spcPct val="100000"/>
               </a:lnSpc>
@@ -11116,6 +13046,7 @@
                   <a:srgbClr val="1c1c1c"/>
                 </a:solidFill>
                 <a:latin typeface="Source Sans Pro Semibold"/>
+                <a:ea typeface="DejaVu Sans"/>
               </a:rPr>
               <a:t>Registro de clientes</a:t>
             </a:r>
@@ -11124,7 +13055,7 @@
             </a:endParaRPr>
           </a:p>
           <a:p>
-            <a:pPr marL="216000" indent="-216000">
+            <a:pPr marL="216000" indent="-215640">
               <a:lnSpc>
                 <a:spcPct val="100000"/>
               </a:lnSpc>
@@ -11144,6 +13075,7 @@
                   <a:srgbClr val="1c1c1c"/>
                 </a:solidFill>
                 <a:latin typeface="Source Sans Pro Semibold"/>
+                <a:ea typeface="DejaVu Sans"/>
               </a:rPr>
               <a:t>Ofrecer estadísticas a raíz de ese registro</a:t>
             </a:r>
@@ -11152,7 +13084,7 @@
             </a:endParaRPr>
           </a:p>
           <a:p>
-            <a:pPr marL="216000" indent="-216000">
+            <a:pPr marL="216000" indent="-215640">
               <a:lnSpc>
                 <a:spcPct val="100000"/>
               </a:lnSpc>
@@ -11172,6 +13104,7 @@
                   <a:srgbClr val="1c1c1c"/>
                 </a:solidFill>
                 <a:latin typeface="Source Sans Pro Semibold"/>
+                <a:ea typeface="DejaVu Sans"/>
               </a:rPr>
               <a:t>En sala: Camareros y metres</a:t>
             </a:r>
@@ -11180,7 +13113,7 @@
             </a:endParaRPr>
           </a:p>
           <a:p>
-            <a:pPr marL="216000" indent="-216000">
+            <a:pPr marL="216000" indent="-215640">
               <a:lnSpc>
                 <a:spcPct val="100000"/>
               </a:lnSpc>
@@ -11200,6 +13133,7 @@
                   <a:srgbClr val="1c1c1c"/>
                 </a:solidFill>
                 <a:latin typeface="Source Sans Pro Semibold"/>
+                <a:ea typeface="DejaVu Sans"/>
               </a:rPr>
               <a:t>Tres estados de mesa: disponible, ocupada y por limpiar</a:t>
             </a:r>
@@ -11208,7 +13142,7 @@
             </a:endParaRPr>
           </a:p>
           <a:p>
-            <a:pPr marL="216000" indent="-216000">
+            <a:pPr marL="216000" indent="-215640">
               <a:lnSpc>
                 <a:spcPct val="100000"/>
               </a:lnSpc>
@@ -11228,6 +13162,7 @@
                   <a:srgbClr val="1c1c1c"/>
                 </a:solidFill>
                 <a:latin typeface="Source Sans Pro Semibold"/>
+                <a:ea typeface="DejaVu Sans"/>
               </a:rPr>
               <a:t>Superusuario encargado de administrar cuentas</a:t>
             </a:r>
@@ -11269,14 +13204,14 @@
       </p:grpSpPr>
       <p:sp>
         <p:nvSpPr>
-          <p:cNvPr id="215" name="CustomShape 1"/>
+          <p:cNvPr id="258" name="CustomShape 1"/>
           <p:cNvSpPr/>
           <p:nvPr/>
         </p:nvSpPr>
         <p:spPr>
           <a:xfrm>
             <a:off x="360000" y="360000"/>
-            <a:ext cx="9359640" cy="899640"/>
+            <a:ext cx="9359280" cy="899280"/>
           </a:xfrm>
           <a:prstGeom prst="rect">
             <a:avLst/>
@@ -11308,6 +13243,7 @@
                   <a:srgbClr val="ffffff"/>
                 </a:solidFill>
                 <a:latin typeface="Source Sans Pro Black"/>
+                <a:ea typeface="DejaVu Sans"/>
               </a:rPr>
               <a:t>Caso de uso cliente</a:t>
             </a:r>
@@ -11319,7 +13255,7 @@
       </p:sp>
       <p:pic>
         <p:nvPicPr>
-          <p:cNvPr id="216" name="" descr=""/>
+          <p:cNvPr id="259" name="" descr=""/>
           <p:cNvPicPr/>
           <p:nvPr/>
         </p:nvPicPr>
@@ -11329,8 +13265,8 @@
         </p:blipFill>
         <p:spPr>
           <a:xfrm>
-            <a:off x="960840" y="1800000"/>
-            <a:ext cx="7977960" cy="4679640"/>
+            <a:off x="1029240" y="1807920"/>
+            <a:ext cx="8042760" cy="4384080"/>
           </a:xfrm>
           <a:prstGeom prst="rect">
             <a:avLst/>
@@ -11372,14 +13308,14 @@
       </p:grpSpPr>
       <p:sp>
         <p:nvSpPr>
-          <p:cNvPr id="217" name="CustomShape 1"/>
+          <p:cNvPr id="260" name="CustomShape 1"/>
           <p:cNvSpPr/>
           <p:nvPr/>
         </p:nvSpPr>
         <p:spPr>
           <a:xfrm>
             <a:off x="360000" y="360000"/>
-            <a:ext cx="9359640" cy="899640"/>
+            <a:ext cx="9359280" cy="899280"/>
           </a:xfrm>
           <a:prstGeom prst="rect">
             <a:avLst/>
@@ -11411,6 +13347,7 @@
                   <a:srgbClr val="ffffff"/>
                 </a:solidFill>
                 <a:latin typeface="Source Sans Pro Black"/>
+                <a:ea typeface="DejaVu Sans"/>
               </a:rPr>
               <a:t>Prototipado interfaz cliente</a:t>
             </a:r>
@@ -11422,14 +13359,14 @@
       </p:sp>
       <p:sp>
         <p:nvSpPr>
-          <p:cNvPr id="218" name="CustomShape 2"/>
+          <p:cNvPr id="261" name="CustomShape 2"/>
           <p:cNvSpPr/>
           <p:nvPr/>
         </p:nvSpPr>
         <p:spPr>
           <a:xfrm>
             <a:off x="360000" y="1980000"/>
-            <a:ext cx="9179640" cy="2231640"/>
+            <a:ext cx="9179280" cy="2231280"/>
           </a:xfrm>
           <a:prstGeom prst="rect">
             <a:avLst/>
@@ -11464,6 +13401,7 @@
                   <a:srgbClr val="1c1c1c"/>
                 </a:solidFill>
                 <a:latin typeface="Source Sans Pro Semibold"/>
+                <a:ea typeface="DejaVu Sans"/>
               </a:rPr>
               <a:t>Inicial:</a:t>
             </a:r>
@@ -11488,7 +13426,7 @@
       </p:sp>
       <p:pic>
         <p:nvPicPr>
-          <p:cNvPr id="219" name="" descr=""/>
+          <p:cNvPr id="262" name="" descr=""/>
           <p:cNvPicPr/>
           <p:nvPr/>
         </p:nvPicPr>
@@ -11499,7 +13437,7 @@
         <p:spPr>
           <a:xfrm>
             <a:off x="1728000" y="2485080"/>
-            <a:ext cx="6623640" cy="4138560"/>
+            <a:ext cx="6623280" cy="4138200"/>
           </a:xfrm>
           <a:prstGeom prst="rect">
             <a:avLst/>
@@ -11541,14 +13479,14 @@
       </p:grpSpPr>
       <p:sp>
         <p:nvSpPr>
-          <p:cNvPr id="220" name="CustomShape 1"/>
+          <p:cNvPr id="263" name="CustomShape 1"/>
           <p:cNvSpPr/>
           <p:nvPr/>
         </p:nvSpPr>
         <p:spPr>
           <a:xfrm>
             <a:off x="360000" y="360000"/>
-            <a:ext cx="9359640" cy="899640"/>
+            <a:ext cx="9359280" cy="899280"/>
           </a:xfrm>
           <a:prstGeom prst="rect">
             <a:avLst/>
@@ -11580,6 +13518,7 @@
                   <a:srgbClr val="ffffff"/>
                 </a:solidFill>
                 <a:latin typeface="Source Sans Pro Black"/>
+                <a:ea typeface="DejaVu Sans"/>
               </a:rPr>
               <a:t>Prototipado interfaz cliente</a:t>
             </a:r>
@@ -11591,14 +13530,14 @@
       </p:sp>
       <p:sp>
         <p:nvSpPr>
-          <p:cNvPr id="221" name="CustomShape 2"/>
+          <p:cNvPr id="264" name="CustomShape 2"/>
           <p:cNvSpPr/>
           <p:nvPr/>
         </p:nvSpPr>
         <p:spPr>
           <a:xfrm>
             <a:off x="360000" y="1980000"/>
-            <a:ext cx="9179640" cy="2231640"/>
+            <a:ext cx="9179280" cy="2231280"/>
           </a:xfrm>
           <a:prstGeom prst="rect">
             <a:avLst/>
@@ -11633,6 +13572,7 @@
                   <a:srgbClr val="1c1c1c"/>
                 </a:solidFill>
                 <a:latin typeface="Source Sans Pro Semibold"/>
+                <a:ea typeface="DejaVu Sans"/>
               </a:rPr>
               <a:t>Carta:</a:t>
             </a:r>
@@ -11644,7 +13584,7 @@
       </p:sp>
       <p:pic>
         <p:nvPicPr>
-          <p:cNvPr id="222" name="" descr=""/>
+          <p:cNvPr id="265" name="" descr=""/>
           <p:cNvPicPr/>
           <p:nvPr/>
         </p:nvPicPr>
@@ -11655,7 +13595,7 @@
         <p:spPr>
           <a:xfrm>
             <a:off x="1800000" y="2304000"/>
-            <a:ext cx="6551640" cy="4090680"/>
+            <a:ext cx="6551280" cy="4090320"/>
           </a:xfrm>
           <a:prstGeom prst="rect">
             <a:avLst/>
@@ -11697,14 +13637,14 @@
       </p:grpSpPr>
       <p:sp>
         <p:nvSpPr>
-          <p:cNvPr id="223" name="CustomShape 1"/>
+          <p:cNvPr id="266" name="CustomShape 1"/>
           <p:cNvSpPr/>
           <p:nvPr/>
         </p:nvSpPr>
         <p:spPr>
           <a:xfrm>
             <a:off x="360000" y="360000"/>
-            <a:ext cx="9359640" cy="899640"/>
+            <a:ext cx="9359280" cy="899280"/>
           </a:xfrm>
           <a:prstGeom prst="rect">
             <a:avLst/>
@@ -11736,6 +13676,7 @@
                   <a:srgbClr val="ffffff"/>
                 </a:solidFill>
                 <a:latin typeface="Source Sans Pro Black"/>
+                <a:ea typeface="DejaVu Sans"/>
               </a:rPr>
               <a:t>Prototipado interfaz cliente</a:t>
             </a:r>
@@ -11747,14 +13688,14 @@
       </p:sp>
       <p:sp>
         <p:nvSpPr>
-          <p:cNvPr id="224" name="CustomShape 2"/>
+          <p:cNvPr id="267" name="CustomShape 2"/>
           <p:cNvSpPr/>
           <p:nvPr/>
         </p:nvSpPr>
         <p:spPr>
           <a:xfrm>
             <a:off x="360000" y="1980000"/>
-            <a:ext cx="9179640" cy="2231640"/>
+            <a:ext cx="9179280" cy="2231280"/>
           </a:xfrm>
           <a:prstGeom prst="rect">
             <a:avLst/>
@@ -11789,6 +13730,7 @@
                   <a:srgbClr val="1c1c1c"/>
                 </a:solidFill>
                 <a:latin typeface="Source Sans Pro Semibold"/>
+                <a:ea typeface="DejaVu Sans"/>
               </a:rPr>
               <a:t>Estado del pedido:</a:t>
             </a:r>
@@ -11800,7 +13742,7 @@
       </p:sp>
       <p:pic>
         <p:nvPicPr>
-          <p:cNvPr id="225" name="" descr=""/>
+          <p:cNvPr id="268" name="" descr=""/>
           <p:cNvPicPr/>
           <p:nvPr/>
         </p:nvPicPr>
@@ -11811,7 +13753,7 @@
         <p:spPr>
           <a:xfrm>
             <a:off x="1940400" y="2520000"/>
-            <a:ext cx="6339240" cy="3959640"/>
+            <a:ext cx="6338880" cy="3959280"/>
           </a:xfrm>
           <a:prstGeom prst="rect">
             <a:avLst/>
@@ -12947,4 +14889,227 @@
     </a:fmtScheme>
   </a:themeElements>
 </a:theme>
+</file>
+
+<file path=ppt/theme/theme6.xml><?xml version="1.0" encoding="utf-8"?>
+<a:theme xmlns:a="http://schemas.openxmlformats.org/drawingml/2006/main" name="Office Theme">
+  <a:themeElements>
+    <a:clrScheme name="Office">
+      <a:dk1>
+        <a:sysClr val="windowText" lastClr="000000"/>
+      </a:dk1>
+      <a:lt1>
+        <a:sysClr val="window" lastClr="FFFFFF"/>
+      </a:lt1>
+      <a:dk2>
+        <a:srgbClr val="1f497d"/>
+      </a:dk2>
+      <a:lt2>
+        <a:srgbClr val="eeece1"/>
+      </a:lt2>
+      <a:accent1>
+        <a:srgbClr val="4f81bd"/>
+      </a:accent1>
+      <a:accent2>
+        <a:srgbClr val="c0504d"/>
+      </a:accent2>
+      <a:accent3>
+        <a:srgbClr val="9bbb59"/>
+      </a:accent3>
+      <a:accent4>
+        <a:srgbClr val="8064a2"/>
+      </a:accent4>
+      <a:accent5>
+        <a:srgbClr val="4bacc6"/>
+      </a:accent5>
+      <a:accent6>
+        <a:srgbClr val="f79646"/>
+      </a:accent6>
+      <a:hlink>
+        <a:srgbClr val="0000ff"/>
+      </a:hlink>
+      <a:folHlink>
+        <a:srgbClr val="800080"/>
+      </a:folHlink>
+    </a:clrScheme>
+    <a:fontScheme name="Office">
+      <a:majorFont>
+        <a:latin typeface="Arial"/>
+        <a:ea typeface="DejaVu Sans"/>
+        <a:cs typeface="DejaVu Sans"/>
+      </a:majorFont>
+      <a:minorFont>
+        <a:latin typeface="Arial"/>
+        <a:ea typeface="DejaVu Sans"/>
+        <a:cs typeface="DejaVu Sans"/>
+      </a:minorFont>
+    </a:fontScheme>
+    <a:fmtScheme name="Office">
+      <a:fillStyleLst>
+        <a:solidFill>
+          <a:schemeClr val="phClr"/>
+        </a:solidFill>
+        <a:gradFill rotWithShape="1">
+          <a:gsLst>
+            <a:gs pos="0">
+              <a:schemeClr val="phClr">
+                <a:tint val="50000"/>
+                <a:satMod val="300000"/>
+              </a:schemeClr>
+            </a:gs>
+            <a:gs pos="35000">
+              <a:schemeClr val="phClr">
+                <a:tint val="37000"/>
+                <a:satMod val="300000"/>
+              </a:schemeClr>
+            </a:gs>
+            <a:gs pos="100000">
+              <a:schemeClr val="phClr">
+                <a:tint val="15000"/>
+                <a:satMod val="350000"/>
+              </a:schemeClr>
+            </a:gs>
+          </a:gsLst>
+          <a:lin ang="16200000" scaled="1"/>
+        </a:gradFill>
+        <a:gradFill rotWithShape="1">
+          <a:gsLst>
+            <a:gs pos="0">
+              <a:schemeClr val="phClr">
+                <a:shade val="51000"/>
+                <a:satMod val="130000"/>
+              </a:schemeClr>
+            </a:gs>
+            <a:gs pos="80000">
+              <a:schemeClr val="phClr">
+                <a:shade val="93000"/>
+                <a:satMod val="130000"/>
+              </a:schemeClr>
+            </a:gs>
+            <a:gs pos="100000">
+              <a:schemeClr val="phClr">
+                <a:shade val="94000"/>
+                <a:satMod val="135000"/>
+              </a:schemeClr>
+            </a:gs>
+          </a:gsLst>
+          <a:lin ang="16200000" scaled="0"/>
+        </a:gradFill>
+      </a:fillStyleLst>
+      <a:lnStyleLst>
+        <a:ln w="9525" cap="flat" cmpd="sng" algn="ctr">
+          <a:solidFill>
+            <a:schemeClr val="phClr">
+              <a:shade val="95000"/>
+              <a:satMod val="105000"/>
+            </a:schemeClr>
+          </a:solidFill>
+          <a:prstDash val="solid"/>
+        </a:ln>
+        <a:ln w="25400" cap="flat" cmpd="sng" algn="ctr">
+          <a:solidFill>
+            <a:schemeClr val="phClr"/>
+          </a:solidFill>
+          <a:prstDash val="solid"/>
+        </a:ln>
+        <a:ln w="38100" cap="flat" cmpd="sng" algn="ctr">
+          <a:solidFill>
+            <a:schemeClr val="phClr"/>
+          </a:solidFill>
+          <a:prstDash val="solid"/>
+        </a:ln>
+      </a:lnStyleLst>
+      <a:effectStyleLst>
+        <a:effectStyle>
+          <a:effectLst>
+            <a:outerShdw blurRad="40000" dist="20000" dir="5400000" rotWithShape="0">
+              <a:srgbClr val="000000">
+                <a:alpha val="38000"/>
+              </a:srgbClr>
+            </a:outerShdw>
+          </a:effectLst>
+        </a:effectStyle>
+        <a:effectStyle>
+          <a:effectLst>
+            <a:outerShdw blurRad="40000" dist="23000" dir="5400000" rotWithShape="0">
+              <a:srgbClr val="000000">
+                <a:alpha val="35000"/>
+              </a:srgbClr>
+            </a:outerShdw>
+          </a:effectLst>
+        </a:effectStyle>
+        <a:effectStyle>
+          <a:effectLst>
+            <a:outerShdw blurRad="40000" dist="23000" dir="5400000" rotWithShape="0">
+              <a:srgbClr val="000000">
+                <a:alpha val="35000"/>
+              </a:srgbClr>
+            </a:outerShdw>
+          </a:effectLst>
+          <a:scene3d>
+            <a:camera prst="orthographicFront">
+              <a:rot lat="0" lon="0" rev="0"/>
+            </a:camera>
+            <a:lightRig rig="threePt" dir="t">
+              <a:rot lat="0" lon="0" rev="1200000"/>
+            </a:lightRig>
+          </a:scene3d>
+          <a:sp3d>
+            <a:bevelT w="63500" h="25400"/>
+          </a:sp3d>
+        </a:effectStyle>
+      </a:effectStyleLst>
+      <a:bgFillStyleLst>
+        <a:solidFill>
+          <a:schemeClr val="phClr"/>
+        </a:solidFill>
+        <a:gradFill rotWithShape="1">
+          <a:gsLst>
+            <a:gs pos="0">
+              <a:schemeClr val="phClr">
+                <a:tint val="40000"/>
+                <a:satMod val="350000"/>
+              </a:schemeClr>
+            </a:gs>
+            <a:gs pos="40000">
+              <a:schemeClr val="phClr">
+                <a:tint val="45000"/>
+                <a:shade val="99000"/>
+                <a:satMod val="350000"/>
+              </a:schemeClr>
+            </a:gs>
+            <a:gs pos="100000">
+              <a:schemeClr val="phClr">
+                <a:shade val="20000"/>
+                <a:satMod val="255000"/>
+              </a:schemeClr>
+            </a:gs>
+          </a:gsLst>
+          <a:path path="circle">
+            <a:fillToRect l="50000" t="-80000" r="50000" b="180000"/>
+          </a:path>
+        </a:gradFill>
+        <a:gradFill rotWithShape="1">
+          <a:gsLst>
+            <a:gs pos="0">
+              <a:schemeClr val="phClr">
+                <a:tint val="80000"/>
+                <a:satMod val="300000"/>
+              </a:schemeClr>
+            </a:gs>
+            <a:gs pos="100000">
+              <a:schemeClr val="phClr">
+                <a:shade val="30000"/>
+                <a:satMod val="200000"/>
+              </a:schemeClr>
+            </a:gs>
+          </a:gsLst>
+          <a:path path="circle">
+            <a:fillToRect l="50000" t="50000" r="50000" b="50000"/>
+          </a:path>
+        </a:gradFill>
+      </a:bgFillStyleLst>
+    </a:fmtScheme>
+  </a:themeElements>
+</a:theme>
 </file>
--- a/Material/Presentación/presentacion.pptx
+++ b/Material/Presentación/presentacion.pptx
@@ -8,28 +8,29 @@
     <p:sldMasterId id="2147483687" r:id="rId5"/>
     <p:sldMasterId id="2147483700" r:id="rId6"/>
     <p:sldMasterId id="2147483713" r:id="rId7"/>
+    <p:sldMasterId id="2147483726" r:id="rId8"/>
   </p:sldMasterIdLst>
   <p:sldIdLst>
-    <p:sldId id="256" r:id="rId8"/>
-    <p:sldId id="257" r:id="rId9"/>
-    <p:sldId id="258" r:id="rId10"/>
-    <p:sldId id="259" r:id="rId11"/>
-    <p:sldId id="260" r:id="rId12"/>
-    <p:sldId id="261" r:id="rId13"/>
-    <p:sldId id="262" r:id="rId14"/>
-    <p:sldId id="263" r:id="rId15"/>
-    <p:sldId id="264" r:id="rId16"/>
-    <p:sldId id="265" r:id="rId17"/>
-    <p:sldId id="266" r:id="rId18"/>
-    <p:sldId id="267" r:id="rId19"/>
-    <p:sldId id="268" r:id="rId20"/>
-    <p:sldId id="269" r:id="rId21"/>
-    <p:sldId id="270" r:id="rId22"/>
-    <p:sldId id="271" r:id="rId23"/>
-    <p:sldId id="272" r:id="rId24"/>
-    <p:sldId id="273" r:id="rId25"/>
-    <p:sldId id="274" r:id="rId26"/>
-    <p:sldId id="275" r:id="rId27"/>
+    <p:sldId id="256" r:id="rId9"/>
+    <p:sldId id="257" r:id="rId10"/>
+    <p:sldId id="258" r:id="rId11"/>
+    <p:sldId id="259" r:id="rId12"/>
+    <p:sldId id="260" r:id="rId13"/>
+    <p:sldId id="261" r:id="rId14"/>
+    <p:sldId id="262" r:id="rId15"/>
+    <p:sldId id="263" r:id="rId16"/>
+    <p:sldId id="264" r:id="rId17"/>
+    <p:sldId id="265" r:id="rId18"/>
+    <p:sldId id="266" r:id="rId19"/>
+    <p:sldId id="267" r:id="rId20"/>
+    <p:sldId id="268" r:id="rId21"/>
+    <p:sldId id="269" r:id="rId22"/>
+    <p:sldId id="270" r:id="rId23"/>
+    <p:sldId id="271" r:id="rId24"/>
+    <p:sldId id="272" r:id="rId25"/>
+    <p:sldId id="273" r:id="rId26"/>
+    <p:sldId id="274" r:id="rId27"/>
+    <p:sldId id="275" r:id="rId28"/>
   </p:sldIdLst>
   <p:sldSz cx="10080625" cy="7559675"/>
   <p:notesSz cx="7559675" cy="10691812"/>
@@ -87,8 +88,8 @@
         </p:nvSpPr>
         <p:spPr>
           <a:xfrm>
-            <a:off x="360000" y="3148560"/>
-            <a:ext cx="9359280" cy="1262160"/>
+            <a:off x="504000" y="301320"/>
+            <a:ext cx="9072000" cy="1261800"/>
           </a:xfrm>
           <a:prstGeom prst="rect">
             <a:avLst/>
@@ -119,7 +120,7 @@
         <p:spPr>
           <a:xfrm>
             <a:off x="504000" y="1768680"/>
-            <a:ext cx="9071640" cy="2090880"/>
+            <a:ext cx="9072000" cy="2090880"/>
           </a:xfrm>
           <a:prstGeom prst="rect">
             <a:avLst/>
@@ -149,7 +150,7 @@
         <p:spPr>
           <a:xfrm>
             <a:off x="504000" y="4058640"/>
-            <a:ext cx="9071640" cy="2090880"/>
+            <a:ext cx="9072000" cy="2090880"/>
           </a:xfrm>
           <a:prstGeom prst="rect">
             <a:avLst/>
@@ -200,8 +201,8 @@
         </p:nvSpPr>
         <p:spPr>
           <a:xfrm>
-            <a:off x="360000" y="3148560"/>
-            <a:ext cx="9359280" cy="1262160"/>
+            <a:off x="504000" y="301320"/>
+            <a:ext cx="9072000" cy="1261800"/>
           </a:xfrm>
           <a:prstGeom prst="rect">
             <a:avLst/>
@@ -373,8 +374,8 @@
         </p:nvSpPr>
         <p:spPr>
           <a:xfrm>
-            <a:off x="360000" y="3148560"/>
-            <a:ext cx="9359280" cy="1262160"/>
+            <a:off x="504000" y="301320"/>
+            <a:ext cx="9072000" cy="1261800"/>
           </a:xfrm>
           <a:prstGeom prst="rect">
             <a:avLst/>
@@ -405,7 +406,7 @@
         <p:spPr>
           <a:xfrm>
             <a:off x="504000" y="1768680"/>
-            <a:ext cx="2920680" cy="2090880"/>
+            <a:ext cx="2921040" cy="2090880"/>
           </a:xfrm>
           <a:prstGeom prst="rect">
             <a:avLst/>
@@ -434,8 +435,8 @@
         </p:nvSpPr>
         <p:spPr>
           <a:xfrm>
-            <a:off x="3571200" y="1768680"/>
-            <a:ext cx="2920680" cy="2090880"/>
+            <a:off x="3571560" y="1768680"/>
+            <a:ext cx="2921040" cy="2090880"/>
           </a:xfrm>
           <a:prstGeom prst="rect">
             <a:avLst/>
@@ -464,8 +465,8 @@
         </p:nvSpPr>
         <p:spPr>
           <a:xfrm>
-            <a:off x="6638040" y="1768680"/>
-            <a:ext cx="2920680" cy="2090880"/>
+            <a:off x="6639120" y="1768680"/>
+            <a:ext cx="2921040" cy="2090880"/>
           </a:xfrm>
           <a:prstGeom prst="rect">
             <a:avLst/>
@@ -495,7 +496,7 @@
         <p:spPr>
           <a:xfrm>
             <a:off x="504000" y="4058640"/>
-            <a:ext cx="2920680" cy="2090880"/>
+            <a:ext cx="2921040" cy="2090880"/>
           </a:xfrm>
           <a:prstGeom prst="rect">
             <a:avLst/>
@@ -524,8 +525,8 @@
         </p:nvSpPr>
         <p:spPr>
           <a:xfrm>
-            <a:off x="3571200" y="4058640"/>
-            <a:ext cx="2920680" cy="2090880"/>
+            <a:off x="3571560" y="4058640"/>
+            <a:ext cx="2921040" cy="2090880"/>
           </a:xfrm>
           <a:prstGeom prst="rect">
             <a:avLst/>
@@ -554,8 +555,8 @@
         </p:nvSpPr>
         <p:spPr>
           <a:xfrm>
-            <a:off x="6638040" y="4058640"/>
-            <a:ext cx="2920680" cy="2090880"/>
+            <a:off x="6639120" y="4058640"/>
+            <a:ext cx="2921040" cy="2090880"/>
           </a:xfrm>
           <a:prstGeom prst="rect">
             <a:avLst/>
@@ -628,8 +629,8 @@
         </p:nvSpPr>
         <p:spPr>
           <a:xfrm>
-            <a:off x="360000" y="3148560"/>
-            <a:ext cx="9359280" cy="1262160"/>
+            <a:off x="504000" y="301320"/>
+            <a:ext cx="9072000" cy="1261800"/>
           </a:xfrm>
           <a:prstGeom prst="rect">
             <a:avLst/>
@@ -660,7 +661,7 @@
         <p:spPr>
           <a:xfrm>
             <a:off x="504000" y="1768680"/>
-            <a:ext cx="9071640" cy="4383720"/>
+            <a:ext cx="9072000" cy="4384080"/>
           </a:xfrm>
           <a:prstGeom prst="rect">
             <a:avLst/>
@@ -712,8 +713,8 @@
         </p:nvSpPr>
         <p:spPr>
           <a:xfrm>
-            <a:off x="360000" y="3148560"/>
-            <a:ext cx="9359280" cy="1262160"/>
+            <a:off x="504000" y="301320"/>
+            <a:ext cx="9072000" cy="1261800"/>
           </a:xfrm>
           <a:prstGeom prst="rect">
             <a:avLst/>
@@ -744,7 +745,7 @@
         <p:spPr>
           <a:xfrm>
             <a:off x="504000" y="1768680"/>
-            <a:ext cx="9071640" cy="4383720"/>
+            <a:ext cx="9072000" cy="4384080"/>
           </a:xfrm>
           <a:prstGeom prst="rect">
             <a:avLst/>
@@ -795,8 +796,8 @@
         </p:nvSpPr>
         <p:spPr>
           <a:xfrm>
-            <a:off x="360000" y="3148560"/>
-            <a:ext cx="9359280" cy="1262160"/>
+            <a:off x="504000" y="301320"/>
+            <a:ext cx="9072000" cy="1261800"/>
           </a:xfrm>
           <a:prstGeom prst="rect">
             <a:avLst/>
@@ -827,7 +828,7 @@
         <p:spPr>
           <a:xfrm>
             <a:off x="504000" y="1768680"/>
-            <a:ext cx="4426920" cy="4383720"/>
+            <a:ext cx="4426920" cy="4384080"/>
           </a:xfrm>
           <a:prstGeom prst="rect">
             <a:avLst/>
@@ -857,7 +858,7 @@
         <p:spPr>
           <a:xfrm>
             <a:off x="5152680" y="1768680"/>
-            <a:ext cx="4426920" cy="4383720"/>
+            <a:ext cx="4426920" cy="4384080"/>
           </a:xfrm>
           <a:prstGeom prst="rect">
             <a:avLst/>
@@ -908,8 +909,8 @@
         </p:nvSpPr>
         <p:spPr>
           <a:xfrm>
-            <a:off x="360000" y="3148560"/>
-            <a:ext cx="9359280" cy="1262160"/>
+            <a:off x="504000" y="301320"/>
+            <a:ext cx="9072000" cy="1261800"/>
           </a:xfrm>
           <a:prstGeom prst="rect">
             <a:avLst/>
@@ -961,8 +962,8 @@
         </p:nvSpPr>
         <p:spPr>
           <a:xfrm>
-            <a:off x="360000" y="3148560"/>
-            <a:ext cx="9359280" cy="5851800"/>
+            <a:off x="504000" y="301320"/>
+            <a:ext cx="9072000" cy="5850360"/>
           </a:xfrm>
           <a:prstGeom prst="rect">
             <a:avLst/>
@@ -1014,8 +1015,8 @@
         </p:nvSpPr>
         <p:spPr>
           <a:xfrm>
-            <a:off x="360000" y="3148560"/>
-            <a:ext cx="9359280" cy="1262160"/>
+            <a:off x="504000" y="301320"/>
+            <a:ext cx="9072000" cy="1261800"/>
           </a:xfrm>
           <a:prstGeom prst="rect">
             <a:avLst/>
@@ -1076,7 +1077,7 @@
         <p:spPr>
           <a:xfrm>
             <a:off x="5152680" y="1768680"/>
-            <a:ext cx="4426920" cy="4383720"/>
+            <a:ext cx="4426920" cy="4384080"/>
           </a:xfrm>
           <a:prstGeom prst="rect">
             <a:avLst/>
@@ -1157,8 +1158,8 @@
         </p:nvSpPr>
         <p:spPr>
           <a:xfrm>
-            <a:off x="360000" y="3148560"/>
-            <a:ext cx="9359280" cy="1262160"/>
+            <a:off x="504000" y="301320"/>
+            <a:ext cx="9072000" cy="1261800"/>
           </a:xfrm>
           <a:prstGeom prst="rect">
             <a:avLst/>
@@ -1189,7 +1190,7 @@
         <p:spPr>
           <a:xfrm>
             <a:off x="504000" y="1768680"/>
-            <a:ext cx="9071640" cy="4383720"/>
+            <a:ext cx="9072000" cy="4384080"/>
           </a:xfrm>
           <a:prstGeom prst="rect">
             <a:avLst/>
@@ -1241,8 +1242,8 @@
         </p:nvSpPr>
         <p:spPr>
           <a:xfrm>
-            <a:off x="360000" y="3148560"/>
-            <a:ext cx="9359280" cy="1262160"/>
+            <a:off x="504000" y="301320"/>
+            <a:ext cx="9072000" cy="1261800"/>
           </a:xfrm>
           <a:prstGeom prst="rect">
             <a:avLst/>
@@ -1273,7 +1274,7 @@
         <p:spPr>
           <a:xfrm>
             <a:off x="504000" y="1768680"/>
-            <a:ext cx="4426920" cy="4383720"/>
+            <a:ext cx="4426920" cy="4384080"/>
           </a:xfrm>
           <a:prstGeom prst="rect">
             <a:avLst/>
@@ -1384,8 +1385,8 @@
         </p:nvSpPr>
         <p:spPr>
           <a:xfrm>
-            <a:off x="360000" y="3148560"/>
-            <a:ext cx="9359280" cy="1262160"/>
+            <a:off x="504000" y="301320"/>
+            <a:ext cx="9072000" cy="1261800"/>
           </a:xfrm>
           <a:prstGeom prst="rect">
             <a:avLst/>
@@ -1476,7 +1477,7 @@
         <p:spPr>
           <a:xfrm>
             <a:off x="504000" y="4058640"/>
-            <a:ext cx="9071640" cy="2090880"/>
+            <a:ext cx="9072000" cy="2090880"/>
           </a:xfrm>
           <a:prstGeom prst="rect">
             <a:avLst/>
@@ -1527,8 +1528,8 @@
         </p:nvSpPr>
         <p:spPr>
           <a:xfrm>
-            <a:off x="360000" y="3148560"/>
-            <a:ext cx="9359280" cy="1262160"/>
+            <a:off x="504000" y="301320"/>
+            <a:ext cx="9072000" cy="1261800"/>
           </a:xfrm>
           <a:prstGeom prst="rect">
             <a:avLst/>
@@ -1559,7 +1560,7 @@
         <p:spPr>
           <a:xfrm>
             <a:off x="504000" y="1768680"/>
-            <a:ext cx="9071640" cy="2090880"/>
+            <a:ext cx="9072000" cy="2090880"/>
           </a:xfrm>
           <a:prstGeom prst="rect">
             <a:avLst/>
@@ -1589,7 +1590,7 @@
         <p:spPr>
           <a:xfrm>
             <a:off x="504000" y="4058640"/>
-            <a:ext cx="9071640" cy="2090880"/>
+            <a:ext cx="9072000" cy="2090880"/>
           </a:xfrm>
           <a:prstGeom prst="rect">
             <a:avLst/>
@@ -1640,8 +1641,8 @@
         </p:nvSpPr>
         <p:spPr>
           <a:xfrm>
-            <a:off x="360000" y="3148560"/>
-            <a:ext cx="9359280" cy="1262160"/>
+            <a:off x="504000" y="301320"/>
+            <a:ext cx="9072000" cy="1261800"/>
           </a:xfrm>
           <a:prstGeom prst="rect">
             <a:avLst/>
@@ -1813,8 +1814,8 @@
         </p:nvSpPr>
         <p:spPr>
           <a:xfrm>
-            <a:off x="360000" y="3148560"/>
-            <a:ext cx="9359280" cy="1262160"/>
+            <a:off x="504000" y="301320"/>
+            <a:ext cx="9072000" cy="1261800"/>
           </a:xfrm>
           <a:prstGeom prst="rect">
             <a:avLst/>
@@ -1845,7 +1846,7 @@
         <p:spPr>
           <a:xfrm>
             <a:off x="504000" y="1768680"/>
-            <a:ext cx="2920680" cy="2090880"/>
+            <a:ext cx="2921040" cy="2090880"/>
           </a:xfrm>
           <a:prstGeom prst="rect">
             <a:avLst/>
@@ -1874,8 +1875,8 @@
         </p:nvSpPr>
         <p:spPr>
           <a:xfrm>
-            <a:off x="3571200" y="1768680"/>
-            <a:ext cx="2920680" cy="2090880"/>
+            <a:off x="3571560" y="1768680"/>
+            <a:ext cx="2921040" cy="2090880"/>
           </a:xfrm>
           <a:prstGeom prst="rect">
             <a:avLst/>
@@ -1904,8 +1905,8 @@
         </p:nvSpPr>
         <p:spPr>
           <a:xfrm>
-            <a:off x="6638040" y="1768680"/>
-            <a:ext cx="2920680" cy="2090880"/>
+            <a:off x="6639120" y="1768680"/>
+            <a:ext cx="2921040" cy="2090880"/>
           </a:xfrm>
           <a:prstGeom prst="rect">
             <a:avLst/>
@@ -1935,7 +1936,7 @@
         <p:spPr>
           <a:xfrm>
             <a:off x="504000" y="4058640"/>
-            <a:ext cx="2920680" cy="2090880"/>
+            <a:ext cx="2921040" cy="2090880"/>
           </a:xfrm>
           <a:prstGeom prst="rect">
             <a:avLst/>
@@ -1964,8 +1965,8 @@
         </p:nvSpPr>
         <p:spPr>
           <a:xfrm>
-            <a:off x="3571200" y="4058640"/>
-            <a:ext cx="2920680" cy="2090880"/>
+            <a:off x="3571560" y="4058640"/>
+            <a:ext cx="2921040" cy="2090880"/>
           </a:xfrm>
           <a:prstGeom prst="rect">
             <a:avLst/>
@@ -1994,8 +1995,8 @@
         </p:nvSpPr>
         <p:spPr>
           <a:xfrm>
-            <a:off x="6638040" y="4058640"/>
-            <a:ext cx="2920680" cy="2090880"/>
+            <a:off x="6639120" y="4058640"/>
+            <a:ext cx="2921040" cy="2090880"/>
           </a:xfrm>
           <a:prstGeom prst="rect">
             <a:avLst/>
@@ -2058,7 +2059,7 @@
       </p:grpSpPr>
       <p:sp>
         <p:nvSpPr>
-          <p:cNvPr id="88" name="PlaceHolder 1"/>
+          <p:cNvPr id="87" name="PlaceHolder 1"/>
           <p:cNvSpPr>
             <a:spLocks noGrp="1"/>
           </p:cNvSpPr>
@@ -2068,8 +2069,8 @@
         </p:nvSpPr>
         <p:spPr>
           <a:xfrm>
-            <a:off x="360000" y="3148560"/>
-            <a:ext cx="9359280" cy="1262160"/>
+            <a:off x="504000" y="301320"/>
+            <a:ext cx="9072000" cy="1261800"/>
           </a:xfrm>
           <a:prstGeom prst="rect">
             <a:avLst/>
@@ -2089,7 +2090,7 @@
       </p:sp>
       <p:sp>
         <p:nvSpPr>
-          <p:cNvPr id="89" name="PlaceHolder 2"/>
+          <p:cNvPr id="88" name="PlaceHolder 2"/>
           <p:cNvSpPr>
             <a:spLocks noGrp="1"/>
           </p:cNvSpPr>
@@ -2100,7 +2101,7 @@
         <p:spPr>
           <a:xfrm>
             <a:off x="504000" y="1768680"/>
-            <a:ext cx="9071640" cy="4383720"/>
+            <a:ext cx="9072000" cy="4384080"/>
           </a:xfrm>
           <a:prstGeom prst="rect">
             <a:avLst/>
@@ -2142,7 +2143,7 @@
       </p:grpSpPr>
       <p:sp>
         <p:nvSpPr>
-          <p:cNvPr id="90" name="PlaceHolder 1"/>
+          <p:cNvPr id="89" name="PlaceHolder 1"/>
           <p:cNvSpPr>
             <a:spLocks noGrp="1"/>
           </p:cNvSpPr>
@@ -2152,8 +2153,8 @@
         </p:nvSpPr>
         <p:spPr>
           <a:xfrm>
-            <a:off x="360000" y="3148560"/>
-            <a:ext cx="9359280" cy="1262160"/>
+            <a:off x="504000" y="301320"/>
+            <a:ext cx="9072000" cy="1261800"/>
           </a:xfrm>
           <a:prstGeom prst="rect">
             <a:avLst/>
@@ -2173,7 +2174,7 @@
       </p:sp>
       <p:sp>
         <p:nvSpPr>
-          <p:cNvPr id="91" name="PlaceHolder 2"/>
+          <p:cNvPr id="90" name="PlaceHolder 2"/>
           <p:cNvSpPr>
             <a:spLocks noGrp="1"/>
           </p:cNvSpPr>
@@ -2184,7 +2185,7 @@
         <p:spPr>
           <a:xfrm>
             <a:off x="504000" y="1768680"/>
-            <a:ext cx="9071640" cy="4383720"/>
+            <a:ext cx="9072000" cy="4384080"/>
           </a:xfrm>
           <a:prstGeom prst="rect">
             <a:avLst/>
@@ -2225,7 +2226,7 @@
       </p:grpSpPr>
       <p:sp>
         <p:nvSpPr>
-          <p:cNvPr id="92" name="PlaceHolder 1"/>
+          <p:cNvPr id="91" name="PlaceHolder 1"/>
           <p:cNvSpPr>
             <a:spLocks noGrp="1"/>
           </p:cNvSpPr>
@@ -2235,8 +2236,8 @@
         </p:nvSpPr>
         <p:spPr>
           <a:xfrm>
-            <a:off x="360000" y="3148560"/>
-            <a:ext cx="9359280" cy="1262160"/>
+            <a:off x="504000" y="301320"/>
+            <a:ext cx="9072000" cy="1261800"/>
           </a:xfrm>
           <a:prstGeom prst="rect">
             <a:avLst/>
@@ -2256,7 +2257,7 @@
       </p:sp>
       <p:sp>
         <p:nvSpPr>
-          <p:cNvPr id="93" name="PlaceHolder 2"/>
+          <p:cNvPr id="92" name="PlaceHolder 2"/>
           <p:cNvSpPr>
             <a:spLocks noGrp="1"/>
           </p:cNvSpPr>
@@ -2267,26 +2268,26 @@
         <p:spPr>
           <a:xfrm>
             <a:off x="504000" y="1768680"/>
-            <a:ext cx="4426920" cy="4383720"/>
-          </a:xfrm>
-          <a:prstGeom prst="rect">
-            <a:avLst/>
-          </a:prstGeom>
-        </p:spPr>
-        <p:txBody>
-          <a:bodyPr lIns="0" rIns="0" tIns="0" bIns="0">
-            <a:normAutofit/>
-          </a:bodyPr>
-          <a:p>
-            <a:endParaRPr b="0" lang="es-ES" sz="3200" spc="-1" strike="noStrike">
-              <a:latin typeface="Arial"/>
-            </a:endParaRPr>
-          </a:p>
-        </p:txBody>
-      </p:sp>
-      <p:sp>
-        <p:nvSpPr>
-          <p:cNvPr id="94" name="PlaceHolder 3"/>
+            <a:ext cx="4426920" cy="4384080"/>
+          </a:xfrm>
+          <a:prstGeom prst="rect">
+            <a:avLst/>
+          </a:prstGeom>
+        </p:spPr>
+        <p:txBody>
+          <a:bodyPr lIns="0" rIns="0" tIns="0" bIns="0">
+            <a:normAutofit/>
+          </a:bodyPr>
+          <a:p>
+            <a:endParaRPr b="0" lang="es-ES" sz="3200" spc="-1" strike="noStrike">
+              <a:latin typeface="Arial"/>
+            </a:endParaRPr>
+          </a:p>
+        </p:txBody>
+      </p:sp>
+      <p:sp>
+        <p:nvSpPr>
+          <p:cNvPr id="93" name="PlaceHolder 3"/>
           <p:cNvSpPr>
             <a:spLocks noGrp="1"/>
           </p:cNvSpPr>
@@ -2297,7 +2298,7 @@
         <p:spPr>
           <a:xfrm>
             <a:off x="5152680" y="1768680"/>
-            <a:ext cx="4426920" cy="4383720"/>
+            <a:ext cx="4426920" cy="4384080"/>
           </a:xfrm>
           <a:prstGeom prst="rect">
             <a:avLst/>
@@ -2338,7 +2339,7 @@
       </p:grpSpPr>
       <p:sp>
         <p:nvSpPr>
-          <p:cNvPr id="95" name="PlaceHolder 1"/>
+          <p:cNvPr id="94" name="PlaceHolder 1"/>
           <p:cNvSpPr>
             <a:spLocks noGrp="1"/>
           </p:cNvSpPr>
@@ -2348,8 +2349,8 @@
         </p:nvSpPr>
         <p:spPr>
           <a:xfrm>
-            <a:off x="360000" y="3148560"/>
-            <a:ext cx="9359280" cy="1262160"/>
+            <a:off x="504000" y="301320"/>
+            <a:ext cx="9072000" cy="1261800"/>
           </a:xfrm>
           <a:prstGeom prst="rect">
             <a:avLst/>
@@ -2401,8 +2402,8 @@
         </p:nvSpPr>
         <p:spPr>
           <a:xfrm>
-            <a:off x="360000" y="3148560"/>
-            <a:ext cx="9359280" cy="1262160"/>
+            <a:off x="504000" y="301320"/>
+            <a:ext cx="9072000" cy="1261800"/>
           </a:xfrm>
           <a:prstGeom prst="rect">
             <a:avLst/>
@@ -2433,7 +2434,7 @@
         <p:spPr>
           <a:xfrm>
             <a:off x="504000" y="1768680"/>
-            <a:ext cx="9071640" cy="4383720"/>
+            <a:ext cx="9072000" cy="4384080"/>
           </a:xfrm>
           <a:prstGeom prst="rect">
             <a:avLst/>
@@ -2474,7 +2475,7 @@
       </p:grpSpPr>
       <p:sp>
         <p:nvSpPr>
-          <p:cNvPr id="96" name="PlaceHolder 1"/>
+          <p:cNvPr id="95" name="PlaceHolder 1"/>
           <p:cNvSpPr>
             <a:spLocks noGrp="1"/>
           </p:cNvSpPr>
@@ -2484,8 +2485,8 @@
         </p:nvSpPr>
         <p:spPr>
           <a:xfrm>
-            <a:off x="360000" y="3148560"/>
-            <a:ext cx="9359280" cy="5851800"/>
+            <a:off x="504000" y="301320"/>
+            <a:ext cx="9072000" cy="5850360"/>
           </a:xfrm>
           <a:prstGeom prst="rect">
             <a:avLst/>
@@ -2527,7 +2528,7 @@
       </p:grpSpPr>
       <p:sp>
         <p:nvSpPr>
-          <p:cNvPr id="97" name="PlaceHolder 1"/>
+          <p:cNvPr id="96" name="PlaceHolder 1"/>
           <p:cNvSpPr>
             <a:spLocks noGrp="1"/>
           </p:cNvSpPr>
@@ -2537,8 +2538,8 @@
         </p:nvSpPr>
         <p:spPr>
           <a:xfrm>
-            <a:off x="360000" y="3148560"/>
-            <a:ext cx="9359280" cy="1262160"/>
+            <a:off x="504000" y="301320"/>
+            <a:ext cx="9072000" cy="1261800"/>
           </a:xfrm>
           <a:prstGeom prst="rect">
             <a:avLst/>
@@ -2558,7 +2559,7 @@
       </p:sp>
       <p:sp>
         <p:nvSpPr>
-          <p:cNvPr id="98" name="PlaceHolder 2"/>
+          <p:cNvPr id="97" name="PlaceHolder 2"/>
           <p:cNvSpPr>
             <a:spLocks noGrp="1"/>
           </p:cNvSpPr>
@@ -2588,7 +2589,7 @@
       </p:sp>
       <p:sp>
         <p:nvSpPr>
-          <p:cNvPr id="99" name="PlaceHolder 3"/>
+          <p:cNvPr id="98" name="PlaceHolder 3"/>
           <p:cNvSpPr>
             <a:spLocks noGrp="1"/>
           </p:cNvSpPr>
@@ -2599,26 +2600,26 @@
         <p:spPr>
           <a:xfrm>
             <a:off x="5152680" y="1768680"/>
-            <a:ext cx="4426920" cy="4383720"/>
-          </a:xfrm>
-          <a:prstGeom prst="rect">
-            <a:avLst/>
-          </a:prstGeom>
-        </p:spPr>
-        <p:txBody>
-          <a:bodyPr lIns="0" rIns="0" tIns="0" bIns="0">
-            <a:normAutofit/>
-          </a:bodyPr>
-          <a:p>
-            <a:endParaRPr b="0" lang="es-ES" sz="3200" spc="-1" strike="noStrike">
-              <a:latin typeface="Arial"/>
-            </a:endParaRPr>
-          </a:p>
-        </p:txBody>
-      </p:sp>
-      <p:sp>
-        <p:nvSpPr>
-          <p:cNvPr id="100" name="PlaceHolder 4"/>
+            <a:ext cx="4426920" cy="4384080"/>
+          </a:xfrm>
+          <a:prstGeom prst="rect">
+            <a:avLst/>
+          </a:prstGeom>
+        </p:spPr>
+        <p:txBody>
+          <a:bodyPr lIns="0" rIns="0" tIns="0" bIns="0">
+            <a:normAutofit/>
+          </a:bodyPr>
+          <a:p>
+            <a:endParaRPr b="0" lang="es-ES" sz="3200" spc="-1" strike="noStrike">
+              <a:latin typeface="Arial"/>
+            </a:endParaRPr>
+          </a:p>
+        </p:txBody>
+      </p:sp>
+      <p:sp>
+        <p:nvSpPr>
+          <p:cNvPr id="99" name="PlaceHolder 4"/>
           <p:cNvSpPr>
             <a:spLocks noGrp="1"/>
           </p:cNvSpPr>
@@ -2670,7 +2671,7 @@
       </p:grpSpPr>
       <p:sp>
         <p:nvSpPr>
-          <p:cNvPr id="101" name="PlaceHolder 1"/>
+          <p:cNvPr id="100" name="PlaceHolder 1"/>
           <p:cNvSpPr>
             <a:spLocks noGrp="1"/>
           </p:cNvSpPr>
@@ -2680,8 +2681,8 @@
         </p:nvSpPr>
         <p:spPr>
           <a:xfrm>
-            <a:off x="360000" y="3148560"/>
-            <a:ext cx="9359280" cy="1262160"/>
+            <a:off x="504000" y="301320"/>
+            <a:ext cx="9072000" cy="1261800"/>
           </a:xfrm>
           <a:prstGeom prst="rect">
             <a:avLst/>
@@ -2701,7 +2702,7 @@
       </p:sp>
       <p:sp>
         <p:nvSpPr>
-          <p:cNvPr id="102" name="PlaceHolder 2"/>
+          <p:cNvPr id="101" name="PlaceHolder 2"/>
           <p:cNvSpPr>
             <a:spLocks noGrp="1"/>
           </p:cNvSpPr>
@@ -2712,26 +2713,26 @@
         <p:spPr>
           <a:xfrm>
             <a:off x="504000" y="1768680"/>
-            <a:ext cx="4426920" cy="4383720"/>
-          </a:xfrm>
-          <a:prstGeom prst="rect">
-            <a:avLst/>
-          </a:prstGeom>
-        </p:spPr>
-        <p:txBody>
-          <a:bodyPr lIns="0" rIns="0" tIns="0" bIns="0">
-            <a:normAutofit/>
-          </a:bodyPr>
-          <a:p>
-            <a:endParaRPr b="0" lang="es-ES" sz="3200" spc="-1" strike="noStrike">
-              <a:latin typeface="Arial"/>
-            </a:endParaRPr>
-          </a:p>
-        </p:txBody>
-      </p:sp>
-      <p:sp>
-        <p:nvSpPr>
-          <p:cNvPr id="103" name="PlaceHolder 3"/>
+            <a:ext cx="4426920" cy="4384080"/>
+          </a:xfrm>
+          <a:prstGeom prst="rect">
+            <a:avLst/>
+          </a:prstGeom>
+        </p:spPr>
+        <p:txBody>
+          <a:bodyPr lIns="0" rIns="0" tIns="0" bIns="0">
+            <a:normAutofit/>
+          </a:bodyPr>
+          <a:p>
+            <a:endParaRPr b="0" lang="es-ES" sz="3200" spc="-1" strike="noStrike">
+              <a:latin typeface="Arial"/>
+            </a:endParaRPr>
+          </a:p>
+        </p:txBody>
+      </p:sp>
+      <p:sp>
+        <p:nvSpPr>
+          <p:cNvPr id="102" name="PlaceHolder 3"/>
           <p:cNvSpPr>
             <a:spLocks noGrp="1"/>
           </p:cNvSpPr>
@@ -2761,7 +2762,7 @@
       </p:sp>
       <p:sp>
         <p:nvSpPr>
-          <p:cNvPr id="104" name="PlaceHolder 4"/>
+          <p:cNvPr id="103" name="PlaceHolder 4"/>
           <p:cNvSpPr>
             <a:spLocks noGrp="1"/>
           </p:cNvSpPr>
@@ -2813,7 +2814,7 @@
       </p:grpSpPr>
       <p:sp>
         <p:nvSpPr>
-          <p:cNvPr id="105" name="PlaceHolder 1"/>
+          <p:cNvPr id="104" name="PlaceHolder 1"/>
           <p:cNvSpPr>
             <a:spLocks noGrp="1"/>
           </p:cNvSpPr>
@@ -2823,8 +2824,8 @@
         </p:nvSpPr>
         <p:spPr>
           <a:xfrm>
-            <a:off x="360000" y="3148560"/>
-            <a:ext cx="9359280" cy="1262160"/>
+            <a:off x="504000" y="301320"/>
+            <a:ext cx="9072000" cy="1261800"/>
           </a:xfrm>
           <a:prstGeom prst="rect">
             <a:avLst/>
@@ -2844,7 +2845,7 @@
       </p:sp>
       <p:sp>
         <p:nvSpPr>
-          <p:cNvPr id="106" name="PlaceHolder 2"/>
+          <p:cNvPr id="105" name="PlaceHolder 2"/>
           <p:cNvSpPr>
             <a:spLocks noGrp="1"/>
           </p:cNvSpPr>
@@ -2874,7 +2875,7 @@
       </p:sp>
       <p:sp>
         <p:nvSpPr>
-          <p:cNvPr id="107" name="PlaceHolder 3"/>
+          <p:cNvPr id="106" name="PlaceHolder 3"/>
           <p:cNvSpPr>
             <a:spLocks noGrp="1"/>
           </p:cNvSpPr>
@@ -2904,7 +2905,7 @@
       </p:sp>
       <p:sp>
         <p:nvSpPr>
-          <p:cNvPr id="108" name="PlaceHolder 4"/>
+          <p:cNvPr id="107" name="PlaceHolder 4"/>
           <p:cNvSpPr>
             <a:spLocks noGrp="1"/>
           </p:cNvSpPr>
@@ -2915,7 +2916,7 @@
         <p:spPr>
           <a:xfrm>
             <a:off x="504000" y="4058640"/>
-            <a:ext cx="9071640" cy="2090880"/>
+            <a:ext cx="9072000" cy="2090880"/>
           </a:xfrm>
           <a:prstGeom prst="rect">
             <a:avLst/>
@@ -2956,7 +2957,7 @@
       </p:grpSpPr>
       <p:sp>
         <p:nvSpPr>
-          <p:cNvPr id="109" name="PlaceHolder 1"/>
+          <p:cNvPr id="108" name="PlaceHolder 1"/>
           <p:cNvSpPr>
             <a:spLocks noGrp="1"/>
           </p:cNvSpPr>
@@ -2966,8 +2967,8 @@
         </p:nvSpPr>
         <p:spPr>
           <a:xfrm>
-            <a:off x="360000" y="3148560"/>
-            <a:ext cx="9359280" cy="1262160"/>
+            <a:off x="504000" y="301320"/>
+            <a:ext cx="9072000" cy="1261800"/>
           </a:xfrm>
           <a:prstGeom prst="rect">
             <a:avLst/>
@@ -2987,7 +2988,7 @@
       </p:sp>
       <p:sp>
         <p:nvSpPr>
-          <p:cNvPr id="110" name="PlaceHolder 2"/>
+          <p:cNvPr id="109" name="PlaceHolder 2"/>
           <p:cNvSpPr>
             <a:spLocks noGrp="1"/>
           </p:cNvSpPr>
@@ -2998,26 +2999,26 @@
         <p:spPr>
           <a:xfrm>
             <a:off x="504000" y="1768680"/>
-            <a:ext cx="9071640" cy="2090880"/>
-          </a:xfrm>
-          <a:prstGeom prst="rect">
-            <a:avLst/>
-          </a:prstGeom>
-        </p:spPr>
-        <p:txBody>
-          <a:bodyPr lIns="0" rIns="0" tIns="0" bIns="0">
-            <a:normAutofit/>
-          </a:bodyPr>
-          <a:p>
-            <a:endParaRPr b="0" lang="es-ES" sz="3200" spc="-1" strike="noStrike">
-              <a:latin typeface="Arial"/>
-            </a:endParaRPr>
-          </a:p>
-        </p:txBody>
-      </p:sp>
-      <p:sp>
-        <p:nvSpPr>
-          <p:cNvPr id="111" name="PlaceHolder 3"/>
+            <a:ext cx="9072000" cy="2090880"/>
+          </a:xfrm>
+          <a:prstGeom prst="rect">
+            <a:avLst/>
+          </a:prstGeom>
+        </p:spPr>
+        <p:txBody>
+          <a:bodyPr lIns="0" rIns="0" tIns="0" bIns="0">
+            <a:normAutofit/>
+          </a:bodyPr>
+          <a:p>
+            <a:endParaRPr b="0" lang="es-ES" sz="3200" spc="-1" strike="noStrike">
+              <a:latin typeface="Arial"/>
+            </a:endParaRPr>
+          </a:p>
+        </p:txBody>
+      </p:sp>
+      <p:sp>
+        <p:nvSpPr>
+          <p:cNvPr id="110" name="PlaceHolder 3"/>
           <p:cNvSpPr>
             <a:spLocks noGrp="1"/>
           </p:cNvSpPr>
@@ -3028,7 +3029,7 @@
         <p:spPr>
           <a:xfrm>
             <a:off x="504000" y="4058640"/>
-            <a:ext cx="9071640" cy="2090880"/>
+            <a:ext cx="9072000" cy="2090880"/>
           </a:xfrm>
           <a:prstGeom prst="rect">
             <a:avLst/>
@@ -3069,7 +3070,7 @@
       </p:grpSpPr>
       <p:sp>
         <p:nvSpPr>
-          <p:cNvPr id="112" name="PlaceHolder 1"/>
+          <p:cNvPr id="111" name="PlaceHolder 1"/>
           <p:cNvSpPr>
             <a:spLocks noGrp="1"/>
           </p:cNvSpPr>
@@ -3079,8 +3080,8 @@
         </p:nvSpPr>
         <p:spPr>
           <a:xfrm>
-            <a:off x="360000" y="3148560"/>
-            <a:ext cx="9359280" cy="1262160"/>
+            <a:off x="504000" y="301320"/>
+            <a:ext cx="9072000" cy="1261800"/>
           </a:xfrm>
           <a:prstGeom prst="rect">
             <a:avLst/>
@@ -3100,7 +3101,7 @@
       </p:sp>
       <p:sp>
         <p:nvSpPr>
-          <p:cNvPr id="113" name="PlaceHolder 2"/>
+          <p:cNvPr id="112" name="PlaceHolder 2"/>
           <p:cNvSpPr>
             <a:spLocks noGrp="1"/>
           </p:cNvSpPr>
@@ -3130,7 +3131,7 @@
       </p:sp>
       <p:sp>
         <p:nvSpPr>
-          <p:cNvPr id="114" name="PlaceHolder 3"/>
+          <p:cNvPr id="113" name="PlaceHolder 3"/>
           <p:cNvSpPr>
             <a:spLocks noGrp="1"/>
           </p:cNvSpPr>
@@ -3160,7 +3161,7 @@
       </p:sp>
       <p:sp>
         <p:nvSpPr>
-          <p:cNvPr id="115" name="PlaceHolder 4"/>
+          <p:cNvPr id="114" name="PlaceHolder 4"/>
           <p:cNvSpPr>
             <a:spLocks noGrp="1"/>
           </p:cNvSpPr>
@@ -3190,7 +3191,7 @@
       </p:sp>
       <p:sp>
         <p:nvSpPr>
-          <p:cNvPr id="116" name="PlaceHolder 5"/>
+          <p:cNvPr id="115" name="PlaceHolder 5"/>
           <p:cNvSpPr>
             <a:spLocks noGrp="1"/>
           </p:cNvSpPr>
@@ -3242,7 +3243,7 @@
       </p:grpSpPr>
       <p:sp>
         <p:nvSpPr>
-          <p:cNvPr id="117" name="PlaceHolder 1"/>
+          <p:cNvPr id="116" name="PlaceHolder 1"/>
           <p:cNvSpPr>
             <a:spLocks noGrp="1"/>
           </p:cNvSpPr>
@@ -3252,8 +3253,8 @@
         </p:nvSpPr>
         <p:spPr>
           <a:xfrm>
-            <a:off x="360000" y="3148560"/>
-            <a:ext cx="9359280" cy="1262160"/>
+            <a:off x="504000" y="301320"/>
+            <a:ext cx="9072000" cy="1261800"/>
           </a:xfrm>
           <a:prstGeom prst="rect">
             <a:avLst/>
@@ -3273,7 +3274,7 @@
       </p:sp>
       <p:sp>
         <p:nvSpPr>
-          <p:cNvPr id="118" name="PlaceHolder 2"/>
+          <p:cNvPr id="117" name="PlaceHolder 2"/>
           <p:cNvSpPr>
             <a:spLocks noGrp="1"/>
           </p:cNvSpPr>
@@ -3284,86 +3285,86 @@
         <p:spPr>
           <a:xfrm>
             <a:off x="504000" y="1768680"/>
-            <a:ext cx="2920680" cy="2090880"/>
-          </a:xfrm>
-          <a:prstGeom prst="rect">
-            <a:avLst/>
-          </a:prstGeom>
-        </p:spPr>
-        <p:txBody>
-          <a:bodyPr lIns="0" rIns="0" tIns="0" bIns="0">
-            <a:normAutofit/>
-          </a:bodyPr>
-          <a:p>
-            <a:endParaRPr b="0" lang="es-ES" sz="3200" spc="-1" strike="noStrike">
-              <a:latin typeface="Arial"/>
-            </a:endParaRPr>
-          </a:p>
-        </p:txBody>
-      </p:sp>
-      <p:sp>
-        <p:nvSpPr>
-          <p:cNvPr id="119" name="PlaceHolder 3"/>
-          <p:cNvSpPr>
-            <a:spLocks noGrp="1"/>
-          </p:cNvSpPr>
-          <p:nvPr>
-            <p:ph type="body"/>
-          </p:nvPr>
-        </p:nvSpPr>
-        <p:spPr>
-          <a:xfrm>
-            <a:off x="3571200" y="1768680"/>
-            <a:ext cx="2920680" cy="2090880"/>
-          </a:xfrm>
-          <a:prstGeom prst="rect">
-            <a:avLst/>
-          </a:prstGeom>
-        </p:spPr>
-        <p:txBody>
-          <a:bodyPr lIns="0" rIns="0" tIns="0" bIns="0">
-            <a:normAutofit/>
-          </a:bodyPr>
-          <a:p>
-            <a:endParaRPr b="0" lang="es-ES" sz="3200" spc="-1" strike="noStrike">
-              <a:latin typeface="Arial"/>
-            </a:endParaRPr>
-          </a:p>
-        </p:txBody>
-      </p:sp>
-      <p:sp>
-        <p:nvSpPr>
-          <p:cNvPr id="120" name="PlaceHolder 4"/>
-          <p:cNvSpPr>
-            <a:spLocks noGrp="1"/>
-          </p:cNvSpPr>
-          <p:nvPr>
-            <p:ph type="body"/>
-          </p:nvPr>
-        </p:nvSpPr>
-        <p:spPr>
-          <a:xfrm>
-            <a:off x="6638040" y="1768680"/>
-            <a:ext cx="2920680" cy="2090880"/>
-          </a:xfrm>
-          <a:prstGeom prst="rect">
-            <a:avLst/>
-          </a:prstGeom>
-        </p:spPr>
-        <p:txBody>
-          <a:bodyPr lIns="0" rIns="0" tIns="0" bIns="0">
-            <a:normAutofit/>
-          </a:bodyPr>
-          <a:p>
-            <a:endParaRPr b="0" lang="es-ES" sz="3200" spc="-1" strike="noStrike">
-              <a:latin typeface="Arial"/>
-            </a:endParaRPr>
-          </a:p>
-        </p:txBody>
-      </p:sp>
-      <p:sp>
-        <p:nvSpPr>
-          <p:cNvPr id="121" name="PlaceHolder 5"/>
+            <a:ext cx="2921040" cy="2090880"/>
+          </a:xfrm>
+          <a:prstGeom prst="rect">
+            <a:avLst/>
+          </a:prstGeom>
+        </p:spPr>
+        <p:txBody>
+          <a:bodyPr lIns="0" rIns="0" tIns="0" bIns="0">
+            <a:normAutofit/>
+          </a:bodyPr>
+          <a:p>
+            <a:endParaRPr b="0" lang="es-ES" sz="3200" spc="-1" strike="noStrike">
+              <a:latin typeface="Arial"/>
+            </a:endParaRPr>
+          </a:p>
+        </p:txBody>
+      </p:sp>
+      <p:sp>
+        <p:nvSpPr>
+          <p:cNvPr id="118" name="PlaceHolder 3"/>
+          <p:cNvSpPr>
+            <a:spLocks noGrp="1"/>
+          </p:cNvSpPr>
+          <p:nvPr>
+            <p:ph type="body"/>
+          </p:nvPr>
+        </p:nvSpPr>
+        <p:spPr>
+          <a:xfrm>
+            <a:off x="3571560" y="1768680"/>
+            <a:ext cx="2921040" cy="2090880"/>
+          </a:xfrm>
+          <a:prstGeom prst="rect">
+            <a:avLst/>
+          </a:prstGeom>
+        </p:spPr>
+        <p:txBody>
+          <a:bodyPr lIns="0" rIns="0" tIns="0" bIns="0">
+            <a:normAutofit/>
+          </a:bodyPr>
+          <a:p>
+            <a:endParaRPr b="0" lang="es-ES" sz="3200" spc="-1" strike="noStrike">
+              <a:latin typeface="Arial"/>
+            </a:endParaRPr>
+          </a:p>
+        </p:txBody>
+      </p:sp>
+      <p:sp>
+        <p:nvSpPr>
+          <p:cNvPr id="119" name="PlaceHolder 4"/>
+          <p:cNvSpPr>
+            <a:spLocks noGrp="1"/>
+          </p:cNvSpPr>
+          <p:nvPr>
+            <p:ph type="body"/>
+          </p:nvPr>
+        </p:nvSpPr>
+        <p:spPr>
+          <a:xfrm>
+            <a:off x="6639120" y="1768680"/>
+            <a:ext cx="2921040" cy="2090880"/>
+          </a:xfrm>
+          <a:prstGeom prst="rect">
+            <a:avLst/>
+          </a:prstGeom>
+        </p:spPr>
+        <p:txBody>
+          <a:bodyPr lIns="0" rIns="0" tIns="0" bIns="0">
+            <a:normAutofit/>
+          </a:bodyPr>
+          <a:p>
+            <a:endParaRPr b="0" lang="es-ES" sz="3200" spc="-1" strike="noStrike">
+              <a:latin typeface="Arial"/>
+            </a:endParaRPr>
+          </a:p>
+        </p:txBody>
+      </p:sp>
+      <p:sp>
+        <p:nvSpPr>
+          <p:cNvPr id="120" name="PlaceHolder 5"/>
           <p:cNvSpPr>
             <a:spLocks noGrp="1"/>
           </p:cNvSpPr>
@@ -3374,67 +3375,67 @@
         <p:spPr>
           <a:xfrm>
             <a:off x="504000" y="4058640"/>
-            <a:ext cx="2920680" cy="2090880"/>
-          </a:xfrm>
-          <a:prstGeom prst="rect">
-            <a:avLst/>
-          </a:prstGeom>
-        </p:spPr>
-        <p:txBody>
-          <a:bodyPr lIns="0" rIns="0" tIns="0" bIns="0">
-            <a:normAutofit/>
-          </a:bodyPr>
-          <a:p>
-            <a:endParaRPr b="0" lang="es-ES" sz="3200" spc="-1" strike="noStrike">
-              <a:latin typeface="Arial"/>
-            </a:endParaRPr>
-          </a:p>
-        </p:txBody>
-      </p:sp>
-      <p:sp>
-        <p:nvSpPr>
-          <p:cNvPr id="122" name="PlaceHolder 6"/>
-          <p:cNvSpPr>
-            <a:spLocks noGrp="1"/>
-          </p:cNvSpPr>
-          <p:nvPr>
-            <p:ph type="body"/>
-          </p:nvPr>
-        </p:nvSpPr>
-        <p:spPr>
-          <a:xfrm>
-            <a:off x="3571200" y="4058640"/>
-            <a:ext cx="2920680" cy="2090880"/>
-          </a:xfrm>
-          <a:prstGeom prst="rect">
-            <a:avLst/>
-          </a:prstGeom>
-        </p:spPr>
-        <p:txBody>
-          <a:bodyPr lIns="0" rIns="0" tIns="0" bIns="0">
-            <a:normAutofit/>
-          </a:bodyPr>
-          <a:p>
-            <a:endParaRPr b="0" lang="es-ES" sz="3200" spc="-1" strike="noStrike">
-              <a:latin typeface="Arial"/>
-            </a:endParaRPr>
-          </a:p>
-        </p:txBody>
-      </p:sp>
-      <p:sp>
-        <p:nvSpPr>
-          <p:cNvPr id="123" name="PlaceHolder 7"/>
-          <p:cNvSpPr>
-            <a:spLocks noGrp="1"/>
-          </p:cNvSpPr>
-          <p:nvPr>
-            <p:ph type="body"/>
-          </p:nvPr>
-        </p:nvSpPr>
-        <p:spPr>
-          <a:xfrm>
-            <a:off x="6638040" y="4058640"/>
-            <a:ext cx="2920680" cy="2090880"/>
+            <a:ext cx="2921040" cy="2090880"/>
+          </a:xfrm>
+          <a:prstGeom prst="rect">
+            <a:avLst/>
+          </a:prstGeom>
+        </p:spPr>
+        <p:txBody>
+          <a:bodyPr lIns="0" rIns="0" tIns="0" bIns="0">
+            <a:normAutofit/>
+          </a:bodyPr>
+          <a:p>
+            <a:endParaRPr b="0" lang="es-ES" sz="3200" spc="-1" strike="noStrike">
+              <a:latin typeface="Arial"/>
+            </a:endParaRPr>
+          </a:p>
+        </p:txBody>
+      </p:sp>
+      <p:sp>
+        <p:nvSpPr>
+          <p:cNvPr id="121" name="PlaceHolder 6"/>
+          <p:cNvSpPr>
+            <a:spLocks noGrp="1"/>
+          </p:cNvSpPr>
+          <p:nvPr>
+            <p:ph type="body"/>
+          </p:nvPr>
+        </p:nvSpPr>
+        <p:spPr>
+          <a:xfrm>
+            <a:off x="3571560" y="4058640"/>
+            <a:ext cx="2921040" cy="2090880"/>
+          </a:xfrm>
+          <a:prstGeom prst="rect">
+            <a:avLst/>
+          </a:prstGeom>
+        </p:spPr>
+        <p:txBody>
+          <a:bodyPr lIns="0" rIns="0" tIns="0" bIns="0">
+            <a:normAutofit/>
+          </a:bodyPr>
+          <a:p>
+            <a:endParaRPr b="0" lang="es-ES" sz="3200" spc="-1" strike="noStrike">
+              <a:latin typeface="Arial"/>
+            </a:endParaRPr>
+          </a:p>
+        </p:txBody>
+      </p:sp>
+      <p:sp>
+        <p:nvSpPr>
+          <p:cNvPr id="122" name="PlaceHolder 7"/>
+          <p:cNvSpPr>
+            <a:spLocks noGrp="1"/>
+          </p:cNvSpPr>
+          <p:nvPr>
+            <p:ph type="body"/>
+          </p:nvPr>
+        </p:nvSpPr>
+        <p:spPr>
+          <a:xfrm>
+            <a:off x="6639120" y="4058640"/>
+            <a:ext cx="2921040" cy="2090880"/>
           </a:xfrm>
           <a:prstGeom prst="rect">
             <a:avLst/>
@@ -3497,7 +3498,7 @@
       </p:grpSpPr>
       <p:sp>
         <p:nvSpPr>
-          <p:cNvPr id="131" name="PlaceHolder 1"/>
+          <p:cNvPr id="130" name="PlaceHolder 1"/>
           <p:cNvSpPr>
             <a:spLocks noGrp="1"/>
           </p:cNvSpPr>
@@ -3507,8 +3508,8 @@
         </p:nvSpPr>
         <p:spPr>
           <a:xfrm>
-            <a:off x="360000" y="3148560"/>
-            <a:ext cx="9359280" cy="1262160"/>
+            <a:off x="504000" y="301320"/>
+            <a:ext cx="9072000" cy="1261800"/>
           </a:xfrm>
           <a:prstGeom prst="rect">
             <a:avLst/>
@@ -3528,7 +3529,7 @@
       </p:sp>
       <p:sp>
         <p:nvSpPr>
-          <p:cNvPr id="132" name="PlaceHolder 2"/>
+          <p:cNvPr id="131" name="PlaceHolder 2"/>
           <p:cNvSpPr>
             <a:spLocks noGrp="1"/>
           </p:cNvSpPr>
@@ -3539,7 +3540,7 @@
         <p:spPr>
           <a:xfrm>
             <a:off x="504000" y="1768680"/>
-            <a:ext cx="9071640" cy="4383720"/>
+            <a:ext cx="9072000" cy="4384080"/>
           </a:xfrm>
           <a:prstGeom prst="rect">
             <a:avLst/>
@@ -3581,7 +3582,7 @@
       </p:grpSpPr>
       <p:sp>
         <p:nvSpPr>
-          <p:cNvPr id="133" name="PlaceHolder 1"/>
+          <p:cNvPr id="132" name="PlaceHolder 1"/>
           <p:cNvSpPr>
             <a:spLocks noGrp="1"/>
           </p:cNvSpPr>
@@ -3591,8 +3592,8 @@
         </p:nvSpPr>
         <p:spPr>
           <a:xfrm>
-            <a:off x="360000" y="3148560"/>
-            <a:ext cx="9359280" cy="1262160"/>
+            <a:off x="504000" y="301320"/>
+            <a:ext cx="9072000" cy="1261800"/>
           </a:xfrm>
           <a:prstGeom prst="rect">
             <a:avLst/>
@@ -3612,7 +3613,7 @@
       </p:sp>
       <p:sp>
         <p:nvSpPr>
-          <p:cNvPr id="134" name="PlaceHolder 2"/>
+          <p:cNvPr id="133" name="PlaceHolder 2"/>
           <p:cNvSpPr>
             <a:spLocks noGrp="1"/>
           </p:cNvSpPr>
@@ -3623,7 +3624,7 @@
         <p:spPr>
           <a:xfrm>
             <a:off x="504000" y="1768680"/>
-            <a:ext cx="9071640" cy="4383720"/>
+            <a:ext cx="9072000" cy="4384080"/>
           </a:xfrm>
           <a:prstGeom prst="rect">
             <a:avLst/>
@@ -3674,8 +3675,8 @@
         </p:nvSpPr>
         <p:spPr>
           <a:xfrm>
-            <a:off x="360000" y="3148560"/>
-            <a:ext cx="9359280" cy="1262160"/>
+            <a:off x="504000" y="301320"/>
+            <a:ext cx="9072000" cy="1261800"/>
           </a:xfrm>
           <a:prstGeom prst="rect">
             <a:avLst/>
@@ -3706,7 +3707,7 @@
         <p:spPr>
           <a:xfrm>
             <a:off x="504000" y="1768680"/>
-            <a:ext cx="4426920" cy="4383720"/>
+            <a:ext cx="4426920" cy="4384080"/>
           </a:xfrm>
           <a:prstGeom prst="rect">
             <a:avLst/>
@@ -3736,7 +3737,7 @@
         <p:spPr>
           <a:xfrm>
             <a:off x="5152680" y="1768680"/>
-            <a:ext cx="4426920" cy="4383720"/>
+            <a:ext cx="4426920" cy="4384080"/>
           </a:xfrm>
           <a:prstGeom prst="rect">
             <a:avLst/>
@@ -3777,7 +3778,7 @@
       </p:grpSpPr>
       <p:sp>
         <p:nvSpPr>
-          <p:cNvPr id="135" name="PlaceHolder 1"/>
+          <p:cNvPr id="134" name="PlaceHolder 1"/>
           <p:cNvSpPr>
             <a:spLocks noGrp="1"/>
           </p:cNvSpPr>
@@ -3787,8 +3788,8 @@
         </p:nvSpPr>
         <p:spPr>
           <a:xfrm>
-            <a:off x="360000" y="3148560"/>
-            <a:ext cx="9359280" cy="1262160"/>
+            <a:off x="504000" y="301320"/>
+            <a:ext cx="9072000" cy="1261800"/>
           </a:xfrm>
           <a:prstGeom prst="rect">
             <a:avLst/>
@@ -3808,7 +3809,7 @@
       </p:sp>
       <p:sp>
         <p:nvSpPr>
-          <p:cNvPr id="136" name="PlaceHolder 2"/>
+          <p:cNvPr id="135" name="PlaceHolder 2"/>
           <p:cNvSpPr>
             <a:spLocks noGrp="1"/>
           </p:cNvSpPr>
@@ -3819,26 +3820,26 @@
         <p:spPr>
           <a:xfrm>
             <a:off x="504000" y="1768680"/>
-            <a:ext cx="4426920" cy="4383720"/>
-          </a:xfrm>
-          <a:prstGeom prst="rect">
-            <a:avLst/>
-          </a:prstGeom>
-        </p:spPr>
-        <p:txBody>
-          <a:bodyPr lIns="0" rIns="0" tIns="0" bIns="0">
-            <a:normAutofit/>
-          </a:bodyPr>
-          <a:p>
-            <a:endParaRPr b="0" lang="es-ES" sz="3200" spc="-1" strike="noStrike">
-              <a:latin typeface="Arial"/>
-            </a:endParaRPr>
-          </a:p>
-        </p:txBody>
-      </p:sp>
-      <p:sp>
-        <p:nvSpPr>
-          <p:cNvPr id="137" name="PlaceHolder 3"/>
+            <a:ext cx="4426920" cy="4384080"/>
+          </a:xfrm>
+          <a:prstGeom prst="rect">
+            <a:avLst/>
+          </a:prstGeom>
+        </p:spPr>
+        <p:txBody>
+          <a:bodyPr lIns="0" rIns="0" tIns="0" bIns="0">
+            <a:normAutofit/>
+          </a:bodyPr>
+          <a:p>
+            <a:endParaRPr b="0" lang="es-ES" sz="3200" spc="-1" strike="noStrike">
+              <a:latin typeface="Arial"/>
+            </a:endParaRPr>
+          </a:p>
+        </p:txBody>
+      </p:sp>
+      <p:sp>
+        <p:nvSpPr>
+          <p:cNvPr id="136" name="PlaceHolder 3"/>
           <p:cNvSpPr>
             <a:spLocks noGrp="1"/>
           </p:cNvSpPr>
@@ -3849,7 +3850,7 @@
         <p:spPr>
           <a:xfrm>
             <a:off x="5152680" y="1768680"/>
-            <a:ext cx="4426920" cy="4383720"/>
+            <a:ext cx="4426920" cy="4384080"/>
           </a:xfrm>
           <a:prstGeom prst="rect">
             <a:avLst/>
@@ -3890,7 +3891,7 @@
       </p:grpSpPr>
       <p:sp>
         <p:nvSpPr>
-          <p:cNvPr id="138" name="PlaceHolder 1"/>
+          <p:cNvPr id="137" name="PlaceHolder 1"/>
           <p:cNvSpPr>
             <a:spLocks noGrp="1"/>
           </p:cNvSpPr>
@@ -3900,8 +3901,8 @@
         </p:nvSpPr>
         <p:spPr>
           <a:xfrm>
-            <a:off x="360000" y="3148560"/>
-            <a:ext cx="9359280" cy="1262160"/>
+            <a:off x="504000" y="301320"/>
+            <a:ext cx="9072000" cy="1261800"/>
           </a:xfrm>
           <a:prstGeom prst="rect">
             <a:avLst/>
@@ -3943,7 +3944,7 @@
       </p:grpSpPr>
       <p:sp>
         <p:nvSpPr>
-          <p:cNvPr id="139" name="PlaceHolder 1"/>
+          <p:cNvPr id="138" name="PlaceHolder 1"/>
           <p:cNvSpPr>
             <a:spLocks noGrp="1"/>
           </p:cNvSpPr>
@@ -3953,8 +3954,8 @@
         </p:nvSpPr>
         <p:spPr>
           <a:xfrm>
-            <a:off x="360000" y="3148560"/>
-            <a:ext cx="9359280" cy="5851800"/>
+            <a:off x="504000" y="301320"/>
+            <a:ext cx="9072000" cy="5850360"/>
           </a:xfrm>
           <a:prstGeom prst="rect">
             <a:avLst/>
@@ -3996,7 +3997,7 @@
       </p:grpSpPr>
       <p:sp>
         <p:nvSpPr>
-          <p:cNvPr id="140" name="PlaceHolder 1"/>
+          <p:cNvPr id="139" name="PlaceHolder 1"/>
           <p:cNvSpPr>
             <a:spLocks noGrp="1"/>
           </p:cNvSpPr>
@@ -4006,8 +4007,8 @@
         </p:nvSpPr>
         <p:spPr>
           <a:xfrm>
-            <a:off x="360000" y="3148560"/>
-            <a:ext cx="9359280" cy="1262160"/>
+            <a:off x="504000" y="301320"/>
+            <a:ext cx="9072000" cy="1261800"/>
           </a:xfrm>
           <a:prstGeom prst="rect">
             <a:avLst/>
@@ -4027,7 +4028,7 @@
       </p:sp>
       <p:sp>
         <p:nvSpPr>
-          <p:cNvPr id="141" name="PlaceHolder 2"/>
+          <p:cNvPr id="140" name="PlaceHolder 2"/>
           <p:cNvSpPr>
             <a:spLocks noGrp="1"/>
           </p:cNvSpPr>
@@ -4057,7 +4058,7 @@
       </p:sp>
       <p:sp>
         <p:nvSpPr>
-          <p:cNvPr id="142" name="PlaceHolder 3"/>
+          <p:cNvPr id="141" name="PlaceHolder 3"/>
           <p:cNvSpPr>
             <a:spLocks noGrp="1"/>
           </p:cNvSpPr>
@@ -4068,26 +4069,26 @@
         <p:spPr>
           <a:xfrm>
             <a:off x="5152680" y="1768680"/>
-            <a:ext cx="4426920" cy="4383720"/>
-          </a:xfrm>
-          <a:prstGeom prst="rect">
-            <a:avLst/>
-          </a:prstGeom>
-        </p:spPr>
-        <p:txBody>
-          <a:bodyPr lIns="0" rIns="0" tIns="0" bIns="0">
-            <a:normAutofit/>
-          </a:bodyPr>
-          <a:p>
-            <a:endParaRPr b="0" lang="es-ES" sz="3200" spc="-1" strike="noStrike">
-              <a:latin typeface="Arial"/>
-            </a:endParaRPr>
-          </a:p>
-        </p:txBody>
-      </p:sp>
-      <p:sp>
-        <p:nvSpPr>
-          <p:cNvPr id="143" name="PlaceHolder 4"/>
+            <a:ext cx="4426920" cy="4384080"/>
+          </a:xfrm>
+          <a:prstGeom prst="rect">
+            <a:avLst/>
+          </a:prstGeom>
+        </p:spPr>
+        <p:txBody>
+          <a:bodyPr lIns="0" rIns="0" tIns="0" bIns="0">
+            <a:normAutofit/>
+          </a:bodyPr>
+          <a:p>
+            <a:endParaRPr b="0" lang="es-ES" sz="3200" spc="-1" strike="noStrike">
+              <a:latin typeface="Arial"/>
+            </a:endParaRPr>
+          </a:p>
+        </p:txBody>
+      </p:sp>
+      <p:sp>
+        <p:nvSpPr>
+          <p:cNvPr id="142" name="PlaceHolder 4"/>
           <p:cNvSpPr>
             <a:spLocks noGrp="1"/>
           </p:cNvSpPr>
@@ -4139,7 +4140,7 @@
       </p:grpSpPr>
       <p:sp>
         <p:nvSpPr>
-          <p:cNvPr id="144" name="PlaceHolder 1"/>
+          <p:cNvPr id="143" name="PlaceHolder 1"/>
           <p:cNvSpPr>
             <a:spLocks noGrp="1"/>
           </p:cNvSpPr>
@@ -4149,8 +4150,8 @@
         </p:nvSpPr>
         <p:spPr>
           <a:xfrm>
-            <a:off x="360000" y="3148560"/>
-            <a:ext cx="9359280" cy="1262160"/>
+            <a:off x="504000" y="301320"/>
+            <a:ext cx="9072000" cy="1261800"/>
           </a:xfrm>
           <a:prstGeom prst="rect">
             <a:avLst/>
@@ -4170,7 +4171,7 @@
       </p:sp>
       <p:sp>
         <p:nvSpPr>
-          <p:cNvPr id="145" name="PlaceHolder 2"/>
+          <p:cNvPr id="144" name="PlaceHolder 2"/>
           <p:cNvSpPr>
             <a:spLocks noGrp="1"/>
           </p:cNvSpPr>
@@ -4181,26 +4182,26 @@
         <p:spPr>
           <a:xfrm>
             <a:off x="504000" y="1768680"/>
-            <a:ext cx="4426920" cy="4383720"/>
-          </a:xfrm>
-          <a:prstGeom prst="rect">
-            <a:avLst/>
-          </a:prstGeom>
-        </p:spPr>
-        <p:txBody>
-          <a:bodyPr lIns="0" rIns="0" tIns="0" bIns="0">
-            <a:normAutofit/>
-          </a:bodyPr>
-          <a:p>
-            <a:endParaRPr b="0" lang="es-ES" sz="3200" spc="-1" strike="noStrike">
-              <a:latin typeface="Arial"/>
-            </a:endParaRPr>
-          </a:p>
-        </p:txBody>
-      </p:sp>
-      <p:sp>
-        <p:nvSpPr>
-          <p:cNvPr id="146" name="PlaceHolder 3"/>
+            <a:ext cx="4426920" cy="4384080"/>
+          </a:xfrm>
+          <a:prstGeom prst="rect">
+            <a:avLst/>
+          </a:prstGeom>
+        </p:spPr>
+        <p:txBody>
+          <a:bodyPr lIns="0" rIns="0" tIns="0" bIns="0">
+            <a:normAutofit/>
+          </a:bodyPr>
+          <a:p>
+            <a:endParaRPr b="0" lang="es-ES" sz="3200" spc="-1" strike="noStrike">
+              <a:latin typeface="Arial"/>
+            </a:endParaRPr>
+          </a:p>
+        </p:txBody>
+      </p:sp>
+      <p:sp>
+        <p:nvSpPr>
+          <p:cNvPr id="145" name="PlaceHolder 3"/>
           <p:cNvSpPr>
             <a:spLocks noGrp="1"/>
           </p:cNvSpPr>
@@ -4230,7 +4231,7 @@
       </p:sp>
       <p:sp>
         <p:nvSpPr>
-          <p:cNvPr id="147" name="PlaceHolder 4"/>
+          <p:cNvPr id="146" name="PlaceHolder 4"/>
           <p:cNvSpPr>
             <a:spLocks noGrp="1"/>
           </p:cNvSpPr>
@@ -4282,7 +4283,7 @@
       </p:grpSpPr>
       <p:sp>
         <p:nvSpPr>
-          <p:cNvPr id="148" name="PlaceHolder 1"/>
+          <p:cNvPr id="147" name="PlaceHolder 1"/>
           <p:cNvSpPr>
             <a:spLocks noGrp="1"/>
           </p:cNvSpPr>
@@ -4292,8 +4293,8 @@
         </p:nvSpPr>
         <p:spPr>
           <a:xfrm>
-            <a:off x="360000" y="3148560"/>
-            <a:ext cx="9359280" cy="1262160"/>
+            <a:off x="504000" y="301320"/>
+            <a:ext cx="9072000" cy="1261800"/>
           </a:xfrm>
           <a:prstGeom prst="rect">
             <a:avLst/>
@@ -4313,7 +4314,7 @@
       </p:sp>
       <p:sp>
         <p:nvSpPr>
-          <p:cNvPr id="149" name="PlaceHolder 2"/>
+          <p:cNvPr id="148" name="PlaceHolder 2"/>
           <p:cNvSpPr>
             <a:spLocks noGrp="1"/>
           </p:cNvSpPr>
@@ -4343,7 +4344,7 @@
       </p:sp>
       <p:sp>
         <p:nvSpPr>
-          <p:cNvPr id="150" name="PlaceHolder 3"/>
+          <p:cNvPr id="149" name="PlaceHolder 3"/>
           <p:cNvSpPr>
             <a:spLocks noGrp="1"/>
           </p:cNvSpPr>
@@ -4373,7 +4374,7 @@
       </p:sp>
       <p:sp>
         <p:nvSpPr>
-          <p:cNvPr id="151" name="PlaceHolder 4"/>
+          <p:cNvPr id="150" name="PlaceHolder 4"/>
           <p:cNvSpPr>
             <a:spLocks noGrp="1"/>
           </p:cNvSpPr>
@@ -4384,7 +4385,7 @@
         <p:spPr>
           <a:xfrm>
             <a:off x="504000" y="4058640"/>
-            <a:ext cx="9071640" cy="2090880"/>
+            <a:ext cx="9072000" cy="2090880"/>
           </a:xfrm>
           <a:prstGeom prst="rect">
             <a:avLst/>
@@ -4425,7 +4426,7 @@
       </p:grpSpPr>
       <p:sp>
         <p:nvSpPr>
-          <p:cNvPr id="152" name="PlaceHolder 1"/>
+          <p:cNvPr id="151" name="PlaceHolder 1"/>
           <p:cNvSpPr>
             <a:spLocks noGrp="1"/>
           </p:cNvSpPr>
@@ -4435,8 +4436,8 @@
         </p:nvSpPr>
         <p:spPr>
           <a:xfrm>
-            <a:off x="360000" y="3148560"/>
-            <a:ext cx="9359280" cy="1262160"/>
+            <a:off x="504000" y="301320"/>
+            <a:ext cx="9072000" cy="1261800"/>
           </a:xfrm>
           <a:prstGeom prst="rect">
             <a:avLst/>
@@ -4456,7 +4457,7 @@
       </p:sp>
       <p:sp>
         <p:nvSpPr>
-          <p:cNvPr id="153" name="PlaceHolder 2"/>
+          <p:cNvPr id="152" name="PlaceHolder 2"/>
           <p:cNvSpPr>
             <a:spLocks noGrp="1"/>
           </p:cNvSpPr>
@@ -4467,26 +4468,26 @@
         <p:spPr>
           <a:xfrm>
             <a:off x="504000" y="1768680"/>
-            <a:ext cx="9071640" cy="2090880"/>
-          </a:xfrm>
-          <a:prstGeom prst="rect">
-            <a:avLst/>
-          </a:prstGeom>
-        </p:spPr>
-        <p:txBody>
-          <a:bodyPr lIns="0" rIns="0" tIns="0" bIns="0">
-            <a:normAutofit/>
-          </a:bodyPr>
-          <a:p>
-            <a:endParaRPr b="0" lang="es-ES" sz="3200" spc="-1" strike="noStrike">
-              <a:latin typeface="Arial"/>
-            </a:endParaRPr>
-          </a:p>
-        </p:txBody>
-      </p:sp>
-      <p:sp>
-        <p:nvSpPr>
-          <p:cNvPr id="154" name="PlaceHolder 3"/>
+            <a:ext cx="9072000" cy="2090880"/>
+          </a:xfrm>
+          <a:prstGeom prst="rect">
+            <a:avLst/>
+          </a:prstGeom>
+        </p:spPr>
+        <p:txBody>
+          <a:bodyPr lIns="0" rIns="0" tIns="0" bIns="0">
+            <a:normAutofit/>
+          </a:bodyPr>
+          <a:p>
+            <a:endParaRPr b="0" lang="es-ES" sz="3200" spc="-1" strike="noStrike">
+              <a:latin typeface="Arial"/>
+            </a:endParaRPr>
+          </a:p>
+        </p:txBody>
+      </p:sp>
+      <p:sp>
+        <p:nvSpPr>
+          <p:cNvPr id="153" name="PlaceHolder 3"/>
           <p:cNvSpPr>
             <a:spLocks noGrp="1"/>
           </p:cNvSpPr>
@@ -4497,7 +4498,7 @@
         <p:spPr>
           <a:xfrm>
             <a:off x="504000" y="4058640"/>
-            <a:ext cx="9071640" cy="2090880"/>
+            <a:ext cx="9072000" cy="2090880"/>
           </a:xfrm>
           <a:prstGeom prst="rect">
             <a:avLst/>
@@ -4538,7 +4539,7 @@
       </p:grpSpPr>
       <p:sp>
         <p:nvSpPr>
-          <p:cNvPr id="155" name="PlaceHolder 1"/>
+          <p:cNvPr id="154" name="PlaceHolder 1"/>
           <p:cNvSpPr>
             <a:spLocks noGrp="1"/>
           </p:cNvSpPr>
@@ -4548,8 +4549,8 @@
         </p:nvSpPr>
         <p:spPr>
           <a:xfrm>
-            <a:off x="360000" y="3148560"/>
-            <a:ext cx="9359280" cy="1262160"/>
+            <a:off x="504000" y="301320"/>
+            <a:ext cx="9072000" cy="1261800"/>
           </a:xfrm>
           <a:prstGeom prst="rect">
             <a:avLst/>
@@ -4569,7 +4570,7 @@
       </p:sp>
       <p:sp>
         <p:nvSpPr>
-          <p:cNvPr id="156" name="PlaceHolder 2"/>
+          <p:cNvPr id="155" name="PlaceHolder 2"/>
           <p:cNvSpPr>
             <a:spLocks noGrp="1"/>
           </p:cNvSpPr>
@@ -4599,7 +4600,7 @@
       </p:sp>
       <p:sp>
         <p:nvSpPr>
-          <p:cNvPr id="157" name="PlaceHolder 3"/>
+          <p:cNvPr id="156" name="PlaceHolder 3"/>
           <p:cNvSpPr>
             <a:spLocks noGrp="1"/>
           </p:cNvSpPr>
@@ -4629,7 +4630,7 @@
       </p:sp>
       <p:sp>
         <p:nvSpPr>
-          <p:cNvPr id="158" name="PlaceHolder 4"/>
+          <p:cNvPr id="157" name="PlaceHolder 4"/>
           <p:cNvSpPr>
             <a:spLocks noGrp="1"/>
           </p:cNvSpPr>
@@ -4659,7 +4660,7 @@
       </p:sp>
       <p:sp>
         <p:nvSpPr>
-          <p:cNvPr id="159" name="PlaceHolder 5"/>
+          <p:cNvPr id="158" name="PlaceHolder 5"/>
           <p:cNvSpPr>
             <a:spLocks noGrp="1"/>
           </p:cNvSpPr>
@@ -4711,7 +4712,7 @@
       </p:grpSpPr>
       <p:sp>
         <p:nvSpPr>
-          <p:cNvPr id="160" name="PlaceHolder 1"/>
+          <p:cNvPr id="159" name="PlaceHolder 1"/>
           <p:cNvSpPr>
             <a:spLocks noGrp="1"/>
           </p:cNvSpPr>
@@ -4721,8 +4722,8 @@
         </p:nvSpPr>
         <p:spPr>
           <a:xfrm>
-            <a:off x="360000" y="3148560"/>
-            <a:ext cx="9359280" cy="1262160"/>
+            <a:off x="504000" y="301320"/>
+            <a:ext cx="9072000" cy="1261800"/>
           </a:xfrm>
           <a:prstGeom prst="rect">
             <a:avLst/>
@@ -4742,7 +4743,7 @@
       </p:sp>
       <p:sp>
         <p:nvSpPr>
-          <p:cNvPr id="161" name="PlaceHolder 2"/>
+          <p:cNvPr id="160" name="PlaceHolder 2"/>
           <p:cNvSpPr>
             <a:spLocks noGrp="1"/>
           </p:cNvSpPr>
@@ -4753,86 +4754,86 @@
         <p:spPr>
           <a:xfrm>
             <a:off x="504000" y="1768680"/>
-            <a:ext cx="2920680" cy="2090880"/>
-          </a:xfrm>
-          <a:prstGeom prst="rect">
-            <a:avLst/>
-          </a:prstGeom>
-        </p:spPr>
-        <p:txBody>
-          <a:bodyPr lIns="0" rIns="0" tIns="0" bIns="0">
-            <a:normAutofit/>
-          </a:bodyPr>
-          <a:p>
-            <a:endParaRPr b="0" lang="es-ES" sz="3200" spc="-1" strike="noStrike">
-              <a:latin typeface="Arial"/>
-            </a:endParaRPr>
-          </a:p>
-        </p:txBody>
-      </p:sp>
-      <p:sp>
-        <p:nvSpPr>
-          <p:cNvPr id="162" name="PlaceHolder 3"/>
-          <p:cNvSpPr>
-            <a:spLocks noGrp="1"/>
-          </p:cNvSpPr>
-          <p:nvPr>
-            <p:ph type="body"/>
-          </p:nvPr>
-        </p:nvSpPr>
-        <p:spPr>
-          <a:xfrm>
-            <a:off x="3571200" y="1768680"/>
-            <a:ext cx="2920680" cy="2090880"/>
-          </a:xfrm>
-          <a:prstGeom prst="rect">
-            <a:avLst/>
-          </a:prstGeom>
-        </p:spPr>
-        <p:txBody>
-          <a:bodyPr lIns="0" rIns="0" tIns="0" bIns="0">
-            <a:normAutofit/>
-          </a:bodyPr>
-          <a:p>
-            <a:endParaRPr b="0" lang="es-ES" sz="3200" spc="-1" strike="noStrike">
-              <a:latin typeface="Arial"/>
-            </a:endParaRPr>
-          </a:p>
-        </p:txBody>
-      </p:sp>
-      <p:sp>
-        <p:nvSpPr>
-          <p:cNvPr id="163" name="PlaceHolder 4"/>
-          <p:cNvSpPr>
-            <a:spLocks noGrp="1"/>
-          </p:cNvSpPr>
-          <p:nvPr>
-            <p:ph type="body"/>
-          </p:nvPr>
-        </p:nvSpPr>
-        <p:spPr>
-          <a:xfrm>
-            <a:off x="6638040" y="1768680"/>
-            <a:ext cx="2920680" cy="2090880"/>
-          </a:xfrm>
-          <a:prstGeom prst="rect">
-            <a:avLst/>
-          </a:prstGeom>
-        </p:spPr>
-        <p:txBody>
-          <a:bodyPr lIns="0" rIns="0" tIns="0" bIns="0">
-            <a:normAutofit/>
-          </a:bodyPr>
-          <a:p>
-            <a:endParaRPr b="0" lang="es-ES" sz="3200" spc="-1" strike="noStrike">
-              <a:latin typeface="Arial"/>
-            </a:endParaRPr>
-          </a:p>
-        </p:txBody>
-      </p:sp>
-      <p:sp>
-        <p:nvSpPr>
-          <p:cNvPr id="164" name="PlaceHolder 5"/>
+            <a:ext cx="2921040" cy="2090880"/>
+          </a:xfrm>
+          <a:prstGeom prst="rect">
+            <a:avLst/>
+          </a:prstGeom>
+        </p:spPr>
+        <p:txBody>
+          <a:bodyPr lIns="0" rIns="0" tIns="0" bIns="0">
+            <a:normAutofit/>
+          </a:bodyPr>
+          <a:p>
+            <a:endParaRPr b="0" lang="es-ES" sz="3200" spc="-1" strike="noStrike">
+              <a:latin typeface="Arial"/>
+            </a:endParaRPr>
+          </a:p>
+        </p:txBody>
+      </p:sp>
+      <p:sp>
+        <p:nvSpPr>
+          <p:cNvPr id="161" name="PlaceHolder 3"/>
+          <p:cNvSpPr>
+            <a:spLocks noGrp="1"/>
+          </p:cNvSpPr>
+          <p:nvPr>
+            <p:ph type="body"/>
+          </p:nvPr>
+        </p:nvSpPr>
+        <p:spPr>
+          <a:xfrm>
+            <a:off x="3571560" y="1768680"/>
+            <a:ext cx="2921040" cy="2090880"/>
+          </a:xfrm>
+          <a:prstGeom prst="rect">
+            <a:avLst/>
+          </a:prstGeom>
+        </p:spPr>
+        <p:txBody>
+          <a:bodyPr lIns="0" rIns="0" tIns="0" bIns="0">
+            <a:normAutofit/>
+          </a:bodyPr>
+          <a:p>
+            <a:endParaRPr b="0" lang="es-ES" sz="3200" spc="-1" strike="noStrike">
+              <a:latin typeface="Arial"/>
+            </a:endParaRPr>
+          </a:p>
+        </p:txBody>
+      </p:sp>
+      <p:sp>
+        <p:nvSpPr>
+          <p:cNvPr id="162" name="PlaceHolder 4"/>
+          <p:cNvSpPr>
+            <a:spLocks noGrp="1"/>
+          </p:cNvSpPr>
+          <p:nvPr>
+            <p:ph type="body"/>
+          </p:nvPr>
+        </p:nvSpPr>
+        <p:spPr>
+          <a:xfrm>
+            <a:off x="6639120" y="1768680"/>
+            <a:ext cx="2921040" cy="2090880"/>
+          </a:xfrm>
+          <a:prstGeom prst="rect">
+            <a:avLst/>
+          </a:prstGeom>
+        </p:spPr>
+        <p:txBody>
+          <a:bodyPr lIns="0" rIns="0" tIns="0" bIns="0">
+            <a:normAutofit/>
+          </a:bodyPr>
+          <a:p>
+            <a:endParaRPr b="0" lang="es-ES" sz="3200" spc="-1" strike="noStrike">
+              <a:latin typeface="Arial"/>
+            </a:endParaRPr>
+          </a:p>
+        </p:txBody>
+      </p:sp>
+      <p:sp>
+        <p:nvSpPr>
+          <p:cNvPr id="163" name="PlaceHolder 5"/>
           <p:cNvSpPr>
             <a:spLocks noGrp="1"/>
           </p:cNvSpPr>
@@ -4843,67 +4844,67 @@
         <p:spPr>
           <a:xfrm>
             <a:off x="504000" y="4058640"/>
-            <a:ext cx="2920680" cy="2090880"/>
-          </a:xfrm>
-          <a:prstGeom prst="rect">
-            <a:avLst/>
-          </a:prstGeom>
-        </p:spPr>
-        <p:txBody>
-          <a:bodyPr lIns="0" rIns="0" tIns="0" bIns="0">
-            <a:normAutofit/>
-          </a:bodyPr>
-          <a:p>
-            <a:endParaRPr b="0" lang="es-ES" sz="3200" spc="-1" strike="noStrike">
-              <a:latin typeface="Arial"/>
-            </a:endParaRPr>
-          </a:p>
-        </p:txBody>
-      </p:sp>
-      <p:sp>
-        <p:nvSpPr>
-          <p:cNvPr id="165" name="PlaceHolder 6"/>
-          <p:cNvSpPr>
-            <a:spLocks noGrp="1"/>
-          </p:cNvSpPr>
-          <p:nvPr>
-            <p:ph type="body"/>
-          </p:nvPr>
-        </p:nvSpPr>
-        <p:spPr>
-          <a:xfrm>
-            <a:off x="3571200" y="4058640"/>
-            <a:ext cx="2920680" cy="2090880"/>
-          </a:xfrm>
-          <a:prstGeom prst="rect">
-            <a:avLst/>
-          </a:prstGeom>
-        </p:spPr>
-        <p:txBody>
-          <a:bodyPr lIns="0" rIns="0" tIns="0" bIns="0">
-            <a:normAutofit/>
-          </a:bodyPr>
-          <a:p>
-            <a:endParaRPr b="0" lang="es-ES" sz="3200" spc="-1" strike="noStrike">
-              <a:latin typeface="Arial"/>
-            </a:endParaRPr>
-          </a:p>
-        </p:txBody>
-      </p:sp>
-      <p:sp>
-        <p:nvSpPr>
-          <p:cNvPr id="166" name="PlaceHolder 7"/>
-          <p:cNvSpPr>
-            <a:spLocks noGrp="1"/>
-          </p:cNvSpPr>
-          <p:nvPr>
-            <p:ph type="body"/>
-          </p:nvPr>
-        </p:nvSpPr>
-        <p:spPr>
-          <a:xfrm>
-            <a:off x="6638040" y="4058640"/>
-            <a:ext cx="2920680" cy="2090880"/>
+            <a:ext cx="2921040" cy="2090880"/>
+          </a:xfrm>
+          <a:prstGeom prst="rect">
+            <a:avLst/>
+          </a:prstGeom>
+        </p:spPr>
+        <p:txBody>
+          <a:bodyPr lIns="0" rIns="0" tIns="0" bIns="0">
+            <a:normAutofit/>
+          </a:bodyPr>
+          <a:p>
+            <a:endParaRPr b="0" lang="es-ES" sz="3200" spc="-1" strike="noStrike">
+              <a:latin typeface="Arial"/>
+            </a:endParaRPr>
+          </a:p>
+        </p:txBody>
+      </p:sp>
+      <p:sp>
+        <p:nvSpPr>
+          <p:cNvPr id="164" name="PlaceHolder 6"/>
+          <p:cNvSpPr>
+            <a:spLocks noGrp="1"/>
+          </p:cNvSpPr>
+          <p:nvPr>
+            <p:ph type="body"/>
+          </p:nvPr>
+        </p:nvSpPr>
+        <p:spPr>
+          <a:xfrm>
+            <a:off x="3571560" y="4058640"/>
+            <a:ext cx="2921040" cy="2090880"/>
+          </a:xfrm>
+          <a:prstGeom prst="rect">
+            <a:avLst/>
+          </a:prstGeom>
+        </p:spPr>
+        <p:txBody>
+          <a:bodyPr lIns="0" rIns="0" tIns="0" bIns="0">
+            <a:normAutofit/>
+          </a:bodyPr>
+          <a:p>
+            <a:endParaRPr b="0" lang="es-ES" sz="3200" spc="-1" strike="noStrike">
+              <a:latin typeface="Arial"/>
+            </a:endParaRPr>
+          </a:p>
+        </p:txBody>
+      </p:sp>
+      <p:sp>
+        <p:nvSpPr>
+          <p:cNvPr id="165" name="PlaceHolder 7"/>
+          <p:cNvSpPr>
+            <a:spLocks noGrp="1"/>
+          </p:cNvSpPr>
+          <p:nvPr>
+            <p:ph type="body"/>
+          </p:nvPr>
+        </p:nvSpPr>
+        <p:spPr>
+          <a:xfrm>
+            <a:off x="6639120" y="4058640"/>
+            <a:ext cx="2921040" cy="2090880"/>
           </a:xfrm>
           <a:prstGeom prst="rect">
             <a:avLst/>
@@ -4976,8 +4977,8 @@
         </p:nvSpPr>
         <p:spPr>
           <a:xfrm>
-            <a:off x="360000" y="3148560"/>
-            <a:ext cx="9359280" cy="1262160"/>
+            <a:off x="504000" y="301320"/>
+            <a:ext cx="9072000" cy="1261800"/>
           </a:xfrm>
           <a:prstGeom prst="rect">
             <a:avLst/>
@@ -5029,8 +5030,8 @@
         </p:nvSpPr>
         <p:spPr>
           <a:xfrm>
-            <a:off x="360000" y="3148560"/>
-            <a:ext cx="9359280" cy="1262160"/>
+            <a:off x="504000" y="301320"/>
+            <a:ext cx="9072000" cy="1261800"/>
           </a:xfrm>
           <a:prstGeom prst="rect">
             <a:avLst/>
@@ -5061,7 +5062,7 @@
         <p:spPr>
           <a:xfrm>
             <a:off x="504000" y="1768680"/>
-            <a:ext cx="9071640" cy="4383720"/>
+            <a:ext cx="9072000" cy="4384080"/>
           </a:xfrm>
           <a:prstGeom prst="rect">
             <a:avLst/>
@@ -5113,8 +5114,8 @@
         </p:nvSpPr>
         <p:spPr>
           <a:xfrm>
-            <a:off x="360000" y="3148560"/>
-            <a:ext cx="9359280" cy="1262160"/>
+            <a:off x="504000" y="301320"/>
+            <a:ext cx="9072000" cy="1261800"/>
           </a:xfrm>
           <a:prstGeom prst="rect">
             <a:avLst/>
@@ -5145,7 +5146,7 @@
         <p:spPr>
           <a:xfrm>
             <a:off x="504000" y="1768680"/>
-            <a:ext cx="9071640" cy="4383720"/>
+            <a:ext cx="9072000" cy="4384080"/>
           </a:xfrm>
           <a:prstGeom prst="rect">
             <a:avLst/>
@@ -5196,8 +5197,8 @@
         </p:nvSpPr>
         <p:spPr>
           <a:xfrm>
-            <a:off x="360000" y="3148560"/>
-            <a:ext cx="9359280" cy="1262160"/>
+            <a:off x="504000" y="301320"/>
+            <a:ext cx="9072000" cy="1261800"/>
           </a:xfrm>
           <a:prstGeom prst="rect">
             <a:avLst/>
@@ -5228,7 +5229,7 @@
         <p:spPr>
           <a:xfrm>
             <a:off x="504000" y="1768680"/>
-            <a:ext cx="4426920" cy="4383720"/>
+            <a:ext cx="4426920" cy="4384080"/>
           </a:xfrm>
           <a:prstGeom prst="rect">
             <a:avLst/>
@@ -5258,7 +5259,7 @@
         <p:spPr>
           <a:xfrm>
             <a:off x="5152680" y="1768680"/>
-            <a:ext cx="4426920" cy="4383720"/>
+            <a:ext cx="4426920" cy="4384080"/>
           </a:xfrm>
           <a:prstGeom prst="rect">
             <a:avLst/>
@@ -5309,8 +5310,8 @@
         </p:nvSpPr>
         <p:spPr>
           <a:xfrm>
-            <a:off x="360000" y="3148560"/>
-            <a:ext cx="9359280" cy="1262160"/>
+            <a:off x="504000" y="301320"/>
+            <a:ext cx="9072000" cy="1261800"/>
           </a:xfrm>
           <a:prstGeom prst="rect">
             <a:avLst/>
@@ -5362,8 +5363,8 @@
         </p:nvSpPr>
         <p:spPr>
           <a:xfrm>
-            <a:off x="360000" y="3148560"/>
-            <a:ext cx="9359280" cy="5851800"/>
+            <a:off x="504000" y="301320"/>
+            <a:ext cx="9072000" cy="5850360"/>
           </a:xfrm>
           <a:prstGeom prst="rect">
             <a:avLst/>
@@ -5415,8 +5416,8 @@
         </p:nvSpPr>
         <p:spPr>
           <a:xfrm>
-            <a:off x="360000" y="3148560"/>
-            <a:ext cx="9359280" cy="1262160"/>
+            <a:off x="504000" y="301320"/>
+            <a:ext cx="9072000" cy="1261800"/>
           </a:xfrm>
           <a:prstGeom prst="rect">
             <a:avLst/>
@@ -5477,7 +5478,7 @@
         <p:spPr>
           <a:xfrm>
             <a:off x="5152680" y="1768680"/>
-            <a:ext cx="4426920" cy="4383720"/>
+            <a:ext cx="4426920" cy="4384080"/>
           </a:xfrm>
           <a:prstGeom prst="rect">
             <a:avLst/>
@@ -5558,8 +5559,8 @@
         </p:nvSpPr>
         <p:spPr>
           <a:xfrm>
-            <a:off x="360000" y="3148560"/>
-            <a:ext cx="9359280" cy="1262160"/>
+            <a:off x="504000" y="301320"/>
+            <a:ext cx="9072000" cy="1261800"/>
           </a:xfrm>
           <a:prstGeom prst="rect">
             <a:avLst/>
@@ -5590,7 +5591,7 @@
         <p:spPr>
           <a:xfrm>
             <a:off x="504000" y="1768680"/>
-            <a:ext cx="4426920" cy="4383720"/>
+            <a:ext cx="4426920" cy="4384080"/>
           </a:xfrm>
           <a:prstGeom prst="rect">
             <a:avLst/>
@@ -5701,8 +5702,8 @@
         </p:nvSpPr>
         <p:spPr>
           <a:xfrm>
-            <a:off x="360000" y="3148560"/>
-            <a:ext cx="9359280" cy="1262160"/>
+            <a:off x="504000" y="301320"/>
+            <a:ext cx="9072000" cy="1261800"/>
           </a:xfrm>
           <a:prstGeom prst="rect">
             <a:avLst/>
@@ -5793,7 +5794,7 @@
         <p:spPr>
           <a:xfrm>
             <a:off x="504000" y="4058640"/>
-            <a:ext cx="9071640" cy="2090880"/>
+            <a:ext cx="9072000" cy="2090880"/>
           </a:xfrm>
           <a:prstGeom prst="rect">
             <a:avLst/>
@@ -5844,8 +5845,8 @@
         </p:nvSpPr>
         <p:spPr>
           <a:xfrm>
-            <a:off x="360000" y="3148560"/>
-            <a:ext cx="9359280" cy="1262160"/>
+            <a:off x="504000" y="301320"/>
+            <a:ext cx="9072000" cy="1261800"/>
           </a:xfrm>
           <a:prstGeom prst="rect">
             <a:avLst/>
@@ -5876,7 +5877,7 @@
         <p:spPr>
           <a:xfrm>
             <a:off x="504000" y="1768680"/>
-            <a:ext cx="9071640" cy="2090880"/>
+            <a:ext cx="9072000" cy="2090880"/>
           </a:xfrm>
           <a:prstGeom prst="rect">
             <a:avLst/>
@@ -5906,7 +5907,7 @@
         <p:spPr>
           <a:xfrm>
             <a:off x="504000" y="4058640"/>
-            <a:ext cx="9071640" cy="2090880"/>
+            <a:ext cx="9072000" cy="2090880"/>
           </a:xfrm>
           <a:prstGeom prst="rect">
             <a:avLst/>
@@ -5957,8 +5958,8 @@
         </p:nvSpPr>
         <p:spPr>
           <a:xfrm>
-            <a:off x="360000" y="3148560"/>
-            <a:ext cx="9359280" cy="1262160"/>
+            <a:off x="504000" y="301320"/>
+            <a:ext cx="9072000" cy="1261800"/>
           </a:xfrm>
           <a:prstGeom prst="rect">
             <a:avLst/>
@@ -6130,8 +6131,8 @@
         </p:nvSpPr>
         <p:spPr>
           <a:xfrm>
-            <a:off x="360000" y="3148560"/>
-            <a:ext cx="9359280" cy="5851800"/>
+            <a:off x="504000" y="301320"/>
+            <a:ext cx="9072000" cy="5850360"/>
           </a:xfrm>
           <a:prstGeom prst="rect">
             <a:avLst/>
@@ -6183,8 +6184,8 @@
         </p:nvSpPr>
         <p:spPr>
           <a:xfrm>
-            <a:off x="360000" y="3148560"/>
-            <a:ext cx="9359280" cy="1262160"/>
+            <a:off x="504000" y="301320"/>
+            <a:ext cx="9072000" cy="1261800"/>
           </a:xfrm>
           <a:prstGeom prst="rect">
             <a:avLst/>
@@ -6215,7 +6216,7 @@
         <p:spPr>
           <a:xfrm>
             <a:off x="504000" y="1768680"/>
-            <a:ext cx="2920680" cy="2090880"/>
+            <a:ext cx="2921040" cy="2090880"/>
           </a:xfrm>
           <a:prstGeom prst="rect">
             <a:avLst/>
@@ -6244,8 +6245,8 @@
         </p:nvSpPr>
         <p:spPr>
           <a:xfrm>
-            <a:off x="3571200" y="1768680"/>
-            <a:ext cx="2920680" cy="2090880"/>
+            <a:off x="3571560" y="1768680"/>
+            <a:ext cx="2921040" cy="2090880"/>
           </a:xfrm>
           <a:prstGeom prst="rect">
             <a:avLst/>
@@ -6274,8 +6275,8 @@
         </p:nvSpPr>
         <p:spPr>
           <a:xfrm>
-            <a:off x="6638040" y="1768680"/>
-            <a:ext cx="2920680" cy="2090880"/>
+            <a:off x="6639120" y="1768680"/>
+            <a:ext cx="2921040" cy="2090880"/>
           </a:xfrm>
           <a:prstGeom prst="rect">
             <a:avLst/>
@@ -6305,7 +6306,7 @@
         <p:spPr>
           <a:xfrm>
             <a:off x="504000" y="4058640"/>
-            <a:ext cx="2920680" cy="2090880"/>
+            <a:ext cx="2921040" cy="2090880"/>
           </a:xfrm>
           <a:prstGeom prst="rect">
             <a:avLst/>
@@ -6334,8 +6335,8 @@
         </p:nvSpPr>
         <p:spPr>
           <a:xfrm>
-            <a:off x="3571200" y="4058640"/>
-            <a:ext cx="2920680" cy="2090880"/>
+            <a:off x="3571560" y="4058640"/>
+            <a:ext cx="2921040" cy="2090880"/>
           </a:xfrm>
           <a:prstGeom prst="rect">
             <a:avLst/>
@@ -6364,8 +6365,8 @@
         </p:nvSpPr>
         <p:spPr>
           <a:xfrm>
-            <a:off x="6638040" y="4058640"/>
-            <a:ext cx="2920680" cy="2090880"/>
+            <a:off x="6639120" y="4058640"/>
+            <a:ext cx="2921040" cy="2090880"/>
           </a:xfrm>
           <a:prstGeom prst="rect">
             <a:avLst/>
@@ -6428,7 +6429,7 @@
       </p:grpSpPr>
       <p:sp>
         <p:nvSpPr>
-          <p:cNvPr id="212" name="PlaceHolder 1"/>
+          <p:cNvPr id="215" name="PlaceHolder 1"/>
           <p:cNvSpPr>
             <a:spLocks noGrp="1"/>
           </p:cNvSpPr>
@@ -6438,8 +6439,8 @@
         </p:nvSpPr>
         <p:spPr>
           <a:xfrm>
-            <a:off x="360000" y="3148560"/>
-            <a:ext cx="9359280" cy="1262160"/>
+            <a:off x="504000" y="301320"/>
+            <a:ext cx="9072000" cy="1261800"/>
           </a:xfrm>
           <a:prstGeom prst="rect">
             <a:avLst/>
@@ -6459,7 +6460,7 @@
       </p:sp>
       <p:sp>
         <p:nvSpPr>
-          <p:cNvPr id="213" name="PlaceHolder 2"/>
+          <p:cNvPr id="216" name="PlaceHolder 2"/>
           <p:cNvSpPr>
             <a:spLocks noGrp="1"/>
           </p:cNvSpPr>
@@ -6470,7 +6471,7 @@
         <p:spPr>
           <a:xfrm>
             <a:off x="504000" y="1768680"/>
-            <a:ext cx="9071640" cy="4383720"/>
+            <a:ext cx="9072000" cy="4384080"/>
           </a:xfrm>
           <a:prstGeom prst="rect">
             <a:avLst/>
@@ -6512,7 +6513,7 @@
       </p:grpSpPr>
       <p:sp>
         <p:nvSpPr>
-          <p:cNvPr id="214" name="PlaceHolder 1"/>
+          <p:cNvPr id="217" name="PlaceHolder 1"/>
           <p:cNvSpPr>
             <a:spLocks noGrp="1"/>
           </p:cNvSpPr>
@@ -6522,8 +6523,8 @@
         </p:nvSpPr>
         <p:spPr>
           <a:xfrm>
-            <a:off x="360000" y="3148560"/>
-            <a:ext cx="9359280" cy="1262160"/>
+            <a:off x="504000" y="301320"/>
+            <a:ext cx="9072000" cy="1261800"/>
           </a:xfrm>
           <a:prstGeom prst="rect">
             <a:avLst/>
@@ -6543,7 +6544,7 @@
       </p:sp>
       <p:sp>
         <p:nvSpPr>
-          <p:cNvPr id="215" name="PlaceHolder 2"/>
+          <p:cNvPr id="218" name="PlaceHolder 2"/>
           <p:cNvSpPr>
             <a:spLocks noGrp="1"/>
           </p:cNvSpPr>
@@ -6554,7 +6555,7 @@
         <p:spPr>
           <a:xfrm>
             <a:off x="504000" y="1768680"/>
-            <a:ext cx="9071640" cy="4383720"/>
+            <a:ext cx="9072000" cy="4384080"/>
           </a:xfrm>
           <a:prstGeom prst="rect">
             <a:avLst/>
@@ -6595,7 +6596,7 @@
       </p:grpSpPr>
       <p:sp>
         <p:nvSpPr>
-          <p:cNvPr id="216" name="PlaceHolder 1"/>
+          <p:cNvPr id="219" name="PlaceHolder 1"/>
           <p:cNvSpPr>
             <a:spLocks noGrp="1"/>
           </p:cNvSpPr>
@@ -6605,8 +6606,8 @@
         </p:nvSpPr>
         <p:spPr>
           <a:xfrm>
-            <a:off x="360000" y="3148560"/>
-            <a:ext cx="9359280" cy="1262160"/>
+            <a:off x="504000" y="301320"/>
+            <a:ext cx="9072000" cy="1261800"/>
           </a:xfrm>
           <a:prstGeom prst="rect">
             <a:avLst/>
@@ -6626,7 +6627,7 @@
       </p:sp>
       <p:sp>
         <p:nvSpPr>
-          <p:cNvPr id="217" name="PlaceHolder 2"/>
+          <p:cNvPr id="220" name="PlaceHolder 2"/>
           <p:cNvSpPr>
             <a:spLocks noGrp="1"/>
           </p:cNvSpPr>
@@ -6637,26 +6638,26 @@
         <p:spPr>
           <a:xfrm>
             <a:off x="504000" y="1768680"/>
-            <a:ext cx="4426920" cy="4383720"/>
-          </a:xfrm>
-          <a:prstGeom prst="rect">
-            <a:avLst/>
-          </a:prstGeom>
-        </p:spPr>
-        <p:txBody>
-          <a:bodyPr lIns="0" rIns="0" tIns="0" bIns="0">
-            <a:normAutofit/>
-          </a:bodyPr>
-          <a:p>
-            <a:endParaRPr b="0" lang="es-ES" sz="3200" spc="-1" strike="noStrike">
-              <a:latin typeface="Arial"/>
-            </a:endParaRPr>
-          </a:p>
-        </p:txBody>
-      </p:sp>
-      <p:sp>
-        <p:nvSpPr>
-          <p:cNvPr id="218" name="PlaceHolder 3"/>
+            <a:ext cx="4426920" cy="4384080"/>
+          </a:xfrm>
+          <a:prstGeom prst="rect">
+            <a:avLst/>
+          </a:prstGeom>
+        </p:spPr>
+        <p:txBody>
+          <a:bodyPr lIns="0" rIns="0" tIns="0" bIns="0">
+            <a:normAutofit/>
+          </a:bodyPr>
+          <a:p>
+            <a:endParaRPr b="0" lang="es-ES" sz="3200" spc="-1" strike="noStrike">
+              <a:latin typeface="Arial"/>
+            </a:endParaRPr>
+          </a:p>
+        </p:txBody>
+      </p:sp>
+      <p:sp>
+        <p:nvSpPr>
+          <p:cNvPr id="221" name="PlaceHolder 3"/>
           <p:cNvSpPr>
             <a:spLocks noGrp="1"/>
           </p:cNvSpPr>
@@ -6667,7 +6668,7 @@
         <p:spPr>
           <a:xfrm>
             <a:off x="5152680" y="1768680"/>
-            <a:ext cx="4426920" cy="4383720"/>
+            <a:ext cx="4426920" cy="4384080"/>
           </a:xfrm>
           <a:prstGeom prst="rect">
             <a:avLst/>
@@ -6708,7 +6709,7 @@
       </p:grpSpPr>
       <p:sp>
         <p:nvSpPr>
-          <p:cNvPr id="219" name="PlaceHolder 1"/>
+          <p:cNvPr id="222" name="PlaceHolder 1"/>
           <p:cNvSpPr>
             <a:spLocks noGrp="1"/>
           </p:cNvSpPr>
@@ -6718,8 +6719,8 @@
         </p:nvSpPr>
         <p:spPr>
           <a:xfrm>
-            <a:off x="360000" y="3148560"/>
-            <a:ext cx="9359280" cy="1262160"/>
+            <a:off x="504000" y="301320"/>
+            <a:ext cx="9072000" cy="1261800"/>
           </a:xfrm>
           <a:prstGeom prst="rect">
             <a:avLst/>
@@ -6761,7 +6762,7 @@
       </p:grpSpPr>
       <p:sp>
         <p:nvSpPr>
-          <p:cNvPr id="220" name="PlaceHolder 1"/>
+          <p:cNvPr id="223" name="PlaceHolder 1"/>
           <p:cNvSpPr>
             <a:spLocks noGrp="1"/>
           </p:cNvSpPr>
@@ -6771,8 +6772,8 @@
         </p:nvSpPr>
         <p:spPr>
           <a:xfrm>
-            <a:off x="360000" y="3148560"/>
-            <a:ext cx="9359280" cy="5851800"/>
+            <a:off x="504000" y="301320"/>
+            <a:ext cx="9072000" cy="5850360"/>
           </a:xfrm>
           <a:prstGeom prst="rect">
             <a:avLst/>
@@ -6814,7 +6815,7 @@
       </p:grpSpPr>
       <p:sp>
         <p:nvSpPr>
-          <p:cNvPr id="221" name="PlaceHolder 1"/>
+          <p:cNvPr id="224" name="PlaceHolder 1"/>
           <p:cNvSpPr>
             <a:spLocks noGrp="1"/>
           </p:cNvSpPr>
@@ -6824,8 +6825,8 @@
         </p:nvSpPr>
         <p:spPr>
           <a:xfrm>
-            <a:off x="360000" y="3148560"/>
-            <a:ext cx="9359280" cy="1262160"/>
+            <a:off x="504000" y="301320"/>
+            <a:ext cx="9072000" cy="1261800"/>
           </a:xfrm>
           <a:prstGeom prst="rect">
             <a:avLst/>
@@ -6845,7 +6846,7 @@
       </p:sp>
       <p:sp>
         <p:nvSpPr>
-          <p:cNvPr id="222" name="PlaceHolder 2"/>
+          <p:cNvPr id="225" name="PlaceHolder 2"/>
           <p:cNvSpPr>
             <a:spLocks noGrp="1"/>
           </p:cNvSpPr>
@@ -6875,7 +6876,7 @@
       </p:sp>
       <p:sp>
         <p:nvSpPr>
-          <p:cNvPr id="223" name="PlaceHolder 3"/>
+          <p:cNvPr id="226" name="PlaceHolder 3"/>
           <p:cNvSpPr>
             <a:spLocks noGrp="1"/>
           </p:cNvSpPr>
@@ -6886,26 +6887,26 @@
         <p:spPr>
           <a:xfrm>
             <a:off x="5152680" y="1768680"/>
-            <a:ext cx="4426920" cy="4383720"/>
-          </a:xfrm>
-          <a:prstGeom prst="rect">
-            <a:avLst/>
-          </a:prstGeom>
-        </p:spPr>
-        <p:txBody>
-          <a:bodyPr lIns="0" rIns="0" tIns="0" bIns="0">
-            <a:normAutofit/>
-          </a:bodyPr>
-          <a:p>
-            <a:endParaRPr b="0" lang="es-ES" sz="3200" spc="-1" strike="noStrike">
-              <a:latin typeface="Arial"/>
-            </a:endParaRPr>
-          </a:p>
-        </p:txBody>
-      </p:sp>
-      <p:sp>
-        <p:nvSpPr>
-          <p:cNvPr id="224" name="PlaceHolder 4"/>
+            <a:ext cx="4426920" cy="4384080"/>
+          </a:xfrm>
+          <a:prstGeom prst="rect">
+            <a:avLst/>
+          </a:prstGeom>
+        </p:spPr>
+        <p:txBody>
+          <a:bodyPr lIns="0" rIns="0" tIns="0" bIns="0">
+            <a:normAutofit/>
+          </a:bodyPr>
+          <a:p>
+            <a:endParaRPr b="0" lang="es-ES" sz="3200" spc="-1" strike="noStrike">
+              <a:latin typeface="Arial"/>
+            </a:endParaRPr>
+          </a:p>
+        </p:txBody>
+      </p:sp>
+      <p:sp>
+        <p:nvSpPr>
+          <p:cNvPr id="227" name="PlaceHolder 4"/>
           <p:cNvSpPr>
             <a:spLocks noGrp="1"/>
           </p:cNvSpPr>
@@ -6957,7 +6958,7 @@
       </p:grpSpPr>
       <p:sp>
         <p:nvSpPr>
-          <p:cNvPr id="225" name="PlaceHolder 1"/>
+          <p:cNvPr id="228" name="PlaceHolder 1"/>
           <p:cNvSpPr>
             <a:spLocks noGrp="1"/>
           </p:cNvSpPr>
@@ -6967,8 +6968,8 @@
         </p:nvSpPr>
         <p:spPr>
           <a:xfrm>
-            <a:off x="360000" y="3148560"/>
-            <a:ext cx="9359280" cy="1262160"/>
+            <a:off x="504000" y="301320"/>
+            <a:ext cx="9072000" cy="1261800"/>
           </a:xfrm>
           <a:prstGeom prst="rect">
             <a:avLst/>
@@ -6988,7 +6989,7 @@
       </p:sp>
       <p:sp>
         <p:nvSpPr>
-          <p:cNvPr id="226" name="PlaceHolder 2"/>
+          <p:cNvPr id="229" name="PlaceHolder 2"/>
           <p:cNvSpPr>
             <a:spLocks noGrp="1"/>
           </p:cNvSpPr>
@@ -6999,26 +7000,26 @@
         <p:spPr>
           <a:xfrm>
             <a:off x="504000" y="1768680"/>
-            <a:ext cx="4426920" cy="4383720"/>
-          </a:xfrm>
-          <a:prstGeom prst="rect">
-            <a:avLst/>
-          </a:prstGeom>
-        </p:spPr>
-        <p:txBody>
-          <a:bodyPr lIns="0" rIns="0" tIns="0" bIns="0">
-            <a:normAutofit/>
-          </a:bodyPr>
-          <a:p>
-            <a:endParaRPr b="0" lang="es-ES" sz="3200" spc="-1" strike="noStrike">
-              <a:latin typeface="Arial"/>
-            </a:endParaRPr>
-          </a:p>
-        </p:txBody>
-      </p:sp>
-      <p:sp>
-        <p:nvSpPr>
-          <p:cNvPr id="227" name="PlaceHolder 3"/>
+            <a:ext cx="4426920" cy="4384080"/>
+          </a:xfrm>
+          <a:prstGeom prst="rect">
+            <a:avLst/>
+          </a:prstGeom>
+        </p:spPr>
+        <p:txBody>
+          <a:bodyPr lIns="0" rIns="0" tIns="0" bIns="0">
+            <a:normAutofit/>
+          </a:bodyPr>
+          <a:p>
+            <a:endParaRPr b="0" lang="es-ES" sz="3200" spc="-1" strike="noStrike">
+              <a:latin typeface="Arial"/>
+            </a:endParaRPr>
+          </a:p>
+        </p:txBody>
+      </p:sp>
+      <p:sp>
+        <p:nvSpPr>
+          <p:cNvPr id="230" name="PlaceHolder 3"/>
           <p:cNvSpPr>
             <a:spLocks noGrp="1"/>
           </p:cNvSpPr>
@@ -7048,7 +7049,7 @@
       </p:sp>
       <p:sp>
         <p:nvSpPr>
-          <p:cNvPr id="228" name="PlaceHolder 4"/>
+          <p:cNvPr id="231" name="PlaceHolder 4"/>
           <p:cNvSpPr>
             <a:spLocks noGrp="1"/>
           </p:cNvSpPr>
@@ -7100,7 +7101,7 @@
       </p:grpSpPr>
       <p:sp>
         <p:nvSpPr>
-          <p:cNvPr id="229" name="PlaceHolder 1"/>
+          <p:cNvPr id="232" name="PlaceHolder 1"/>
           <p:cNvSpPr>
             <a:spLocks noGrp="1"/>
           </p:cNvSpPr>
@@ -7110,8 +7111,8 @@
         </p:nvSpPr>
         <p:spPr>
           <a:xfrm>
-            <a:off x="360000" y="3148560"/>
-            <a:ext cx="9359280" cy="1262160"/>
+            <a:off x="504000" y="301320"/>
+            <a:ext cx="9072000" cy="1261800"/>
           </a:xfrm>
           <a:prstGeom prst="rect">
             <a:avLst/>
@@ -7131,7 +7132,7 @@
       </p:sp>
       <p:sp>
         <p:nvSpPr>
-          <p:cNvPr id="230" name="PlaceHolder 2"/>
+          <p:cNvPr id="233" name="PlaceHolder 2"/>
           <p:cNvSpPr>
             <a:spLocks noGrp="1"/>
           </p:cNvSpPr>
@@ -7161,7 +7162,7 @@
       </p:sp>
       <p:sp>
         <p:nvSpPr>
-          <p:cNvPr id="231" name="PlaceHolder 3"/>
+          <p:cNvPr id="234" name="PlaceHolder 3"/>
           <p:cNvSpPr>
             <a:spLocks noGrp="1"/>
           </p:cNvSpPr>
@@ -7191,7 +7192,7 @@
       </p:sp>
       <p:sp>
         <p:nvSpPr>
-          <p:cNvPr id="232" name="PlaceHolder 4"/>
+          <p:cNvPr id="235" name="PlaceHolder 4"/>
           <p:cNvSpPr>
             <a:spLocks noGrp="1"/>
           </p:cNvSpPr>
@@ -7202,7 +7203,7 @@
         <p:spPr>
           <a:xfrm>
             <a:off x="504000" y="4058640"/>
-            <a:ext cx="9071640" cy="2090880"/>
+            <a:ext cx="9072000" cy="2090880"/>
           </a:xfrm>
           <a:prstGeom prst="rect">
             <a:avLst/>
@@ -7253,8 +7254,8 @@
         </p:nvSpPr>
         <p:spPr>
           <a:xfrm>
-            <a:off x="360000" y="3148560"/>
-            <a:ext cx="9359280" cy="1262160"/>
+            <a:off x="504000" y="301320"/>
+            <a:ext cx="9072000" cy="1261800"/>
           </a:xfrm>
           <a:prstGeom prst="rect">
             <a:avLst/>
@@ -7315,7 +7316,7 @@
         <p:spPr>
           <a:xfrm>
             <a:off x="5152680" y="1768680"/>
-            <a:ext cx="4426920" cy="4383720"/>
+            <a:ext cx="4426920" cy="4384080"/>
           </a:xfrm>
           <a:prstGeom prst="rect">
             <a:avLst/>
@@ -7386,7 +7387,7 @@
       </p:grpSpPr>
       <p:sp>
         <p:nvSpPr>
-          <p:cNvPr id="233" name="PlaceHolder 1"/>
+          <p:cNvPr id="236" name="PlaceHolder 1"/>
           <p:cNvSpPr>
             <a:spLocks noGrp="1"/>
           </p:cNvSpPr>
@@ -7396,8 +7397,8 @@
         </p:nvSpPr>
         <p:spPr>
           <a:xfrm>
-            <a:off x="360000" y="3148560"/>
-            <a:ext cx="9359280" cy="1262160"/>
+            <a:off x="504000" y="301320"/>
+            <a:ext cx="9072000" cy="1261800"/>
           </a:xfrm>
           <a:prstGeom prst="rect">
             <a:avLst/>
@@ -7417,7 +7418,7 @@
       </p:sp>
       <p:sp>
         <p:nvSpPr>
-          <p:cNvPr id="234" name="PlaceHolder 2"/>
+          <p:cNvPr id="237" name="PlaceHolder 2"/>
           <p:cNvSpPr>
             <a:spLocks noGrp="1"/>
           </p:cNvSpPr>
@@ -7428,26 +7429,26 @@
         <p:spPr>
           <a:xfrm>
             <a:off x="504000" y="1768680"/>
-            <a:ext cx="9071640" cy="2090880"/>
-          </a:xfrm>
-          <a:prstGeom prst="rect">
-            <a:avLst/>
-          </a:prstGeom>
-        </p:spPr>
-        <p:txBody>
-          <a:bodyPr lIns="0" rIns="0" tIns="0" bIns="0">
-            <a:normAutofit/>
-          </a:bodyPr>
-          <a:p>
-            <a:endParaRPr b="0" lang="es-ES" sz="3200" spc="-1" strike="noStrike">
-              <a:latin typeface="Arial"/>
-            </a:endParaRPr>
-          </a:p>
-        </p:txBody>
-      </p:sp>
-      <p:sp>
-        <p:nvSpPr>
-          <p:cNvPr id="235" name="PlaceHolder 3"/>
+            <a:ext cx="9072000" cy="2090880"/>
+          </a:xfrm>
+          <a:prstGeom prst="rect">
+            <a:avLst/>
+          </a:prstGeom>
+        </p:spPr>
+        <p:txBody>
+          <a:bodyPr lIns="0" rIns="0" tIns="0" bIns="0">
+            <a:normAutofit/>
+          </a:bodyPr>
+          <a:p>
+            <a:endParaRPr b="0" lang="es-ES" sz="3200" spc="-1" strike="noStrike">
+              <a:latin typeface="Arial"/>
+            </a:endParaRPr>
+          </a:p>
+        </p:txBody>
+      </p:sp>
+      <p:sp>
+        <p:nvSpPr>
+          <p:cNvPr id="238" name="PlaceHolder 3"/>
           <p:cNvSpPr>
             <a:spLocks noGrp="1"/>
           </p:cNvSpPr>
@@ -7458,7 +7459,7 @@
         <p:spPr>
           <a:xfrm>
             <a:off x="504000" y="4058640"/>
-            <a:ext cx="9071640" cy="2090880"/>
+            <a:ext cx="9072000" cy="2090880"/>
           </a:xfrm>
           <a:prstGeom prst="rect">
             <a:avLst/>
@@ -7499,7 +7500,7 @@
       </p:grpSpPr>
       <p:sp>
         <p:nvSpPr>
-          <p:cNvPr id="236" name="PlaceHolder 1"/>
+          <p:cNvPr id="239" name="PlaceHolder 1"/>
           <p:cNvSpPr>
             <a:spLocks noGrp="1"/>
           </p:cNvSpPr>
@@ -7509,8 +7510,8 @@
         </p:nvSpPr>
         <p:spPr>
           <a:xfrm>
-            <a:off x="360000" y="3148560"/>
-            <a:ext cx="9359280" cy="1262160"/>
+            <a:off x="504000" y="301320"/>
+            <a:ext cx="9072000" cy="1261800"/>
           </a:xfrm>
           <a:prstGeom prst="rect">
             <a:avLst/>
@@ -7530,7 +7531,7 @@
       </p:sp>
       <p:sp>
         <p:nvSpPr>
-          <p:cNvPr id="237" name="PlaceHolder 2"/>
+          <p:cNvPr id="240" name="PlaceHolder 2"/>
           <p:cNvSpPr>
             <a:spLocks noGrp="1"/>
           </p:cNvSpPr>
@@ -7560,7 +7561,7 @@
       </p:sp>
       <p:sp>
         <p:nvSpPr>
-          <p:cNvPr id="238" name="PlaceHolder 3"/>
+          <p:cNvPr id="241" name="PlaceHolder 3"/>
           <p:cNvSpPr>
             <a:spLocks noGrp="1"/>
           </p:cNvSpPr>
@@ -7590,7 +7591,7 @@
       </p:sp>
       <p:sp>
         <p:nvSpPr>
-          <p:cNvPr id="239" name="PlaceHolder 4"/>
+          <p:cNvPr id="242" name="PlaceHolder 4"/>
           <p:cNvSpPr>
             <a:spLocks noGrp="1"/>
           </p:cNvSpPr>
@@ -7620,7 +7621,7 @@
       </p:sp>
       <p:sp>
         <p:nvSpPr>
-          <p:cNvPr id="240" name="PlaceHolder 5"/>
+          <p:cNvPr id="243" name="PlaceHolder 5"/>
           <p:cNvSpPr>
             <a:spLocks noGrp="1"/>
           </p:cNvSpPr>
@@ -7672,7 +7673,7 @@
       </p:grpSpPr>
       <p:sp>
         <p:nvSpPr>
-          <p:cNvPr id="241" name="PlaceHolder 1"/>
+          <p:cNvPr id="244" name="PlaceHolder 1"/>
           <p:cNvSpPr>
             <a:spLocks noGrp="1"/>
           </p:cNvSpPr>
@@ -7682,8 +7683,8 @@
         </p:nvSpPr>
         <p:spPr>
           <a:xfrm>
-            <a:off x="360000" y="3148560"/>
-            <a:ext cx="9359280" cy="1262160"/>
+            <a:off x="504000" y="301320"/>
+            <a:ext cx="9072000" cy="1261800"/>
           </a:xfrm>
           <a:prstGeom prst="rect">
             <a:avLst/>
@@ -7703,7 +7704,7 @@
       </p:sp>
       <p:sp>
         <p:nvSpPr>
-          <p:cNvPr id="242" name="PlaceHolder 2"/>
+          <p:cNvPr id="245" name="PlaceHolder 2"/>
           <p:cNvSpPr>
             <a:spLocks noGrp="1"/>
           </p:cNvSpPr>
@@ -7714,86 +7715,86 @@
         <p:spPr>
           <a:xfrm>
             <a:off x="504000" y="1768680"/>
-            <a:ext cx="2920680" cy="2090880"/>
-          </a:xfrm>
-          <a:prstGeom prst="rect">
-            <a:avLst/>
-          </a:prstGeom>
-        </p:spPr>
-        <p:txBody>
-          <a:bodyPr lIns="0" rIns="0" tIns="0" bIns="0">
-            <a:normAutofit/>
-          </a:bodyPr>
-          <a:p>
-            <a:endParaRPr b="0" lang="es-ES" sz="3200" spc="-1" strike="noStrike">
-              <a:latin typeface="Arial"/>
-            </a:endParaRPr>
-          </a:p>
-        </p:txBody>
-      </p:sp>
-      <p:sp>
-        <p:nvSpPr>
-          <p:cNvPr id="243" name="PlaceHolder 3"/>
-          <p:cNvSpPr>
-            <a:spLocks noGrp="1"/>
-          </p:cNvSpPr>
-          <p:nvPr>
-            <p:ph type="body"/>
-          </p:nvPr>
-        </p:nvSpPr>
-        <p:spPr>
-          <a:xfrm>
-            <a:off x="3571200" y="1768680"/>
-            <a:ext cx="2920680" cy="2090880"/>
-          </a:xfrm>
-          <a:prstGeom prst="rect">
-            <a:avLst/>
-          </a:prstGeom>
-        </p:spPr>
-        <p:txBody>
-          <a:bodyPr lIns="0" rIns="0" tIns="0" bIns="0">
-            <a:normAutofit/>
-          </a:bodyPr>
-          <a:p>
-            <a:endParaRPr b="0" lang="es-ES" sz="3200" spc="-1" strike="noStrike">
-              <a:latin typeface="Arial"/>
-            </a:endParaRPr>
-          </a:p>
-        </p:txBody>
-      </p:sp>
-      <p:sp>
-        <p:nvSpPr>
-          <p:cNvPr id="244" name="PlaceHolder 4"/>
-          <p:cNvSpPr>
-            <a:spLocks noGrp="1"/>
-          </p:cNvSpPr>
-          <p:nvPr>
-            <p:ph type="body"/>
-          </p:nvPr>
-        </p:nvSpPr>
-        <p:spPr>
-          <a:xfrm>
-            <a:off x="6638040" y="1768680"/>
-            <a:ext cx="2920680" cy="2090880"/>
-          </a:xfrm>
-          <a:prstGeom prst="rect">
-            <a:avLst/>
-          </a:prstGeom>
-        </p:spPr>
-        <p:txBody>
-          <a:bodyPr lIns="0" rIns="0" tIns="0" bIns="0">
-            <a:normAutofit/>
-          </a:bodyPr>
-          <a:p>
-            <a:endParaRPr b="0" lang="es-ES" sz="3200" spc="-1" strike="noStrike">
-              <a:latin typeface="Arial"/>
-            </a:endParaRPr>
-          </a:p>
-        </p:txBody>
-      </p:sp>
-      <p:sp>
-        <p:nvSpPr>
-          <p:cNvPr id="245" name="PlaceHolder 5"/>
+            <a:ext cx="2921040" cy="2090880"/>
+          </a:xfrm>
+          <a:prstGeom prst="rect">
+            <a:avLst/>
+          </a:prstGeom>
+        </p:spPr>
+        <p:txBody>
+          <a:bodyPr lIns="0" rIns="0" tIns="0" bIns="0">
+            <a:normAutofit/>
+          </a:bodyPr>
+          <a:p>
+            <a:endParaRPr b="0" lang="es-ES" sz="3200" spc="-1" strike="noStrike">
+              <a:latin typeface="Arial"/>
+            </a:endParaRPr>
+          </a:p>
+        </p:txBody>
+      </p:sp>
+      <p:sp>
+        <p:nvSpPr>
+          <p:cNvPr id="246" name="PlaceHolder 3"/>
+          <p:cNvSpPr>
+            <a:spLocks noGrp="1"/>
+          </p:cNvSpPr>
+          <p:nvPr>
+            <p:ph type="body"/>
+          </p:nvPr>
+        </p:nvSpPr>
+        <p:spPr>
+          <a:xfrm>
+            <a:off x="3571560" y="1768680"/>
+            <a:ext cx="2921040" cy="2090880"/>
+          </a:xfrm>
+          <a:prstGeom prst="rect">
+            <a:avLst/>
+          </a:prstGeom>
+        </p:spPr>
+        <p:txBody>
+          <a:bodyPr lIns="0" rIns="0" tIns="0" bIns="0">
+            <a:normAutofit/>
+          </a:bodyPr>
+          <a:p>
+            <a:endParaRPr b="0" lang="es-ES" sz="3200" spc="-1" strike="noStrike">
+              <a:latin typeface="Arial"/>
+            </a:endParaRPr>
+          </a:p>
+        </p:txBody>
+      </p:sp>
+      <p:sp>
+        <p:nvSpPr>
+          <p:cNvPr id="247" name="PlaceHolder 4"/>
+          <p:cNvSpPr>
+            <a:spLocks noGrp="1"/>
+          </p:cNvSpPr>
+          <p:nvPr>
+            <p:ph type="body"/>
+          </p:nvPr>
+        </p:nvSpPr>
+        <p:spPr>
+          <a:xfrm>
+            <a:off x="6639120" y="1768680"/>
+            <a:ext cx="2921040" cy="2090880"/>
+          </a:xfrm>
+          <a:prstGeom prst="rect">
+            <a:avLst/>
+          </a:prstGeom>
+        </p:spPr>
+        <p:txBody>
+          <a:bodyPr lIns="0" rIns="0" tIns="0" bIns="0">
+            <a:normAutofit/>
+          </a:bodyPr>
+          <a:p>
+            <a:endParaRPr b="0" lang="es-ES" sz="3200" spc="-1" strike="noStrike">
+              <a:latin typeface="Arial"/>
+            </a:endParaRPr>
+          </a:p>
+        </p:txBody>
+      </p:sp>
+      <p:sp>
+        <p:nvSpPr>
+          <p:cNvPr id="248" name="PlaceHolder 5"/>
           <p:cNvSpPr>
             <a:spLocks noGrp="1"/>
           </p:cNvSpPr>
@@ -7804,67 +7805,618 @@
         <p:spPr>
           <a:xfrm>
             <a:off x="504000" y="4058640"/>
-            <a:ext cx="2920680" cy="2090880"/>
-          </a:xfrm>
-          <a:prstGeom prst="rect">
-            <a:avLst/>
-          </a:prstGeom>
-        </p:spPr>
-        <p:txBody>
-          <a:bodyPr lIns="0" rIns="0" tIns="0" bIns="0">
-            <a:normAutofit/>
-          </a:bodyPr>
-          <a:p>
-            <a:endParaRPr b="0" lang="es-ES" sz="3200" spc="-1" strike="noStrike">
-              <a:latin typeface="Arial"/>
-            </a:endParaRPr>
-          </a:p>
-        </p:txBody>
-      </p:sp>
-      <p:sp>
-        <p:nvSpPr>
-          <p:cNvPr id="246" name="PlaceHolder 6"/>
-          <p:cNvSpPr>
-            <a:spLocks noGrp="1"/>
-          </p:cNvSpPr>
-          <p:nvPr>
-            <p:ph type="body"/>
-          </p:nvPr>
-        </p:nvSpPr>
-        <p:spPr>
-          <a:xfrm>
-            <a:off x="3571200" y="4058640"/>
-            <a:ext cx="2920680" cy="2090880"/>
-          </a:xfrm>
-          <a:prstGeom prst="rect">
-            <a:avLst/>
-          </a:prstGeom>
-        </p:spPr>
-        <p:txBody>
-          <a:bodyPr lIns="0" rIns="0" tIns="0" bIns="0">
-            <a:normAutofit/>
-          </a:bodyPr>
-          <a:p>
-            <a:endParaRPr b="0" lang="es-ES" sz="3200" spc="-1" strike="noStrike">
-              <a:latin typeface="Arial"/>
-            </a:endParaRPr>
-          </a:p>
-        </p:txBody>
-      </p:sp>
-      <p:sp>
-        <p:nvSpPr>
-          <p:cNvPr id="247" name="PlaceHolder 7"/>
-          <p:cNvSpPr>
-            <a:spLocks noGrp="1"/>
-          </p:cNvSpPr>
-          <p:nvPr>
-            <p:ph type="body"/>
-          </p:nvPr>
-        </p:nvSpPr>
-        <p:spPr>
-          <a:xfrm>
-            <a:off x="6638040" y="4058640"/>
-            <a:ext cx="2920680" cy="2090880"/>
+            <a:ext cx="2921040" cy="2090880"/>
+          </a:xfrm>
+          <a:prstGeom prst="rect">
+            <a:avLst/>
+          </a:prstGeom>
+        </p:spPr>
+        <p:txBody>
+          <a:bodyPr lIns="0" rIns="0" tIns="0" bIns="0">
+            <a:normAutofit/>
+          </a:bodyPr>
+          <a:p>
+            <a:endParaRPr b="0" lang="es-ES" sz="3200" spc="-1" strike="noStrike">
+              <a:latin typeface="Arial"/>
+            </a:endParaRPr>
+          </a:p>
+        </p:txBody>
+      </p:sp>
+      <p:sp>
+        <p:nvSpPr>
+          <p:cNvPr id="249" name="PlaceHolder 6"/>
+          <p:cNvSpPr>
+            <a:spLocks noGrp="1"/>
+          </p:cNvSpPr>
+          <p:nvPr>
+            <p:ph type="body"/>
+          </p:nvPr>
+        </p:nvSpPr>
+        <p:spPr>
+          <a:xfrm>
+            <a:off x="3571560" y="4058640"/>
+            <a:ext cx="2921040" cy="2090880"/>
+          </a:xfrm>
+          <a:prstGeom prst="rect">
+            <a:avLst/>
+          </a:prstGeom>
+        </p:spPr>
+        <p:txBody>
+          <a:bodyPr lIns="0" rIns="0" tIns="0" bIns="0">
+            <a:normAutofit/>
+          </a:bodyPr>
+          <a:p>
+            <a:endParaRPr b="0" lang="es-ES" sz="3200" spc="-1" strike="noStrike">
+              <a:latin typeface="Arial"/>
+            </a:endParaRPr>
+          </a:p>
+        </p:txBody>
+      </p:sp>
+      <p:sp>
+        <p:nvSpPr>
+          <p:cNvPr id="250" name="PlaceHolder 7"/>
+          <p:cNvSpPr>
+            <a:spLocks noGrp="1"/>
+          </p:cNvSpPr>
+          <p:nvPr>
+            <p:ph type="body"/>
+          </p:nvPr>
+        </p:nvSpPr>
+        <p:spPr>
+          <a:xfrm>
+            <a:off x="6639120" y="4058640"/>
+            <a:ext cx="2921040" cy="2090880"/>
+          </a:xfrm>
+          <a:prstGeom prst="rect">
+            <a:avLst/>
+          </a:prstGeom>
+        </p:spPr>
+        <p:txBody>
+          <a:bodyPr lIns="0" rIns="0" tIns="0" bIns="0">
+            <a:normAutofit/>
+          </a:bodyPr>
+          <a:p>
+            <a:endParaRPr b="0" lang="es-ES" sz="3200" spc="-1" strike="noStrike">
+              <a:latin typeface="Arial"/>
+            </a:endParaRPr>
+          </a:p>
+        </p:txBody>
+      </p:sp>
+    </p:spTree>
+  </p:cSld>
+</p:sldLayout>
+</file>
+
+<file path=ppt/slideLayouts/slideLayout73.xml><?xml version="1.0" encoding="utf-8"?>
+<p:sldLayout xmlns:a="http://schemas.openxmlformats.org/drawingml/2006/main" xmlns:p="http://schemas.openxmlformats.org/presentationml/2006/main" xmlns:r="http://schemas.openxmlformats.org/officeDocument/2006/relationships" xmlns:p14="http://schemas.microsoft.com/office/powerpoint/2010/main" xmlns:p15="http://schemas.microsoft.com/office/powerpoint/2012/main" xmlns:mc="http://schemas.openxmlformats.org/markup-compatibility/2006" type="blank" preserve="1">
+  <p:cSld name="Blank Slide">
+    <p:spTree>
+      <p:nvGrpSpPr>
+        <p:cNvPr id="1" name=""/>
+        <p:cNvGrpSpPr/>
+        <p:nvPr/>
+      </p:nvGrpSpPr>
+      <p:grpSpPr>
+        <a:xfrm>
+          <a:off x="0" y="0"/>
+          <a:ext cx="0" cy="0"/>
+          <a:chOff x="0" y="0"/>
+          <a:chExt cx="0" cy="0"/>
+        </a:xfrm>
+      </p:grpSpPr>
+    </p:spTree>
+  </p:cSld>
+</p:sldLayout>
+</file>
+
+<file path=ppt/slideLayouts/slideLayout74.xml><?xml version="1.0" encoding="utf-8"?>
+<p:sldLayout xmlns:a="http://schemas.openxmlformats.org/drawingml/2006/main" xmlns:p="http://schemas.openxmlformats.org/presentationml/2006/main" xmlns:r="http://schemas.openxmlformats.org/officeDocument/2006/relationships" xmlns:p14="http://schemas.microsoft.com/office/powerpoint/2010/main" xmlns:p15="http://schemas.microsoft.com/office/powerpoint/2012/main" xmlns:mc="http://schemas.openxmlformats.org/markup-compatibility/2006" type="tx" preserve="1">
+  <p:cSld name="Title Slide">
+    <p:spTree>
+      <p:nvGrpSpPr>
+        <p:cNvPr id="1" name=""/>
+        <p:cNvGrpSpPr/>
+        <p:nvPr/>
+      </p:nvGrpSpPr>
+      <p:grpSpPr>
+        <a:xfrm>
+          <a:off x="0" y="0"/>
+          <a:ext cx="0" cy="0"/>
+          <a:chOff x="0" y="0"/>
+          <a:chExt cx="0" cy="0"/>
+        </a:xfrm>
+      </p:grpSpPr>
+      <p:sp>
+        <p:nvSpPr>
+          <p:cNvPr id="254" name="PlaceHolder 1"/>
+          <p:cNvSpPr>
+            <a:spLocks noGrp="1"/>
+          </p:cNvSpPr>
+          <p:nvPr>
+            <p:ph type="title"/>
+          </p:nvPr>
+        </p:nvSpPr>
+        <p:spPr>
+          <a:xfrm>
+            <a:off x="504000" y="301320"/>
+            <a:ext cx="9072000" cy="1261800"/>
+          </a:xfrm>
+          <a:prstGeom prst="rect">
+            <a:avLst/>
+          </a:prstGeom>
+        </p:spPr>
+        <p:txBody>
+          <a:bodyPr lIns="0" rIns="0" tIns="0" bIns="0" anchor="ctr">
+            <a:spAutoFit/>
+          </a:bodyPr>
+          <a:p>
+            <a:pPr algn="ctr"/>
+            <a:endParaRPr b="0" lang="es-ES" sz="4400" spc="-1" strike="noStrike">
+              <a:latin typeface="Arial"/>
+            </a:endParaRPr>
+          </a:p>
+        </p:txBody>
+      </p:sp>
+      <p:sp>
+        <p:nvSpPr>
+          <p:cNvPr id="255" name="PlaceHolder 2"/>
+          <p:cNvSpPr>
+            <a:spLocks noGrp="1"/>
+          </p:cNvSpPr>
+          <p:nvPr>
+            <p:ph type="subTitle"/>
+          </p:nvPr>
+        </p:nvSpPr>
+        <p:spPr>
+          <a:xfrm>
+            <a:off x="504000" y="1768680"/>
+            <a:ext cx="9072000" cy="4384080"/>
+          </a:xfrm>
+          <a:prstGeom prst="rect">
+            <a:avLst/>
+          </a:prstGeom>
+        </p:spPr>
+        <p:txBody>
+          <a:bodyPr lIns="0" rIns="0" tIns="0" bIns="0" anchor="ctr">
+            <a:spAutoFit/>
+          </a:bodyPr>
+          <a:p>
+            <a:pPr algn="ctr"/>
+            <a:endParaRPr b="0" lang="es-ES" sz="3200" spc="-1" strike="noStrike">
+              <a:latin typeface="Arial"/>
+            </a:endParaRPr>
+          </a:p>
+        </p:txBody>
+      </p:sp>
+    </p:spTree>
+  </p:cSld>
+</p:sldLayout>
+</file>
+
+<file path=ppt/slideLayouts/slideLayout75.xml><?xml version="1.0" encoding="utf-8"?>
+<p:sldLayout xmlns:a="http://schemas.openxmlformats.org/drawingml/2006/main" xmlns:p="http://schemas.openxmlformats.org/presentationml/2006/main" xmlns:r="http://schemas.openxmlformats.org/officeDocument/2006/relationships" xmlns:p14="http://schemas.microsoft.com/office/powerpoint/2010/main" xmlns:p15="http://schemas.microsoft.com/office/powerpoint/2012/main" xmlns:mc="http://schemas.openxmlformats.org/markup-compatibility/2006" type="obj" preserve="1">
+  <p:cSld name="Title, Content">
+    <p:spTree>
+      <p:nvGrpSpPr>
+        <p:cNvPr id="1" name=""/>
+        <p:cNvGrpSpPr/>
+        <p:nvPr/>
+      </p:nvGrpSpPr>
+      <p:grpSpPr>
+        <a:xfrm>
+          <a:off x="0" y="0"/>
+          <a:ext cx="0" cy="0"/>
+          <a:chOff x="0" y="0"/>
+          <a:chExt cx="0" cy="0"/>
+        </a:xfrm>
+      </p:grpSpPr>
+      <p:sp>
+        <p:nvSpPr>
+          <p:cNvPr id="256" name="PlaceHolder 1"/>
+          <p:cNvSpPr>
+            <a:spLocks noGrp="1"/>
+          </p:cNvSpPr>
+          <p:nvPr>
+            <p:ph type="title"/>
+          </p:nvPr>
+        </p:nvSpPr>
+        <p:spPr>
+          <a:xfrm>
+            <a:off x="504000" y="301320"/>
+            <a:ext cx="9072000" cy="1261800"/>
+          </a:xfrm>
+          <a:prstGeom prst="rect">
+            <a:avLst/>
+          </a:prstGeom>
+        </p:spPr>
+        <p:txBody>
+          <a:bodyPr lIns="0" rIns="0" tIns="0" bIns="0" anchor="ctr">
+            <a:spAutoFit/>
+          </a:bodyPr>
+          <a:p>
+            <a:pPr algn="ctr"/>
+            <a:endParaRPr b="0" lang="es-ES" sz="4400" spc="-1" strike="noStrike">
+              <a:latin typeface="Arial"/>
+            </a:endParaRPr>
+          </a:p>
+        </p:txBody>
+      </p:sp>
+      <p:sp>
+        <p:nvSpPr>
+          <p:cNvPr id="257" name="PlaceHolder 2"/>
+          <p:cNvSpPr>
+            <a:spLocks noGrp="1"/>
+          </p:cNvSpPr>
+          <p:nvPr>
+            <p:ph type="body"/>
+          </p:nvPr>
+        </p:nvSpPr>
+        <p:spPr>
+          <a:xfrm>
+            <a:off x="504000" y="1768680"/>
+            <a:ext cx="9072000" cy="4384080"/>
+          </a:xfrm>
+          <a:prstGeom prst="rect">
+            <a:avLst/>
+          </a:prstGeom>
+        </p:spPr>
+        <p:txBody>
+          <a:bodyPr lIns="0" rIns="0" tIns="0" bIns="0">
+            <a:normAutofit/>
+          </a:bodyPr>
+          <a:p>
+            <a:endParaRPr b="0" lang="es-ES" sz="3200" spc="-1" strike="noStrike">
+              <a:latin typeface="Arial"/>
+            </a:endParaRPr>
+          </a:p>
+        </p:txBody>
+      </p:sp>
+    </p:spTree>
+  </p:cSld>
+</p:sldLayout>
+</file>
+
+<file path=ppt/slideLayouts/slideLayout76.xml><?xml version="1.0" encoding="utf-8"?>
+<p:sldLayout xmlns:a="http://schemas.openxmlformats.org/drawingml/2006/main" xmlns:p="http://schemas.openxmlformats.org/presentationml/2006/main" xmlns:r="http://schemas.openxmlformats.org/officeDocument/2006/relationships" xmlns:p14="http://schemas.microsoft.com/office/powerpoint/2010/main" xmlns:p15="http://schemas.microsoft.com/office/powerpoint/2012/main" xmlns:mc="http://schemas.openxmlformats.org/markup-compatibility/2006" type="twoObj" preserve="1">
+  <p:cSld name="Title, 2 Content">
+    <p:spTree>
+      <p:nvGrpSpPr>
+        <p:cNvPr id="1" name=""/>
+        <p:cNvGrpSpPr/>
+        <p:nvPr/>
+      </p:nvGrpSpPr>
+      <p:grpSpPr>
+        <a:xfrm>
+          <a:off x="0" y="0"/>
+          <a:ext cx="0" cy="0"/>
+          <a:chOff x="0" y="0"/>
+          <a:chExt cx="0" cy="0"/>
+        </a:xfrm>
+      </p:grpSpPr>
+      <p:sp>
+        <p:nvSpPr>
+          <p:cNvPr id="258" name="PlaceHolder 1"/>
+          <p:cNvSpPr>
+            <a:spLocks noGrp="1"/>
+          </p:cNvSpPr>
+          <p:nvPr>
+            <p:ph type="title"/>
+          </p:nvPr>
+        </p:nvSpPr>
+        <p:spPr>
+          <a:xfrm>
+            <a:off x="504000" y="301320"/>
+            <a:ext cx="9072000" cy="1261800"/>
+          </a:xfrm>
+          <a:prstGeom prst="rect">
+            <a:avLst/>
+          </a:prstGeom>
+        </p:spPr>
+        <p:txBody>
+          <a:bodyPr lIns="0" rIns="0" tIns="0" bIns="0" anchor="ctr">
+            <a:spAutoFit/>
+          </a:bodyPr>
+          <a:p>
+            <a:pPr algn="ctr"/>
+            <a:endParaRPr b="0" lang="es-ES" sz="4400" spc="-1" strike="noStrike">
+              <a:latin typeface="Arial"/>
+            </a:endParaRPr>
+          </a:p>
+        </p:txBody>
+      </p:sp>
+      <p:sp>
+        <p:nvSpPr>
+          <p:cNvPr id="259" name="PlaceHolder 2"/>
+          <p:cNvSpPr>
+            <a:spLocks noGrp="1"/>
+          </p:cNvSpPr>
+          <p:nvPr>
+            <p:ph type="body"/>
+          </p:nvPr>
+        </p:nvSpPr>
+        <p:spPr>
+          <a:xfrm>
+            <a:off x="504000" y="1768680"/>
+            <a:ext cx="4426920" cy="4384080"/>
+          </a:xfrm>
+          <a:prstGeom prst="rect">
+            <a:avLst/>
+          </a:prstGeom>
+        </p:spPr>
+        <p:txBody>
+          <a:bodyPr lIns="0" rIns="0" tIns="0" bIns="0">
+            <a:normAutofit/>
+          </a:bodyPr>
+          <a:p>
+            <a:endParaRPr b="0" lang="es-ES" sz="3200" spc="-1" strike="noStrike">
+              <a:latin typeface="Arial"/>
+            </a:endParaRPr>
+          </a:p>
+        </p:txBody>
+      </p:sp>
+      <p:sp>
+        <p:nvSpPr>
+          <p:cNvPr id="260" name="PlaceHolder 3"/>
+          <p:cNvSpPr>
+            <a:spLocks noGrp="1"/>
+          </p:cNvSpPr>
+          <p:nvPr>
+            <p:ph type="body"/>
+          </p:nvPr>
+        </p:nvSpPr>
+        <p:spPr>
+          <a:xfrm>
+            <a:off x="5152680" y="1768680"/>
+            <a:ext cx="4426920" cy="4384080"/>
+          </a:xfrm>
+          <a:prstGeom prst="rect">
+            <a:avLst/>
+          </a:prstGeom>
+        </p:spPr>
+        <p:txBody>
+          <a:bodyPr lIns="0" rIns="0" tIns="0" bIns="0">
+            <a:normAutofit/>
+          </a:bodyPr>
+          <a:p>
+            <a:endParaRPr b="0" lang="es-ES" sz="3200" spc="-1" strike="noStrike">
+              <a:latin typeface="Arial"/>
+            </a:endParaRPr>
+          </a:p>
+        </p:txBody>
+      </p:sp>
+    </p:spTree>
+  </p:cSld>
+</p:sldLayout>
+</file>
+
+<file path=ppt/slideLayouts/slideLayout77.xml><?xml version="1.0" encoding="utf-8"?>
+<p:sldLayout xmlns:a="http://schemas.openxmlformats.org/drawingml/2006/main" xmlns:p="http://schemas.openxmlformats.org/presentationml/2006/main" xmlns:r="http://schemas.openxmlformats.org/officeDocument/2006/relationships" xmlns:p14="http://schemas.microsoft.com/office/powerpoint/2010/main" xmlns:p15="http://schemas.microsoft.com/office/powerpoint/2012/main" xmlns:mc="http://schemas.openxmlformats.org/markup-compatibility/2006" type="titleOnly" preserve="1">
+  <p:cSld name="Title Only">
+    <p:spTree>
+      <p:nvGrpSpPr>
+        <p:cNvPr id="1" name=""/>
+        <p:cNvGrpSpPr/>
+        <p:nvPr/>
+      </p:nvGrpSpPr>
+      <p:grpSpPr>
+        <a:xfrm>
+          <a:off x="0" y="0"/>
+          <a:ext cx="0" cy="0"/>
+          <a:chOff x="0" y="0"/>
+          <a:chExt cx="0" cy="0"/>
+        </a:xfrm>
+      </p:grpSpPr>
+      <p:sp>
+        <p:nvSpPr>
+          <p:cNvPr id="261" name="PlaceHolder 1"/>
+          <p:cNvSpPr>
+            <a:spLocks noGrp="1"/>
+          </p:cNvSpPr>
+          <p:nvPr>
+            <p:ph type="title"/>
+          </p:nvPr>
+        </p:nvSpPr>
+        <p:spPr>
+          <a:xfrm>
+            <a:off x="504000" y="301320"/>
+            <a:ext cx="9072000" cy="1261800"/>
+          </a:xfrm>
+          <a:prstGeom prst="rect">
+            <a:avLst/>
+          </a:prstGeom>
+        </p:spPr>
+        <p:txBody>
+          <a:bodyPr lIns="0" rIns="0" tIns="0" bIns="0" anchor="ctr">
+            <a:spAutoFit/>
+          </a:bodyPr>
+          <a:p>
+            <a:pPr algn="ctr"/>
+            <a:endParaRPr b="0" lang="es-ES" sz="4400" spc="-1" strike="noStrike">
+              <a:latin typeface="Arial"/>
+            </a:endParaRPr>
+          </a:p>
+        </p:txBody>
+      </p:sp>
+    </p:spTree>
+  </p:cSld>
+</p:sldLayout>
+</file>
+
+<file path=ppt/slideLayouts/slideLayout78.xml><?xml version="1.0" encoding="utf-8"?>
+<p:sldLayout xmlns:a="http://schemas.openxmlformats.org/drawingml/2006/main" xmlns:p="http://schemas.openxmlformats.org/presentationml/2006/main" xmlns:r="http://schemas.openxmlformats.org/officeDocument/2006/relationships" xmlns:p14="http://schemas.microsoft.com/office/powerpoint/2010/main" xmlns:p15="http://schemas.microsoft.com/office/powerpoint/2012/main" xmlns:mc="http://schemas.openxmlformats.org/markup-compatibility/2006" type="objOnly" preserve="1">
+  <p:cSld name="Centered Text">
+    <p:spTree>
+      <p:nvGrpSpPr>
+        <p:cNvPr id="1" name=""/>
+        <p:cNvGrpSpPr/>
+        <p:nvPr/>
+      </p:nvGrpSpPr>
+      <p:grpSpPr>
+        <a:xfrm>
+          <a:off x="0" y="0"/>
+          <a:ext cx="0" cy="0"/>
+          <a:chOff x="0" y="0"/>
+          <a:chExt cx="0" cy="0"/>
+        </a:xfrm>
+      </p:grpSpPr>
+      <p:sp>
+        <p:nvSpPr>
+          <p:cNvPr id="262" name="PlaceHolder 1"/>
+          <p:cNvSpPr>
+            <a:spLocks noGrp="1"/>
+          </p:cNvSpPr>
+          <p:nvPr>
+            <p:ph type="subTitle"/>
+          </p:nvPr>
+        </p:nvSpPr>
+        <p:spPr>
+          <a:xfrm>
+            <a:off x="504000" y="301320"/>
+            <a:ext cx="9072000" cy="5850360"/>
+          </a:xfrm>
+          <a:prstGeom prst="rect">
+            <a:avLst/>
+          </a:prstGeom>
+        </p:spPr>
+        <p:txBody>
+          <a:bodyPr lIns="0" rIns="0" tIns="0" bIns="0" anchor="ctr">
+            <a:spAutoFit/>
+          </a:bodyPr>
+          <a:p>
+            <a:pPr algn="ctr"/>
+            <a:endParaRPr b="0" lang="es-ES" sz="3200" spc="-1" strike="noStrike">
+              <a:latin typeface="Arial"/>
+            </a:endParaRPr>
+          </a:p>
+        </p:txBody>
+      </p:sp>
+    </p:spTree>
+  </p:cSld>
+</p:sldLayout>
+</file>
+
+<file path=ppt/slideLayouts/slideLayout79.xml><?xml version="1.0" encoding="utf-8"?>
+<p:sldLayout xmlns:a="http://schemas.openxmlformats.org/drawingml/2006/main" xmlns:p="http://schemas.openxmlformats.org/presentationml/2006/main" xmlns:r="http://schemas.openxmlformats.org/officeDocument/2006/relationships" xmlns:p14="http://schemas.microsoft.com/office/powerpoint/2010/main" xmlns:p15="http://schemas.microsoft.com/office/powerpoint/2012/main" xmlns:mc="http://schemas.openxmlformats.org/markup-compatibility/2006" type="twoObjAndObj" preserve="1">
+  <p:cSld name="Title, 2 Content and Content">
+    <p:spTree>
+      <p:nvGrpSpPr>
+        <p:cNvPr id="1" name=""/>
+        <p:cNvGrpSpPr/>
+        <p:nvPr/>
+      </p:nvGrpSpPr>
+      <p:grpSpPr>
+        <a:xfrm>
+          <a:off x="0" y="0"/>
+          <a:ext cx="0" cy="0"/>
+          <a:chOff x="0" y="0"/>
+          <a:chExt cx="0" cy="0"/>
+        </a:xfrm>
+      </p:grpSpPr>
+      <p:sp>
+        <p:nvSpPr>
+          <p:cNvPr id="263" name="PlaceHolder 1"/>
+          <p:cNvSpPr>
+            <a:spLocks noGrp="1"/>
+          </p:cNvSpPr>
+          <p:nvPr>
+            <p:ph type="title"/>
+          </p:nvPr>
+        </p:nvSpPr>
+        <p:spPr>
+          <a:xfrm>
+            <a:off x="504000" y="301320"/>
+            <a:ext cx="9072000" cy="1261800"/>
+          </a:xfrm>
+          <a:prstGeom prst="rect">
+            <a:avLst/>
+          </a:prstGeom>
+        </p:spPr>
+        <p:txBody>
+          <a:bodyPr lIns="0" rIns="0" tIns="0" bIns="0" anchor="ctr">
+            <a:spAutoFit/>
+          </a:bodyPr>
+          <a:p>
+            <a:pPr algn="ctr"/>
+            <a:endParaRPr b="0" lang="es-ES" sz="4400" spc="-1" strike="noStrike">
+              <a:latin typeface="Arial"/>
+            </a:endParaRPr>
+          </a:p>
+        </p:txBody>
+      </p:sp>
+      <p:sp>
+        <p:nvSpPr>
+          <p:cNvPr id="264" name="PlaceHolder 2"/>
+          <p:cNvSpPr>
+            <a:spLocks noGrp="1"/>
+          </p:cNvSpPr>
+          <p:nvPr>
+            <p:ph type="body"/>
+          </p:nvPr>
+        </p:nvSpPr>
+        <p:spPr>
+          <a:xfrm>
+            <a:off x="504000" y="1768680"/>
+            <a:ext cx="4426920" cy="2090880"/>
+          </a:xfrm>
+          <a:prstGeom prst="rect">
+            <a:avLst/>
+          </a:prstGeom>
+        </p:spPr>
+        <p:txBody>
+          <a:bodyPr lIns="0" rIns="0" tIns="0" bIns="0">
+            <a:normAutofit/>
+          </a:bodyPr>
+          <a:p>
+            <a:endParaRPr b="0" lang="es-ES" sz="3200" spc="-1" strike="noStrike">
+              <a:latin typeface="Arial"/>
+            </a:endParaRPr>
+          </a:p>
+        </p:txBody>
+      </p:sp>
+      <p:sp>
+        <p:nvSpPr>
+          <p:cNvPr id="265" name="PlaceHolder 3"/>
+          <p:cNvSpPr>
+            <a:spLocks noGrp="1"/>
+          </p:cNvSpPr>
+          <p:nvPr>
+            <p:ph type="body"/>
+          </p:nvPr>
+        </p:nvSpPr>
+        <p:spPr>
+          <a:xfrm>
+            <a:off x="5152680" y="1768680"/>
+            <a:ext cx="4426920" cy="4384080"/>
+          </a:xfrm>
+          <a:prstGeom prst="rect">
+            <a:avLst/>
+          </a:prstGeom>
+        </p:spPr>
+        <p:txBody>
+          <a:bodyPr lIns="0" rIns="0" tIns="0" bIns="0">
+            <a:normAutofit/>
+          </a:bodyPr>
+          <a:p>
+            <a:endParaRPr b="0" lang="es-ES" sz="3200" spc="-1" strike="noStrike">
+              <a:latin typeface="Arial"/>
+            </a:endParaRPr>
+          </a:p>
+        </p:txBody>
+      </p:sp>
+      <p:sp>
+        <p:nvSpPr>
+          <p:cNvPr id="266" name="PlaceHolder 4"/>
+          <p:cNvSpPr>
+            <a:spLocks noGrp="1"/>
+          </p:cNvSpPr>
+          <p:nvPr>
+            <p:ph type="body"/>
+          </p:nvPr>
+        </p:nvSpPr>
+        <p:spPr>
+          <a:xfrm>
+            <a:off x="504000" y="4058640"/>
+            <a:ext cx="4426920" cy="2090880"/>
           </a:xfrm>
           <a:prstGeom prst="rect">
             <a:avLst/>
@@ -7915,8 +8467,8 @@
         </p:nvSpPr>
         <p:spPr>
           <a:xfrm>
-            <a:off x="360000" y="3148560"/>
-            <a:ext cx="9359280" cy="1262160"/>
+            <a:off x="504000" y="301320"/>
+            <a:ext cx="9072000" cy="1261800"/>
           </a:xfrm>
           <a:prstGeom prst="rect">
             <a:avLst/>
@@ -7947,7 +8499,7 @@
         <p:spPr>
           <a:xfrm>
             <a:off x="504000" y="1768680"/>
-            <a:ext cx="4426920" cy="4383720"/>
+            <a:ext cx="4426920" cy="4384080"/>
           </a:xfrm>
           <a:prstGeom prst="rect">
             <a:avLst/>
@@ -8008,6 +8560,811 @@
           <a:xfrm>
             <a:off x="5152680" y="4058640"/>
             <a:ext cx="4426920" cy="2090880"/>
+          </a:xfrm>
+          <a:prstGeom prst="rect">
+            <a:avLst/>
+          </a:prstGeom>
+        </p:spPr>
+        <p:txBody>
+          <a:bodyPr lIns="0" rIns="0" tIns="0" bIns="0">
+            <a:normAutofit/>
+          </a:bodyPr>
+          <a:p>
+            <a:endParaRPr b="0" lang="es-ES" sz="3200" spc="-1" strike="noStrike">
+              <a:latin typeface="Arial"/>
+            </a:endParaRPr>
+          </a:p>
+        </p:txBody>
+      </p:sp>
+    </p:spTree>
+  </p:cSld>
+</p:sldLayout>
+</file>
+
+<file path=ppt/slideLayouts/slideLayout80.xml><?xml version="1.0" encoding="utf-8"?>
+<p:sldLayout xmlns:a="http://schemas.openxmlformats.org/drawingml/2006/main" xmlns:p="http://schemas.openxmlformats.org/presentationml/2006/main" xmlns:r="http://schemas.openxmlformats.org/officeDocument/2006/relationships" xmlns:p14="http://schemas.microsoft.com/office/powerpoint/2010/main" xmlns:p15="http://schemas.microsoft.com/office/powerpoint/2012/main" xmlns:mc="http://schemas.openxmlformats.org/markup-compatibility/2006" type="objAndTwoObj" preserve="1">
+  <p:cSld name="Title Content and 2 Content">
+    <p:spTree>
+      <p:nvGrpSpPr>
+        <p:cNvPr id="1" name=""/>
+        <p:cNvGrpSpPr/>
+        <p:nvPr/>
+      </p:nvGrpSpPr>
+      <p:grpSpPr>
+        <a:xfrm>
+          <a:off x="0" y="0"/>
+          <a:ext cx="0" cy="0"/>
+          <a:chOff x="0" y="0"/>
+          <a:chExt cx="0" cy="0"/>
+        </a:xfrm>
+      </p:grpSpPr>
+      <p:sp>
+        <p:nvSpPr>
+          <p:cNvPr id="267" name="PlaceHolder 1"/>
+          <p:cNvSpPr>
+            <a:spLocks noGrp="1"/>
+          </p:cNvSpPr>
+          <p:nvPr>
+            <p:ph type="title"/>
+          </p:nvPr>
+        </p:nvSpPr>
+        <p:spPr>
+          <a:xfrm>
+            <a:off x="504000" y="301320"/>
+            <a:ext cx="9072000" cy="1261800"/>
+          </a:xfrm>
+          <a:prstGeom prst="rect">
+            <a:avLst/>
+          </a:prstGeom>
+        </p:spPr>
+        <p:txBody>
+          <a:bodyPr lIns="0" rIns="0" tIns="0" bIns="0" anchor="ctr">
+            <a:spAutoFit/>
+          </a:bodyPr>
+          <a:p>
+            <a:pPr algn="ctr"/>
+            <a:endParaRPr b="0" lang="es-ES" sz="4400" spc="-1" strike="noStrike">
+              <a:latin typeface="Arial"/>
+            </a:endParaRPr>
+          </a:p>
+        </p:txBody>
+      </p:sp>
+      <p:sp>
+        <p:nvSpPr>
+          <p:cNvPr id="268" name="PlaceHolder 2"/>
+          <p:cNvSpPr>
+            <a:spLocks noGrp="1"/>
+          </p:cNvSpPr>
+          <p:nvPr>
+            <p:ph type="body"/>
+          </p:nvPr>
+        </p:nvSpPr>
+        <p:spPr>
+          <a:xfrm>
+            <a:off x="504000" y="1768680"/>
+            <a:ext cx="4426920" cy="4384080"/>
+          </a:xfrm>
+          <a:prstGeom prst="rect">
+            <a:avLst/>
+          </a:prstGeom>
+        </p:spPr>
+        <p:txBody>
+          <a:bodyPr lIns="0" rIns="0" tIns="0" bIns="0">
+            <a:normAutofit/>
+          </a:bodyPr>
+          <a:p>
+            <a:endParaRPr b="0" lang="es-ES" sz="3200" spc="-1" strike="noStrike">
+              <a:latin typeface="Arial"/>
+            </a:endParaRPr>
+          </a:p>
+        </p:txBody>
+      </p:sp>
+      <p:sp>
+        <p:nvSpPr>
+          <p:cNvPr id="269" name="PlaceHolder 3"/>
+          <p:cNvSpPr>
+            <a:spLocks noGrp="1"/>
+          </p:cNvSpPr>
+          <p:nvPr>
+            <p:ph type="body"/>
+          </p:nvPr>
+        </p:nvSpPr>
+        <p:spPr>
+          <a:xfrm>
+            <a:off x="5152680" y="1768680"/>
+            <a:ext cx="4426920" cy="2090880"/>
+          </a:xfrm>
+          <a:prstGeom prst="rect">
+            <a:avLst/>
+          </a:prstGeom>
+        </p:spPr>
+        <p:txBody>
+          <a:bodyPr lIns="0" rIns="0" tIns="0" bIns="0">
+            <a:normAutofit/>
+          </a:bodyPr>
+          <a:p>
+            <a:endParaRPr b="0" lang="es-ES" sz="3200" spc="-1" strike="noStrike">
+              <a:latin typeface="Arial"/>
+            </a:endParaRPr>
+          </a:p>
+        </p:txBody>
+      </p:sp>
+      <p:sp>
+        <p:nvSpPr>
+          <p:cNvPr id="270" name="PlaceHolder 4"/>
+          <p:cNvSpPr>
+            <a:spLocks noGrp="1"/>
+          </p:cNvSpPr>
+          <p:nvPr>
+            <p:ph type="body"/>
+          </p:nvPr>
+        </p:nvSpPr>
+        <p:spPr>
+          <a:xfrm>
+            <a:off x="5152680" y="4058640"/>
+            <a:ext cx="4426920" cy="2090880"/>
+          </a:xfrm>
+          <a:prstGeom prst="rect">
+            <a:avLst/>
+          </a:prstGeom>
+        </p:spPr>
+        <p:txBody>
+          <a:bodyPr lIns="0" rIns="0" tIns="0" bIns="0">
+            <a:normAutofit/>
+          </a:bodyPr>
+          <a:p>
+            <a:endParaRPr b="0" lang="es-ES" sz="3200" spc="-1" strike="noStrike">
+              <a:latin typeface="Arial"/>
+            </a:endParaRPr>
+          </a:p>
+        </p:txBody>
+      </p:sp>
+    </p:spTree>
+  </p:cSld>
+</p:sldLayout>
+</file>
+
+<file path=ppt/slideLayouts/slideLayout81.xml><?xml version="1.0" encoding="utf-8"?>
+<p:sldLayout xmlns:a="http://schemas.openxmlformats.org/drawingml/2006/main" xmlns:p="http://schemas.openxmlformats.org/presentationml/2006/main" xmlns:r="http://schemas.openxmlformats.org/officeDocument/2006/relationships" xmlns:p14="http://schemas.microsoft.com/office/powerpoint/2010/main" xmlns:p15="http://schemas.microsoft.com/office/powerpoint/2012/main" xmlns:mc="http://schemas.openxmlformats.org/markup-compatibility/2006" type="twoObjOverTx" preserve="1">
+  <p:cSld name="Title, 2 Content over Content">
+    <p:spTree>
+      <p:nvGrpSpPr>
+        <p:cNvPr id="1" name=""/>
+        <p:cNvGrpSpPr/>
+        <p:nvPr/>
+      </p:nvGrpSpPr>
+      <p:grpSpPr>
+        <a:xfrm>
+          <a:off x="0" y="0"/>
+          <a:ext cx="0" cy="0"/>
+          <a:chOff x="0" y="0"/>
+          <a:chExt cx="0" cy="0"/>
+        </a:xfrm>
+      </p:grpSpPr>
+      <p:sp>
+        <p:nvSpPr>
+          <p:cNvPr id="271" name="PlaceHolder 1"/>
+          <p:cNvSpPr>
+            <a:spLocks noGrp="1"/>
+          </p:cNvSpPr>
+          <p:nvPr>
+            <p:ph type="title"/>
+          </p:nvPr>
+        </p:nvSpPr>
+        <p:spPr>
+          <a:xfrm>
+            <a:off x="504000" y="301320"/>
+            <a:ext cx="9072000" cy="1261800"/>
+          </a:xfrm>
+          <a:prstGeom prst="rect">
+            <a:avLst/>
+          </a:prstGeom>
+        </p:spPr>
+        <p:txBody>
+          <a:bodyPr lIns="0" rIns="0" tIns="0" bIns="0" anchor="ctr">
+            <a:spAutoFit/>
+          </a:bodyPr>
+          <a:p>
+            <a:pPr algn="ctr"/>
+            <a:endParaRPr b="0" lang="es-ES" sz="4400" spc="-1" strike="noStrike">
+              <a:latin typeface="Arial"/>
+            </a:endParaRPr>
+          </a:p>
+        </p:txBody>
+      </p:sp>
+      <p:sp>
+        <p:nvSpPr>
+          <p:cNvPr id="272" name="PlaceHolder 2"/>
+          <p:cNvSpPr>
+            <a:spLocks noGrp="1"/>
+          </p:cNvSpPr>
+          <p:nvPr>
+            <p:ph type="body"/>
+          </p:nvPr>
+        </p:nvSpPr>
+        <p:spPr>
+          <a:xfrm>
+            <a:off x="504000" y="1768680"/>
+            <a:ext cx="4426920" cy="2090880"/>
+          </a:xfrm>
+          <a:prstGeom prst="rect">
+            <a:avLst/>
+          </a:prstGeom>
+        </p:spPr>
+        <p:txBody>
+          <a:bodyPr lIns="0" rIns="0" tIns="0" bIns="0">
+            <a:normAutofit/>
+          </a:bodyPr>
+          <a:p>
+            <a:endParaRPr b="0" lang="es-ES" sz="3200" spc="-1" strike="noStrike">
+              <a:latin typeface="Arial"/>
+            </a:endParaRPr>
+          </a:p>
+        </p:txBody>
+      </p:sp>
+      <p:sp>
+        <p:nvSpPr>
+          <p:cNvPr id="273" name="PlaceHolder 3"/>
+          <p:cNvSpPr>
+            <a:spLocks noGrp="1"/>
+          </p:cNvSpPr>
+          <p:nvPr>
+            <p:ph type="body"/>
+          </p:nvPr>
+        </p:nvSpPr>
+        <p:spPr>
+          <a:xfrm>
+            <a:off x="5152680" y="1768680"/>
+            <a:ext cx="4426920" cy="2090880"/>
+          </a:xfrm>
+          <a:prstGeom prst="rect">
+            <a:avLst/>
+          </a:prstGeom>
+        </p:spPr>
+        <p:txBody>
+          <a:bodyPr lIns="0" rIns="0" tIns="0" bIns="0">
+            <a:normAutofit/>
+          </a:bodyPr>
+          <a:p>
+            <a:endParaRPr b="0" lang="es-ES" sz="3200" spc="-1" strike="noStrike">
+              <a:latin typeface="Arial"/>
+            </a:endParaRPr>
+          </a:p>
+        </p:txBody>
+      </p:sp>
+      <p:sp>
+        <p:nvSpPr>
+          <p:cNvPr id="274" name="PlaceHolder 4"/>
+          <p:cNvSpPr>
+            <a:spLocks noGrp="1"/>
+          </p:cNvSpPr>
+          <p:nvPr>
+            <p:ph type="body"/>
+          </p:nvPr>
+        </p:nvSpPr>
+        <p:spPr>
+          <a:xfrm>
+            <a:off x="504000" y="4058640"/>
+            <a:ext cx="9072000" cy="2090880"/>
+          </a:xfrm>
+          <a:prstGeom prst="rect">
+            <a:avLst/>
+          </a:prstGeom>
+        </p:spPr>
+        <p:txBody>
+          <a:bodyPr lIns="0" rIns="0" tIns="0" bIns="0">
+            <a:normAutofit/>
+          </a:bodyPr>
+          <a:p>
+            <a:endParaRPr b="0" lang="es-ES" sz="3200" spc="-1" strike="noStrike">
+              <a:latin typeface="Arial"/>
+            </a:endParaRPr>
+          </a:p>
+        </p:txBody>
+      </p:sp>
+    </p:spTree>
+  </p:cSld>
+</p:sldLayout>
+</file>
+
+<file path=ppt/slideLayouts/slideLayout82.xml><?xml version="1.0" encoding="utf-8"?>
+<p:sldLayout xmlns:a="http://schemas.openxmlformats.org/drawingml/2006/main" xmlns:p="http://schemas.openxmlformats.org/presentationml/2006/main" xmlns:r="http://schemas.openxmlformats.org/officeDocument/2006/relationships" xmlns:p14="http://schemas.microsoft.com/office/powerpoint/2010/main" xmlns:p15="http://schemas.microsoft.com/office/powerpoint/2012/main" xmlns:mc="http://schemas.openxmlformats.org/markup-compatibility/2006" type="objOverTx" preserve="1">
+  <p:cSld name="Title, Content over Content">
+    <p:spTree>
+      <p:nvGrpSpPr>
+        <p:cNvPr id="1" name=""/>
+        <p:cNvGrpSpPr/>
+        <p:nvPr/>
+      </p:nvGrpSpPr>
+      <p:grpSpPr>
+        <a:xfrm>
+          <a:off x="0" y="0"/>
+          <a:ext cx="0" cy="0"/>
+          <a:chOff x="0" y="0"/>
+          <a:chExt cx="0" cy="0"/>
+        </a:xfrm>
+      </p:grpSpPr>
+      <p:sp>
+        <p:nvSpPr>
+          <p:cNvPr id="275" name="PlaceHolder 1"/>
+          <p:cNvSpPr>
+            <a:spLocks noGrp="1"/>
+          </p:cNvSpPr>
+          <p:nvPr>
+            <p:ph type="title"/>
+          </p:nvPr>
+        </p:nvSpPr>
+        <p:spPr>
+          <a:xfrm>
+            <a:off x="504000" y="301320"/>
+            <a:ext cx="9072000" cy="1261800"/>
+          </a:xfrm>
+          <a:prstGeom prst="rect">
+            <a:avLst/>
+          </a:prstGeom>
+        </p:spPr>
+        <p:txBody>
+          <a:bodyPr lIns="0" rIns="0" tIns="0" bIns="0" anchor="ctr">
+            <a:spAutoFit/>
+          </a:bodyPr>
+          <a:p>
+            <a:pPr algn="ctr"/>
+            <a:endParaRPr b="0" lang="es-ES" sz="4400" spc="-1" strike="noStrike">
+              <a:latin typeface="Arial"/>
+            </a:endParaRPr>
+          </a:p>
+        </p:txBody>
+      </p:sp>
+      <p:sp>
+        <p:nvSpPr>
+          <p:cNvPr id="276" name="PlaceHolder 2"/>
+          <p:cNvSpPr>
+            <a:spLocks noGrp="1"/>
+          </p:cNvSpPr>
+          <p:nvPr>
+            <p:ph type="body"/>
+          </p:nvPr>
+        </p:nvSpPr>
+        <p:spPr>
+          <a:xfrm>
+            <a:off x="504000" y="1768680"/>
+            <a:ext cx="9072000" cy="2090880"/>
+          </a:xfrm>
+          <a:prstGeom prst="rect">
+            <a:avLst/>
+          </a:prstGeom>
+        </p:spPr>
+        <p:txBody>
+          <a:bodyPr lIns="0" rIns="0" tIns="0" bIns="0">
+            <a:normAutofit/>
+          </a:bodyPr>
+          <a:p>
+            <a:endParaRPr b="0" lang="es-ES" sz="3200" spc="-1" strike="noStrike">
+              <a:latin typeface="Arial"/>
+            </a:endParaRPr>
+          </a:p>
+        </p:txBody>
+      </p:sp>
+      <p:sp>
+        <p:nvSpPr>
+          <p:cNvPr id="277" name="PlaceHolder 3"/>
+          <p:cNvSpPr>
+            <a:spLocks noGrp="1"/>
+          </p:cNvSpPr>
+          <p:nvPr>
+            <p:ph type="body"/>
+          </p:nvPr>
+        </p:nvSpPr>
+        <p:spPr>
+          <a:xfrm>
+            <a:off x="504000" y="4058640"/>
+            <a:ext cx="9072000" cy="2090880"/>
+          </a:xfrm>
+          <a:prstGeom prst="rect">
+            <a:avLst/>
+          </a:prstGeom>
+        </p:spPr>
+        <p:txBody>
+          <a:bodyPr lIns="0" rIns="0" tIns="0" bIns="0">
+            <a:normAutofit/>
+          </a:bodyPr>
+          <a:p>
+            <a:endParaRPr b="0" lang="es-ES" sz="3200" spc="-1" strike="noStrike">
+              <a:latin typeface="Arial"/>
+            </a:endParaRPr>
+          </a:p>
+        </p:txBody>
+      </p:sp>
+    </p:spTree>
+  </p:cSld>
+</p:sldLayout>
+</file>
+
+<file path=ppt/slideLayouts/slideLayout83.xml><?xml version="1.0" encoding="utf-8"?>
+<p:sldLayout xmlns:a="http://schemas.openxmlformats.org/drawingml/2006/main" xmlns:p="http://schemas.openxmlformats.org/presentationml/2006/main" xmlns:r="http://schemas.openxmlformats.org/officeDocument/2006/relationships" xmlns:p14="http://schemas.microsoft.com/office/powerpoint/2010/main" xmlns:p15="http://schemas.microsoft.com/office/powerpoint/2012/main" xmlns:mc="http://schemas.openxmlformats.org/markup-compatibility/2006" type="fourObj" preserve="1">
+  <p:cSld name="Title, 4 Content">
+    <p:spTree>
+      <p:nvGrpSpPr>
+        <p:cNvPr id="1" name=""/>
+        <p:cNvGrpSpPr/>
+        <p:nvPr/>
+      </p:nvGrpSpPr>
+      <p:grpSpPr>
+        <a:xfrm>
+          <a:off x="0" y="0"/>
+          <a:ext cx="0" cy="0"/>
+          <a:chOff x="0" y="0"/>
+          <a:chExt cx="0" cy="0"/>
+        </a:xfrm>
+      </p:grpSpPr>
+      <p:sp>
+        <p:nvSpPr>
+          <p:cNvPr id="278" name="PlaceHolder 1"/>
+          <p:cNvSpPr>
+            <a:spLocks noGrp="1"/>
+          </p:cNvSpPr>
+          <p:nvPr>
+            <p:ph type="title"/>
+          </p:nvPr>
+        </p:nvSpPr>
+        <p:spPr>
+          <a:xfrm>
+            <a:off x="504000" y="301320"/>
+            <a:ext cx="9072000" cy="1261800"/>
+          </a:xfrm>
+          <a:prstGeom prst="rect">
+            <a:avLst/>
+          </a:prstGeom>
+        </p:spPr>
+        <p:txBody>
+          <a:bodyPr lIns="0" rIns="0" tIns="0" bIns="0" anchor="ctr">
+            <a:spAutoFit/>
+          </a:bodyPr>
+          <a:p>
+            <a:pPr algn="ctr"/>
+            <a:endParaRPr b="0" lang="es-ES" sz="4400" spc="-1" strike="noStrike">
+              <a:latin typeface="Arial"/>
+            </a:endParaRPr>
+          </a:p>
+        </p:txBody>
+      </p:sp>
+      <p:sp>
+        <p:nvSpPr>
+          <p:cNvPr id="279" name="PlaceHolder 2"/>
+          <p:cNvSpPr>
+            <a:spLocks noGrp="1"/>
+          </p:cNvSpPr>
+          <p:nvPr>
+            <p:ph type="body"/>
+          </p:nvPr>
+        </p:nvSpPr>
+        <p:spPr>
+          <a:xfrm>
+            <a:off x="504000" y="1768680"/>
+            <a:ext cx="4426920" cy="2090880"/>
+          </a:xfrm>
+          <a:prstGeom prst="rect">
+            <a:avLst/>
+          </a:prstGeom>
+        </p:spPr>
+        <p:txBody>
+          <a:bodyPr lIns="0" rIns="0" tIns="0" bIns="0">
+            <a:normAutofit/>
+          </a:bodyPr>
+          <a:p>
+            <a:endParaRPr b="0" lang="es-ES" sz="3200" spc="-1" strike="noStrike">
+              <a:latin typeface="Arial"/>
+            </a:endParaRPr>
+          </a:p>
+        </p:txBody>
+      </p:sp>
+      <p:sp>
+        <p:nvSpPr>
+          <p:cNvPr id="280" name="PlaceHolder 3"/>
+          <p:cNvSpPr>
+            <a:spLocks noGrp="1"/>
+          </p:cNvSpPr>
+          <p:nvPr>
+            <p:ph type="body"/>
+          </p:nvPr>
+        </p:nvSpPr>
+        <p:spPr>
+          <a:xfrm>
+            <a:off x="5152680" y="1768680"/>
+            <a:ext cx="4426920" cy="2090880"/>
+          </a:xfrm>
+          <a:prstGeom prst="rect">
+            <a:avLst/>
+          </a:prstGeom>
+        </p:spPr>
+        <p:txBody>
+          <a:bodyPr lIns="0" rIns="0" tIns="0" bIns="0">
+            <a:normAutofit/>
+          </a:bodyPr>
+          <a:p>
+            <a:endParaRPr b="0" lang="es-ES" sz="3200" spc="-1" strike="noStrike">
+              <a:latin typeface="Arial"/>
+            </a:endParaRPr>
+          </a:p>
+        </p:txBody>
+      </p:sp>
+      <p:sp>
+        <p:nvSpPr>
+          <p:cNvPr id="281" name="PlaceHolder 4"/>
+          <p:cNvSpPr>
+            <a:spLocks noGrp="1"/>
+          </p:cNvSpPr>
+          <p:nvPr>
+            <p:ph type="body"/>
+          </p:nvPr>
+        </p:nvSpPr>
+        <p:spPr>
+          <a:xfrm>
+            <a:off x="504000" y="4058640"/>
+            <a:ext cx="4426920" cy="2090880"/>
+          </a:xfrm>
+          <a:prstGeom prst="rect">
+            <a:avLst/>
+          </a:prstGeom>
+        </p:spPr>
+        <p:txBody>
+          <a:bodyPr lIns="0" rIns="0" tIns="0" bIns="0">
+            <a:normAutofit/>
+          </a:bodyPr>
+          <a:p>
+            <a:endParaRPr b="0" lang="es-ES" sz="3200" spc="-1" strike="noStrike">
+              <a:latin typeface="Arial"/>
+            </a:endParaRPr>
+          </a:p>
+        </p:txBody>
+      </p:sp>
+      <p:sp>
+        <p:nvSpPr>
+          <p:cNvPr id="282" name="PlaceHolder 5"/>
+          <p:cNvSpPr>
+            <a:spLocks noGrp="1"/>
+          </p:cNvSpPr>
+          <p:nvPr>
+            <p:ph type="body"/>
+          </p:nvPr>
+        </p:nvSpPr>
+        <p:spPr>
+          <a:xfrm>
+            <a:off x="5152680" y="4058640"/>
+            <a:ext cx="4426920" cy="2090880"/>
+          </a:xfrm>
+          <a:prstGeom prst="rect">
+            <a:avLst/>
+          </a:prstGeom>
+        </p:spPr>
+        <p:txBody>
+          <a:bodyPr lIns="0" rIns="0" tIns="0" bIns="0">
+            <a:normAutofit/>
+          </a:bodyPr>
+          <a:p>
+            <a:endParaRPr b="0" lang="es-ES" sz="3200" spc="-1" strike="noStrike">
+              <a:latin typeface="Arial"/>
+            </a:endParaRPr>
+          </a:p>
+        </p:txBody>
+      </p:sp>
+    </p:spTree>
+  </p:cSld>
+</p:sldLayout>
+</file>
+
+<file path=ppt/slideLayouts/slideLayout84.xml><?xml version="1.0" encoding="utf-8"?>
+<p:sldLayout xmlns:a="http://schemas.openxmlformats.org/drawingml/2006/main" xmlns:p="http://schemas.openxmlformats.org/presentationml/2006/main" xmlns:r="http://schemas.openxmlformats.org/officeDocument/2006/relationships" xmlns:p14="http://schemas.microsoft.com/office/powerpoint/2010/main" xmlns:p15="http://schemas.microsoft.com/office/powerpoint/2012/main" xmlns:mc="http://schemas.openxmlformats.org/markup-compatibility/2006" type="blank" preserve="1">
+  <p:cSld name="Title, 6 Content">
+    <p:spTree>
+      <p:nvGrpSpPr>
+        <p:cNvPr id="1" name=""/>
+        <p:cNvGrpSpPr/>
+        <p:nvPr/>
+      </p:nvGrpSpPr>
+      <p:grpSpPr>
+        <a:xfrm>
+          <a:off x="0" y="0"/>
+          <a:ext cx="0" cy="0"/>
+          <a:chOff x="0" y="0"/>
+          <a:chExt cx="0" cy="0"/>
+        </a:xfrm>
+      </p:grpSpPr>
+      <p:sp>
+        <p:nvSpPr>
+          <p:cNvPr id="283" name="PlaceHolder 1"/>
+          <p:cNvSpPr>
+            <a:spLocks noGrp="1"/>
+          </p:cNvSpPr>
+          <p:nvPr>
+            <p:ph type="title"/>
+          </p:nvPr>
+        </p:nvSpPr>
+        <p:spPr>
+          <a:xfrm>
+            <a:off x="504000" y="301320"/>
+            <a:ext cx="9072000" cy="1261800"/>
+          </a:xfrm>
+          <a:prstGeom prst="rect">
+            <a:avLst/>
+          </a:prstGeom>
+        </p:spPr>
+        <p:txBody>
+          <a:bodyPr lIns="0" rIns="0" tIns="0" bIns="0" anchor="ctr">
+            <a:spAutoFit/>
+          </a:bodyPr>
+          <a:p>
+            <a:pPr algn="ctr"/>
+            <a:endParaRPr b="0" lang="es-ES" sz="4400" spc="-1" strike="noStrike">
+              <a:latin typeface="Arial"/>
+            </a:endParaRPr>
+          </a:p>
+        </p:txBody>
+      </p:sp>
+      <p:sp>
+        <p:nvSpPr>
+          <p:cNvPr id="284" name="PlaceHolder 2"/>
+          <p:cNvSpPr>
+            <a:spLocks noGrp="1"/>
+          </p:cNvSpPr>
+          <p:nvPr>
+            <p:ph type="body"/>
+          </p:nvPr>
+        </p:nvSpPr>
+        <p:spPr>
+          <a:xfrm>
+            <a:off x="504000" y="1768680"/>
+            <a:ext cx="2921040" cy="2090880"/>
+          </a:xfrm>
+          <a:prstGeom prst="rect">
+            <a:avLst/>
+          </a:prstGeom>
+        </p:spPr>
+        <p:txBody>
+          <a:bodyPr lIns="0" rIns="0" tIns="0" bIns="0">
+            <a:normAutofit/>
+          </a:bodyPr>
+          <a:p>
+            <a:endParaRPr b="0" lang="es-ES" sz="3200" spc="-1" strike="noStrike">
+              <a:latin typeface="Arial"/>
+            </a:endParaRPr>
+          </a:p>
+        </p:txBody>
+      </p:sp>
+      <p:sp>
+        <p:nvSpPr>
+          <p:cNvPr id="285" name="PlaceHolder 3"/>
+          <p:cNvSpPr>
+            <a:spLocks noGrp="1"/>
+          </p:cNvSpPr>
+          <p:nvPr>
+            <p:ph type="body"/>
+          </p:nvPr>
+        </p:nvSpPr>
+        <p:spPr>
+          <a:xfrm>
+            <a:off x="3571560" y="1768680"/>
+            <a:ext cx="2921040" cy="2090880"/>
+          </a:xfrm>
+          <a:prstGeom prst="rect">
+            <a:avLst/>
+          </a:prstGeom>
+        </p:spPr>
+        <p:txBody>
+          <a:bodyPr lIns="0" rIns="0" tIns="0" bIns="0">
+            <a:normAutofit/>
+          </a:bodyPr>
+          <a:p>
+            <a:endParaRPr b="0" lang="es-ES" sz="3200" spc="-1" strike="noStrike">
+              <a:latin typeface="Arial"/>
+            </a:endParaRPr>
+          </a:p>
+        </p:txBody>
+      </p:sp>
+      <p:sp>
+        <p:nvSpPr>
+          <p:cNvPr id="286" name="PlaceHolder 4"/>
+          <p:cNvSpPr>
+            <a:spLocks noGrp="1"/>
+          </p:cNvSpPr>
+          <p:nvPr>
+            <p:ph type="body"/>
+          </p:nvPr>
+        </p:nvSpPr>
+        <p:spPr>
+          <a:xfrm>
+            <a:off x="6639120" y="1768680"/>
+            <a:ext cx="2921040" cy="2090880"/>
+          </a:xfrm>
+          <a:prstGeom prst="rect">
+            <a:avLst/>
+          </a:prstGeom>
+        </p:spPr>
+        <p:txBody>
+          <a:bodyPr lIns="0" rIns="0" tIns="0" bIns="0">
+            <a:normAutofit/>
+          </a:bodyPr>
+          <a:p>
+            <a:endParaRPr b="0" lang="es-ES" sz="3200" spc="-1" strike="noStrike">
+              <a:latin typeface="Arial"/>
+            </a:endParaRPr>
+          </a:p>
+        </p:txBody>
+      </p:sp>
+      <p:sp>
+        <p:nvSpPr>
+          <p:cNvPr id="287" name="PlaceHolder 5"/>
+          <p:cNvSpPr>
+            <a:spLocks noGrp="1"/>
+          </p:cNvSpPr>
+          <p:nvPr>
+            <p:ph type="body"/>
+          </p:nvPr>
+        </p:nvSpPr>
+        <p:spPr>
+          <a:xfrm>
+            <a:off x="504000" y="4058640"/>
+            <a:ext cx="2921040" cy="2090880"/>
+          </a:xfrm>
+          <a:prstGeom prst="rect">
+            <a:avLst/>
+          </a:prstGeom>
+        </p:spPr>
+        <p:txBody>
+          <a:bodyPr lIns="0" rIns="0" tIns="0" bIns="0">
+            <a:normAutofit/>
+          </a:bodyPr>
+          <a:p>
+            <a:endParaRPr b="0" lang="es-ES" sz="3200" spc="-1" strike="noStrike">
+              <a:latin typeface="Arial"/>
+            </a:endParaRPr>
+          </a:p>
+        </p:txBody>
+      </p:sp>
+      <p:sp>
+        <p:nvSpPr>
+          <p:cNvPr id="288" name="PlaceHolder 6"/>
+          <p:cNvSpPr>
+            <a:spLocks noGrp="1"/>
+          </p:cNvSpPr>
+          <p:nvPr>
+            <p:ph type="body"/>
+          </p:nvPr>
+        </p:nvSpPr>
+        <p:spPr>
+          <a:xfrm>
+            <a:off x="3571560" y="4058640"/>
+            <a:ext cx="2921040" cy="2090880"/>
+          </a:xfrm>
+          <a:prstGeom prst="rect">
+            <a:avLst/>
+          </a:prstGeom>
+        </p:spPr>
+        <p:txBody>
+          <a:bodyPr lIns="0" rIns="0" tIns="0" bIns="0">
+            <a:normAutofit/>
+          </a:bodyPr>
+          <a:p>
+            <a:endParaRPr b="0" lang="es-ES" sz="3200" spc="-1" strike="noStrike">
+              <a:latin typeface="Arial"/>
+            </a:endParaRPr>
+          </a:p>
+        </p:txBody>
+      </p:sp>
+      <p:sp>
+        <p:nvSpPr>
+          <p:cNvPr id="289" name="PlaceHolder 7"/>
+          <p:cNvSpPr>
+            <a:spLocks noGrp="1"/>
+          </p:cNvSpPr>
+          <p:nvPr>
+            <p:ph type="body"/>
+          </p:nvPr>
+        </p:nvSpPr>
+        <p:spPr>
+          <a:xfrm>
+            <a:off x="6639120" y="4058640"/>
+            <a:ext cx="2921040" cy="2090880"/>
           </a:xfrm>
           <a:prstGeom prst="rect">
             <a:avLst/>
@@ -8058,8 +9415,8 @@
         </p:nvSpPr>
         <p:spPr>
           <a:xfrm>
-            <a:off x="360000" y="3148560"/>
-            <a:ext cx="9359280" cy="1262160"/>
+            <a:off x="504000" y="301320"/>
+            <a:ext cx="9072000" cy="1261800"/>
           </a:xfrm>
           <a:prstGeom prst="rect">
             <a:avLst/>
@@ -8150,7 +9507,7 @@
         <p:spPr>
           <a:xfrm>
             <a:off x="504000" y="4058640"/>
-            <a:ext cx="9071640" cy="2090880"/>
+            <a:ext cx="9072000" cy="2090880"/>
           </a:xfrm>
           <a:prstGeom prst="rect">
             <a:avLst/>
@@ -8198,7 +9555,7 @@
         <p:spPr>
           <a:xfrm>
             <a:off x="0" y="3150000"/>
-            <a:ext cx="9719280" cy="1259280"/>
+            <a:ext cx="9718920" cy="1258920"/>
           </a:xfrm>
           <a:prstGeom prst="rect">
             <a:avLst/>
@@ -8229,8 +9586,8 @@
         </p:nvSpPr>
         <p:spPr>
           <a:xfrm>
-            <a:off x="360000" y="3148560"/>
-            <a:ext cx="9359280" cy="1262160"/>
+            <a:off x="504000" y="301320"/>
+            <a:ext cx="9072000" cy="1261800"/>
           </a:xfrm>
           <a:prstGeom prst="rect">
             <a:avLst/>
@@ -8238,16 +9595,17 @@
         </p:spPr>
         <p:txBody>
           <a:bodyPr lIns="0" rIns="0" tIns="0" bIns="0" anchor="ctr">
-            <a:spAutoFit/>
-          </a:bodyPr>
-          <a:p>
+            <a:noAutofit/>
+          </a:bodyPr>
+          <a:p>
+            <a:pPr algn="ctr"/>
             <a:r>
-              <a:rPr b="0" lang="es-ES" sz="1800" spc="-1" strike="noStrike">
+              <a:rPr b="0" lang="es-ES" sz="4400" spc="-1" strike="noStrike">
                 <a:latin typeface="Arial"/>
               </a:rPr>
               <a:t>Pulse para editar el formato del texto de título</a:t>
             </a:r>
-            <a:endParaRPr b="0" lang="es-ES" sz="1800" spc="-1" strike="noStrike">
+            <a:endParaRPr b="0" lang="es-ES" sz="4400" spc="-1" strike="noStrike">
               <a:latin typeface="Arial"/>
             </a:endParaRPr>
           </a:p>
@@ -8266,7 +9624,7 @@
         <p:spPr>
           <a:xfrm>
             <a:off x="504000" y="1768680"/>
-            <a:ext cx="9071640" cy="4383720"/>
+            <a:ext cx="9072000" cy="4384080"/>
           </a:xfrm>
           <a:prstGeom prst="rect">
             <a:avLst/>
@@ -8289,12 +9647,12 @@
               <a:buChar char=""/>
             </a:pPr>
             <a:r>
-              <a:rPr b="0" lang="es-ES" sz="1800" spc="-1" strike="noStrike">
+              <a:rPr b="0" lang="es-ES" sz="3200" spc="-1" strike="noStrike">
                 <a:latin typeface="Arial"/>
               </a:rPr>
               <a:t>Pulse para editar el formato de esquema del texto</a:t>
             </a:r>
-            <a:endParaRPr b="0" lang="es-ES" sz="1800" spc="-1" strike="noStrike">
+            <a:endParaRPr b="0" lang="es-ES" sz="3200" spc="-1" strike="noStrike">
               <a:latin typeface="Arial"/>
             </a:endParaRPr>
           </a:p>
@@ -8311,12 +9669,12 @@
               <a:buChar char=""/>
             </a:pPr>
             <a:r>
-              <a:rPr b="0" lang="es-ES" sz="1800" spc="-1" strike="noStrike">
+              <a:rPr b="0" lang="es-ES" sz="2800" spc="-1" strike="noStrike">
                 <a:latin typeface="Arial"/>
               </a:rPr>
               <a:t>Segundo nivel del esquema</a:t>
             </a:r>
-            <a:endParaRPr b="0" lang="es-ES" sz="1800" spc="-1" strike="noStrike">
+            <a:endParaRPr b="0" lang="es-ES" sz="2800" spc="-1" strike="noStrike">
               <a:latin typeface="Arial"/>
             </a:endParaRPr>
           </a:p>
@@ -8333,12 +9691,12 @@
               <a:buChar char=""/>
             </a:pPr>
             <a:r>
-              <a:rPr b="0" lang="es-ES" sz="1800" spc="-1" strike="noStrike">
+              <a:rPr b="0" lang="es-ES" sz="2400" spc="-1" strike="noStrike">
                 <a:latin typeface="Arial"/>
               </a:rPr>
               <a:t>Tercer nivel del esquema</a:t>
             </a:r>
-            <a:endParaRPr b="0" lang="es-ES" sz="1800" spc="-1" strike="noStrike">
+            <a:endParaRPr b="0" lang="es-ES" sz="2400" spc="-1" strike="noStrike">
               <a:latin typeface="Arial"/>
             </a:endParaRPr>
           </a:p>
@@ -8355,12 +9713,12 @@
               <a:buChar char=""/>
             </a:pPr>
             <a:r>
-              <a:rPr b="0" lang="es-ES" sz="1800" spc="-1" strike="noStrike">
+              <a:rPr b="0" lang="es-ES" sz="2000" spc="-1" strike="noStrike">
                 <a:latin typeface="Arial"/>
               </a:rPr>
               <a:t>Cuarto nivel del esquema</a:t>
             </a:r>
-            <a:endParaRPr b="0" lang="es-ES" sz="1800" spc="-1" strike="noStrike">
+            <a:endParaRPr b="0" lang="es-ES" sz="2000" spc="-1" strike="noStrike">
               <a:latin typeface="Arial"/>
             </a:endParaRPr>
           </a:p>
@@ -8377,12 +9735,12 @@
               <a:buChar char=""/>
             </a:pPr>
             <a:r>
-              <a:rPr b="0" lang="es-ES" sz="1800" spc="-1" strike="noStrike">
+              <a:rPr b="0" lang="es-ES" sz="2000" spc="-1" strike="noStrike">
                 <a:latin typeface="Arial"/>
               </a:rPr>
               <a:t>Quinto nivel del esquema</a:t>
             </a:r>
-            <a:endParaRPr b="0" lang="es-ES" sz="1800" spc="-1" strike="noStrike">
+            <a:endParaRPr b="0" lang="es-ES" sz="2000" spc="-1" strike="noStrike">
               <a:latin typeface="Arial"/>
             </a:endParaRPr>
           </a:p>
@@ -8399,12 +9757,12 @@
               <a:buChar char=""/>
             </a:pPr>
             <a:r>
-              <a:rPr b="0" lang="es-ES" sz="1800" spc="-1" strike="noStrike">
+              <a:rPr b="0" lang="es-ES" sz="2000" spc="-1" strike="noStrike">
                 <a:latin typeface="Arial"/>
               </a:rPr>
               <a:t>Sexto nivel del esquema</a:t>
             </a:r>
-            <a:endParaRPr b="0" lang="es-ES" sz="1800" spc="-1" strike="noStrike">
+            <a:endParaRPr b="0" lang="es-ES" sz="2000" spc="-1" strike="noStrike">
               <a:latin typeface="Arial"/>
             </a:endParaRPr>
           </a:p>
@@ -8421,12 +9779,12 @@
               <a:buChar char=""/>
             </a:pPr>
             <a:r>
-              <a:rPr b="0" lang="es-ES" sz="1800" spc="-1" strike="noStrike">
+              <a:rPr b="0" lang="es-ES" sz="2000" spc="-1" strike="noStrike">
                 <a:latin typeface="Arial"/>
               </a:rPr>
               <a:t>Séptimo nivel del esquema</a:t>
             </a:r>
-            <a:endParaRPr b="0" lang="es-ES" sz="1800" spc="-1" strike="noStrike">
+            <a:endParaRPr b="0" lang="es-ES" sz="2000" spc="-1" strike="noStrike">
               <a:latin typeface="Arial"/>
             </a:endParaRPr>
           </a:p>
@@ -8478,7 +9836,7 @@
         <p:spPr>
           <a:xfrm>
             <a:off x="0" y="180000"/>
-            <a:ext cx="9719280" cy="1259280"/>
+            <a:ext cx="9718920" cy="1258920"/>
           </a:xfrm>
           <a:prstGeom prst="rect">
             <a:avLst/>
@@ -8506,7 +9864,7 @@
         <p:spPr>
           <a:xfrm>
             <a:off x="7560000" y="6840000"/>
-            <a:ext cx="2519280" cy="539280"/>
+            <a:ext cx="2518920" cy="538920"/>
           </a:xfrm>
           <a:prstGeom prst="rect">
             <a:avLst/>
@@ -8534,7 +9892,7 @@
         <p:spPr>
           <a:xfrm>
             <a:off x="900000" y="6840000"/>
-            <a:ext cx="6479280" cy="539280"/>
+            <a:ext cx="6478920" cy="538920"/>
           </a:xfrm>
           <a:prstGeom prst="rect">
             <a:avLst/>
@@ -8562,7 +9920,7 @@
         <p:spPr>
           <a:xfrm>
             <a:off x="180000" y="6840000"/>
-            <a:ext cx="539280" cy="539280"/>
+            <a:ext cx="538920" cy="538920"/>
           </a:xfrm>
           <a:prstGeom prst="rect">
             <a:avLst/>
@@ -8841,7 +10199,7 @@
         <p:spPr>
           <a:xfrm>
             <a:off x="0" y="180000"/>
-            <a:ext cx="9719280" cy="1259280"/>
+            <a:ext cx="9718920" cy="1258920"/>
           </a:xfrm>
           <a:prstGeom prst="rect">
             <a:avLst/>
@@ -8869,7 +10227,7 @@
         <p:spPr>
           <a:xfrm>
             <a:off x="7560000" y="6840000"/>
-            <a:ext cx="2519280" cy="539280"/>
+            <a:ext cx="2518920" cy="538920"/>
           </a:xfrm>
           <a:prstGeom prst="rect">
             <a:avLst/>
@@ -8897,7 +10255,7 @@
         <p:spPr>
           <a:xfrm>
             <a:off x="900000" y="6840000"/>
-            <a:ext cx="6479280" cy="539280"/>
+            <a:ext cx="6478920" cy="538920"/>
           </a:xfrm>
           <a:prstGeom prst="rect">
             <a:avLst/>
@@ -8925,7 +10283,7 @@
         <p:spPr>
           <a:xfrm>
             <a:off x="180000" y="6840000"/>
-            <a:ext cx="539280" cy="539280"/>
+            <a:ext cx="538920" cy="538920"/>
           </a:xfrm>
           <a:prstGeom prst="rect">
             <a:avLst/>
@@ -8955,7 +10313,7 @@
         <p:spPr>
           <a:xfrm>
             <a:off x="360000" y="3148560"/>
-            <a:ext cx="9359280" cy="1262160"/>
+            <a:ext cx="9358920" cy="1262160"/>
           </a:xfrm>
           <a:prstGeom prst="rect">
             <a:avLst/>
@@ -8991,194 +10349,15 @@
         <p:spPr>
           <a:xfrm>
             <a:off x="504000" y="1768680"/>
-            <a:ext cx="9071640" cy="2090520"/>
-          </a:xfrm>
-          <a:prstGeom prst="rect">
-            <a:avLst/>
-          </a:prstGeom>
-        </p:spPr>
-        <p:txBody>
-          <a:bodyPr lIns="0" rIns="0" tIns="0" bIns="0">
-            <a:normAutofit fontScale="90000"/>
-          </a:bodyPr>
-          <a:p>
-            <a:pPr marL="432000" indent="-324000">
-              <a:spcBef>
-                <a:spcPts val="1417"/>
-              </a:spcBef>
-              <a:buClr>
-                <a:srgbClr val="000000"/>
-              </a:buClr>
-              <a:buSzPct val="45000"/>
-              <a:buFont typeface="Wingdings" charset="2"/>
-              <a:buChar char=""/>
-            </a:pPr>
-            <a:r>
-              <a:rPr b="0" lang="es-ES" sz="1800" spc="-1" strike="noStrike">
-                <a:latin typeface="Arial"/>
-              </a:rPr>
-              <a:t>Pulse para editar el formato de esquema del texto</a:t>
-            </a:r>
-            <a:endParaRPr b="0" lang="es-ES" sz="1800" spc="-1" strike="noStrike">
-              <a:latin typeface="Arial"/>
-            </a:endParaRPr>
-          </a:p>
-          <a:p>
-            <a:pPr lvl="1" marL="864000" indent="-324000">
-              <a:spcBef>
-                <a:spcPts val="1134"/>
-              </a:spcBef>
-              <a:buClr>
-                <a:srgbClr val="000000"/>
-              </a:buClr>
-              <a:buSzPct val="75000"/>
-              <a:buFont typeface="Symbol" charset="2"/>
-              <a:buChar char=""/>
-            </a:pPr>
-            <a:r>
-              <a:rPr b="0" lang="es-ES" sz="1800" spc="-1" strike="noStrike">
-                <a:latin typeface="Arial"/>
-              </a:rPr>
-              <a:t>Segundo nivel del esquema</a:t>
-            </a:r>
-            <a:endParaRPr b="0" lang="es-ES" sz="1800" spc="-1" strike="noStrike">
-              <a:latin typeface="Arial"/>
-            </a:endParaRPr>
-          </a:p>
-          <a:p>
-            <a:pPr lvl="2" marL="1296000" indent="-288000">
-              <a:spcBef>
-                <a:spcPts val="850"/>
-              </a:spcBef>
-              <a:buClr>
-                <a:srgbClr val="000000"/>
-              </a:buClr>
-              <a:buSzPct val="45000"/>
-              <a:buFont typeface="Wingdings" charset="2"/>
-              <a:buChar char=""/>
-            </a:pPr>
-            <a:r>
-              <a:rPr b="0" lang="es-ES" sz="1800" spc="-1" strike="noStrike">
-                <a:latin typeface="Arial"/>
-              </a:rPr>
-              <a:t>Tercer nivel del esquema</a:t>
-            </a:r>
-            <a:endParaRPr b="0" lang="es-ES" sz="1800" spc="-1" strike="noStrike">
-              <a:latin typeface="Arial"/>
-            </a:endParaRPr>
-          </a:p>
-          <a:p>
-            <a:pPr lvl="3" marL="1728000" indent="-216000">
-              <a:spcBef>
-                <a:spcPts val="567"/>
-              </a:spcBef>
-              <a:buClr>
-                <a:srgbClr val="000000"/>
-              </a:buClr>
-              <a:buSzPct val="75000"/>
-              <a:buFont typeface="Symbol" charset="2"/>
-              <a:buChar char=""/>
-            </a:pPr>
-            <a:r>
-              <a:rPr b="0" lang="es-ES" sz="1800" spc="-1" strike="noStrike">
-                <a:latin typeface="Arial"/>
-              </a:rPr>
-              <a:t>Cuarto nivel del esquema</a:t>
-            </a:r>
-            <a:endParaRPr b="0" lang="es-ES" sz="1800" spc="-1" strike="noStrike">
-              <a:latin typeface="Arial"/>
-            </a:endParaRPr>
-          </a:p>
-          <a:p>
-            <a:pPr lvl="4" marL="2160000" indent="-216000">
-              <a:spcBef>
-                <a:spcPts val="283"/>
-              </a:spcBef>
-              <a:buClr>
-                <a:srgbClr val="000000"/>
-              </a:buClr>
-              <a:buSzPct val="45000"/>
-              <a:buFont typeface="Wingdings" charset="2"/>
-              <a:buChar char=""/>
-            </a:pPr>
-            <a:r>
-              <a:rPr b="0" lang="es-ES" sz="1800" spc="-1" strike="noStrike">
-                <a:latin typeface="Arial"/>
-              </a:rPr>
-              <a:t>Quinto nivel del esquema</a:t>
-            </a:r>
-            <a:endParaRPr b="0" lang="es-ES" sz="1800" spc="-1" strike="noStrike">
-              <a:latin typeface="Arial"/>
-            </a:endParaRPr>
-          </a:p>
-          <a:p>
-            <a:pPr lvl="5" marL="2592000" indent="-216000">
-              <a:spcBef>
-                <a:spcPts val="283"/>
-              </a:spcBef>
-              <a:buClr>
-                <a:srgbClr val="000000"/>
-              </a:buClr>
-              <a:buSzPct val="45000"/>
-              <a:buFont typeface="Wingdings" charset="2"/>
-              <a:buChar char=""/>
-            </a:pPr>
-            <a:r>
-              <a:rPr b="0" lang="es-ES" sz="1800" spc="-1" strike="noStrike">
-                <a:latin typeface="Arial"/>
-              </a:rPr>
-              <a:t>Sexto nivel del esquema</a:t>
-            </a:r>
-            <a:endParaRPr b="0" lang="es-ES" sz="1800" spc="-1" strike="noStrike">
-              <a:latin typeface="Arial"/>
-            </a:endParaRPr>
-          </a:p>
-          <a:p>
-            <a:pPr lvl="6" marL="3024000" indent="-216000">
-              <a:spcBef>
-                <a:spcPts val="283"/>
-              </a:spcBef>
-              <a:buClr>
-                <a:srgbClr val="000000"/>
-              </a:buClr>
-              <a:buSzPct val="45000"/>
-              <a:buFont typeface="Wingdings" charset="2"/>
-              <a:buChar char=""/>
-            </a:pPr>
-            <a:r>
-              <a:rPr b="0" lang="es-ES" sz="1800" spc="-1" strike="noStrike">
-                <a:latin typeface="Arial"/>
-              </a:rPr>
-              <a:t>Séptimo nivel del esquema</a:t>
-            </a:r>
-            <a:endParaRPr b="0" lang="es-ES" sz="1800" spc="-1" strike="noStrike">
-              <a:latin typeface="Arial"/>
-            </a:endParaRPr>
-          </a:p>
-        </p:txBody>
-      </p:sp>
-      <p:sp>
-        <p:nvSpPr>
-          <p:cNvPr id="87" name="PlaceHolder 7"/>
-          <p:cNvSpPr>
-            <a:spLocks noGrp="1"/>
-          </p:cNvSpPr>
-          <p:nvPr>
-            <p:ph type="body"/>
-          </p:nvPr>
-        </p:nvSpPr>
-        <p:spPr>
-          <a:xfrm>
-            <a:off x="504000" y="4058640"/>
-            <a:ext cx="9071640" cy="2090520"/>
-          </a:xfrm>
-          <a:prstGeom prst="rect">
-            <a:avLst/>
-          </a:prstGeom>
-        </p:spPr>
-        <p:txBody>
-          <a:bodyPr lIns="0" rIns="0" tIns="0" bIns="0">
-            <a:normAutofit fontScale="90000"/>
+            <a:ext cx="9071280" cy="4383360"/>
+          </a:xfrm>
+          <a:prstGeom prst="rect">
+            <a:avLst/>
+          </a:prstGeom>
+        </p:spPr>
+        <p:txBody>
+          <a:bodyPr lIns="0" rIns="0" tIns="0" bIns="0">
+            <a:normAutofit/>
           </a:bodyPr>
           <a:p>
             <a:pPr marL="432000" indent="-324000">
@@ -9375,14 +10554,14 @@
       </p:grpSpPr>
       <p:sp>
         <p:nvSpPr>
-          <p:cNvPr id="124" name="CustomShape 1"/>
+          <p:cNvPr id="123" name="CustomShape 1"/>
           <p:cNvSpPr/>
           <p:nvPr/>
         </p:nvSpPr>
         <p:spPr>
           <a:xfrm>
             <a:off x="0" y="180000"/>
-            <a:ext cx="9719280" cy="1259280"/>
+            <a:ext cx="9718920" cy="1258920"/>
           </a:xfrm>
           <a:prstGeom prst="rect">
             <a:avLst/>
@@ -9403,14 +10582,14 @@
       </p:sp>
       <p:sp>
         <p:nvSpPr>
-          <p:cNvPr id="125" name="CustomShape 2"/>
+          <p:cNvPr id="124" name="CustomShape 2"/>
           <p:cNvSpPr/>
           <p:nvPr/>
         </p:nvSpPr>
         <p:spPr>
           <a:xfrm>
             <a:off x="7560000" y="6840000"/>
-            <a:ext cx="2519280" cy="539280"/>
+            <a:ext cx="2518920" cy="538920"/>
           </a:xfrm>
           <a:prstGeom prst="rect">
             <a:avLst/>
@@ -9431,14 +10610,14 @@
       </p:sp>
       <p:sp>
         <p:nvSpPr>
-          <p:cNvPr id="126" name="CustomShape 3"/>
+          <p:cNvPr id="125" name="CustomShape 3"/>
           <p:cNvSpPr/>
           <p:nvPr/>
         </p:nvSpPr>
         <p:spPr>
           <a:xfrm>
             <a:off x="900000" y="6840000"/>
-            <a:ext cx="6479280" cy="539280"/>
+            <a:ext cx="6478920" cy="538920"/>
           </a:xfrm>
           <a:prstGeom prst="rect">
             <a:avLst/>
@@ -9459,14 +10638,14 @@
       </p:sp>
       <p:sp>
         <p:nvSpPr>
-          <p:cNvPr id="127" name="CustomShape 4"/>
+          <p:cNvPr id="126" name="CustomShape 4"/>
           <p:cNvSpPr/>
           <p:nvPr/>
         </p:nvSpPr>
         <p:spPr>
           <a:xfrm>
             <a:off x="180000" y="6840000"/>
-            <a:ext cx="539280" cy="539280"/>
+            <a:ext cx="538920" cy="538920"/>
           </a:xfrm>
           <a:prstGeom prst="rect">
             <a:avLst/>
@@ -9485,7 +10664,7 @@
       </p:sp>
       <p:sp>
         <p:nvSpPr>
-          <p:cNvPr id="128" name="PlaceHolder 5"/>
+          <p:cNvPr id="127" name="PlaceHolder 5"/>
           <p:cNvSpPr>
             <a:spLocks noGrp="1"/>
           </p:cNvSpPr>
@@ -9496,7 +10675,7 @@
         <p:spPr>
           <a:xfrm>
             <a:off x="360000" y="3148560"/>
-            <a:ext cx="9359280" cy="1262160"/>
+            <a:ext cx="9358920" cy="1262160"/>
           </a:xfrm>
           <a:prstGeom prst="rect">
             <a:avLst/>
@@ -9521,7 +10700,7 @@
       </p:sp>
       <p:sp>
         <p:nvSpPr>
-          <p:cNvPr id="129" name="PlaceHolder 6"/>
+          <p:cNvPr id="128" name="PlaceHolder 6"/>
           <p:cNvSpPr>
             <a:spLocks noGrp="1"/>
           </p:cNvSpPr>
@@ -9532,15 +10711,15 @@
         <p:spPr>
           <a:xfrm>
             <a:off x="504000" y="1768680"/>
-            <a:ext cx="4426560" cy="4383720"/>
-          </a:xfrm>
-          <a:prstGeom prst="rect">
-            <a:avLst/>
-          </a:prstGeom>
-        </p:spPr>
-        <p:txBody>
-          <a:bodyPr lIns="0" rIns="0" tIns="0" bIns="0">
-            <a:normAutofit/>
+            <a:ext cx="9071280" cy="2090520"/>
+          </a:xfrm>
+          <a:prstGeom prst="rect">
+            <a:avLst/>
+          </a:prstGeom>
+        </p:spPr>
+        <p:txBody>
+          <a:bodyPr lIns="0" rIns="0" tIns="0" bIns="0">
+            <a:normAutofit fontScale="90000"/>
           </a:bodyPr>
           <a:p>
             <a:pPr marL="432000" indent="-324000">
@@ -9700,26 +10879,26 @@
       </p:sp>
       <p:sp>
         <p:nvSpPr>
-          <p:cNvPr id="130" name="PlaceHolder 7"/>
-          <p:cNvSpPr>
-            <a:spLocks noGrp="1"/>
-          </p:cNvSpPr>
-          <p:nvPr>
-            <p:ph type="body"/>
-          </p:nvPr>
-        </p:nvSpPr>
-        <p:spPr>
-          <a:xfrm>
-            <a:off x="5152680" y="1768680"/>
-            <a:ext cx="4426560" cy="4383720"/>
-          </a:xfrm>
-          <a:prstGeom prst="rect">
-            <a:avLst/>
-          </a:prstGeom>
-        </p:spPr>
-        <p:txBody>
-          <a:bodyPr lIns="0" rIns="0" tIns="0" bIns="0">
-            <a:normAutofit/>
+          <p:cNvPr id="129" name="PlaceHolder 7"/>
+          <p:cNvSpPr>
+            <a:spLocks noGrp="1"/>
+          </p:cNvSpPr>
+          <p:nvPr>
+            <p:ph type="body"/>
+          </p:nvPr>
+        </p:nvSpPr>
+        <p:spPr>
+          <a:xfrm>
+            <a:off x="504000" y="4058640"/>
+            <a:ext cx="9071280" cy="2090520"/>
+          </a:xfrm>
+          <a:prstGeom prst="rect">
+            <a:avLst/>
+          </a:prstGeom>
+        </p:spPr>
+        <p:txBody>
+          <a:bodyPr lIns="0" rIns="0" tIns="0" bIns="0">
+            <a:normAutofit fontScale="90000"/>
           </a:bodyPr>
           <a:p>
             <a:pPr marL="432000" indent="-324000">
@@ -9916,14 +11095,14 @@
       </p:grpSpPr>
       <p:sp>
         <p:nvSpPr>
-          <p:cNvPr id="167" name="CustomShape 1"/>
+          <p:cNvPr id="166" name="CustomShape 1"/>
           <p:cNvSpPr/>
           <p:nvPr/>
         </p:nvSpPr>
         <p:spPr>
           <a:xfrm>
             <a:off x="0" y="180000"/>
-            <a:ext cx="9719280" cy="1259280"/>
+            <a:ext cx="9718920" cy="1258920"/>
           </a:xfrm>
           <a:prstGeom prst="rect">
             <a:avLst/>
@@ -9944,14 +11123,14 @@
       </p:sp>
       <p:sp>
         <p:nvSpPr>
-          <p:cNvPr id="168" name="CustomShape 2"/>
+          <p:cNvPr id="167" name="CustomShape 2"/>
           <p:cNvSpPr/>
           <p:nvPr/>
         </p:nvSpPr>
         <p:spPr>
           <a:xfrm>
             <a:off x="7560000" y="6840000"/>
-            <a:ext cx="2519280" cy="539280"/>
+            <a:ext cx="2518920" cy="538920"/>
           </a:xfrm>
           <a:prstGeom prst="rect">
             <a:avLst/>
@@ -9972,14 +11151,14 @@
       </p:sp>
       <p:sp>
         <p:nvSpPr>
-          <p:cNvPr id="169" name="CustomShape 3"/>
+          <p:cNvPr id="168" name="CustomShape 3"/>
           <p:cNvSpPr/>
           <p:nvPr/>
         </p:nvSpPr>
         <p:spPr>
           <a:xfrm>
             <a:off x="900000" y="6840000"/>
-            <a:ext cx="6479280" cy="539280"/>
+            <a:ext cx="6478920" cy="538920"/>
           </a:xfrm>
           <a:prstGeom prst="rect">
             <a:avLst/>
@@ -10000,14 +11179,14 @@
       </p:sp>
       <p:sp>
         <p:nvSpPr>
-          <p:cNvPr id="170" name="CustomShape 4"/>
+          <p:cNvPr id="169" name="CustomShape 4"/>
           <p:cNvSpPr/>
           <p:nvPr/>
         </p:nvSpPr>
         <p:spPr>
           <a:xfrm>
             <a:off x="180000" y="6840000"/>
-            <a:ext cx="539280" cy="539280"/>
+            <a:ext cx="538920" cy="538920"/>
           </a:xfrm>
           <a:prstGeom prst="rect">
             <a:avLst/>
@@ -10026,7 +11205,7 @@
       </p:sp>
       <p:sp>
         <p:nvSpPr>
-          <p:cNvPr id="171" name="PlaceHolder 5"/>
+          <p:cNvPr id="170" name="PlaceHolder 5"/>
           <p:cNvSpPr>
             <a:spLocks noGrp="1"/>
           </p:cNvSpPr>
@@ -10036,8 +11215,8 @@
         </p:nvSpPr>
         <p:spPr>
           <a:xfrm>
-            <a:off x="504000" y="301320"/>
-            <a:ext cx="9072000" cy="1261800"/>
+            <a:off x="360000" y="3148560"/>
+            <a:ext cx="9358920" cy="1262160"/>
           </a:xfrm>
           <a:prstGeom prst="rect">
             <a:avLst/>
@@ -10045,25 +11224,24 @@
         </p:spPr>
         <p:txBody>
           <a:bodyPr lIns="0" rIns="0" tIns="0" bIns="0" anchor="ctr">
-            <a:noAutofit/>
-          </a:bodyPr>
-          <a:p>
-            <a:pPr algn="ctr"/>
+            <a:spAutoFit/>
+          </a:bodyPr>
+          <a:p>
             <a:r>
-              <a:rPr b="0" lang="es-ES" sz="4400" spc="-1" strike="noStrike">
+              <a:rPr b="0" lang="es-ES" sz="1800" spc="-1" strike="noStrike">
                 <a:latin typeface="Arial"/>
               </a:rPr>
               <a:t>Pulse para editar el formato del texto de título</a:t>
             </a:r>
-            <a:endParaRPr b="0" lang="es-ES" sz="4400" spc="-1" strike="noStrike">
-              <a:latin typeface="Arial"/>
-            </a:endParaRPr>
-          </a:p>
-        </p:txBody>
-      </p:sp>
-      <p:sp>
-        <p:nvSpPr>
-          <p:cNvPr id="172" name="PlaceHolder 6"/>
+            <a:endParaRPr b="0" lang="es-ES" sz="1800" spc="-1" strike="noStrike">
+              <a:latin typeface="Arial"/>
+            </a:endParaRPr>
+          </a:p>
+        </p:txBody>
+      </p:sp>
+      <p:sp>
+        <p:nvSpPr>
+          <p:cNvPr id="171" name="PlaceHolder 6"/>
           <p:cNvSpPr>
             <a:spLocks noGrp="1"/>
           </p:cNvSpPr>
@@ -10074,7 +11252,7 @@
         <p:spPr>
           <a:xfrm>
             <a:off x="504000" y="1768680"/>
-            <a:ext cx="9072000" cy="4384080"/>
+            <a:ext cx="4426560" cy="4383360"/>
           </a:xfrm>
           <a:prstGeom prst="rect">
             <a:avLst/>
@@ -10097,12 +11275,12 @@
               <a:buChar char=""/>
             </a:pPr>
             <a:r>
-              <a:rPr b="0" lang="es-ES" sz="3200" spc="-1" strike="noStrike">
+              <a:rPr b="0" lang="es-ES" sz="1800" spc="-1" strike="noStrike">
                 <a:latin typeface="Arial"/>
               </a:rPr>
               <a:t>Pulse para editar el formato de esquema del texto</a:t>
             </a:r>
-            <a:endParaRPr b="0" lang="es-ES" sz="3200" spc="-1" strike="noStrike">
+            <a:endParaRPr b="0" lang="es-ES" sz="1800" spc="-1" strike="noStrike">
               <a:latin typeface="Arial"/>
             </a:endParaRPr>
           </a:p>
@@ -10119,12 +11297,12 @@
               <a:buChar char=""/>
             </a:pPr>
             <a:r>
-              <a:rPr b="0" lang="es-ES" sz="2800" spc="-1" strike="noStrike">
+              <a:rPr b="0" lang="es-ES" sz="1800" spc="-1" strike="noStrike">
                 <a:latin typeface="Arial"/>
               </a:rPr>
               <a:t>Segundo nivel del esquema</a:t>
             </a:r>
-            <a:endParaRPr b="0" lang="es-ES" sz="2800" spc="-1" strike="noStrike">
+            <a:endParaRPr b="0" lang="es-ES" sz="1800" spc="-1" strike="noStrike">
               <a:latin typeface="Arial"/>
             </a:endParaRPr>
           </a:p>
@@ -10141,12 +11319,12 @@
               <a:buChar char=""/>
             </a:pPr>
             <a:r>
-              <a:rPr b="0" lang="es-ES" sz="2400" spc="-1" strike="noStrike">
+              <a:rPr b="0" lang="es-ES" sz="1800" spc="-1" strike="noStrike">
                 <a:latin typeface="Arial"/>
               </a:rPr>
               <a:t>Tercer nivel del esquema</a:t>
             </a:r>
-            <a:endParaRPr b="0" lang="es-ES" sz="2400" spc="-1" strike="noStrike">
+            <a:endParaRPr b="0" lang="es-ES" sz="1800" spc="-1" strike="noStrike">
               <a:latin typeface="Arial"/>
             </a:endParaRPr>
           </a:p>
@@ -10163,12 +11341,12 @@
               <a:buChar char=""/>
             </a:pPr>
             <a:r>
-              <a:rPr b="0" lang="es-ES" sz="2000" spc="-1" strike="noStrike">
+              <a:rPr b="0" lang="es-ES" sz="1800" spc="-1" strike="noStrike">
                 <a:latin typeface="Arial"/>
               </a:rPr>
               <a:t>Cuarto nivel del esquema</a:t>
             </a:r>
-            <a:endParaRPr b="0" lang="es-ES" sz="2000" spc="-1" strike="noStrike">
+            <a:endParaRPr b="0" lang="es-ES" sz="1800" spc="-1" strike="noStrike">
               <a:latin typeface="Arial"/>
             </a:endParaRPr>
           </a:p>
@@ -10185,12 +11363,12 @@
               <a:buChar char=""/>
             </a:pPr>
             <a:r>
-              <a:rPr b="0" lang="es-ES" sz="2000" spc="-1" strike="noStrike">
+              <a:rPr b="0" lang="es-ES" sz="1800" spc="-1" strike="noStrike">
                 <a:latin typeface="Arial"/>
               </a:rPr>
               <a:t>Quinto nivel del esquema</a:t>
             </a:r>
-            <a:endParaRPr b="0" lang="es-ES" sz="2000" spc="-1" strike="noStrike">
+            <a:endParaRPr b="0" lang="es-ES" sz="1800" spc="-1" strike="noStrike">
               <a:latin typeface="Arial"/>
             </a:endParaRPr>
           </a:p>
@@ -10207,12 +11385,12 @@
               <a:buChar char=""/>
             </a:pPr>
             <a:r>
-              <a:rPr b="0" lang="es-ES" sz="2000" spc="-1" strike="noStrike">
+              <a:rPr b="0" lang="es-ES" sz="1800" spc="-1" strike="noStrike">
                 <a:latin typeface="Arial"/>
               </a:rPr>
               <a:t>Sexto nivel del esquema</a:t>
             </a:r>
-            <a:endParaRPr b="0" lang="es-ES" sz="2000" spc="-1" strike="noStrike">
+            <a:endParaRPr b="0" lang="es-ES" sz="1800" spc="-1" strike="noStrike">
               <a:latin typeface="Arial"/>
             </a:endParaRPr>
           </a:p>
@@ -10229,12 +11407,191 @@
               <a:buChar char=""/>
             </a:pPr>
             <a:r>
-              <a:rPr b="0" lang="es-ES" sz="2000" spc="-1" strike="noStrike">
+              <a:rPr b="0" lang="es-ES" sz="1800" spc="-1" strike="noStrike">
                 <a:latin typeface="Arial"/>
               </a:rPr>
               <a:t>Séptimo nivel del esquema</a:t>
             </a:r>
-            <a:endParaRPr b="0" lang="es-ES" sz="2000" spc="-1" strike="noStrike">
+            <a:endParaRPr b="0" lang="es-ES" sz="1800" spc="-1" strike="noStrike">
+              <a:latin typeface="Arial"/>
+            </a:endParaRPr>
+          </a:p>
+        </p:txBody>
+      </p:sp>
+      <p:sp>
+        <p:nvSpPr>
+          <p:cNvPr id="172" name="PlaceHolder 7"/>
+          <p:cNvSpPr>
+            <a:spLocks noGrp="1"/>
+          </p:cNvSpPr>
+          <p:nvPr>
+            <p:ph type="body"/>
+          </p:nvPr>
+        </p:nvSpPr>
+        <p:spPr>
+          <a:xfrm>
+            <a:off x="5152680" y="1768680"/>
+            <a:ext cx="4426560" cy="4383360"/>
+          </a:xfrm>
+          <a:prstGeom prst="rect">
+            <a:avLst/>
+          </a:prstGeom>
+        </p:spPr>
+        <p:txBody>
+          <a:bodyPr lIns="0" rIns="0" tIns="0" bIns="0">
+            <a:normAutofit/>
+          </a:bodyPr>
+          <a:p>
+            <a:pPr marL="432000" indent="-324000">
+              <a:spcBef>
+                <a:spcPts val="1417"/>
+              </a:spcBef>
+              <a:buClr>
+                <a:srgbClr val="000000"/>
+              </a:buClr>
+              <a:buSzPct val="45000"/>
+              <a:buFont typeface="Wingdings" charset="2"/>
+              <a:buChar char=""/>
+            </a:pPr>
+            <a:r>
+              <a:rPr b="0" lang="es-ES" sz="1800" spc="-1" strike="noStrike">
+                <a:latin typeface="Arial"/>
+              </a:rPr>
+              <a:t>Pulse para editar el formato de esquema del texto</a:t>
+            </a:r>
+            <a:endParaRPr b="0" lang="es-ES" sz="1800" spc="-1" strike="noStrike">
+              <a:latin typeface="Arial"/>
+            </a:endParaRPr>
+          </a:p>
+          <a:p>
+            <a:pPr lvl="1" marL="864000" indent="-324000">
+              <a:spcBef>
+                <a:spcPts val="1134"/>
+              </a:spcBef>
+              <a:buClr>
+                <a:srgbClr val="000000"/>
+              </a:buClr>
+              <a:buSzPct val="75000"/>
+              <a:buFont typeface="Symbol" charset="2"/>
+              <a:buChar char=""/>
+            </a:pPr>
+            <a:r>
+              <a:rPr b="0" lang="es-ES" sz="1800" spc="-1" strike="noStrike">
+                <a:latin typeface="Arial"/>
+              </a:rPr>
+              <a:t>Segundo nivel del esquema</a:t>
+            </a:r>
+            <a:endParaRPr b="0" lang="es-ES" sz="1800" spc="-1" strike="noStrike">
+              <a:latin typeface="Arial"/>
+            </a:endParaRPr>
+          </a:p>
+          <a:p>
+            <a:pPr lvl="2" marL="1296000" indent="-288000">
+              <a:spcBef>
+                <a:spcPts val="850"/>
+              </a:spcBef>
+              <a:buClr>
+                <a:srgbClr val="000000"/>
+              </a:buClr>
+              <a:buSzPct val="45000"/>
+              <a:buFont typeface="Wingdings" charset="2"/>
+              <a:buChar char=""/>
+            </a:pPr>
+            <a:r>
+              <a:rPr b="0" lang="es-ES" sz="1800" spc="-1" strike="noStrike">
+                <a:latin typeface="Arial"/>
+              </a:rPr>
+              <a:t>Tercer nivel del esquema</a:t>
+            </a:r>
+            <a:endParaRPr b="0" lang="es-ES" sz="1800" spc="-1" strike="noStrike">
+              <a:latin typeface="Arial"/>
+            </a:endParaRPr>
+          </a:p>
+          <a:p>
+            <a:pPr lvl="3" marL="1728000" indent="-216000">
+              <a:spcBef>
+                <a:spcPts val="567"/>
+              </a:spcBef>
+              <a:buClr>
+                <a:srgbClr val="000000"/>
+              </a:buClr>
+              <a:buSzPct val="75000"/>
+              <a:buFont typeface="Symbol" charset="2"/>
+              <a:buChar char=""/>
+            </a:pPr>
+            <a:r>
+              <a:rPr b="0" lang="es-ES" sz="1800" spc="-1" strike="noStrike">
+                <a:latin typeface="Arial"/>
+              </a:rPr>
+              <a:t>Cuarto nivel del esquema</a:t>
+            </a:r>
+            <a:endParaRPr b="0" lang="es-ES" sz="1800" spc="-1" strike="noStrike">
+              <a:latin typeface="Arial"/>
+            </a:endParaRPr>
+          </a:p>
+          <a:p>
+            <a:pPr lvl="4" marL="2160000" indent="-216000">
+              <a:spcBef>
+                <a:spcPts val="283"/>
+              </a:spcBef>
+              <a:buClr>
+                <a:srgbClr val="000000"/>
+              </a:buClr>
+              <a:buSzPct val="45000"/>
+              <a:buFont typeface="Wingdings" charset="2"/>
+              <a:buChar char=""/>
+            </a:pPr>
+            <a:r>
+              <a:rPr b="0" lang="es-ES" sz="1800" spc="-1" strike="noStrike">
+                <a:latin typeface="Arial"/>
+              </a:rPr>
+              <a:t>Quinto nivel del esquema</a:t>
+            </a:r>
+            <a:endParaRPr b="0" lang="es-ES" sz="1800" spc="-1" strike="noStrike">
+              <a:latin typeface="Arial"/>
+            </a:endParaRPr>
+          </a:p>
+          <a:p>
+            <a:pPr lvl="5" marL="2592000" indent="-216000">
+              <a:spcBef>
+                <a:spcPts val="283"/>
+              </a:spcBef>
+              <a:buClr>
+                <a:srgbClr val="000000"/>
+              </a:buClr>
+              <a:buSzPct val="45000"/>
+              <a:buFont typeface="Wingdings" charset="2"/>
+              <a:buChar char=""/>
+            </a:pPr>
+            <a:r>
+              <a:rPr b="0" lang="es-ES" sz="1800" spc="-1" strike="noStrike">
+                <a:latin typeface="Arial"/>
+              </a:rPr>
+              <a:t>Sexto nivel del esquema</a:t>
+            </a:r>
+            <a:endParaRPr b="0" lang="es-ES" sz="1800" spc="-1" strike="noStrike">
+              <a:latin typeface="Arial"/>
+            </a:endParaRPr>
+          </a:p>
+          <a:p>
+            <a:pPr lvl="6" marL="3024000" indent="-216000">
+              <a:spcBef>
+                <a:spcPts val="283"/>
+              </a:spcBef>
+              <a:buClr>
+                <a:srgbClr val="000000"/>
+              </a:buClr>
+              <a:buSzPct val="45000"/>
+              <a:buFont typeface="Wingdings" charset="2"/>
+              <a:buChar char=""/>
+            </a:pPr>
+            <a:r>
+              <a:rPr b="0" lang="es-ES" sz="1800" spc="-1" strike="noStrike">
+                <a:latin typeface="Arial"/>
+              </a:rPr>
+              <a:t>Séptimo nivel del esquema</a:t>
+            </a:r>
+            <a:endParaRPr b="0" lang="es-ES" sz="1800" spc="-1" strike="noStrike">
               <a:latin typeface="Arial"/>
             </a:endParaRPr>
           </a:p>
@@ -10285,8 +11642,8 @@
         </p:nvSpPr>
         <p:spPr>
           <a:xfrm>
-            <a:off x="0" y="3150000"/>
-            <a:ext cx="9719280" cy="1259280"/>
+            <a:off x="0" y="180000"/>
+            <a:ext cx="9718920" cy="1258920"/>
           </a:xfrm>
           <a:prstGeom prst="rect">
             <a:avLst/>
@@ -10294,7 +11651,7 @@
           <a:solidFill>
             <a:srgbClr val="e74c3c"/>
           </a:solidFill>
-          <a:ln>
+          <a:ln w="72000">
             <a:noFill/>
           </a:ln>
         </p:spPr>
@@ -10307,7 +11664,89 @@
       </p:sp>
       <p:sp>
         <p:nvSpPr>
-          <p:cNvPr id="210" name="PlaceHolder 2"/>
+          <p:cNvPr id="210" name="CustomShape 2"/>
+          <p:cNvSpPr/>
+          <p:nvPr/>
+        </p:nvSpPr>
+        <p:spPr>
+          <a:xfrm>
+            <a:off x="7560000" y="6840000"/>
+            <a:ext cx="2518920" cy="538920"/>
+          </a:xfrm>
+          <a:prstGeom prst="rect">
+            <a:avLst/>
+          </a:prstGeom>
+          <a:solidFill>
+            <a:srgbClr val="e74c3c"/>
+          </a:solidFill>
+          <a:ln w="72000">
+            <a:noFill/>
+          </a:ln>
+        </p:spPr>
+        <p:style>
+          <a:lnRef idx="0"/>
+          <a:fillRef idx="0"/>
+          <a:effectRef idx="0"/>
+          <a:fontRef idx="minor"/>
+        </p:style>
+      </p:sp>
+      <p:sp>
+        <p:nvSpPr>
+          <p:cNvPr id="211" name="CustomShape 3"/>
+          <p:cNvSpPr/>
+          <p:nvPr/>
+        </p:nvSpPr>
+        <p:spPr>
+          <a:xfrm>
+            <a:off x="900000" y="6840000"/>
+            <a:ext cx="6478920" cy="538920"/>
+          </a:xfrm>
+          <a:prstGeom prst="rect">
+            <a:avLst/>
+          </a:prstGeom>
+          <a:solidFill>
+            <a:srgbClr val="bdc3c7"/>
+          </a:solidFill>
+          <a:ln w="72000">
+            <a:noFill/>
+          </a:ln>
+        </p:spPr>
+        <p:style>
+          <a:lnRef idx="0"/>
+          <a:fillRef idx="0"/>
+          <a:effectRef idx="0"/>
+          <a:fontRef idx="minor"/>
+        </p:style>
+      </p:sp>
+      <p:sp>
+        <p:nvSpPr>
+          <p:cNvPr id="212" name="CustomShape 4"/>
+          <p:cNvSpPr/>
+          <p:nvPr/>
+        </p:nvSpPr>
+        <p:spPr>
+          <a:xfrm>
+            <a:off x="180000" y="6840000"/>
+            <a:ext cx="538920" cy="538920"/>
+          </a:xfrm>
+          <a:prstGeom prst="rect">
+            <a:avLst/>
+          </a:prstGeom>
+          <a:noFill/>
+          <a:ln w="72000">
+            <a:noFill/>
+          </a:ln>
+        </p:spPr>
+        <p:style>
+          <a:lnRef idx="0"/>
+          <a:fillRef idx="0"/>
+          <a:effectRef idx="0"/>
+          <a:fontRef idx="minor"/>
+        </p:style>
+      </p:sp>
+      <p:sp>
+        <p:nvSpPr>
+          <p:cNvPr id="213" name="PlaceHolder 5"/>
           <p:cNvSpPr>
             <a:spLocks noGrp="1"/>
           </p:cNvSpPr>
@@ -10317,8 +11756,8 @@
         </p:nvSpPr>
         <p:spPr>
           <a:xfrm>
-            <a:off x="360000" y="3148560"/>
-            <a:ext cx="9359280" cy="1262160"/>
+            <a:off x="504000" y="301320"/>
+            <a:ext cx="9072000" cy="1261800"/>
           </a:xfrm>
           <a:prstGeom prst="rect">
             <a:avLst/>
@@ -10326,24 +11765,25 @@
         </p:spPr>
         <p:txBody>
           <a:bodyPr lIns="0" rIns="0" tIns="0" bIns="0" anchor="ctr">
-            <a:spAutoFit/>
-          </a:bodyPr>
-          <a:p>
+            <a:noAutofit/>
+          </a:bodyPr>
+          <a:p>
+            <a:pPr algn="ctr"/>
             <a:r>
-              <a:rPr b="0" lang="es-ES" sz="1800" spc="-1" strike="noStrike">
+              <a:rPr b="0" lang="es-ES" sz="4400" spc="-1" strike="noStrike">
                 <a:latin typeface="Arial"/>
               </a:rPr>
               <a:t>Pulse para editar el formato del texto de título</a:t>
             </a:r>
-            <a:endParaRPr b="0" lang="es-ES" sz="1800" spc="-1" strike="noStrike">
-              <a:latin typeface="Arial"/>
-            </a:endParaRPr>
-          </a:p>
-        </p:txBody>
-      </p:sp>
-      <p:sp>
-        <p:nvSpPr>
-          <p:cNvPr id="211" name="PlaceHolder 3"/>
+            <a:endParaRPr b="0" lang="es-ES" sz="4400" spc="-1" strike="noStrike">
+              <a:latin typeface="Arial"/>
+            </a:endParaRPr>
+          </a:p>
+        </p:txBody>
+      </p:sp>
+      <p:sp>
+        <p:nvSpPr>
+          <p:cNvPr id="214" name="PlaceHolder 6"/>
           <p:cNvSpPr>
             <a:spLocks noGrp="1"/>
           </p:cNvSpPr>
@@ -10354,7 +11794,7 @@
         <p:spPr>
           <a:xfrm>
             <a:off x="504000" y="1768680"/>
-            <a:ext cx="9071640" cy="4383720"/>
+            <a:ext cx="9072000" cy="4384080"/>
           </a:xfrm>
           <a:prstGeom prst="rect">
             <a:avLst/>
@@ -10377,12 +11817,12 @@
               <a:buChar char=""/>
             </a:pPr>
             <a:r>
-              <a:rPr b="0" lang="es-ES" sz="1800" spc="-1" strike="noStrike">
+              <a:rPr b="0" lang="es-ES" sz="3200" spc="-1" strike="noStrike">
                 <a:latin typeface="Arial"/>
               </a:rPr>
               <a:t>Pulse para editar el formato de esquema del texto</a:t>
             </a:r>
-            <a:endParaRPr b="0" lang="es-ES" sz="1800" spc="-1" strike="noStrike">
+            <a:endParaRPr b="0" lang="es-ES" sz="3200" spc="-1" strike="noStrike">
               <a:latin typeface="Arial"/>
             </a:endParaRPr>
           </a:p>
@@ -10399,12 +11839,12 @@
               <a:buChar char=""/>
             </a:pPr>
             <a:r>
-              <a:rPr b="0" lang="es-ES" sz="1800" spc="-1" strike="noStrike">
+              <a:rPr b="0" lang="es-ES" sz="2800" spc="-1" strike="noStrike">
                 <a:latin typeface="Arial"/>
               </a:rPr>
               <a:t>Segundo nivel del esquema</a:t>
             </a:r>
-            <a:endParaRPr b="0" lang="es-ES" sz="1800" spc="-1" strike="noStrike">
+            <a:endParaRPr b="0" lang="es-ES" sz="2800" spc="-1" strike="noStrike">
               <a:latin typeface="Arial"/>
             </a:endParaRPr>
           </a:p>
@@ -10421,12 +11861,12 @@
               <a:buChar char=""/>
             </a:pPr>
             <a:r>
-              <a:rPr b="0" lang="es-ES" sz="1800" spc="-1" strike="noStrike">
+              <a:rPr b="0" lang="es-ES" sz="2400" spc="-1" strike="noStrike">
                 <a:latin typeface="Arial"/>
               </a:rPr>
               <a:t>Tercer nivel del esquema</a:t>
             </a:r>
-            <a:endParaRPr b="0" lang="es-ES" sz="1800" spc="-1" strike="noStrike">
+            <a:endParaRPr b="0" lang="es-ES" sz="2400" spc="-1" strike="noStrike">
               <a:latin typeface="Arial"/>
             </a:endParaRPr>
           </a:p>
@@ -10443,12 +11883,12 @@
               <a:buChar char=""/>
             </a:pPr>
             <a:r>
-              <a:rPr b="0" lang="es-ES" sz="1800" spc="-1" strike="noStrike">
+              <a:rPr b="0" lang="es-ES" sz="2000" spc="-1" strike="noStrike">
                 <a:latin typeface="Arial"/>
               </a:rPr>
               <a:t>Cuarto nivel del esquema</a:t>
             </a:r>
-            <a:endParaRPr b="0" lang="es-ES" sz="1800" spc="-1" strike="noStrike">
+            <a:endParaRPr b="0" lang="es-ES" sz="2000" spc="-1" strike="noStrike">
               <a:latin typeface="Arial"/>
             </a:endParaRPr>
           </a:p>
@@ -10465,12 +11905,12 @@
               <a:buChar char=""/>
             </a:pPr>
             <a:r>
-              <a:rPr b="0" lang="es-ES" sz="1800" spc="-1" strike="noStrike">
+              <a:rPr b="0" lang="es-ES" sz="2000" spc="-1" strike="noStrike">
                 <a:latin typeface="Arial"/>
               </a:rPr>
               <a:t>Quinto nivel del esquema</a:t>
             </a:r>
-            <a:endParaRPr b="0" lang="es-ES" sz="1800" spc="-1" strike="noStrike">
+            <a:endParaRPr b="0" lang="es-ES" sz="2000" spc="-1" strike="noStrike">
               <a:latin typeface="Arial"/>
             </a:endParaRPr>
           </a:p>
@@ -10487,12 +11927,12 @@
               <a:buChar char=""/>
             </a:pPr>
             <a:r>
-              <a:rPr b="0" lang="es-ES" sz="1800" spc="-1" strike="noStrike">
+              <a:rPr b="0" lang="es-ES" sz="2000" spc="-1" strike="noStrike">
                 <a:latin typeface="Arial"/>
               </a:rPr>
               <a:t>Sexto nivel del esquema</a:t>
             </a:r>
-            <a:endParaRPr b="0" lang="es-ES" sz="1800" spc="-1" strike="noStrike">
+            <a:endParaRPr b="0" lang="es-ES" sz="2000" spc="-1" strike="noStrike">
               <a:latin typeface="Arial"/>
             </a:endParaRPr>
           </a:p>
@@ -10509,12 +11949,12 @@
               <a:buChar char=""/>
             </a:pPr>
             <a:r>
-              <a:rPr b="0" lang="es-ES" sz="1800" spc="-1" strike="noStrike">
+              <a:rPr b="0" lang="es-ES" sz="2000" spc="-1" strike="noStrike">
                 <a:latin typeface="Arial"/>
               </a:rPr>
               <a:t>Séptimo nivel del esquema</a:t>
             </a:r>
-            <a:endParaRPr b="0" lang="es-ES" sz="1800" spc="-1" strike="noStrike">
+            <a:endParaRPr b="0" lang="es-ES" sz="2000" spc="-1" strike="noStrike">
               <a:latin typeface="Arial"/>
             </a:endParaRPr>
           </a:p>
@@ -10536,6 +11976,287 @@
     <p:sldLayoutId id="2147483723" r:id="rId11"/>
     <p:sldLayoutId id="2147483724" r:id="rId12"/>
     <p:sldLayoutId id="2147483725" r:id="rId13"/>
+  </p:sldLayoutIdLst>
+</p:sldMaster>
+</file>
+
+<file path=ppt/slideMasters/slideMaster7.xml><?xml version="1.0" encoding="utf-8"?>
+<p:sldMaster xmlns:a="http://schemas.openxmlformats.org/drawingml/2006/main" xmlns:p="http://schemas.openxmlformats.org/presentationml/2006/main" xmlns:r="http://schemas.openxmlformats.org/officeDocument/2006/relationships" xmlns:p14="http://schemas.microsoft.com/office/powerpoint/2010/main" xmlns:p15="http://schemas.microsoft.com/office/powerpoint/2012/main" xmlns:mc="http://schemas.openxmlformats.org/markup-compatibility/2006">
+  <p:cSld>
+    <p:spTree>
+      <p:nvGrpSpPr>
+        <p:cNvPr id="1" name=""/>
+        <p:cNvGrpSpPr/>
+        <p:nvPr/>
+      </p:nvGrpSpPr>
+      <p:grpSpPr>
+        <a:xfrm>
+          <a:off x="0" y="0"/>
+          <a:ext cx="0" cy="0"/>
+          <a:chOff x="0" y="0"/>
+          <a:chExt cx="0" cy="0"/>
+        </a:xfrm>
+      </p:grpSpPr>
+      <p:sp>
+        <p:nvSpPr>
+          <p:cNvPr id="251" name="CustomShape 1"/>
+          <p:cNvSpPr/>
+          <p:nvPr/>
+        </p:nvSpPr>
+        <p:spPr>
+          <a:xfrm>
+            <a:off x="0" y="3150000"/>
+            <a:ext cx="9718920" cy="1258920"/>
+          </a:xfrm>
+          <a:prstGeom prst="rect">
+            <a:avLst/>
+          </a:prstGeom>
+          <a:solidFill>
+            <a:srgbClr val="e74c3c"/>
+          </a:solidFill>
+          <a:ln>
+            <a:noFill/>
+          </a:ln>
+        </p:spPr>
+        <p:style>
+          <a:lnRef idx="0"/>
+          <a:fillRef idx="0"/>
+          <a:effectRef idx="0"/>
+          <a:fontRef idx="minor"/>
+        </p:style>
+      </p:sp>
+      <p:sp>
+        <p:nvSpPr>
+          <p:cNvPr id="252" name="PlaceHolder 2"/>
+          <p:cNvSpPr>
+            <a:spLocks noGrp="1"/>
+          </p:cNvSpPr>
+          <p:nvPr>
+            <p:ph type="title"/>
+          </p:nvPr>
+        </p:nvSpPr>
+        <p:spPr>
+          <a:xfrm>
+            <a:off x="504000" y="301320"/>
+            <a:ext cx="9072000" cy="1261800"/>
+          </a:xfrm>
+          <a:prstGeom prst="rect">
+            <a:avLst/>
+          </a:prstGeom>
+        </p:spPr>
+        <p:txBody>
+          <a:bodyPr lIns="0" rIns="0" tIns="0" bIns="0" anchor="ctr">
+            <a:noAutofit/>
+          </a:bodyPr>
+          <a:p>
+            <a:pPr algn="ctr"/>
+            <a:r>
+              <a:rPr b="0" lang="es-ES" sz="4400" spc="-1" strike="noStrike">
+                <a:latin typeface="Arial"/>
+              </a:rPr>
+              <a:t>Pulse para editar el formato del texto de título</a:t>
+            </a:r>
+            <a:endParaRPr b="0" lang="es-ES" sz="4400" spc="-1" strike="noStrike">
+              <a:latin typeface="Arial"/>
+            </a:endParaRPr>
+          </a:p>
+        </p:txBody>
+      </p:sp>
+      <p:sp>
+        <p:nvSpPr>
+          <p:cNvPr id="253" name="PlaceHolder 3"/>
+          <p:cNvSpPr>
+            <a:spLocks noGrp="1"/>
+          </p:cNvSpPr>
+          <p:nvPr>
+            <p:ph type="body"/>
+          </p:nvPr>
+        </p:nvSpPr>
+        <p:spPr>
+          <a:xfrm>
+            <a:off x="504000" y="1768680"/>
+            <a:ext cx="9072000" cy="4384080"/>
+          </a:xfrm>
+          <a:prstGeom prst="rect">
+            <a:avLst/>
+          </a:prstGeom>
+        </p:spPr>
+        <p:txBody>
+          <a:bodyPr lIns="0" rIns="0" tIns="0" bIns="0">
+            <a:normAutofit/>
+          </a:bodyPr>
+          <a:p>
+            <a:pPr marL="432000" indent="-324000">
+              <a:spcBef>
+                <a:spcPts val="1417"/>
+              </a:spcBef>
+              <a:buClr>
+                <a:srgbClr val="000000"/>
+              </a:buClr>
+              <a:buSzPct val="45000"/>
+              <a:buFont typeface="Wingdings" charset="2"/>
+              <a:buChar char=""/>
+            </a:pPr>
+            <a:r>
+              <a:rPr b="0" lang="es-ES" sz="3200" spc="-1" strike="noStrike">
+                <a:latin typeface="Arial"/>
+              </a:rPr>
+              <a:t>Pulse para editar el formato de esquema del texto</a:t>
+            </a:r>
+            <a:endParaRPr b="0" lang="es-ES" sz="3200" spc="-1" strike="noStrike">
+              <a:latin typeface="Arial"/>
+            </a:endParaRPr>
+          </a:p>
+          <a:p>
+            <a:pPr lvl="1" marL="864000" indent="-324000">
+              <a:spcBef>
+                <a:spcPts val="1134"/>
+              </a:spcBef>
+              <a:buClr>
+                <a:srgbClr val="000000"/>
+              </a:buClr>
+              <a:buSzPct val="75000"/>
+              <a:buFont typeface="Symbol" charset="2"/>
+              <a:buChar char=""/>
+            </a:pPr>
+            <a:r>
+              <a:rPr b="0" lang="es-ES" sz="2800" spc="-1" strike="noStrike">
+                <a:latin typeface="Arial"/>
+              </a:rPr>
+              <a:t>Segundo nivel del esquema</a:t>
+            </a:r>
+            <a:endParaRPr b="0" lang="es-ES" sz="2800" spc="-1" strike="noStrike">
+              <a:latin typeface="Arial"/>
+            </a:endParaRPr>
+          </a:p>
+          <a:p>
+            <a:pPr lvl="2" marL="1296000" indent="-288000">
+              <a:spcBef>
+                <a:spcPts val="850"/>
+              </a:spcBef>
+              <a:buClr>
+                <a:srgbClr val="000000"/>
+              </a:buClr>
+              <a:buSzPct val="45000"/>
+              <a:buFont typeface="Wingdings" charset="2"/>
+              <a:buChar char=""/>
+            </a:pPr>
+            <a:r>
+              <a:rPr b="0" lang="es-ES" sz="2400" spc="-1" strike="noStrike">
+                <a:latin typeface="Arial"/>
+              </a:rPr>
+              <a:t>Tercer nivel del esquema</a:t>
+            </a:r>
+            <a:endParaRPr b="0" lang="es-ES" sz="2400" spc="-1" strike="noStrike">
+              <a:latin typeface="Arial"/>
+            </a:endParaRPr>
+          </a:p>
+          <a:p>
+            <a:pPr lvl="3" marL="1728000" indent="-216000">
+              <a:spcBef>
+                <a:spcPts val="567"/>
+              </a:spcBef>
+              <a:buClr>
+                <a:srgbClr val="000000"/>
+              </a:buClr>
+              <a:buSzPct val="75000"/>
+              <a:buFont typeface="Symbol" charset="2"/>
+              <a:buChar char=""/>
+            </a:pPr>
+            <a:r>
+              <a:rPr b="0" lang="es-ES" sz="2000" spc="-1" strike="noStrike">
+                <a:latin typeface="Arial"/>
+              </a:rPr>
+              <a:t>Cuarto nivel del esquema</a:t>
+            </a:r>
+            <a:endParaRPr b="0" lang="es-ES" sz="2000" spc="-1" strike="noStrike">
+              <a:latin typeface="Arial"/>
+            </a:endParaRPr>
+          </a:p>
+          <a:p>
+            <a:pPr lvl="4" marL="2160000" indent="-216000">
+              <a:spcBef>
+                <a:spcPts val="283"/>
+              </a:spcBef>
+              <a:buClr>
+                <a:srgbClr val="000000"/>
+              </a:buClr>
+              <a:buSzPct val="45000"/>
+              <a:buFont typeface="Wingdings" charset="2"/>
+              <a:buChar char=""/>
+            </a:pPr>
+            <a:r>
+              <a:rPr b="0" lang="es-ES" sz="2000" spc="-1" strike="noStrike">
+                <a:latin typeface="Arial"/>
+              </a:rPr>
+              <a:t>Quinto nivel del esquema</a:t>
+            </a:r>
+            <a:endParaRPr b="0" lang="es-ES" sz="2000" spc="-1" strike="noStrike">
+              <a:latin typeface="Arial"/>
+            </a:endParaRPr>
+          </a:p>
+          <a:p>
+            <a:pPr lvl="5" marL="2592000" indent="-216000">
+              <a:spcBef>
+                <a:spcPts val="283"/>
+              </a:spcBef>
+              <a:buClr>
+                <a:srgbClr val="000000"/>
+              </a:buClr>
+              <a:buSzPct val="45000"/>
+              <a:buFont typeface="Wingdings" charset="2"/>
+              <a:buChar char=""/>
+            </a:pPr>
+            <a:r>
+              <a:rPr b="0" lang="es-ES" sz="2000" spc="-1" strike="noStrike">
+                <a:latin typeface="Arial"/>
+              </a:rPr>
+              <a:t>Sexto nivel del esquema</a:t>
+            </a:r>
+            <a:endParaRPr b="0" lang="es-ES" sz="2000" spc="-1" strike="noStrike">
+              <a:latin typeface="Arial"/>
+            </a:endParaRPr>
+          </a:p>
+          <a:p>
+            <a:pPr lvl="6" marL="3024000" indent="-216000">
+              <a:spcBef>
+                <a:spcPts val="283"/>
+              </a:spcBef>
+              <a:buClr>
+                <a:srgbClr val="000000"/>
+              </a:buClr>
+              <a:buSzPct val="45000"/>
+              <a:buFont typeface="Wingdings" charset="2"/>
+              <a:buChar char=""/>
+            </a:pPr>
+            <a:r>
+              <a:rPr b="0" lang="es-ES" sz="2000" spc="-1" strike="noStrike">
+                <a:latin typeface="Arial"/>
+              </a:rPr>
+              <a:t>Séptimo nivel del esquema</a:t>
+            </a:r>
+            <a:endParaRPr b="0" lang="es-ES" sz="2000" spc="-1" strike="noStrike">
+              <a:latin typeface="Arial"/>
+            </a:endParaRPr>
+          </a:p>
+        </p:txBody>
+      </p:sp>
+    </p:spTree>
+  </p:cSld>
+  <p:clrMap bg1="lt1" bg2="lt2" tx1="dk1" tx2="dk2" accent1="accent1" accent2="accent2" accent3="accent3" accent4="accent4" accent5="accent5" accent6="accent6" hlink="hlink" folHlink="folHlink"/>
+  <p:sldLayoutIdLst>
+    <p:sldLayoutId id="2147483727" r:id="rId2"/>
+    <p:sldLayoutId id="2147483728" r:id="rId3"/>
+    <p:sldLayoutId id="2147483729" r:id="rId4"/>
+    <p:sldLayoutId id="2147483730" r:id="rId5"/>
+    <p:sldLayoutId id="2147483731" r:id="rId6"/>
+    <p:sldLayoutId id="2147483732" r:id="rId7"/>
+    <p:sldLayoutId id="2147483733" r:id="rId8"/>
+    <p:sldLayoutId id="2147483734" r:id="rId9"/>
+    <p:sldLayoutId id="2147483735" r:id="rId10"/>
+    <p:sldLayoutId id="2147483736" r:id="rId11"/>
+    <p:sldLayoutId id="2147483737" r:id="rId12"/>
+    <p:sldLayoutId id="2147483738" r:id="rId13"/>
   </p:sldLayoutIdLst>
 </p:sldMaster>
 </file>
@@ -10559,14 +12280,14 @@
       </p:grpSpPr>
       <p:sp>
         <p:nvSpPr>
-          <p:cNvPr id="248" name="CustomShape 1"/>
+          <p:cNvPr id="290" name="CustomShape 1"/>
           <p:cNvSpPr/>
           <p:nvPr/>
         </p:nvSpPr>
         <p:spPr>
           <a:xfrm>
             <a:off x="360000" y="3330000"/>
-            <a:ext cx="9359280" cy="899280"/>
+            <a:ext cx="9358920" cy="898920"/>
           </a:xfrm>
           <a:prstGeom prst="rect">
             <a:avLst/>
@@ -10610,14 +12331,14 @@
       </p:sp>
       <p:sp>
         <p:nvSpPr>
-          <p:cNvPr id="249" name="CustomShape 2"/>
+          <p:cNvPr id="291" name="CustomShape 2"/>
           <p:cNvSpPr/>
           <p:nvPr/>
         </p:nvSpPr>
         <p:spPr>
           <a:xfrm>
             <a:off x="540000" y="4680000"/>
-            <a:ext cx="9179280" cy="2519280"/>
+            <a:ext cx="9178920" cy="2518920"/>
           </a:xfrm>
           <a:prstGeom prst="rect">
             <a:avLst/>
@@ -10666,14 +12387,14 @@
       </p:grpSpPr>
       <p:sp>
         <p:nvSpPr>
-          <p:cNvPr id="269" name="CustomShape 1"/>
+          <p:cNvPr id="311" name="CustomShape 1"/>
           <p:cNvSpPr/>
           <p:nvPr/>
         </p:nvSpPr>
         <p:spPr>
           <a:xfrm>
             <a:off x="360000" y="360000"/>
-            <a:ext cx="9359280" cy="899280"/>
+            <a:ext cx="9358920" cy="898920"/>
           </a:xfrm>
           <a:prstGeom prst="rect">
             <a:avLst/>
@@ -10717,7 +12438,7 @@
       </p:sp>
       <p:pic>
         <p:nvPicPr>
-          <p:cNvPr id="270" name="" descr=""/>
+          <p:cNvPr id="312" name="" descr=""/>
           <p:cNvPicPr/>
           <p:nvPr/>
         </p:nvPicPr>
@@ -10728,7 +12449,7 @@
         <p:spPr>
           <a:xfrm>
             <a:off x="360000" y="2102040"/>
-            <a:ext cx="9179280" cy="4434840"/>
+            <a:ext cx="9178920" cy="4434480"/>
           </a:xfrm>
           <a:prstGeom prst="rect">
             <a:avLst/>
@@ -10770,14 +12491,14 @@
       </p:grpSpPr>
       <p:sp>
         <p:nvSpPr>
-          <p:cNvPr id="271" name="CustomShape 1"/>
+          <p:cNvPr id="313" name="CustomShape 1"/>
           <p:cNvSpPr/>
           <p:nvPr/>
         </p:nvSpPr>
         <p:spPr>
           <a:xfrm>
             <a:off x="360000" y="360000"/>
-            <a:ext cx="9359280" cy="899280"/>
+            <a:ext cx="9358920" cy="898920"/>
           </a:xfrm>
           <a:prstGeom prst="rect">
             <a:avLst/>
@@ -10821,14 +12542,14 @@
       </p:sp>
       <p:sp>
         <p:nvSpPr>
-          <p:cNvPr id="272" name="CustomShape 2"/>
+          <p:cNvPr id="314" name="CustomShape 2"/>
           <p:cNvSpPr/>
           <p:nvPr/>
         </p:nvSpPr>
         <p:spPr>
           <a:xfrm>
             <a:off x="360000" y="1980000"/>
-            <a:ext cx="9179280" cy="2231280"/>
+            <a:ext cx="9178920" cy="2230920"/>
           </a:xfrm>
           <a:prstGeom prst="rect">
             <a:avLst/>
@@ -10875,7 +12596,7 @@
       </p:sp>
       <p:pic>
         <p:nvPicPr>
-          <p:cNvPr id="273" name="" descr=""/>
+          <p:cNvPr id="315" name="" descr=""/>
           <p:cNvPicPr/>
           <p:nvPr/>
         </p:nvPicPr>
@@ -10886,7 +12607,7 @@
         <p:spPr>
           <a:xfrm>
             <a:off x="1728000" y="2432160"/>
-            <a:ext cx="6335280" cy="3975120"/>
+            <a:ext cx="6334920" cy="3974760"/>
           </a:xfrm>
           <a:prstGeom prst="rect">
             <a:avLst/>
@@ -10928,14 +12649,14 @@
       </p:grpSpPr>
       <p:sp>
         <p:nvSpPr>
-          <p:cNvPr id="274" name="CustomShape 1"/>
+          <p:cNvPr id="316" name="CustomShape 1"/>
           <p:cNvSpPr/>
           <p:nvPr/>
         </p:nvSpPr>
         <p:spPr>
           <a:xfrm>
             <a:off x="360000" y="360000"/>
-            <a:ext cx="9359280" cy="899280"/>
+            <a:ext cx="9358920" cy="898920"/>
           </a:xfrm>
           <a:prstGeom prst="rect">
             <a:avLst/>
@@ -10979,7 +12700,7 @@
       </p:sp>
       <p:pic>
         <p:nvPicPr>
-          <p:cNvPr id="275" name="" descr=""/>
+          <p:cNvPr id="317" name="" descr=""/>
           <p:cNvPicPr/>
           <p:nvPr/>
         </p:nvPicPr>
@@ -10990,7 +12711,7 @@
         <p:spPr>
           <a:xfrm>
             <a:off x="1872000" y="1512000"/>
-            <a:ext cx="6378120" cy="5183280"/>
+            <a:ext cx="6377760" cy="5182920"/>
           </a:xfrm>
           <a:prstGeom prst="rect">
             <a:avLst/>
@@ -11032,14 +12753,14 @@
       </p:grpSpPr>
       <p:sp>
         <p:nvSpPr>
-          <p:cNvPr id="276" name="CustomShape 1"/>
+          <p:cNvPr id="318" name="CustomShape 1"/>
           <p:cNvSpPr/>
           <p:nvPr/>
         </p:nvSpPr>
         <p:spPr>
           <a:xfrm>
             <a:off x="360000" y="360000"/>
-            <a:ext cx="9359280" cy="899280"/>
+            <a:ext cx="9358920" cy="898920"/>
           </a:xfrm>
           <a:prstGeom prst="rect">
             <a:avLst/>
@@ -11083,14 +12804,14 @@
       </p:sp>
       <p:sp>
         <p:nvSpPr>
-          <p:cNvPr id="277" name="CustomShape 2"/>
+          <p:cNvPr id="319" name="CustomShape 2"/>
           <p:cNvSpPr/>
           <p:nvPr/>
         </p:nvSpPr>
         <p:spPr>
           <a:xfrm>
             <a:off x="360000" y="1980000"/>
-            <a:ext cx="9179280" cy="2231280"/>
+            <a:ext cx="9178920" cy="2230920"/>
           </a:xfrm>
           <a:prstGeom prst="rect">
             <a:avLst/>
@@ -11137,7 +12858,7 @@
       </p:sp>
       <p:pic>
         <p:nvPicPr>
-          <p:cNvPr id="278" name="" descr=""/>
+          <p:cNvPr id="320" name="" descr=""/>
           <p:cNvPicPr/>
           <p:nvPr/>
         </p:nvPicPr>
@@ -11148,7 +12869,7 @@
         <p:spPr>
           <a:xfrm>
             <a:off x="1872000" y="2174040"/>
-            <a:ext cx="6551280" cy="4089240"/>
+            <a:ext cx="6550920" cy="4088880"/>
           </a:xfrm>
           <a:prstGeom prst="rect">
             <a:avLst/>
@@ -11190,14 +12911,14 @@
       </p:grpSpPr>
       <p:sp>
         <p:nvSpPr>
-          <p:cNvPr id="279" name="CustomShape 1"/>
+          <p:cNvPr id="321" name="CustomShape 1"/>
           <p:cNvSpPr/>
           <p:nvPr/>
         </p:nvSpPr>
         <p:spPr>
           <a:xfrm>
             <a:off x="360000" y="360000"/>
-            <a:ext cx="9359280" cy="899280"/>
+            <a:ext cx="9358920" cy="898920"/>
           </a:xfrm>
           <a:prstGeom prst="rect">
             <a:avLst/>
@@ -11241,14 +12962,14 @@
       </p:sp>
       <p:sp>
         <p:nvSpPr>
-          <p:cNvPr id="280" name="CustomShape 2"/>
+          <p:cNvPr id="322" name="CustomShape 2"/>
           <p:cNvSpPr/>
           <p:nvPr/>
         </p:nvSpPr>
         <p:spPr>
           <a:xfrm>
             <a:off x="360000" y="1980000"/>
-            <a:ext cx="9179280" cy="2231280"/>
+            <a:ext cx="9178920" cy="2230920"/>
           </a:xfrm>
           <a:prstGeom prst="rect">
             <a:avLst/>
@@ -11295,14 +13016,14 @@
       </p:sp>
       <p:sp>
         <p:nvSpPr>
-          <p:cNvPr id="281" name="CustomShape 3"/>
+          <p:cNvPr id="323" name="CustomShape 3"/>
           <p:cNvSpPr/>
           <p:nvPr/>
         </p:nvSpPr>
         <p:spPr>
           <a:xfrm>
             <a:off x="360000" y="3330000"/>
-            <a:ext cx="9359280" cy="899280"/>
+            <a:ext cx="9358920" cy="898920"/>
           </a:xfrm>
           <a:prstGeom prst="rect">
             <a:avLst/>
@@ -11321,7 +13042,7 @@
       </p:sp>
       <p:pic>
         <p:nvPicPr>
-          <p:cNvPr id="282" name="" descr=""/>
+          <p:cNvPr id="324" name="" descr=""/>
           <p:cNvPicPr/>
           <p:nvPr/>
         </p:nvPicPr>
@@ -11332,7 +13053,7 @@
         <p:spPr>
           <a:xfrm>
             <a:off x="1800000" y="2312640"/>
-            <a:ext cx="7127640" cy="4455000"/>
+            <a:ext cx="7127280" cy="4454640"/>
           </a:xfrm>
           <a:prstGeom prst="rect">
             <a:avLst/>
@@ -11344,14 +13065,14 @@
       </p:pic>
       <p:sp>
         <p:nvSpPr>
-          <p:cNvPr id="283" name="CustomShape 4"/>
+          <p:cNvPr id="325" name="CustomShape 4"/>
           <p:cNvSpPr/>
           <p:nvPr/>
         </p:nvSpPr>
         <p:spPr>
           <a:xfrm>
             <a:off x="5240520" y="4630680"/>
-            <a:ext cx="4479120" cy="1200960"/>
+            <a:ext cx="4478760" cy="1200600"/>
           </a:xfrm>
           <a:prstGeom prst="rect">
             <a:avLst/>
@@ -11400,14 +13121,14 @@
       </p:grpSpPr>
       <p:sp>
         <p:nvSpPr>
-          <p:cNvPr id="284" name="CustomShape 1"/>
+          <p:cNvPr id="326" name="CustomShape 1"/>
           <p:cNvSpPr/>
           <p:nvPr/>
         </p:nvSpPr>
         <p:spPr>
           <a:xfrm>
             <a:off x="360000" y="360000"/>
-            <a:ext cx="9359280" cy="899280"/>
+            <a:ext cx="9358920" cy="898920"/>
           </a:xfrm>
           <a:prstGeom prst="rect">
             <a:avLst/>
@@ -11451,14 +13172,14 @@
       </p:sp>
       <p:sp>
         <p:nvSpPr>
-          <p:cNvPr id="285" name="CustomShape 2"/>
+          <p:cNvPr id="327" name="CustomShape 2"/>
           <p:cNvSpPr/>
           <p:nvPr/>
         </p:nvSpPr>
         <p:spPr>
           <a:xfrm>
             <a:off x="360000" y="1980000"/>
-            <a:ext cx="9179280" cy="2231280"/>
+            <a:ext cx="9178920" cy="2230920"/>
           </a:xfrm>
           <a:prstGeom prst="rect">
             <a:avLst/>
@@ -11505,7 +13226,7 @@
       </p:sp>
       <p:pic>
         <p:nvPicPr>
-          <p:cNvPr id="286" name="" descr=""/>
+          <p:cNvPr id="328" name="" descr=""/>
           <p:cNvPicPr/>
           <p:nvPr/>
         </p:nvPicPr>
@@ -11516,7 +13237,7 @@
         <p:spPr>
           <a:xfrm>
             <a:off x="1800000" y="2448000"/>
-            <a:ext cx="7034760" cy="4391280"/>
+            <a:ext cx="7034400" cy="4390920"/>
           </a:xfrm>
           <a:prstGeom prst="rect">
             <a:avLst/>
@@ -11558,14 +13279,14 @@
       </p:grpSpPr>
       <p:sp>
         <p:nvSpPr>
-          <p:cNvPr id="287" name="CustomShape 1"/>
+          <p:cNvPr id="329" name="CustomShape 1"/>
           <p:cNvSpPr/>
           <p:nvPr/>
         </p:nvSpPr>
         <p:spPr>
           <a:xfrm>
             <a:off x="360000" y="360000"/>
-            <a:ext cx="9359280" cy="899280"/>
+            <a:ext cx="9358920" cy="898920"/>
           </a:xfrm>
           <a:prstGeom prst="rect">
             <a:avLst/>
@@ -11609,7 +13330,7 @@
       </p:sp>
       <p:pic>
         <p:nvPicPr>
-          <p:cNvPr id="288" name="" descr=""/>
+          <p:cNvPr id="330" name="" descr=""/>
           <p:cNvPicPr/>
           <p:nvPr/>
         </p:nvPicPr>
@@ -11620,7 +13341,7 @@
         <p:spPr>
           <a:xfrm>
             <a:off x="518040" y="1980000"/>
-            <a:ext cx="8863200" cy="4679280"/>
+            <a:ext cx="8862840" cy="4678920"/>
           </a:xfrm>
           <a:prstGeom prst="rect">
             <a:avLst/>
@@ -11662,14 +13383,14 @@
       </p:grpSpPr>
       <p:sp>
         <p:nvSpPr>
-          <p:cNvPr id="289" name="CustomShape 1"/>
+          <p:cNvPr id="331" name="CustomShape 1"/>
           <p:cNvSpPr/>
           <p:nvPr/>
         </p:nvSpPr>
         <p:spPr>
           <a:xfrm>
             <a:off x="360000" y="360000"/>
-            <a:ext cx="9359280" cy="899280"/>
+            <a:ext cx="9358920" cy="898920"/>
           </a:xfrm>
           <a:prstGeom prst="rect">
             <a:avLst/>
@@ -11713,7 +13434,7 @@
       </p:sp>
       <p:pic>
         <p:nvPicPr>
-          <p:cNvPr id="290" name="" descr=""/>
+          <p:cNvPr id="332" name="" descr=""/>
           <p:cNvPicPr/>
           <p:nvPr/>
         </p:nvPicPr>
@@ -11723,8 +13444,8 @@
         </p:blipFill>
         <p:spPr>
           <a:xfrm rot="21596400">
-            <a:off x="1573920" y="1872000"/>
-            <a:ext cx="7496640" cy="4679280"/>
+            <a:off x="1573560" y="1872000"/>
+            <a:ext cx="7496280" cy="4678920"/>
           </a:xfrm>
           <a:prstGeom prst="rect">
             <a:avLst/>
@@ -11766,14 +13487,14 @@
       </p:grpSpPr>
       <p:sp>
         <p:nvSpPr>
-          <p:cNvPr id="291" name="CustomShape 1"/>
+          <p:cNvPr id="333" name="CustomShape 1"/>
           <p:cNvSpPr/>
           <p:nvPr/>
         </p:nvSpPr>
         <p:spPr>
           <a:xfrm>
             <a:off x="360000" y="360000"/>
-            <a:ext cx="9359280" cy="899280"/>
+            <a:ext cx="9358920" cy="898920"/>
           </a:xfrm>
           <a:prstGeom prst="rect">
             <a:avLst/>
@@ -11817,7 +13538,7 @@
       </p:sp>
       <p:pic>
         <p:nvPicPr>
-          <p:cNvPr id="292" name="" descr=""/>
+          <p:cNvPr id="334" name="" descr=""/>
           <p:cNvPicPr/>
           <p:nvPr/>
         </p:nvPicPr>
@@ -11827,8 +13548,8 @@
         </p:blipFill>
         <p:spPr>
           <a:xfrm>
-            <a:off x="1368000" y="1512000"/>
-            <a:ext cx="7343280" cy="5241600"/>
+            <a:off x="1721880" y="1496880"/>
+            <a:ext cx="7134120" cy="5703120"/>
           </a:xfrm>
           <a:prstGeom prst="rect">
             <a:avLst/>
@@ -11870,7 +13591,7 @@
       </p:grpSpPr>
       <p:pic>
         <p:nvPicPr>
-          <p:cNvPr id="293" name="" descr=""/>
+          <p:cNvPr id="335" name="" descr=""/>
           <p:cNvPicPr/>
           <p:nvPr/>
         </p:nvPicPr>
@@ -11880,8 +13601,8 @@
         </p:blipFill>
         <p:spPr>
           <a:xfrm>
-            <a:off x="72000" y="504000"/>
-            <a:ext cx="9935280" cy="6479280"/>
+            <a:off x="45720" y="1152000"/>
+            <a:ext cx="9956160" cy="5757840"/>
           </a:xfrm>
           <a:prstGeom prst="rect">
             <a:avLst/>
@@ -11923,14 +13644,14 @@
       </p:grpSpPr>
       <p:sp>
         <p:nvSpPr>
-          <p:cNvPr id="250" name="CustomShape 1"/>
+          <p:cNvPr id="292" name="CustomShape 1"/>
           <p:cNvSpPr/>
           <p:nvPr/>
         </p:nvSpPr>
         <p:spPr>
           <a:xfrm>
             <a:off x="360000" y="360000"/>
-            <a:ext cx="9359280" cy="899280"/>
+            <a:ext cx="9358920" cy="898920"/>
           </a:xfrm>
           <a:prstGeom prst="rect">
             <a:avLst/>
@@ -11974,14 +13695,14 @@
       </p:sp>
       <p:sp>
         <p:nvSpPr>
-          <p:cNvPr id="251" name="CustomShape 2"/>
+          <p:cNvPr id="293" name="CustomShape 2"/>
           <p:cNvSpPr/>
           <p:nvPr/>
         </p:nvSpPr>
         <p:spPr>
           <a:xfrm>
             <a:off x="360000" y="1728000"/>
-            <a:ext cx="9179280" cy="4679280"/>
+            <a:ext cx="9178920" cy="4678920"/>
           </a:xfrm>
           <a:prstGeom prst="rect">
             <a:avLst/>
@@ -12025,7 +13746,7 @@
             </a:endParaRPr>
           </a:p>
           <a:p>
-            <a:pPr marL="216000" indent="-215640">
+            <a:pPr marL="216000" indent="-215280">
               <a:lnSpc>
                 <a:spcPct val="100000"/>
               </a:lnSpc>
@@ -12077,7 +13798,7 @@
             </a:endParaRPr>
           </a:p>
           <a:p>
-            <a:pPr marL="216000" indent="-215640">
+            <a:pPr marL="216000" indent="-215280">
               <a:lnSpc>
                 <a:spcPct val="100000"/>
               </a:lnSpc>
@@ -12129,7 +13850,7 @@
             </a:endParaRPr>
           </a:p>
           <a:p>
-            <a:pPr marL="216000" indent="-215640">
+            <a:pPr marL="216000" indent="-215280">
               <a:lnSpc>
                 <a:spcPct val="100000"/>
               </a:lnSpc>
@@ -12214,14 +13935,14 @@
       </p:grpSpPr>
       <p:sp>
         <p:nvSpPr>
-          <p:cNvPr id="294" name="CustomShape 1"/>
+          <p:cNvPr id="336" name="CustomShape 1"/>
           <p:cNvSpPr/>
           <p:nvPr/>
         </p:nvSpPr>
         <p:spPr>
           <a:xfrm>
             <a:off x="360000" y="3330000"/>
-            <a:ext cx="9359280" cy="899280"/>
+            <a:ext cx="9358920" cy="898920"/>
           </a:xfrm>
           <a:prstGeom prst="rect">
             <a:avLst/>
@@ -12265,14 +13986,14 @@
       </p:sp>
       <p:sp>
         <p:nvSpPr>
-          <p:cNvPr id="295" name="CustomShape 2"/>
+          <p:cNvPr id="337" name="CustomShape 2"/>
           <p:cNvSpPr/>
           <p:nvPr/>
         </p:nvSpPr>
         <p:spPr>
           <a:xfrm>
             <a:off x="540000" y="4680000"/>
-            <a:ext cx="9179280" cy="2519280"/>
+            <a:ext cx="9178920" cy="2518920"/>
           </a:xfrm>
           <a:prstGeom prst="rect">
             <a:avLst/>
@@ -12346,14 +14067,14 @@
       </p:grpSpPr>
       <p:sp>
         <p:nvSpPr>
-          <p:cNvPr id="252" name="CustomShape 1"/>
+          <p:cNvPr id="294" name="CustomShape 1"/>
           <p:cNvSpPr/>
           <p:nvPr/>
         </p:nvSpPr>
         <p:spPr>
           <a:xfrm>
             <a:off x="360000" y="360000"/>
-            <a:ext cx="9359280" cy="899280"/>
+            <a:ext cx="9358920" cy="898920"/>
           </a:xfrm>
           <a:prstGeom prst="rect">
             <a:avLst/>
@@ -12397,14 +14118,14 @@
       </p:sp>
       <p:sp>
         <p:nvSpPr>
-          <p:cNvPr id="253" name="CustomShape 2"/>
+          <p:cNvPr id="295" name="CustomShape 2"/>
           <p:cNvSpPr/>
           <p:nvPr/>
         </p:nvSpPr>
         <p:spPr>
           <a:xfrm>
             <a:off x="360000" y="1980000"/>
-            <a:ext cx="9179280" cy="4679280"/>
+            <a:ext cx="9178920" cy="4678920"/>
           </a:xfrm>
           <a:prstGeom prst="rect">
             <a:avLst/>
@@ -12425,7 +14146,7 @@
             <a:normAutofit fontScale="97000"/>
           </a:bodyPr>
           <a:p>
-            <a:pPr marL="216000" indent="-215640">
+            <a:pPr marL="216000" indent="-215280">
               <a:lnSpc>
                 <a:spcPct val="100000"/>
               </a:lnSpc>
@@ -12454,7 +14175,7 @@
             </a:endParaRPr>
           </a:p>
           <a:p>
-            <a:pPr marL="216000" indent="-215640">
+            <a:pPr marL="216000" indent="-215280">
               <a:lnSpc>
                 <a:spcPct val="100000"/>
               </a:lnSpc>
@@ -12483,7 +14204,7 @@
             </a:endParaRPr>
           </a:p>
           <a:p>
-            <a:pPr marL="216000" indent="-215640">
+            <a:pPr marL="216000" indent="-215280">
               <a:lnSpc>
                 <a:spcPct val="100000"/>
               </a:lnSpc>
@@ -12512,7 +14233,7 @@
             </a:endParaRPr>
           </a:p>
           <a:p>
-            <a:pPr marL="216000" indent="-215640">
+            <a:pPr marL="216000" indent="-215280">
               <a:lnSpc>
                 <a:spcPct val="100000"/>
               </a:lnSpc>
@@ -12541,7 +14262,7 @@
             </a:endParaRPr>
           </a:p>
           <a:p>
-            <a:pPr marL="216000" indent="-215640">
+            <a:pPr marL="216000" indent="-215280">
               <a:lnSpc>
                 <a:spcPct val="100000"/>
               </a:lnSpc>
@@ -12570,7 +14291,7 @@
             </a:endParaRPr>
           </a:p>
           <a:p>
-            <a:pPr marL="216000" indent="-215640">
+            <a:pPr marL="216000" indent="-215280">
               <a:lnSpc>
                 <a:spcPct val="100000"/>
               </a:lnSpc>
@@ -12599,7 +14320,7 @@
             </a:endParaRPr>
           </a:p>
           <a:p>
-            <a:pPr marL="216000" indent="-215640">
+            <a:pPr marL="216000" indent="-215280">
               <a:lnSpc>
                 <a:spcPct val="100000"/>
               </a:lnSpc>
@@ -12628,7 +14349,7 @@
             </a:endParaRPr>
           </a:p>
           <a:p>
-            <a:pPr marL="216000" indent="-215640">
+            <a:pPr marL="216000" indent="-215280">
               <a:lnSpc>
                 <a:spcPct val="100000"/>
               </a:lnSpc>
@@ -12690,14 +14411,14 @@
       </p:grpSpPr>
       <p:sp>
         <p:nvSpPr>
-          <p:cNvPr id="254" name="CustomShape 1"/>
+          <p:cNvPr id="296" name="CustomShape 1"/>
           <p:cNvSpPr/>
           <p:nvPr/>
         </p:nvSpPr>
         <p:spPr>
           <a:xfrm>
             <a:off x="360000" y="360000"/>
-            <a:ext cx="9359280" cy="899280"/>
+            <a:ext cx="9358920" cy="898920"/>
           </a:xfrm>
           <a:prstGeom prst="rect">
             <a:avLst/>
@@ -12741,14 +14462,14 @@
       </p:sp>
       <p:sp>
         <p:nvSpPr>
-          <p:cNvPr id="255" name="CustomShape 2"/>
+          <p:cNvPr id="297" name="CustomShape 2"/>
           <p:cNvSpPr/>
           <p:nvPr/>
         </p:nvSpPr>
         <p:spPr>
           <a:xfrm>
             <a:off x="360000" y="1980000"/>
-            <a:ext cx="9179280" cy="4679280"/>
+            <a:ext cx="9178920" cy="4678920"/>
           </a:xfrm>
           <a:prstGeom prst="rect">
             <a:avLst/>
@@ -12769,7 +14490,7 @@
             <a:normAutofit/>
           </a:bodyPr>
           <a:p>
-            <a:pPr marL="216000" indent="-215640">
+            <a:pPr marL="216000" indent="-215280">
               <a:lnSpc>
                 <a:spcPct val="100000"/>
               </a:lnSpc>
@@ -12798,7 +14519,7 @@
             </a:endParaRPr>
           </a:p>
           <a:p>
-            <a:pPr marL="216000" indent="-215640">
+            <a:pPr marL="216000" indent="-215280">
               <a:lnSpc>
                 <a:spcPct val="100000"/>
               </a:lnSpc>
@@ -12827,7 +14548,7 @@
             </a:endParaRPr>
           </a:p>
           <a:p>
-            <a:pPr marL="216000" indent="-215640">
+            <a:pPr marL="216000" indent="-215280">
               <a:lnSpc>
                 <a:spcPct val="100000"/>
               </a:lnSpc>
@@ -12856,7 +14577,7 @@
             </a:endParaRPr>
           </a:p>
           <a:p>
-            <a:pPr marL="216000" indent="-215640">
+            <a:pPr marL="216000" indent="-215280">
               <a:lnSpc>
                 <a:spcPct val="100000"/>
               </a:lnSpc>
@@ -12885,7 +14606,7 @@
             </a:endParaRPr>
           </a:p>
           <a:p>
-            <a:pPr marL="216000" indent="-215640">
+            <a:pPr marL="216000" indent="-215280">
               <a:lnSpc>
                 <a:spcPct val="100000"/>
               </a:lnSpc>
@@ -12947,14 +14668,14 @@
       </p:grpSpPr>
       <p:sp>
         <p:nvSpPr>
-          <p:cNvPr id="256" name="CustomShape 1"/>
+          <p:cNvPr id="298" name="CustomShape 1"/>
           <p:cNvSpPr/>
           <p:nvPr/>
         </p:nvSpPr>
         <p:spPr>
           <a:xfrm>
             <a:off x="360000" y="360000"/>
-            <a:ext cx="9359280" cy="899280"/>
+            <a:ext cx="9358920" cy="898920"/>
           </a:xfrm>
           <a:prstGeom prst="rect">
             <a:avLst/>
@@ -12998,14 +14719,14 @@
       </p:sp>
       <p:sp>
         <p:nvSpPr>
-          <p:cNvPr id="257" name="CustomShape 2"/>
+          <p:cNvPr id="299" name="CustomShape 2"/>
           <p:cNvSpPr/>
           <p:nvPr/>
         </p:nvSpPr>
         <p:spPr>
           <a:xfrm>
             <a:off x="360000" y="1980000"/>
-            <a:ext cx="9179280" cy="4679280"/>
+            <a:ext cx="9178920" cy="4678920"/>
           </a:xfrm>
           <a:prstGeom prst="rect">
             <a:avLst/>
@@ -13026,7 +14747,7 @@
             <a:normAutofit/>
           </a:bodyPr>
           <a:p>
-            <a:pPr marL="216000" indent="-215640">
+            <a:pPr marL="216000" indent="-215280">
               <a:lnSpc>
                 <a:spcPct val="100000"/>
               </a:lnSpc>
@@ -13055,7 +14776,7 @@
             </a:endParaRPr>
           </a:p>
           <a:p>
-            <a:pPr marL="216000" indent="-215640">
+            <a:pPr marL="216000" indent="-215280">
               <a:lnSpc>
                 <a:spcPct val="100000"/>
               </a:lnSpc>
@@ -13084,7 +14805,7 @@
             </a:endParaRPr>
           </a:p>
           <a:p>
-            <a:pPr marL="216000" indent="-215640">
+            <a:pPr marL="216000" indent="-215280">
               <a:lnSpc>
                 <a:spcPct val="100000"/>
               </a:lnSpc>
@@ -13113,7 +14834,7 @@
             </a:endParaRPr>
           </a:p>
           <a:p>
-            <a:pPr marL="216000" indent="-215640">
+            <a:pPr marL="216000" indent="-215280">
               <a:lnSpc>
                 <a:spcPct val="100000"/>
               </a:lnSpc>
@@ -13142,7 +14863,7 @@
             </a:endParaRPr>
           </a:p>
           <a:p>
-            <a:pPr marL="216000" indent="-215640">
+            <a:pPr marL="216000" indent="-215280">
               <a:lnSpc>
                 <a:spcPct val="100000"/>
               </a:lnSpc>
@@ -13204,14 +14925,14 @@
       </p:grpSpPr>
       <p:sp>
         <p:nvSpPr>
-          <p:cNvPr id="258" name="CustomShape 1"/>
+          <p:cNvPr id="300" name="CustomShape 1"/>
           <p:cNvSpPr/>
           <p:nvPr/>
         </p:nvSpPr>
         <p:spPr>
           <a:xfrm>
             <a:off x="360000" y="360000"/>
-            <a:ext cx="9359280" cy="899280"/>
+            <a:ext cx="9358920" cy="898920"/>
           </a:xfrm>
           <a:prstGeom prst="rect">
             <a:avLst/>
@@ -13255,7 +14976,7 @@
       </p:sp>
       <p:pic>
         <p:nvPicPr>
-          <p:cNvPr id="259" name="" descr=""/>
+          <p:cNvPr id="301" name="" descr=""/>
           <p:cNvPicPr/>
           <p:nvPr/>
         </p:nvPicPr>
@@ -13266,7 +14987,7 @@
         <p:spPr>
           <a:xfrm>
             <a:off x="1029240" y="1807920"/>
-            <a:ext cx="8042760" cy="4384080"/>
+            <a:ext cx="8042400" cy="4383720"/>
           </a:xfrm>
           <a:prstGeom prst="rect">
             <a:avLst/>
@@ -13308,14 +15029,14 @@
       </p:grpSpPr>
       <p:sp>
         <p:nvSpPr>
-          <p:cNvPr id="260" name="CustomShape 1"/>
+          <p:cNvPr id="302" name="CustomShape 1"/>
           <p:cNvSpPr/>
           <p:nvPr/>
         </p:nvSpPr>
         <p:spPr>
           <a:xfrm>
             <a:off x="360000" y="360000"/>
-            <a:ext cx="9359280" cy="899280"/>
+            <a:ext cx="9358920" cy="898920"/>
           </a:xfrm>
           <a:prstGeom prst="rect">
             <a:avLst/>
@@ -13359,14 +15080,14 @@
       </p:sp>
       <p:sp>
         <p:nvSpPr>
-          <p:cNvPr id="261" name="CustomShape 2"/>
+          <p:cNvPr id="303" name="CustomShape 2"/>
           <p:cNvSpPr/>
           <p:nvPr/>
         </p:nvSpPr>
         <p:spPr>
           <a:xfrm>
             <a:off x="360000" y="1980000"/>
-            <a:ext cx="9179280" cy="2231280"/>
+            <a:ext cx="9178920" cy="2230920"/>
           </a:xfrm>
           <a:prstGeom prst="rect">
             <a:avLst/>
@@ -13426,7 +15147,7 @@
       </p:sp>
       <p:pic>
         <p:nvPicPr>
-          <p:cNvPr id="262" name="" descr=""/>
+          <p:cNvPr id="304" name="" descr=""/>
           <p:cNvPicPr/>
           <p:nvPr/>
         </p:nvPicPr>
@@ -13437,7 +15158,7 @@
         <p:spPr>
           <a:xfrm>
             <a:off x="1728000" y="2485080"/>
-            <a:ext cx="6623280" cy="4138200"/>
+            <a:ext cx="6622920" cy="4137840"/>
           </a:xfrm>
           <a:prstGeom prst="rect">
             <a:avLst/>
@@ -13479,14 +15200,14 @@
       </p:grpSpPr>
       <p:sp>
         <p:nvSpPr>
-          <p:cNvPr id="263" name="CustomShape 1"/>
+          <p:cNvPr id="305" name="CustomShape 1"/>
           <p:cNvSpPr/>
           <p:nvPr/>
         </p:nvSpPr>
         <p:spPr>
           <a:xfrm>
             <a:off x="360000" y="360000"/>
-            <a:ext cx="9359280" cy="899280"/>
+            <a:ext cx="9358920" cy="898920"/>
           </a:xfrm>
           <a:prstGeom prst="rect">
             <a:avLst/>
@@ -13530,14 +15251,14 @@
       </p:sp>
       <p:sp>
         <p:nvSpPr>
-          <p:cNvPr id="264" name="CustomShape 2"/>
+          <p:cNvPr id="306" name="CustomShape 2"/>
           <p:cNvSpPr/>
           <p:nvPr/>
         </p:nvSpPr>
         <p:spPr>
           <a:xfrm>
             <a:off x="360000" y="1980000"/>
-            <a:ext cx="9179280" cy="2231280"/>
+            <a:ext cx="9178920" cy="2230920"/>
           </a:xfrm>
           <a:prstGeom prst="rect">
             <a:avLst/>
@@ -13584,7 +15305,7 @@
       </p:sp>
       <p:pic>
         <p:nvPicPr>
-          <p:cNvPr id="265" name="" descr=""/>
+          <p:cNvPr id="307" name="" descr=""/>
           <p:cNvPicPr/>
           <p:nvPr/>
         </p:nvPicPr>
@@ -13595,7 +15316,7 @@
         <p:spPr>
           <a:xfrm>
             <a:off x="1800000" y="2304000"/>
-            <a:ext cx="6551280" cy="4090320"/>
+            <a:ext cx="6550920" cy="4089960"/>
           </a:xfrm>
           <a:prstGeom prst="rect">
             <a:avLst/>
@@ -13637,14 +15358,14 @@
       </p:grpSpPr>
       <p:sp>
         <p:nvSpPr>
-          <p:cNvPr id="266" name="CustomShape 1"/>
+          <p:cNvPr id="308" name="CustomShape 1"/>
           <p:cNvSpPr/>
           <p:nvPr/>
         </p:nvSpPr>
         <p:spPr>
           <a:xfrm>
             <a:off x="360000" y="360000"/>
-            <a:ext cx="9359280" cy="899280"/>
+            <a:ext cx="9358920" cy="898920"/>
           </a:xfrm>
           <a:prstGeom prst="rect">
             <a:avLst/>
@@ -13688,14 +15409,14 @@
       </p:sp>
       <p:sp>
         <p:nvSpPr>
-          <p:cNvPr id="267" name="CustomShape 2"/>
+          <p:cNvPr id="309" name="CustomShape 2"/>
           <p:cNvSpPr/>
           <p:nvPr/>
         </p:nvSpPr>
         <p:spPr>
           <a:xfrm>
             <a:off x="360000" y="1980000"/>
-            <a:ext cx="9179280" cy="2231280"/>
+            <a:ext cx="9178920" cy="2230920"/>
           </a:xfrm>
           <a:prstGeom prst="rect">
             <a:avLst/>
@@ -13742,7 +15463,7 @@
       </p:sp>
       <p:pic>
         <p:nvPicPr>
-          <p:cNvPr id="268" name="" descr=""/>
+          <p:cNvPr id="310" name="" descr=""/>
           <p:cNvPicPr/>
           <p:nvPr/>
         </p:nvPicPr>
@@ -13753,7 +15474,7 @@
         <p:spPr>
           <a:xfrm>
             <a:off x="1940400" y="2520000"/>
-            <a:ext cx="6338880" cy="3959280"/>
+            <a:ext cx="6338520" cy="3958920"/>
           </a:xfrm>
           <a:prstGeom prst="rect">
             <a:avLst/>
@@ -15112,4 +16833,227 @@
     </a:fmtScheme>
   </a:themeElements>
 </a:theme>
+</file>
+
+<file path=ppt/theme/theme7.xml><?xml version="1.0" encoding="utf-8"?>
+<a:theme xmlns:a="http://schemas.openxmlformats.org/drawingml/2006/main" name="Office Theme">
+  <a:themeElements>
+    <a:clrScheme name="Office">
+      <a:dk1>
+        <a:sysClr val="windowText" lastClr="000000"/>
+      </a:dk1>
+      <a:lt1>
+        <a:sysClr val="window" lastClr="FFFFFF"/>
+      </a:lt1>
+      <a:dk2>
+        <a:srgbClr val="1f497d"/>
+      </a:dk2>
+      <a:lt2>
+        <a:srgbClr val="eeece1"/>
+      </a:lt2>
+      <a:accent1>
+        <a:srgbClr val="4f81bd"/>
+      </a:accent1>
+      <a:accent2>
+        <a:srgbClr val="c0504d"/>
+      </a:accent2>
+      <a:accent3>
+        <a:srgbClr val="9bbb59"/>
+      </a:accent3>
+      <a:accent4>
+        <a:srgbClr val="8064a2"/>
+      </a:accent4>
+      <a:accent5>
+        <a:srgbClr val="4bacc6"/>
+      </a:accent5>
+      <a:accent6>
+        <a:srgbClr val="f79646"/>
+      </a:accent6>
+      <a:hlink>
+        <a:srgbClr val="0000ff"/>
+      </a:hlink>
+      <a:folHlink>
+        <a:srgbClr val="800080"/>
+      </a:folHlink>
+    </a:clrScheme>
+    <a:fontScheme name="Office">
+      <a:majorFont>
+        <a:latin typeface="Arial"/>
+        <a:ea typeface="DejaVu Sans"/>
+        <a:cs typeface="DejaVu Sans"/>
+      </a:majorFont>
+      <a:minorFont>
+        <a:latin typeface="Arial"/>
+        <a:ea typeface="DejaVu Sans"/>
+        <a:cs typeface="DejaVu Sans"/>
+      </a:minorFont>
+    </a:fontScheme>
+    <a:fmtScheme name="Office">
+      <a:fillStyleLst>
+        <a:solidFill>
+          <a:schemeClr val="phClr"/>
+        </a:solidFill>
+        <a:gradFill rotWithShape="1">
+          <a:gsLst>
+            <a:gs pos="0">
+              <a:schemeClr val="phClr">
+                <a:tint val="50000"/>
+                <a:satMod val="300000"/>
+              </a:schemeClr>
+            </a:gs>
+            <a:gs pos="35000">
+              <a:schemeClr val="phClr">
+                <a:tint val="37000"/>
+                <a:satMod val="300000"/>
+              </a:schemeClr>
+            </a:gs>
+            <a:gs pos="100000">
+              <a:schemeClr val="phClr">
+                <a:tint val="15000"/>
+                <a:satMod val="350000"/>
+              </a:schemeClr>
+            </a:gs>
+          </a:gsLst>
+          <a:lin ang="16200000" scaled="1"/>
+        </a:gradFill>
+        <a:gradFill rotWithShape="1">
+          <a:gsLst>
+            <a:gs pos="0">
+              <a:schemeClr val="phClr">
+                <a:shade val="51000"/>
+                <a:satMod val="130000"/>
+              </a:schemeClr>
+            </a:gs>
+            <a:gs pos="80000">
+              <a:schemeClr val="phClr">
+                <a:shade val="93000"/>
+                <a:satMod val="130000"/>
+              </a:schemeClr>
+            </a:gs>
+            <a:gs pos="100000">
+              <a:schemeClr val="phClr">
+                <a:shade val="94000"/>
+                <a:satMod val="135000"/>
+              </a:schemeClr>
+            </a:gs>
+          </a:gsLst>
+          <a:lin ang="16200000" scaled="0"/>
+        </a:gradFill>
+      </a:fillStyleLst>
+      <a:lnStyleLst>
+        <a:ln w="9525" cap="flat" cmpd="sng" algn="ctr">
+          <a:solidFill>
+            <a:schemeClr val="phClr">
+              <a:shade val="95000"/>
+              <a:satMod val="105000"/>
+            </a:schemeClr>
+          </a:solidFill>
+          <a:prstDash val="solid"/>
+        </a:ln>
+        <a:ln w="25400" cap="flat" cmpd="sng" algn="ctr">
+          <a:solidFill>
+            <a:schemeClr val="phClr"/>
+          </a:solidFill>
+          <a:prstDash val="solid"/>
+        </a:ln>
+        <a:ln w="38100" cap="flat" cmpd="sng" algn="ctr">
+          <a:solidFill>
+            <a:schemeClr val="phClr"/>
+          </a:solidFill>
+          <a:prstDash val="solid"/>
+        </a:ln>
+      </a:lnStyleLst>
+      <a:effectStyleLst>
+        <a:effectStyle>
+          <a:effectLst>
+            <a:outerShdw blurRad="40000" dist="20000" dir="5400000" rotWithShape="0">
+              <a:srgbClr val="000000">
+                <a:alpha val="38000"/>
+              </a:srgbClr>
+            </a:outerShdw>
+          </a:effectLst>
+        </a:effectStyle>
+        <a:effectStyle>
+          <a:effectLst>
+            <a:outerShdw blurRad="40000" dist="23000" dir="5400000" rotWithShape="0">
+              <a:srgbClr val="000000">
+                <a:alpha val="35000"/>
+              </a:srgbClr>
+            </a:outerShdw>
+          </a:effectLst>
+        </a:effectStyle>
+        <a:effectStyle>
+          <a:effectLst>
+            <a:outerShdw blurRad="40000" dist="23000" dir="5400000" rotWithShape="0">
+              <a:srgbClr val="000000">
+                <a:alpha val="35000"/>
+              </a:srgbClr>
+            </a:outerShdw>
+          </a:effectLst>
+          <a:scene3d>
+            <a:camera prst="orthographicFront">
+              <a:rot lat="0" lon="0" rev="0"/>
+            </a:camera>
+            <a:lightRig rig="threePt" dir="t">
+              <a:rot lat="0" lon="0" rev="1200000"/>
+            </a:lightRig>
+          </a:scene3d>
+          <a:sp3d>
+            <a:bevelT w="63500" h="25400"/>
+          </a:sp3d>
+        </a:effectStyle>
+      </a:effectStyleLst>
+      <a:bgFillStyleLst>
+        <a:solidFill>
+          <a:schemeClr val="phClr"/>
+        </a:solidFill>
+        <a:gradFill rotWithShape="1">
+          <a:gsLst>
+            <a:gs pos="0">
+              <a:schemeClr val="phClr">
+                <a:tint val="40000"/>
+                <a:satMod val="350000"/>
+              </a:schemeClr>
+            </a:gs>
+            <a:gs pos="40000">
+              <a:schemeClr val="phClr">
+                <a:tint val="45000"/>
+                <a:shade val="99000"/>
+                <a:satMod val="350000"/>
+              </a:schemeClr>
+            </a:gs>
+            <a:gs pos="100000">
+              <a:schemeClr val="phClr">
+                <a:shade val="20000"/>
+                <a:satMod val="255000"/>
+              </a:schemeClr>
+            </a:gs>
+          </a:gsLst>
+          <a:path path="circle">
+            <a:fillToRect l="50000" t="-80000" r="50000" b="180000"/>
+          </a:path>
+        </a:gradFill>
+        <a:gradFill rotWithShape="1">
+          <a:gsLst>
+            <a:gs pos="0">
+              <a:schemeClr val="phClr">
+                <a:tint val="80000"/>
+                <a:satMod val="300000"/>
+              </a:schemeClr>
+            </a:gs>
+            <a:gs pos="100000">
+              <a:schemeClr val="phClr">
+                <a:shade val="30000"/>
+                <a:satMod val="200000"/>
+              </a:schemeClr>
+            </a:gs>
+          </a:gsLst>
+          <a:path path="circle">
+            <a:fillToRect l="50000" t="50000" r="50000" b="50000"/>
+          </a:path>
+        </a:gradFill>
+      </a:bgFillStyleLst>
+    </a:fmtScheme>
+  </a:themeElements>
+</a:theme>
 </file>
--- a/Material/Presentación/presentacion.pptx
+++ b/Material/Presentación/presentacion.pptx
@@ -132,6 +132,11 @@
       </a:defRPr>
     </a:lvl9pPr>
   </p:defaultTextStyle>
+  <p:extLst>
+    <p:ext uri="{EFAFB233-063F-42B5-8137-9DF3F51BA10A}">
+      <p15:sldGuideLst xmlns:p15="http://schemas.microsoft.com/office/powerpoint/2012/main"/>
+    </p:ext>
+  </p:extLst>
 </p:presentation>
 </file>
 
@@ -17273,7 +17278,7 @@
               <a:buChar char=""/>
             </a:pPr>
             <a:r>
-              <a:rPr lang="es-ES" sz="2600" b="1" strike="noStrike" spc="-1">
+              <a:rPr lang="es-ES" sz="2600" b="1" strike="noStrike" spc="-1" dirty="0">
                 <a:solidFill>
                   <a:srgbClr val="1C1C1C"/>
                 </a:solidFill>
@@ -17282,7 +17287,7 @@
               </a:rPr>
               <a:t>Elección de pagar en cualquier momento</a:t>
             </a:r>
-            <a:endParaRPr lang="es-ES" sz="2600" b="0" strike="noStrike" spc="-1">
+            <a:endParaRPr lang="es-ES" sz="2600" b="0" strike="noStrike" spc="-1" dirty="0">
               <a:latin typeface="Arial"/>
             </a:endParaRPr>
           </a:p>
@@ -17302,16 +17307,16 @@
               <a:buChar char=""/>
             </a:pPr>
             <a:r>
-              <a:rPr lang="es-ES" sz="2600" b="1" strike="noStrike" spc="-1">
+              <a:rPr lang="es-ES" sz="2600" b="1" strike="noStrike" spc="-1" dirty="0">
                 <a:solidFill>
                   <a:srgbClr val="1C1C1C"/>
                 </a:solidFill>
                 <a:latin typeface="Source Sans Pro Semibold"/>
                 <a:ea typeface="DejaVu Sans"/>
               </a:rPr>
-              <a:t>Varios idiomas</a:t>
+              <a:t>Diferentes alternativas prefijadas en cada plato</a:t>
             </a:r>
-            <a:endParaRPr lang="es-ES" sz="2600" b="0" strike="noStrike" spc="-1">
+            <a:endParaRPr lang="es-ES" sz="2600" b="0" strike="noStrike" spc="-1" dirty="0">
               <a:latin typeface="Arial"/>
             </a:endParaRPr>
           </a:p>
@@ -17331,16 +17336,16 @@
               <a:buChar char=""/>
             </a:pPr>
             <a:r>
-              <a:rPr lang="es-ES" sz="2600" b="1" strike="noStrike" spc="-1">
+              <a:rPr lang="es-ES" sz="2600" b="1" strike="noStrike" spc="-1" dirty="0">
                 <a:solidFill>
                   <a:srgbClr val="1C1C1C"/>
                 </a:solidFill>
                 <a:latin typeface="Source Sans Pro Semibold"/>
                 <a:ea typeface="DejaVu Sans"/>
               </a:rPr>
-              <a:t>Diferentes alternativas prefijadas en cada plato</a:t>
+              <a:t>Pago en efectivo o en tarjeta de crédito</a:t>
             </a:r>
-            <a:endParaRPr lang="es-ES" sz="2600" b="0" strike="noStrike" spc="-1">
+            <a:endParaRPr lang="es-ES" sz="2600" b="0" strike="noStrike" spc="-1" dirty="0">
               <a:latin typeface="Arial"/>
             </a:endParaRPr>
           </a:p>
@@ -17360,16 +17365,16 @@
               <a:buChar char=""/>
             </a:pPr>
             <a:r>
-              <a:rPr lang="es-ES" sz="2600" b="1" strike="noStrike" spc="-1">
+              <a:rPr lang="es-ES" sz="2600" b="1" strike="noStrike" spc="-1" dirty="0">
                 <a:solidFill>
                   <a:srgbClr val="1C1C1C"/>
                 </a:solidFill>
                 <a:latin typeface="Source Sans Pro Semibold"/>
                 <a:ea typeface="DejaVu Sans"/>
               </a:rPr>
-              <a:t>Pago en efectivo o en tarjeta de crédito</a:t>
+              <a:t>Llamar a metre</a:t>
             </a:r>
-            <a:endParaRPr lang="es-ES" sz="2600" b="0" strike="noStrike" spc="-1">
+            <a:endParaRPr lang="es-ES" sz="2600" b="0" strike="noStrike" spc="-1" dirty="0">
               <a:latin typeface="Arial"/>
             </a:endParaRPr>
           </a:p>
@@ -17389,16 +17394,16 @@
               <a:buChar char=""/>
             </a:pPr>
             <a:r>
-              <a:rPr lang="es-ES" sz="2600" b="1" strike="noStrike" spc="-1">
+              <a:rPr lang="es-ES" sz="2600" b="1" strike="noStrike" spc="-1" dirty="0">
                 <a:solidFill>
                   <a:srgbClr val="1C1C1C"/>
                 </a:solidFill>
                 <a:latin typeface="Source Sans Pro Semibold"/>
                 <a:ea typeface="DejaVu Sans"/>
               </a:rPr>
-              <a:t>Llamar a metre</a:t>
+              <a:t>Puede eliminar pedidos siempre y cuando estén en espera</a:t>
             </a:r>
-            <a:endParaRPr lang="es-ES" sz="2600" b="0" strike="noStrike" spc="-1">
+            <a:endParaRPr lang="es-ES" sz="2600" b="0" strike="noStrike" spc="-1" dirty="0">
               <a:latin typeface="Arial"/>
             </a:endParaRPr>
           </a:p>
@@ -17418,65 +17423,7 @@
               <a:buChar char=""/>
             </a:pPr>
             <a:r>
-              <a:rPr lang="es-ES" sz="2600" b="1" strike="noStrike" spc="-1">
-                <a:solidFill>
-                  <a:srgbClr val="1C1C1C"/>
-                </a:solidFill>
-                <a:latin typeface="Source Sans Pro Semibold"/>
-                <a:ea typeface="DejaVu Sans"/>
-              </a:rPr>
-              <a:t>Ver el estado de los platos (en espera, preparándose, entregado)</a:t>
-            </a:r>
-            <a:endParaRPr lang="es-ES" sz="2600" b="0" strike="noStrike" spc="-1">
-              <a:latin typeface="Arial"/>
-            </a:endParaRPr>
-          </a:p>
-          <a:p>
-            <a:pPr marL="216000" indent="-215280">
-              <a:lnSpc>
-                <a:spcPct val="100000"/>
-              </a:lnSpc>
-              <a:spcAft>
-                <a:spcPts val="1142"/>
-              </a:spcAft>
-              <a:buClr>
-                <a:srgbClr val="000000"/>
-              </a:buClr>
-              <a:buSzPct val="45000"/>
-              <a:buFont typeface="Wingdings" charset="2"/>
-              <a:buChar char=""/>
-            </a:pPr>
-            <a:r>
-              <a:rPr lang="es-ES" sz="2600" b="1" strike="noStrike" spc="-1">
-                <a:solidFill>
-                  <a:srgbClr val="1C1C1C"/>
-                </a:solidFill>
-                <a:latin typeface="Source Sans Pro Semibold"/>
-                <a:ea typeface="DejaVu Sans"/>
-              </a:rPr>
-              <a:t>Puede eliminar pedidos siempre y cuando estén en espera</a:t>
-            </a:r>
-            <a:endParaRPr lang="es-ES" sz="2600" b="0" strike="noStrike" spc="-1">
-              <a:latin typeface="Arial"/>
-            </a:endParaRPr>
-          </a:p>
-          <a:p>
-            <a:pPr marL="216000" indent="-215280">
-              <a:lnSpc>
-                <a:spcPct val="100000"/>
-              </a:lnSpc>
-              <a:spcAft>
-                <a:spcPts val="1142"/>
-              </a:spcAft>
-              <a:buClr>
-                <a:srgbClr val="000000"/>
-              </a:buClr>
-              <a:buSzPct val="45000"/>
-              <a:buFont typeface="Wingdings" charset="2"/>
-              <a:buChar char=""/>
-            </a:pPr>
-            <a:r>
-              <a:rPr lang="es-ES" sz="2600" b="1" strike="noStrike" spc="-1">
+              <a:rPr lang="es-ES" sz="2600" b="1" strike="noStrike" spc="-1" dirty="0">
                 <a:solidFill>
                   <a:srgbClr val="1C1C1C"/>
                 </a:solidFill>
@@ -17485,7 +17432,7 @@
               </a:rPr>
               <a:t>Se podrá imprimir factura</a:t>
             </a:r>
-            <a:endParaRPr lang="es-ES" sz="2600" b="0" strike="noStrike" spc="-1">
+            <a:endParaRPr lang="es-ES" sz="2600" b="0" strike="noStrike" spc="-1" dirty="0">
               <a:latin typeface="Arial"/>
             </a:endParaRPr>
           </a:p>
@@ -17576,25 +17523,70 @@
         </p:nvSpPr>
         <p:spPr>
           <a:xfrm>
-            <a:off x="337745" y="1844503"/>
-            <a:ext cx="9072000" cy="387798"/>
+            <a:off x="337745" y="2394281"/>
+            <a:ext cx="9072000" cy="2423740"/>
           </a:xfrm>
         </p:spPr>
         <p:txBody>
           <a:bodyPr/>
           <a:lstStyle/>
           <a:p>
+            <a:pPr marL="342900" indent="-342900">
+              <a:buFont typeface="Arial" panose="020B0604020202020204" pitchFamily="34" charset="0"/>
+              <a:buChar char="•"/>
+            </a:pPr>
             <a:r>
-              <a:rPr lang="es-ES" dirty="0"/>
-              <a:t>Cumplir con la ley de </a:t>
+              <a:rPr lang="es-ES" sz="2500" dirty="0">
+                <a:latin typeface="Source Sans Pro Semibold" panose="020B0603030403020204" pitchFamily="34" charset="0"/>
+                <a:ea typeface="Source Sans Pro Semibold" panose="020B0603030403020204" pitchFamily="34" charset="0"/>
+              </a:rPr>
+              <a:t>Cumplir con la ley de información alimentaria.</a:t>
             </a:r>
+          </a:p>
+          <a:p>
+            <a:pPr marL="342900" indent="-342900">
+              <a:buFont typeface="Arial" panose="020B0604020202020204" pitchFamily="34" charset="0"/>
+              <a:buChar char="•"/>
+            </a:pPr>
+            <a:endParaRPr lang="es-ES" sz="2500" dirty="0">
+              <a:latin typeface="Source Sans Pro Semibold" panose="020B0603030403020204" pitchFamily="34" charset="0"/>
+              <a:ea typeface="Source Sans Pro Semibold" panose="020B0603030403020204" pitchFamily="34" charset="0"/>
+            </a:endParaRPr>
+          </a:p>
+          <a:p>
+            <a:pPr marL="342900" indent="-342900">
+              <a:buFont typeface="Arial" panose="020B0604020202020204" pitchFamily="34" charset="0"/>
+              <a:buChar char="•"/>
+            </a:pPr>
             <a:r>
-              <a:rPr lang="es-ES" dirty="0" err="1"/>
-              <a:t>informacion</a:t>
+              <a:rPr lang="es-ES" sz="2500" dirty="0">
+                <a:latin typeface="Source Sans Pro Semibold" panose="020B0603030403020204" pitchFamily="34" charset="0"/>
+                <a:ea typeface="Source Sans Pro Semibold" panose="020B0603030403020204" pitchFamily="34" charset="0"/>
+              </a:rPr>
+              <a:t>La aplicación debe tener la opción de elegir entre varios idiomas.</a:t>
             </a:r>
+          </a:p>
+          <a:p>
+            <a:pPr marL="342900" indent="-342900">
+              <a:buFont typeface="Arial" panose="020B0604020202020204" pitchFamily="34" charset="0"/>
+              <a:buChar char="•"/>
+            </a:pPr>
+            <a:endParaRPr lang="es-ES" sz="2500" dirty="0">
+              <a:latin typeface="Source Sans Pro Semibold" panose="020B0603030403020204" pitchFamily="34" charset="0"/>
+              <a:ea typeface="Source Sans Pro Semibold" panose="020B0603030403020204" pitchFamily="34" charset="0"/>
+            </a:endParaRPr>
+          </a:p>
+          <a:p>
+            <a:pPr marL="342900" indent="-342900">
+              <a:buFont typeface="Arial" panose="020B0604020202020204" pitchFamily="34" charset="0"/>
+              <a:buChar char="•"/>
+            </a:pPr>
             <a:r>
-              <a:rPr lang="es-ES" dirty="0"/>
-              <a:t> alimentaria</a:t>
+              <a:rPr lang="es-ES" sz="2500" dirty="0">
+                <a:latin typeface="Source Sans Pro Semibold" panose="020B0603030403020204" pitchFamily="34" charset="0"/>
+                <a:ea typeface="Source Sans Pro Semibold" panose="020B0603030403020204" pitchFamily="34" charset="0"/>
+              </a:rPr>
+              <a:t>En la aplicación se podrá ver el estado de todos los productos solicitados (pedido, en preparación o entregado).</a:t>
             </a:r>
           </a:p>
         </p:txBody>
@@ -17739,7 +17731,7 @@
               <a:buChar char=""/>
             </a:pPr>
             <a:r>
-              <a:rPr lang="es-ES" sz="2600" b="1" strike="noStrike" spc="-1">
+              <a:rPr lang="es-ES" sz="2600" b="1" strike="noStrike" spc="-1" dirty="0">
                 <a:solidFill>
                   <a:srgbClr val="1C1C1C"/>
                 </a:solidFill>
@@ -17748,7 +17740,7 @@
               </a:rPr>
               <a:t>Información completa de cada plato</a:t>
             </a:r>
-            <a:endParaRPr lang="es-ES" sz="2600" b="0" strike="noStrike" spc="-1">
+            <a:endParaRPr lang="es-ES" sz="2600" b="0" strike="noStrike" spc="-1" dirty="0">
               <a:latin typeface="Arial"/>
             </a:endParaRPr>
           </a:p>
@@ -17768,94 +17760,7 @@
               <a:buChar char=""/>
             </a:pPr>
             <a:r>
-              <a:rPr lang="es-ES" sz="2600" b="1" strike="noStrike" spc="-1">
-                <a:solidFill>
-                  <a:srgbClr val="1C1C1C"/>
-                </a:solidFill>
-                <a:latin typeface="Source Sans Pro Semibold"/>
-                <a:ea typeface="DejaVu Sans"/>
-              </a:rPr>
-              <a:t>Comandas agrupadas por mesa</a:t>
-            </a:r>
-            <a:endParaRPr lang="es-ES" sz="2600" b="0" strike="noStrike" spc="-1">
-              <a:latin typeface="Arial"/>
-            </a:endParaRPr>
-          </a:p>
-          <a:p>
-            <a:pPr marL="216000" indent="-215280">
-              <a:lnSpc>
-                <a:spcPct val="100000"/>
-              </a:lnSpc>
-              <a:spcAft>
-                <a:spcPts val="1142"/>
-              </a:spcAft>
-              <a:buClr>
-                <a:srgbClr val="000000"/>
-              </a:buClr>
-              <a:buSzPct val="45000"/>
-              <a:buFont typeface="Wingdings" charset="2"/>
-              <a:buChar char=""/>
-            </a:pPr>
-            <a:r>
-              <a:rPr lang="es-ES" sz="2600" b="1" strike="noStrike" spc="-1">
-                <a:solidFill>
-                  <a:srgbClr val="1C1C1C"/>
-                </a:solidFill>
-                <a:latin typeface="Source Sans Pro Semibold"/>
-                <a:ea typeface="DejaVu Sans"/>
-              </a:rPr>
-              <a:t>Debe ordenarse cada plato según cuando se pidió</a:t>
-            </a:r>
-            <a:endParaRPr lang="es-ES" sz="2600" b="0" strike="noStrike" spc="-1">
-              <a:latin typeface="Arial"/>
-            </a:endParaRPr>
-          </a:p>
-          <a:p>
-            <a:pPr marL="216000" indent="-215280">
-              <a:lnSpc>
-                <a:spcPct val="100000"/>
-              </a:lnSpc>
-              <a:spcAft>
-                <a:spcPts val="1142"/>
-              </a:spcAft>
-              <a:buClr>
-                <a:srgbClr val="000000"/>
-              </a:buClr>
-              <a:buSzPct val="45000"/>
-              <a:buFont typeface="Wingdings" charset="2"/>
-              <a:buChar char=""/>
-            </a:pPr>
-            <a:r>
-              <a:rPr lang="es-ES" sz="2600" b="1" strike="noStrike" spc="-1">
-                <a:solidFill>
-                  <a:srgbClr val="1C1C1C"/>
-                </a:solidFill>
-                <a:latin typeface="Source Sans Pro Semibold"/>
-                <a:ea typeface="DejaVu Sans"/>
-              </a:rPr>
-              <a:t>Los platos de una misma mesa deben llegar a la vez</a:t>
-            </a:r>
-            <a:endParaRPr lang="es-ES" sz="2600" b="0" strike="noStrike" spc="-1">
-              <a:latin typeface="Arial"/>
-            </a:endParaRPr>
-          </a:p>
-          <a:p>
-            <a:pPr marL="216000" indent="-215280">
-              <a:lnSpc>
-                <a:spcPct val="100000"/>
-              </a:lnSpc>
-              <a:spcAft>
-                <a:spcPts val="1142"/>
-              </a:spcAft>
-              <a:buClr>
-                <a:srgbClr val="000000"/>
-              </a:buClr>
-              <a:buSzPct val="45000"/>
-              <a:buFont typeface="Wingdings" charset="2"/>
-              <a:buChar char=""/>
-            </a:pPr>
-            <a:r>
-              <a:rPr lang="es-ES" sz="2600" b="1" strike="noStrike" spc="-1">
+              <a:rPr lang="es-ES" sz="2600" b="1" strike="noStrike" spc="-1" dirty="0">
                 <a:solidFill>
                   <a:srgbClr val="1C1C1C"/>
                 </a:solidFill>
@@ -17864,7 +17769,7 @@
               </a:rPr>
               <a:t>Los metres pueden modificar o eliminar comandas</a:t>
             </a:r>
-            <a:endParaRPr lang="es-ES" sz="2600" b="0" strike="noStrike" spc="-1">
+            <a:endParaRPr lang="es-ES" sz="2600" b="0" strike="noStrike" spc="-1" dirty="0">
               <a:latin typeface="Arial"/>
             </a:endParaRPr>
           </a:p>
@@ -17962,12 +17867,110 @@
             <p:ph type="subTitle"/>
           </p:nvPr>
         </p:nvSpPr>
-        <p:spPr/>
+        <p:spPr>
+          <a:xfrm>
+            <a:off x="504000" y="1853371"/>
+            <a:ext cx="9072000" cy="3005438"/>
+          </a:xfrm>
+        </p:spPr>
         <p:txBody>
           <a:bodyPr/>
           <a:lstStyle/>
           <a:p>
-            <a:endParaRPr lang="es-ES"/>
+            <a:pPr marL="342900" indent="-342900">
+              <a:buFont typeface="Arial" panose="020B0604020202020204" pitchFamily="34" charset="0"/>
+              <a:buChar char="•"/>
+            </a:pPr>
+            <a:r>
+              <a:rPr lang="es-ES" sz="2500" b="1" spc="-1" dirty="0">
+                <a:solidFill>
+                  <a:srgbClr val="1C1C1C"/>
+                </a:solidFill>
+                <a:latin typeface="Source Sans Pro Semibold" panose="020B0603030403020204" pitchFamily="34" charset="0"/>
+                <a:ea typeface="Source Sans Pro Semibold" panose="020B0603030403020204" pitchFamily="34" charset="0"/>
+              </a:rPr>
+              <a:t>Los platos de una misma mesa deben servirse a la vez</a:t>
+            </a:r>
+          </a:p>
+          <a:p>
+            <a:pPr marL="342900" indent="-342900">
+              <a:buFont typeface="Arial" panose="020B0604020202020204" pitchFamily="34" charset="0"/>
+              <a:buChar char="•"/>
+            </a:pPr>
+            <a:endParaRPr lang="es-ES" sz="2500" b="1" spc="-1" dirty="0">
+              <a:solidFill>
+                <a:srgbClr val="1C1C1C"/>
+              </a:solidFill>
+              <a:latin typeface="Source Sans Pro Semibold" panose="020B0603030403020204" pitchFamily="34" charset="0"/>
+              <a:ea typeface="Source Sans Pro Semibold" panose="020B0603030403020204" pitchFamily="34" charset="0"/>
+            </a:endParaRPr>
+          </a:p>
+          <a:p>
+            <a:pPr marL="342900" indent="-342900">
+              <a:buFont typeface="Arial" panose="020B0604020202020204" pitchFamily="34" charset="0"/>
+              <a:buChar char="•"/>
+            </a:pPr>
+            <a:r>
+              <a:rPr lang="es-ES" sz="2400" b="1" spc="-1" dirty="0">
+                <a:solidFill>
+                  <a:srgbClr val="1C1C1C"/>
+                </a:solidFill>
+                <a:latin typeface="Source Sans Pro Semibold" panose="020B0603030403020204" pitchFamily="34" charset="0"/>
+                <a:ea typeface="Source Sans Pro Semibold" panose="020B0603030403020204" pitchFamily="34" charset="0"/>
+              </a:rPr>
+              <a:t>Debe ordenarse cada plato según cuando se pidió.</a:t>
+            </a:r>
+          </a:p>
+          <a:p>
+            <a:pPr marL="342900" indent="-342900">
+              <a:buFont typeface="Arial" panose="020B0604020202020204" pitchFamily="34" charset="0"/>
+              <a:buChar char="•"/>
+            </a:pPr>
+            <a:endParaRPr lang="es-ES" sz="2400" b="1" spc="-1" dirty="0">
+              <a:solidFill>
+                <a:srgbClr val="1C1C1C"/>
+              </a:solidFill>
+              <a:latin typeface="Source Sans Pro Semibold" panose="020B0603030403020204" pitchFamily="34" charset="0"/>
+              <a:ea typeface="Source Sans Pro Semibold" panose="020B0603030403020204" pitchFamily="34" charset="0"/>
+            </a:endParaRPr>
+          </a:p>
+          <a:p>
+            <a:pPr marL="342900" indent="-342900">
+              <a:buFont typeface="Arial" panose="020B0604020202020204" pitchFamily="34" charset="0"/>
+              <a:buChar char="•"/>
+            </a:pPr>
+            <a:r>
+              <a:rPr lang="es-ES" sz="2400" b="1" spc="-1" dirty="0">
+                <a:solidFill>
+                  <a:srgbClr val="1C1C1C"/>
+                </a:solidFill>
+                <a:latin typeface="Source Sans Pro Semibold"/>
+              </a:rPr>
+              <a:t>Comandas agrupadas por mesa.</a:t>
+            </a:r>
+            <a:endParaRPr lang="es-ES" sz="2400" spc="-1" dirty="0"/>
+          </a:p>
+          <a:p>
+            <a:pPr marL="342900" indent="-342900">
+              <a:buFont typeface="Arial" panose="020B0604020202020204" pitchFamily="34" charset="0"/>
+              <a:buChar char="•"/>
+            </a:pPr>
+            <a:endParaRPr lang="es-ES" sz="2400" spc="-1" dirty="0">
+              <a:latin typeface="Source Sans Pro Semibold" panose="020B0603030403020204" pitchFamily="34" charset="0"/>
+              <a:ea typeface="Source Sans Pro Semibold" panose="020B0603030403020204" pitchFamily="34" charset="0"/>
+            </a:endParaRPr>
+          </a:p>
+          <a:p>
+            <a:pPr marL="342900" indent="-342900">
+              <a:buFont typeface="Arial" panose="020B0604020202020204" pitchFamily="34" charset="0"/>
+              <a:buChar char="•"/>
+            </a:pPr>
+            <a:endParaRPr lang="es-ES" sz="2500" spc="-1" dirty="0">
+              <a:latin typeface="Source Sans Pro" panose="020B0503030403020204" pitchFamily="34" charset="0"/>
+            </a:endParaRPr>
+          </a:p>
+          <a:p>
+            <a:endParaRPr lang="es-ES" dirty="0"/>
           </a:p>
         </p:txBody>
       </p:sp>
@@ -18111,7 +18114,7 @@
               <a:buChar char=""/>
             </a:pPr>
             <a:r>
-              <a:rPr lang="es-ES" sz="2600" b="1" strike="noStrike" spc="-1">
+              <a:rPr lang="es-ES" sz="2600" b="1" strike="noStrike" spc="-1" dirty="0">
                 <a:solidFill>
                   <a:srgbClr val="1C1C1C"/>
                 </a:solidFill>
@@ -18120,7 +18123,7 @@
               </a:rPr>
               <a:t>Registro de clientes</a:t>
             </a:r>
-            <a:endParaRPr lang="es-ES" sz="2600" b="0" strike="noStrike" spc="-1">
+            <a:endParaRPr lang="es-ES" sz="2600" b="0" strike="noStrike" spc="-1" dirty="0">
               <a:latin typeface="Arial"/>
             </a:endParaRPr>
           </a:p>
@@ -18140,7 +18143,7 @@
               <a:buChar char=""/>
             </a:pPr>
             <a:r>
-              <a:rPr lang="es-ES" sz="2600" b="1" strike="noStrike" spc="-1">
+              <a:rPr lang="es-ES" sz="2600" b="1" strike="noStrike" spc="-1" dirty="0">
                 <a:solidFill>
                   <a:srgbClr val="1C1C1C"/>
                 </a:solidFill>
@@ -18149,7 +18152,7 @@
               </a:rPr>
               <a:t>Ofrecer estadísticas a raíz de ese registro</a:t>
             </a:r>
-            <a:endParaRPr lang="es-ES" sz="2600" b="0" strike="noStrike" spc="-1">
+            <a:endParaRPr lang="es-ES" sz="2600" b="0" strike="noStrike" spc="-1" dirty="0">
               <a:latin typeface="Arial"/>
             </a:endParaRPr>
           </a:p>
@@ -18169,7 +18172,7 @@
               <a:buChar char=""/>
             </a:pPr>
             <a:r>
-              <a:rPr lang="es-ES" sz="2600" b="1" strike="noStrike" spc="-1">
+              <a:rPr lang="es-ES" sz="2600" b="1" strike="noStrike" spc="-1" dirty="0">
                 <a:solidFill>
                   <a:srgbClr val="1C1C1C"/>
                 </a:solidFill>
@@ -18178,7 +18181,7 @@
               </a:rPr>
               <a:t>En sala: Camareros y metres</a:t>
             </a:r>
-            <a:endParaRPr lang="es-ES" sz="2600" b="0" strike="noStrike" spc="-1">
+            <a:endParaRPr lang="es-ES" sz="2600" b="0" strike="noStrike" spc="-1" dirty="0">
               <a:latin typeface="Arial"/>
             </a:endParaRPr>
           </a:p>
@@ -18198,7 +18201,7 @@
               <a:buChar char=""/>
             </a:pPr>
             <a:r>
-              <a:rPr lang="es-ES" sz="2600" b="1" strike="noStrike" spc="-1">
+              <a:rPr lang="es-ES" sz="2600" b="1" strike="noStrike" spc="-1" dirty="0">
                 <a:solidFill>
                   <a:srgbClr val="1C1C1C"/>
                 </a:solidFill>
@@ -18207,7 +18210,7 @@
               </a:rPr>
               <a:t>Tres estados de mesa: disponible, ocupada y por limpiar</a:t>
             </a:r>
-            <a:endParaRPr lang="es-ES" sz="2600" b="0" strike="noStrike" spc="-1">
+            <a:endParaRPr lang="es-ES" sz="2600" b="0" strike="noStrike" spc="-1" dirty="0">
               <a:latin typeface="Arial"/>
             </a:endParaRPr>
           </a:p>
@@ -18227,16 +18230,62 @@
               <a:buChar char=""/>
             </a:pPr>
             <a:r>
-              <a:rPr lang="es-ES" sz="2600" b="1" strike="noStrike" spc="-1">
+              <a:rPr lang="es-ES" sz="2600" b="1" strike="noStrike" spc="-1" dirty="0" err="1">
                 <a:solidFill>
                   <a:srgbClr val="1C1C1C"/>
                 </a:solidFill>
                 <a:latin typeface="Source Sans Pro Semibold"/>
                 <a:ea typeface="DejaVu Sans"/>
               </a:rPr>
-              <a:t>Superusuario encargado de administrar cuentas</a:t>
+              <a:t>Super-usuario</a:t>
             </a:r>
-            <a:endParaRPr lang="es-ES" sz="2600" b="0" strike="noStrike" spc="-1">
+            <a:r>
+              <a:rPr lang="es-ES" sz="2600" b="1" strike="noStrike" spc="-1" dirty="0">
+                <a:solidFill>
+                  <a:srgbClr val="1C1C1C"/>
+                </a:solidFill>
+                <a:latin typeface="Source Sans Pro Semibold"/>
+                <a:ea typeface="DejaVu Sans"/>
+              </a:rPr>
+              <a:t> encargado de administrar cuentas</a:t>
+            </a:r>
+          </a:p>
+          <a:p>
+            <a:pPr marL="216000" indent="-215280">
+              <a:spcAft>
+                <a:spcPts val="1142"/>
+              </a:spcAft>
+              <a:buClr>
+                <a:srgbClr val="000000"/>
+              </a:buClr>
+              <a:buSzPct val="45000"/>
+              <a:buFont typeface="Wingdings" charset="2"/>
+              <a:buChar char=""/>
+            </a:pPr>
+            <a:r>
+              <a:rPr lang="es-ES" sz="2600" dirty="0">
+                <a:latin typeface="Source Sans Pro Semibold" panose="020B0603030403020204" pitchFamily="34" charset="0"/>
+                <a:ea typeface="Source Sans Pro Semibold" panose="020B0603030403020204" pitchFamily="34" charset="0"/>
+              </a:rPr>
+              <a:t>Los jefes de sala (o metres) tienen permisos para modificar o eliminar una comanda. - Funcional</a:t>
+            </a:r>
+          </a:p>
+          <a:p>
+            <a:pPr marL="216000" indent="-215280">
+              <a:lnSpc>
+                <a:spcPct val="100000"/>
+              </a:lnSpc>
+              <a:spcAft>
+                <a:spcPts val="1142"/>
+              </a:spcAft>
+              <a:buClr>
+                <a:srgbClr val="000000"/>
+              </a:buClr>
+              <a:buSzPct val="45000"/>
+              <a:buFont typeface="Wingdings" charset="2"/>
+              <a:buChar char=""/>
+            </a:pPr>
+            <a:endParaRPr lang="es-ES" sz="2600" b="0" strike="noStrike" spc="-1" dirty="0">
               <a:latin typeface="Arial"/>
             </a:endParaRPr>
           </a:p>
@@ -18325,12 +18374,27 @@
             <p:ph type="subTitle"/>
           </p:nvPr>
         </p:nvSpPr>
-        <p:spPr/>
+        <p:spPr>
+          <a:xfrm>
+            <a:off x="504000" y="1942988"/>
+            <a:ext cx="9072000" cy="1038746"/>
+          </a:xfrm>
+        </p:spPr>
         <p:txBody>
           <a:bodyPr/>
           <a:lstStyle/>
           <a:p>
-            <a:endParaRPr lang="es-ES"/>
+            <a:pPr marL="342900" indent="-342900">
+              <a:buFont typeface="Arial" panose="020B0604020202020204" pitchFamily="34" charset="0"/>
+              <a:buChar char="•"/>
+            </a:pPr>
+            <a:r>
+              <a:rPr lang="es-ES" sz="2500" dirty="0">
+                <a:latin typeface="Source Sans Pro Semibold" panose="020B0603030403020204" pitchFamily="34" charset="0"/>
+                <a:ea typeface="Source Sans Pro Semibold" panose="020B0603030403020204" pitchFamily="34" charset="0"/>
+              </a:rPr>
+              <a:t>En sala existen 2 tipos de empleados; los camareros que sirven y los metres (o jefes de sala) que se encargan de atender las necesidades de los clientes. </a:t>
+            </a:r>
           </a:p>
         </p:txBody>
       </p:sp>

--- a/Material/Presentación/presentacion.pptx
+++ b/Material/Presentación/presentacion.pptx
@@ -15507,25 +15507,38 @@
       </p:sp>
       <p:pic>
         <p:nvPicPr>
-          <p:cNvPr id="312" name="Imagen 311"/>
-          <p:cNvPicPr/>
+          <p:cNvPr id="3" name="Imagen 2">
+            <a:extLst>
+              <a:ext uri="{FF2B5EF4-FFF2-40B4-BE49-F238E27FC236}">
+                <a16:creationId xmlns:a16="http://schemas.microsoft.com/office/drawing/2014/main" id="{D11ED711-0A1D-47AD-BD22-A5210C9D051F}"/>
+              </a:ext>
+            </a:extLst>
+          </p:cNvPr>
+          <p:cNvPicPr>
+            <a:picLocks noChangeAspect="1"/>
+          </p:cNvPicPr>
           <p:nvPr/>
         </p:nvPicPr>
         <p:blipFill>
-          <a:blip r:embed="rId2"/>
-          <a:stretch/>
+          <a:blip r:embed="rId2">
+            <a:extLst>
+              <a:ext uri="{28A0092B-C50C-407E-A947-70E740481C1C}">
+                <a14:useLocalDpi xmlns:a14="http://schemas.microsoft.com/office/drawing/2010/main" val="0"/>
+              </a:ext>
+            </a:extLst>
+          </a:blip>
+          <a:stretch>
+            <a:fillRect/>
+          </a:stretch>
         </p:blipFill>
         <p:spPr>
           <a:xfrm>
-            <a:off x="360000" y="2102040"/>
-            <a:ext cx="9178920" cy="4434480"/>
-          </a:xfrm>
-          <a:prstGeom prst="rect">
-            <a:avLst/>
-          </a:prstGeom>
-          <a:ln>
-            <a:noFill/>
-          </a:ln>
+            <a:off x="80608" y="1560630"/>
+            <a:ext cx="9919408" cy="4438414"/>
+          </a:xfrm>
+          <a:prstGeom prst="rect">
+            <a:avLst/>
+          </a:prstGeom>
         </p:spPr>
       </p:pic>
     </p:spTree>
@@ -15780,25 +15793,38 @@
       </p:sp>
       <p:pic>
         <p:nvPicPr>
-          <p:cNvPr id="317" name="Imagen 316"/>
-          <p:cNvPicPr/>
+          <p:cNvPr id="3" name="Imagen 2">
+            <a:extLst>
+              <a:ext uri="{FF2B5EF4-FFF2-40B4-BE49-F238E27FC236}">
+                <a16:creationId xmlns:a16="http://schemas.microsoft.com/office/drawing/2014/main" id="{66D7BC1B-F6D0-47B4-AC7D-C6B391281262}"/>
+              </a:ext>
+            </a:extLst>
+          </p:cNvPr>
+          <p:cNvPicPr>
+            <a:picLocks noChangeAspect="1"/>
+          </p:cNvPicPr>
           <p:nvPr/>
         </p:nvPicPr>
         <p:blipFill>
-          <a:blip r:embed="rId2"/>
-          <a:stretch/>
+          <a:blip r:embed="rId2">
+            <a:extLst>
+              <a:ext uri="{28A0092B-C50C-407E-A947-70E740481C1C}">
+                <a14:useLocalDpi xmlns:a14="http://schemas.microsoft.com/office/drawing/2010/main" val="0"/>
+              </a:ext>
+            </a:extLst>
+          </a:blip>
+          <a:stretch>
+            <a:fillRect/>
+          </a:stretch>
         </p:blipFill>
         <p:spPr>
           <a:xfrm>
-            <a:off x="1872000" y="1512000"/>
-            <a:ext cx="6377760" cy="5182920"/>
-          </a:xfrm>
-          <a:prstGeom prst="rect">
-            <a:avLst/>
-          </a:prstGeom>
-          <a:ln>
-            <a:noFill/>
-          </a:ln>
+            <a:off x="583095" y="1524000"/>
+            <a:ext cx="6957391" cy="5857459"/>
+          </a:xfrm>
+          <a:prstGeom prst="rect">
+            <a:avLst/>
+          </a:prstGeom>
         </p:spPr>
       </p:pic>
     </p:spTree>
@@ -16451,25 +16477,38 @@
       </p:sp>
       <p:pic>
         <p:nvPicPr>
-          <p:cNvPr id="330" name="Imagen 329"/>
-          <p:cNvPicPr/>
+          <p:cNvPr id="3" name="Imagen 2">
+            <a:extLst>
+              <a:ext uri="{FF2B5EF4-FFF2-40B4-BE49-F238E27FC236}">
+                <a16:creationId xmlns:a16="http://schemas.microsoft.com/office/drawing/2014/main" id="{2F40F2EF-4747-4284-98D4-74F99783B83E}"/>
+              </a:ext>
+            </a:extLst>
+          </p:cNvPr>
+          <p:cNvPicPr>
+            <a:picLocks noChangeAspect="1"/>
+          </p:cNvPicPr>
           <p:nvPr/>
         </p:nvPicPr>
         <p:blipFill>
-          <a:blip r:embed="rId2"/>
-          <a:stretch/>
+          <a:blip r:embed="rId2">
+            <a:extLst>
+              <a:ext uri="{28A0092B-C50C-407E-A947-70E740481C1C}">
+                <a14:useLocalDpi xmlns:a14="http://schemas.microsoft.com/office/drawing/2010/main" val="0"/>
+              </a:ext>
+            </a:extLst>
+          </a:blip>
+          <a:stretch>
+            <a:fillRect/>
+          </a:stretch>
         </p:blipFill>
         <p:spPr>
           <a:xfrm>
-            <a:off x="518040" y="1980000"/>
-            <a:ext cx="8862840" cy="4678920"/>
-          </a:xfrm>
-          <a:prstGeom prst="rect">
-            <a:avLst/>
-          </a:prstGeom>
-          <a:ln>
-            <a:noFill/>
-          </a:ln>
+            <a:off x="360001" y="1668109"/>
+            <a:ext cx="9358920" cy="4576359"/>
+          </a:xfrm>
+          <a:prstGeom prst="rect">
+            <a:avLst/>
+          </a:prstGeom>
         </p:spPr>
       </p:pic>
     </p:spTree>
@@ -17869,34 +17908,14 @@
         </p:nvSpPr>
         <p:spPr>
           <a:xfrm>
-            <a:off x="504000" y="1853371"/>
-            <a:ext cx="9072000" cy="3005438"/>
+            <a:off x="504000" y="1707947"/>
+            <a:ext cx="9072000" cy="3296287"/>
           </a:xfrm>
         </p:spPr>
         <p:txBody>
           <a:bodyPr/>
           <a:lstStyle/>
           <a:p>
-            <a:pPr marL="342900" indent="-342900">
-              <a:buFont typeface="Arial" panose="020B0604020202020204" pitchFamily="34" charset="0"/>
-              <a:buChar char="•"/>
-            </a:pPr>
-            <a:r>
-              <a:rPr lang="es-ES" sz="2500" b="1" spc="-1" dirty="0">
-                <a:solidFill>
-                  <a:srgbClr val="1C1C1C"/>
-                </a:solidFill>
-                <a:latin typeface="Source Sans Pro Semibold" panose="020B0603030403020204" pitchFamily="34" charset="0"/>
-                <a:ea typeface="Source Sans Pro Semibold" panose="020B0603030403020204" pitchFamily="34" charset="0"/>
-              </a:rPr>
-              <a:t>Los platos de una misma mesa deben servirse a la vez</a:t>
-            </a:r>
-          </a:p>
-          <a:p>
-            <a:pPr marL="342900" indent="-342900">
-              <a:buFont typeface="Arial" panose="020B0604020202020204" pitchFamily="34" charset="0"/>
-              <a:buChar char="•"/>
-            </a:pPr>
             <a:endParaRPr lang="es-ES" sz="2500" b="1" spc="-1" dirty="0">
               <a:solidFill>
                 <a:srgbClr val="1C1C1C"/>
@@ -17947,6 +17966,33 @@
                 <a:latin typeface="Source Sans Pro Semibold"/>
               </a:rPr>
               <a:t>Comandas agrupadas por mesa.</a:t>
+            </a:r>
+          </a:p>
+          <a:p>
+            <a:pPr marL="342900" indent="-342900">
+              <a:buFont typeface="Arial" panose="020B0604020202020204" pitchFamily="34" charset="0"/>
+              <a:buChar char="•"/>
+            </a:pPr>
+            <a:endParaRPr lang="es-ES" sz="2400" b="1" spc="-1" dirty="0">
+              <a:solidFill>
+                <a:srgbClr val="1C1C1C"/>
+              </a:solidFill>
+              <a:latin typeface="Source Sans Pro Semibold"/>
+            </a:endParaRPr>
+          </a:p>
+          <a:p>
+            <a:pPr marL="342900" indent="-342900">
+              <a:buFont typeface="Arial" panose="020B0604020202020204" pitchFamily="34" charset="0"/>
+              <a:buChar char="•"/>
+            </a:pPr>
+            <a:r>
+              <a:rPr lang="es-ES" sz="2400" b="1" spc="-1" dirty="0">
+                <a:solidFill>
+                  <a:srgbClr val="1C1C1C"/>
+                </a:solidFill>
+                <a:latin typeface="Source Sans Pro Semibold"/>
+              </a:rPr>
+              <a:t>Ordenar Mesas según su estado  </a:t>
             </a:r>
             <a:endParaRPr lang="es-ES" sz="2400" spc="-1" dirty="0"/>
           </a:p>
@@ -18488,25 +18534,38 @@
       </p:sp>
       <p:pic>
         <p:nvPicPr>
-          <p:cNvPr id="301" name="Imagen 300"/>
-          <p:cNvPicPr/>
+          <p:cNvPr id="3" name="Imagen 2">
+            <a:extLst>
+              <a:ext uri="{FF2B5EF4-FFF2-40B4-BE49-F238E27FC236}">
+                <a16:creationId xmlns:a16="http://schemas.microsoft.com/office/drawing/2014/main" id="{F1BDD349-F2BE-4B1E-B4D6-8671F7811351}"/>
+              </a:ext>
+            </a:extLst>
+          </p:cNvPr>
+          <p:cNvPicPr>
+            <a:picLocks noChangeAspect="1"/>
+          </p:cNvPicPr>
           <p:nvPr/>
         </p:nvPicPr>
         <p:blipFill>
-          <a:blip r:embed="rId2"/>
-          <a:stretch/>
+          <a:blip r:embed="rId2">
+            <a:extLst>
+              <a:ext uri="{28A0092B-C50C-407E-A947-70E740481C1C}">
+                <a14:useLocalDpi xmlns:a14="http://schemas.microsoft.com/office/drawing/2010/main" val="0"/>
+              </a:ext>
+            </a:extLst>
+          </a:blip>
+          <a:stretch>
+            <a:fillRect/>
+          </a:stretch>
         </p:blipFill>
         <p:spPr>
           <a:xfrm>
-            <a:off x="1029240" y="1807920"/>
-            <a:ext cx="8042400" cy="4383720"/>
-          </a:xfrm>
-          <a:prstGeom prst="rect">
-            <a:avLst/>
-          </a:prstGeom>
-          <a:ln>
-            <a:noFill/>
-          </a:ln>
+            <a:off x="701320" y="1583453"/>
+            <a:ext cx="8677983" cy="5256045"/>
+          </a:xfrm>
+          <a:prstGeom prst="rect">
+            <a:avLst/>
+          </a:prstGeom>
         </p:spPr>
       </p:pic>
     </p:spTree>
